--- a/ALGORITHEM/lesson 1/1.0 Supervised Learning Model.pptx
+++ b/ALGORITHEM/lesson 1/1.0 Supervised Learning Model.pptx
@@ -1,67 +1,88 @@
 
 <file path=ppt/presentation.xml><?xml version="1.0" encoding="utf-8"?>
-<p:presentation xmlns:a="http://schemas.openxmlformats.org/drawingml/2006/main" xmlns:r="http://schemas.openxmlformats.org/officeDocument/2006/relationships" xmlns:mc="http://schemas.openxmlformats.org/markup-compatibility/2006" xmlns:mv="urn:schemas-microsoft-com:mac:vml" xmlns:p="http://schemas.openxmlformats.org/presentationml/2006/main" xmlns:c="http://schemas.openxmlformats.org/drawingml/2006/chart" xmlns:dgm="http://schemas.openxmlformats.org/drawingml/2006/diagram" xmlns:o="urn:schemas-microsoft-com:office:office" xmlns:v="urn:schemas-microsoft-com:vml" xmlns:pvml="urn:schemas-microsoft-com:office:powerpoint" xmlns:com="http://schemas.openxmlformats.org/drawingml/2006/compatibility" xmlns:p14="http://schemas.microsoft.com/office/powerpoint/2010/main" xmlns:p15="http://schemas.microsoft.com/office/powerpoint/2012/main" xmlns:ahyp="http://schemas.microsoft.com/office/drawing/2018/hyperlinkcolor" autoCompressPictures="0" embedTrueTypeFonts="1" strictFirstAndLastChars="0" saveSubsetFonts="1">
+<p:presentation xmlns:a="http://schemas.openxmlformats.org/drawingml/2006/main" xmlns:r="http://schemas.openxmlformats.org/officeDocument/2006/relationships" xmlns:p="http://schemas.openxmlformats.org/presentationml/2006/main" strictFirstAndLastChars="0" embedTrueTypeFonts="1" saveSubsetFonts="1" autoCompressPictures="0">
   <p:sldMasterIdLst>
-    <p:sldMasterId id="2147483659" r:id="rId5"/>
+    <p:sldMasterId id="2147483659" r:id="rId1"/>
   </p:sldMasterIdLst>
   <p:notesMasterIdLst>
-    <p:notesMasterId r:id="rId6"/>
+    <p:notesMasterId r:id="rId23"/>
   </p:notesMasterIdLst>
   <p:sldIdLst>
-    <p:sldId id="256" r:id="rId7"/>
-    <p:sldId id="257" r:id="rId8"/>
-    <p:sldId id="258" r:id="rId9"/>
-    <p:sldId id="259" r:id="rId10"/>
-    <p:sldId id="260" r:id="rId11"/>
-    <p:sldId id="261" r:id="rId12"/>
-    <p:sldId id="262" r:id="rId13"/>
-    <p:sldId id="263" r:id="rId14"/>
-    <p:sldId id="264" r:id="rId15"/>
-    <p:sldId id="265" r:id="rId16"/>
-    <p:sldId id="266" r:id="rId17"/>
-    <p:sldId id="267" r:id="rId18"/>
-    <p:sldId id="268" r:id="rId19"/>
-    <p:sldId id="269" r:id="rId20"/>
-    <p:sldId id="270" r:id="rId21"/>
-    <p:sldId id="271" r:id="rId22"/>
-    <p:sldId id="272" r:id="rId23"/>
-    <p:sldId id="273" r:id="rId24"/>
-    <p:sldId id="274" r:id="rId25"/>
-    <p:sldId id="275" r:id="rId26"/>
-    <p:sldId id="276" r:id="rId27"/>
+    <p:sldId id="256" r:id="rId2"/>
+    <p:sldId id="257" r:id="rId3"/>
+    <p:sldId id="258" r:id="rId4"/>
+    <p:sldId id="259" r:id="rId5"/>
+    <p:sldId id="260" r:id="rId6"/>
+    <p:sldId id="261" r:id="rId7"/>
+    <p:sldId id="262" r:id="rId8"/>
+    <p:sldId id="263" r:id="rId9"/>
+    <p:sldId id="264" r:id="rId10"/>
+    <p:sldId id="265" r:id="rId11"/>
+    <p:sldId id="266" r:id="rId12"/>
+    <p:sldId id="267" r:id="rId13"/>
+    <p:sldId id="268" r:id="rId14"/>
+    <p:sldId id="269" r:id="rId15"/>
+    <p:sldId id="270" r:id="rId16"/>
+    <p:sldId id="271" r:id="rId17"/>
+    <p:sldId id="272" r:id="rId18"/>
+    <p:sldId id="273" r:id="rId19"/>
+    <p:sldId id="274" r:id="rId20"/>
+    <p:sldId id="275" r:id="rId21"/>
+    <p:sldId id="276" r:id="rId22"/>
   </p:sldIdLst>
-  <p:sldSz cy="5143500" cx="9144000"/>
+  <p:sldSz cx="9144000" cy="5143500" type="screen16x9"/>
   <p:notesSz cx="6858000" cy="9144000"/>
   <p:embeddedFontLst>
     <p:embeddedFont>
-      <p:font typeface="Roboto"/>
-      <p:regular r:id="rId28"/>
-      <p:bold r:id="rId29"/>
-      <p:italic r:id="rId30"/>
-      <p:boldItalic r:id="rId31"/>
+      <p:font typeface="PT Sans Narrow" charset="0"/>
+      <p:regular r:id="rId24"/>
+      <p:bold r:id="rId25"/>
     </p:embeddedFont>
     <p:embeddedFont>
-      <p:font typeface="PT Sans Narrow"/>
-      <p:regular r:id="rId32"/>
-      <p:bold r:id="rId33"/>
+      <p:font typeface="Montserrat" charset="0"/>
+      <p:regular r:id="rId26"/>
+      <p:bold r:id="rId27"/>
+      <p:italic r:id="rId28"/>
+      <p:boldItalic r:id="rId29"/>
     </p:embeddedFont>
     <p:embeddedFont>
-      <p:font typeface="Montserrat"/>
+      <p:font typeface="Open Sans" charset="0"/>
+      <p:regular r:id="rId30"/>
+      <p:bold r:id="rId31"/>
+      <p:italic r:id="rId32"/>
+      <p:boldItalic r:id="rId33"/>
+    </p:embeddedFont>
+    <p:embeddedFont>
+      <p:font typeface="Verdana" pitchFamily="34" charset="0"/>
       <p:regular r:id="rId34"/>
       <p:bold r:id="rId35"/>
       <p:italic r:id="rId36"/>
       <p:boldItalic r:id="rId37"/>
     </p:embeddedFont>
     <p:embeddedFont>
-      <p:font typeface="Open Sans"/>
+      <p:font typeface="Calibri" pitchFamily="34" charset="0"/>
       <p:regular r:id="rId38"/>
       <p:bold r:id="rId39"/>
       <p:italic r:id="rId40"/>
       <p:boldItalic r:id="rId41"/>
     </p:embeddedFont>
+    <p:embeddedFont>
+      <p:font typeface="Georgia" pitchFamily="18" charset="0"/>
+      <p:regular r:id="rId42"/>
+      <p:bold r:id="rId43"/>
+      <p:italic r:id="rId44"/>
+      <p:boldItalic r:id="rId45"/>
+    </p:embeddedFont>
+    <p:embeddedFont>
+      <p:font typeface="Roboto" charset="0"/>
+      <p:regular r:id="rId46"/>
+      <p:bold r:id="rId47"/>
+      <p:italic r:id="rId48"/>
+      <p:boldItalic r:id="rId49"/>
+    </p:embeddedFont>
   </p:embeddedFontLst>
   <p:defaultTextStyle>
-    <a:defPPr lvl="0" marR="0" rtl="0" algn="l">
+    <a:defPPr marR="0" lvl="0" algn="l" rtl="0">
       <a:lnSpc>
         <a:spcPct val="100000"/>
       </a:lnSpc>
@@ -72,7 +93,7 @@
         <a:spcPts val="0"/>
       </a:spcAft>
     </a:defPPr>
-    <a:lvl1pPr lvl="0" marR="0" rtl="0" algn="l">
+    <a:lvl1pPr marR="0" lvl="0" algn="l" rtl="0">
       <a:lnSpc>
         <a:spcPct val="100000"/>
       </a:lnSpc>
@@ -86,7 +107,7 @@
         <a:srgbClr val="000000"/>
       </a:buClr>
       <a:buFont typeface="Arial"/>
-      <a:defRPr b="0" i="0" sz="1400" u="none" cap="none" strike="noStrike">
+      <a:defRPr sz="1400" b="0" i="0" u="none" strike="noStrike" cap="none">
         <a:solidFill>
           <a:srgbClr val="000000"/>
         </a:solidFill>
@@ -96,7 +117,7 @@
         <a:sym typeface="Arial"/>
       </a:defRPr>
     </a:lvl1pPr>
-    <a:lvl2pPr lvl="1" marR="0" rtl="0" algn="l">
+    <a:lvl2pPr marR="0" lvl="1" algn="l" rtl="0">
       <a:lnSpc>
         <a:spcPct val="100000"/>
       </a:lnSpc>
@@ -110,7 +131,7 @@
         <a:srgbClr val="000000"/>
       </a:buClr>
       <a:buFont typeface="Arial"/>
-      <a:defRPr b="0" i="0" sz="1400" u="none" cap="none" strike="noStrike">
+      <a:defRPr sz="1400" b="0" i="0" u="none" strike="noStrike" cap="none">
         <a:solidFill>
           <a:srgbClr val="000000"/>
         </a:solidFill>
@@ -120,7 +141,7 @@
         <a:sym typeface="Arial"/>
       </a:defRPr>
     </a:lvl2pPr>
-    <a:lvl3pPr lvl="2" marR="0" rtl="0" algn="l">
+    <a:lvl3pPr marR="0" lvl="2" algn="l" rtl="0">
       <a:lnSpc>
         <a:spcPct val="100000"/>
       </a:lnSpc>
@@ -134,7 +155,7 @@
         <a:srgbClr val="000000"/>
       </a:buClr>
       <a:buFont typeface="Arial"/>
-      <a:defRPr b="0" i="0" sz="1400" u="none" cap="none" strike="noStrike">
+      <a:defRPr sz="1400" b="0" i="0" u="none" strike="noStrike" cap="none">
         <a:solidFill>
           <a:srgbClr val="000000"/>
         </a:solidFill>
@@ -144,7 +165,7 @@
         <a:sym typeface="Arial"/>
       </a:defRPr>
     </a:lvl3pPr>
-    <a:lvl4pPr lvl="3" marR="0" rtl="0" algn="l">
+    <a:lvl4pPr marR="0" lvl="3" algn="l" rtl="0">
       <a:lnSpc>
         <a:spcPct val="100000"/>
       </a:lnSpc>
@@ -158,7 +179,7 @@
         <a:srgbClr val="000000"/>
       </a:buClr>
       <a:buFont typeface="Arial"/>
-      <a:defRPr b="0" i="0" sz="1400" u="none" cap="none" strike="noStrike">
+      <a:defRPr sz="1400" b="0" i="0" u="none" strike="noStrike" cap="none">
         <a:solidFill>
           <a:srgbClr val="000000"/>
         </a:solidFill>
@@ -168,7 +189,7 @@
         <a:sym typeface="Arial"/>
       </a:defRPr>
     </a:lvl4pPr>
-    <a:lvl5pPr lvl="4" marR="0" rtl="0" algn="l">
+    <a:lvl5pPr marR="0" lvl="4" algn="l" rtl="0">
       <a:lnSpc>
         <a:spcPct val="100000"/>
       </a:lnSpc>
@@ -182,7 +203,7 @@
         <a:srgbClr val="000000"/>
       </a:buClr>
       <a:buFont typeface="Arial"/>
-      <a:defRPr b="0" i="0" sz="1400" u="none" cap="none" strike="noStrike">
+      <a:defRPr sz="1400" b="0" i="0" u="none" strike="noStrike" cap="none">
         <a:solidFill>
           <a:srgbClr val="000000"/>
         </a:solidFill>
@@ -192,7 +213,7 @@
         <a:sym typeface="Arial"/>
       </a:defRPr>
     </a:lvl5pPr>
-    <a:lvl6pPr lvl="5" marR="0" rtl="0" algn="l">
+    <a:lvl6pPr marR="0" lvl="5" algn="l" rtl="0">
       <a:lnSpc>
         <a:spcPct val="100000"/>
       </a:lnSpc>
@@ -206,7 +227,7 @@
         <a:srgbClr val="000000"/>
       </a:buClr>
       <a:buFont typeface="Arial"/>
-      <a:defRPr b="0" i="0" sz="1400" u="none" cap="none" strike="noStrike">
+      <a:defRPr sz="1400" b="0" i="0" u="none" strike="noStrike" cap="none">
         <a:solidFill>
           <a:srgbClr val="000000"/>
         </a:solidFill>
@@ -216,7 +237,7 @@
         <a:sym typeface="Arial"/>
       </a:defRPr>
     </a:lvl6pPr>
-    <a:lvl7pPr lvl="6" marR="0" rtl="0" algn="l">
+    <a:lvl7pPr marR="0" lvl="6" algn="l" rtl="0">
       <a:lnSpc>
         <a:spcPct val="100000"/>
       </a:lnSpc>
@@ -230,7 +251,7 @@
         <a:srgbClr val="000000"/>
       </a:buClr>
       <a:buFont typeface="Arial"/>
-      <a:defRPr b="0" i="0" sz="1400" u="none" cap="none" strike="noStrike">
+      <a:defRPr sz="1400" b="0" i="0" u="none" strike="noStrike" cap="none">
         <a:solidFill>
           <a:srgbClr val="000000"/>
         </a:solidFill>
@@ -240,7 +261,7 @@
         <a:sym typeface="Arial"/>
       </a:defRPr>
     </a:lvl7pPr>
-    <a:lvl8pPr lvl="7" marR="0" rtl="0" algn="l">
+    <a:lvl8pPr marR="0" lvl="7" algn="l" rtl="0">
       <a:lnSpc>
         <a:spcPct val="100000"/>
       </a:lnSpc>
@@ -254,7 +275,7 @@
         <a:srgbClr val="000000"/>
       </a:buClr>
       <a:buFont typeface="Arial"/>
-      <a:defRPr b="0" i="0" sz="1400" u="none" cap="none" strike="noStrike">
+      <a:defRPr sz="1400" b="0" i="0" u="none" strike="noStrike" cap="none">
         <a:solidFill>
           <a:srgbClr val="000000"/>
         </a:solidFill>
@@ -264,7 +285,7 @@
         <a:sym typeface="Arial"/>
       </a:defRPr>
     </a:lvl8pPr>
-    <a:lvl9pPr lvl="8" marR="0" rtl="0" algn="l">
+    <a:lvl9pPr marR="0" lvl="8" algn="l" rtl="0">
       <a:lnSpc>
         <a:spcPct val="100000"/>
       </a:lnSpc>
@@ -278,7 +299,7 @@
         <a:srgbClr val="000000"/>
       </a:buClr>
       <a:buFont typeface="Arial"/>
-      <a:defRPr b="0" i="0" sz="1400" u="none" cap="none" strike="noStrike">
+      <a:defRPr sz="1400" b="0" i="0" u="none" strike="noStrike" cap="none">
         <a:solidFill>
           <a:srgbClr val="000000"/>
         </a:solidFill>
@@ -291,7 +312,7 @@
   </p:defaultTextStyle>
   <p:extLst>
     <p:ext uri="{EFAFB233-063F-42B5-8137-9DF3F51BA10A}">
-      <p15:sldGuideLst>
+      <p15:sldGuideLst xmlns:ahyp="http://schemas.microsoft.com/office/drawing/2018/hyperlinkcolor" xmlns:p15="http://schemas.microsoft.com/office/powerpoint/2012/main" xmlns:p14="http://schemas.microsoft.com/office/powerpoint/2010/main" xmlns:com="http://schemas.openxmlformats.org/drawingml/2006/compatibility" xmlns:pvml="urn:schemas-microsoft-com:office:powerpoint" xmlns:v="urn:schemas-microsoft-com:vml" xmlns:o="urn:schemas-microsoft-com:office:office" xmlns:dgm="http://schemas.openxmlformats.org/drawingml/2006/diagram" xmlns:c="http://schemas.openxmlformats.org/drawingml/2006/chart" xmlns:mv="urn:schemas-microsoft-com:mac:vml" xmlns:mc="http://schemas.openxmlformats.org/markup-compatibility/2006" xmlns="">
         <p15:guide id="1" orient="horz" pos="1620">
           <p15:clr>
             <a:srgbClr val="A4A3A4"/>
@@ -309,11 +330,16 @@
 </file>
 
 <file path=ppt/notesMasters/notesMaster1.xml><?xml version="1.0" encoding="utf-8"?>
-<p:notesMaster xmlns:a="http://schemas.openxmlformats.org/drawingml/2006/main" xmlns:r="http://schemas.openxmlformats.org/officeDocument/2006/relationships" xmlns:mc="http://schemas.openxmlformats.org/markup-compatibility/2006" xmlns:mv="urn:schemas-microsoft-com:mac:vml" xmlns:p="http://schemas.openxmlformats.org/presentationml/2006/main" xmlns:c="http://schemas.openxmlformats.org/drawingml/2006/chart" xmlns:dgm="http://schemas.openxmlformats.org/drawingml/2006/diagram" xmlns:o="urn:schemas-microsoft-com:office:office" xmlns:v="urn:schemas-microsoft-com:vml" xmlns:pvml="urn:schemas-microsoft-com:office:powerpoint" xmlns:com="http://schemas.openxmlformats.org/drawingml/2006/compatibility" xmlns:p14="http://schemas.microsoft.com/office/powerpoint/2010/main" xmlns:p15="http://schemas.microsoft.com/office/powerpoint/2012/main" xmlns:ahyp="http://schemas.microsoft.com/office/drawing/2018/hyperlinkcolor">
+<p:notesMaster xmlns:a="http://schemas.openxmlformats.org/drawingml/2006/main" xmlns:r="http://schemas.openxmlformats.org/officeDocument/2006/relationships" xmlns:p="http://schemas.openxmlformats.org/presentationml/2006/main">
   <p:cSld>
+    <p:bg>
+      <p:bgRef idx="1001">
+        <a:schemeClr val="bg1"/>
+      </p:bgRef>
+    </p:bg>
     <p:spTree>
       <p:nvGrpSpPr>
-        <p:cNvPr id="2" name="Shape 2"/>
+        <p:cNvPr id="1" name="Shape 2"/>
         <p:cNvGrpSpPr/>
         <p:nvPr/>
       </p:nvGrpSpPr>
@@ -328,9 +354,11 @@
       <p:sp>
         <p:nvSpPr>
           <p:cNvPr id="3" name="Google Shape;3;n"/>
-          <p:cNvSpPr/>
+          <p:cNvSpPr>
+            <a:spLocks noGrp="1" noRot="1" noChangeAspect="1"/>
+          </p:cNvSpPr>
           <p:nvPr>
-            <p:ph idx="2" type="sldImg"/>
+            <p:ph type="sldImg" idx="2"/>
           </p:nvPr>
         </p:nvSpPr>
         <p:spPr>
@@ -339,9 +367,13 @@
             <a:ext cx="6096075" cy="3429000"/>
           </a:xfrm>
           <a:custGeom>
-            <a:rect b="b" l="l" r="r" t="t"/>
+            <a:avLst/>
+            <a:gdLst/>
+            <a:ahLst/>
+            <a:cxnLst/>
+            <a:rect l="l" t="t" r="r" b="b"/>
             <a:pathLst>
-              <a:path extrusionOk="0" h="120000" w="120000">
+              <a:path w="120000" h="120000" extrusionOk="0">
                 <a:moveTo>
                   <a:pt x="0" y="0"/>
                 </a:moveTo>
@@ -359,23 +391,25 @@
             </a:pathLst>
           </a:custGeom>
           <a:noFill/>
-          <a:ln cap="flat" cmpd="sng" w="9525">
+          <a:ln w="9525" cap="flat" cmpd="sng">
             <a:solidFill>
               <a:srgbClr val="000000"/>
             </a:solidFill>
             <a:prstDash val="solid"/>
             <a:round/>
-            <a:headEnd len="sm" w="sm" type="none"/>
-            <a:tailEnd len="sm" w="sm" type="none"/>
+            <a:headEnd type="none" w="sm" len="sm"/>
+            <a:tailEnd type="none" w="sm" len="sm"/>
           </a:ln>
         </p:spPr>
       </p:sp>
       <p:sp>
         <p:nvSpPr>
           <p:cNvPr id="4" name="Google Shape;4;n"/>
-          <p:cNvSpPr txBox="1"/>
+          <p:cNvSpPr txBox="1">
+            <a:spLocks noGrp="1"/>
+          </p:cNvSpPr>
           <p:nvPr>
-            <p:ph idx="1" type="body"/>
+            <p:ph type="body" idx="1"/>
           </p:nvPr>
         </p:nvSpPr>
         <p:spPr>
@@ -392,11 +426,11 @@
           </a:ln>
         </p:spPr>
         <p:txBody>
-          <a:bodyPr anchorCtr="0" anchor="t" bIns="91425" lIns="91425" spcFirstLastPara="1" rIns="91425" wrap="square" tIns="91425">
+          <a:bodyPr spcFirstLastPara="1" wrap="square" lIns="91425" tIns="91425" rIns="91425" bIns="91425" anchor="t" anchorCtr="0">
             <a:noAutofit/>
           </a:bodyPr>
           <a:lstStyle>
-            <a:lvl1pPr indent="-298450" lvl="0" marL="457200">
+            <a:lvl1pPr marL="457200" lvl="0" indent="-298450">
               <a:spcBef>
                 <a:spcPts val="0"/>
               </a:spcBef>
@@ -407,7 +441,7 @@
               <a:buChar char="●"/>
               <a:defRPr sz="1100"/>
             </a:lvl1pPr>
-            <a:lvl2pPr indent="-298450" lvl="1" marL="914400">
+            <a:lvl2pPr marL="914400" lvl="1" indent="-298450">
               <a:spcBef>
                 <a:spcPts val="0"/>
               </a:spcBef>
@@ -418,7 +452,7 @@
               <a:buChar char="○"/>
               <a:defRPr sz="1100"/>
             </a:lvl2pPr>
-            <a:lvl3pPr indent="-298450" lvl="2" marL="1371600">
+            <a:lvl3pPr marL="1371600" lvl="2" indent="-298450">
               <a:spcBef>
                 <a:spcPts val="0"/>
               </a:spcBef>
@@ -429,7 +463,7 @@
               <a:buChar char="■"/>
               <a:defRPr sz="1100"/>
             </a:lvl3pPr>
-            <a:lvl4pPr indent="-298450" lvl="3" marL="1828800">
+            <a:lvl4pPr marL="1828800" lvl="3" indent="-298450">
               <a:spcBef>
                 <a:spcPts val="0"/>
               </a:spcBef>
@@ -440,7 +474,7 @@
               <a:buChar char="●"/>
               <a:defRPr sz="1100"/>
             </a:lvl4pPr>
-            <a:lvl5pPr indent="-298450" lvl="4" marL="2286000">
+            <a:lvl5pPr marL="2286000" lvl="4" indent="-298450">
               <a:spcBef>
                 <a:spcPts val="0"/>
               </a:spcBef>
@@ -451,7 +485,7 @@
               <a:buChar char="○"/>
               <a:defRPr sz="1100"/>
             </a:lvl5pPr>
-            <a:lvl6pPr indent="-298450" lvl="5" marL="2743200">
+            <a:lvl6pPr marL="2743200" lvl="5" indent="-298450">
               <a:spcBef>
                 <a:spcPts val="0"/>
               </a:spcBef>
@@ -462,7 +496,7 @@
               <a:buChar char="■"/>
               <a:defRPr sz="1100"/>
             </a:lvl6pPr>
-            <a:lvl7pPr indent="-298450" lvl="6" marL="3200400">
+            <a:lvl7pPr marL="3200400" lvl="6" indent="-298450">
               <a:spcBef>
                 <a:spcPts val="0"/>
               </a:spcBef>
@@ -473,7 +507,7 @@
               <a:buChar char="●"/>
               <a:defRPr sz="1100"/>
             </a:lvl7pPr>
-            <a:lvl8pPr indent="-298450" lvl="7" marL="3657600">
+            <a:lvl8pPr marL="3657600" lvl="7" indent="-298450">
               <a:spcBef>
                 <a:spcPts val="0"/>
               </a:spcBef>
@@ -484,7 +518,7 @@
               <a:buChar char="○"/>
               <a:defRPr sz="1100"/>
             </a:lvl8pPr>
-            <a:lvl9pPr indent="-298450" lvl="8" marL="4114800">
+            <a:lvl9pPr marL="4114800" lvl="8" indent="-298450">
               <a:spcBef>
                 <a:spcPts val="0"/>
               </a:spcBef>
@@ -496,14 +530,21 @@
               <a:defRPr sz="1100"/>
             </a:lvl9pPr>
           </a:lstStyle>
-          <a:p/>
+          <a:p>
+            <a:endParaRPr/>
+          </a:p>
         </p:txBody>
       </p:sp>
     </p:spTree>
+    <p:extLst>
+      <p:ext uri="{BB962C8B-B14F-4D97-AF65-F5344CB8AC3E}">
+        <p14:creationId xmlns:p14="http://schemas.microsoft.com/office/powerpoint/2010/main" val="3852552613"/>
+      </p:ext>
+    </p:extLst>
   </p:cSld>
-  <p:clrMap accent1="accent1" accent2="accent2" accent3="accent3" accent4="accent4" accent5="accent5" accent6="accent6" bg1="lt1" bg2="dk2" tx1="dk1" tx2="lt2" folHlink="folHlink" hlink="hlink"/>
+  <p:clrMap bg1="lt1" tx1="dk1" bg2="dk2" tx2="lt2" accent1="accent1" accent2="accent2" accent3="accent3" accent4="accent4" accent5="accent5" accent6="accent6" hlink="hlink" folHlink="folHlink"/>
   <p:notesStyle>
-    <a:defPPr lvl="0" marR="0" rtl="0" algn="l">
+    <a:defPPr marR="0" lvl="0" algn="l" rtl="0">
       <a:lnSpc>
         <a:spcPct val="100000"/>
       </a:lnSpc>
@@ -514,7 +555,7 @@
         <a:spcPts val="0"/>
       </a:spcAft>
     </a:defPPr>
-    <a:lvl1pPr lvl="0" marR="0" rtl="0" algn="l">
+    <a:lvl1pPr marR="0" lvl="0" algn="l" rtl="0">
       <a:lnSpc>
         <a:spcPct val="100000"/>
       </a:lnSpc>
@@ -528,7 +569,7 @@
         <a:srgbClr val="000000"/>
       </a:buClr>
       <a:buFont typeface="Arial"/>
-      <a:defRPr b="0" i="0" sz="1400" u="none" cap="none" strike="noStrike">
+      <a:defRPr sz="1400" b="0" i="0" u="none" strike="noStrike" cap="none">
         <a:solidFill>
           <a:srgbClr val="000000"/>
         </a:solidFill>
@@ -538,7 +579,7 @@
         <a:sym typeface="Arial"/>
       </a:defRPr>
     </a:lvl1pPr>
-    <a:lvl2pPr lvl="1" marR="0" rtl="0" algn="l">
+    <a:lvl2pPr marR="0" lvl="1" algn="l" rtl="0">
       <a:lnSpc>
         <a:spcPct val="100000"/>
       </a:lnSpc>
@@ -552,7 +593,7 @@
         <a:srgbClr val="000000"/>
       </a:buClr>
       <a:buFont typeface="Arial"/>
-      <a:defRPr b="0" i="0" sz="1400" u="none" cap="none" strike="noStrike">
+      <a:defRPr sz="1400" b="0" i="0" u="none" strike="noStrike" cap="none">
         <a:solidFill>
           <a:srgbClr val="000000"/>
         </a:solidFill>
@@ -562,7 +603,7 @@
         <a:sym typeface="Arial"/>
       </a:defRPr>
     </a:lvl2pPr>
-    <a:lvl3pPr lvl="2" marR="0" rtl="0" algn="l">
+    <a:lvl3pPr marR="0" lvl="2" algn="l" rtl="0">
       <a:lnSpc>
         <a:spcPct val="100000"/>
       </a:lnSpc>
@@ -576,7 +617,7 @@
         <a:srgbClr val="000000"/>
       </a:buClr>
       <a:buFont typeface="Arial"/>
-      <a:defRPr b="0" i="0" sz="1400" u="none" cap="none" strike="noStrike">
+      <a:defRPr sz="1400" b="0" i="0" u="none" strike="noStrike" cap="none">
         <a:solidFill>
           <a:srgbClr val="000000"/>
         </a:solidFill>
@@ -586,7 +627,7 @@
         <a:sym typeface="Arial"/>
       </a:defRPr>
     </a:lvl3pPr>
-    <a:lvl4pPr lvl="3" marR="0" rtl="0" algn="l">
+    <a:lvl4pPr marR="0" lvl="3" algn="l" rtl="0">
       <a:lnSpc>
         <a:spcPct val="100000"/>
       </a:lnSpc>
@@ -600,7 +641,7 @@
         <a:srgbClr val="000000"/>
       </a:buClr>
       <a:buFont typeface="Arial"/>
-      <a:defRPr b="0" i="0" sz="1400" u="none" cap="none" strike="noStrike">
+      <a:defRPr sz="1400" b="0" i="0" u="none" strike="noStrike" cap="none">
         <a:solidFill>
           <a:srgbClr val="000000"/>
         </a:solidFill>
@@ -610,7 +651,7 @@
         <a:sym typeface="Arial"/>
       </a:defRPr>
     </a:lvl4pPr>
-    <a:lvl5pPr lvl="4" marR="0" rtl="0" algn="l">
+    <a:lvl5pPr marR="0" lvl="4" algn="l" rtl="0">
       <a:lnSpc>
         <a:spcPct val="100000"/>
       </a:lnSpc>
@@ -624,7 +665,7 @@
         <a:srgbClr val="000000"/>
       </a:buClr>
       <a:buFont typeface="Arial"/>
-      <a:defRPr b="0" i="0" sz="1400" u="none" cap="none" strike="noStrike">
+      <a:defRPr sz="1400" b="0" i="0" u="none" strike="noStrike" cap="none">
         <a:solidFill>
           <a:srgbClr val="000000"/>
         </a:solidFill>
@@ -634,7 +675,7 @@
         <a:sym typeface="Arial"/>
       </a:defRPr>
     </a:lvl5pPr>
-    <a:lvl6pPr lvl="5" marR="0" rtl="0" algn="l">
+    <a:lvl6pPr marR="0" lvl="5" algn="l" rtl="0">
       <a:lnSpc>
         <a:spcPct val="100000"/>
       </a:lnSpc>
@@ -648,7 +689,7 @@
         <a:srgbClr val="000000"/>
       </a:buClr>
       <a:buFont typeface="Arial"/>
-      <a:defRPr b="0" i="0" sz="1400" u="none" cap="none" strike="noStrike">
+      <a:defRPr sz="1400" b="0" i="0" u="none" strike="noStrike" cap="none">
         <a:solidFill>
           <a:srgbClr val="000000"/>
         </a:solidFill>
@@ -658,7 +699,7 @@
         <a:sym typeface="Arial"/>
       </a:defRPr>
     </a:lvl6pPr>
-    <a:lvl7pPr lvl="6" marR="0" rtl="0" algn="l">
+    <a:lvl7pPr marR="0" lvl="6" algn="l" rtl="0">
       <a:lnSpc>
         <a:spcPct val="100000"/>
       </a:lnSpc>
@@ -672,7 +713,7 @@
         <a:srgbClr val="000000"/>
       </a:buClr>
       <a:buFont typeface="Arial"/>
-      <a:defRPr b="0" i="0" sz="1400" u="none" cap="none" strike="noStrike">
+      <a:defRPr sz="1400" b="0" i="0" u="none" strike="noStrike" cap="none">
         <a:solidFill>
           <a:srgbClr val="000000"/>
         </a:solidFill>
@@ -682,7 +723,7 @@
         <a:sym typeface="Arial"/>
       </a:defRPr>
     </a:lvl7pPr>
-    <a:lvl8pPr lvl="7" marR="0" rtl="0" algn="l">
+    <a:lvl8pPr marR="0" lvl="7" algn="l" rtl="0">
       <a:lnSpc>
         <a:spcPct val="100000"/>
       </a:lnSpc>
@@ -696,7 +737,7 @@
         <a:srgbClr val="000000"/>
       </a:buClr>
       <a:buFont typeface="Arial"/>
-      <a:defRPr b="0" i="0" sz="1400" u="none" cap="none" strike="noStrike">
+      <a:defRPr sz="1400" b="0" i="0" u="none" strike="noStrike" cap="none">
         <a:solidFill>
           <a:srgbClr val="000000"/>
         </a:solidFill>
@@ -706,7 +747,7 @@
         <a:sym typeface="Arial"/>
       </a:defRPr>
     </a:lvl8pPr>
-    <a:lvl9pPr lvl="8" marR="0" rtl="0" algn="l">
+    <a:lvl9pPr marR="0" lvl="8" algn="l" rtl="0">
       <a:lnSpc>
         <a:spcPct val="100000"/>
       </a:lnSpc>
@@ -720,7 +761,7 @@
         <a:srgbClr val="000000"/>
       </a:buClr>
       <a:buFont typeface="Arial"/>
-      <a:defRPr b="0" i="0" sz="1400" u="none" cap="none" strike="noStrike">
+      <a:defRPr sz="1400" b="0" i="0" u="none" strike="noStrike" cap="none">
         <a:solidFill>
           <a:srgbClr val="000000"/>
         </a:solidFill>
@@ -735,11 +776,11 @@
 </file>
 
 <file path=ppt/notesSlides/notesSlide1.xml><?xml version="1.0" encoding="utf-8"?>
-<p:notes xmlns:a="http://schemas.openxmlformats.org/drawingml/2006/main" xmlns:r="http://schemas.openxmlformats.org/officeDocument/2006/relationships" xmlns:mc="http://schemas.openxmlformats.org/markup-compatibility/2006" xmlns:mv="urn:schemas-microsoft-com:mac:vml" xmlns:p="http://schemas.openxmlformats.org/presentationml/2006/main" xmlns:c="http://schemas.openxmlformats.org/drawingml/2006/chart" xmlns:dgm="http://schemas.openxmlformats.org/drawingml/2006/diagram" xmlns:o="urn:schemas-microsoft-com:office:office" xmlns:v="urn:schemas-microsoft-com:vml" xmlns:pvml="urn:schemas-microsoft-com:office:powerpoint" xmlns:com="http://schemas.openxmlformats.org/drawingml/2006/compatibility" xmlns:p14="http://schemas.microsoft.com/office/powerpoint/2010/main" xmlns:p15="http://schemas.microsoft.com/office/powerpoint/2012/main" xmlns:ahyp="http://schemas.microsoft.com/office/drawing/2018/hyperlinkcolor" showMasterPhAnim="0" showMasterSp="0">
+<p:notes xmlns:a="http://schemas.openxmlformats.org/drawingml/2006/main" xmlns:r="http://schemas.openxmlformats.org/officeDocument/2006/relationships" xmlns:p="http://schemas.openxmlformats.org/presentationml/2006/main" showMasterSp="0" showMasterPhAnim="0">
   <p:cSld>
     <p:spTree>
       <p:nvGrpSpPr>
-        <p:cNvPr id="62" name="Shape 62"/>
+        <p:cNvPr id="1" name="Shape 62"/>
         <p:cNvGrpSpPr/>
         <p:nvPr/>
       </p:nvGrpSpPr>
@@ -754,9 +795,11 @@
       <p:sp>
         <p:nvSpPr>
           <p:cNvPr id="63" name="Google Shape;63;p:notes"/>
-          <p:cNvSpPr/>
+          <p:cNvSpPr>
+            <a:spLocks noGrp="1" noRot="1" noChangeAspect="1"/>
+          </p:cNvSpPr>
           <p:nvPr>
-            <p:ph idx="2" type="sldImg"/>
+            <p:ph type="sldImg" idx="2"/>
           </p:nvPr>
         </p:nvSpPr>
         <p:spPr>
@@ -765,9 +808,13 @@
             <a:ext cx="6096075" cy="3429000"/>
           </a:xfrm>
           <a:custGeom>
-            <a:rect b="b" l="l" r="r" t="t"/>
+            <a:avLst/>
+            <a:gdLst/>
+            <a:ahLst/>
+            <a:cxnLst/>
+            <a:rect l="l" t="t" r="r" b="b"/>
             <a:pathLst>
-              <a:path extrusionOk="0" h="120000" w="120000">
+              <a:path w="120000" h="120000" extrusionOk="0">
                 <a:moveTo>
                   <a:pt x="0" y="0"/>
                 </a:moveTo>
@@ -789,9 +836,11 @@
       <p:sp>
         <p:nvSpPr>
           <p:cNvPr id="64" name="Google Shape;64;p:notes"/>
-          <p:cNvSpPr txBox="1"/>
+          <p:cNvSpPr txBox="1">
+            <a:spLocks noGrp="1"/>
+          </p:cNvSpPr>
           <p:nvPr>
-            <p:ph idx="1" type="body"/>
+            <p:ph type="body" idx="1"/>
           </p:nvPr>
         </p:nvSpPr>
         <p:spPr>
@@ -804,12 +853,12 @@
           </a:prstGeom>
         </p:spPr>
         <p:txBody>
-          <a:bodyPr anchorCtr="0" anchor="t" bIns="91425" lIns="91425" spcFirstLastPara="1" rIns="91425" wrap="square" tIns="91425">
+          <a:bodyPr spcFirstLastPara="1" wrap="square" lIns="91425" tIns="91425" rIns="91425" bIns="91425" anchor="t" anchorCtr="0">
             <a:noAutofit/>
           </a:bodyPr>
           <a:lstStyle/>
           <a:p>
-            <a:pPr indent="0" lvl="0" marL="0" rtl="0" algn="l">
+            <a:pPr marL="0" lvl="0" indent="0" algn="l" rtl="0">
               <a:spcBef>
                 <a:spcPts val="0"/>
               </a:spcBef>
@@ -818,9 +867,6 @@
               </a:spcAft>
               <a:buNone/>
             </a:pPr>
-            <a:r>
-              <a:t/>
-            </a:r>
             <a:endParaRPr/>
           </a:p>
         </p:txBody>
@@ -834,11 +880,11 @@
 </file>
 
 <file path=ppt/notesSlides/notesSlide10.xml><?xml version="1.0" encoding="utf-8"?>
-<p:notes xmlns:a="http://schemas.openxmlformats.org/drawingml/2006/main" xmlns:r="http://schemas.openxmlformats.org/officeDocument/2006/relationships" xmlns:mc="http://schemas.openxmlformats.org/markup-compatibility/2006" xmlns:mv="urn:schemas-microsoft-com:mac:vml" xmlns:p="http://schemas.openxmlformats.org/presentationml/2006/main" xmlns:c="http://schemas.openxmlformats.org/drawingml/2006/chart" xmlns:dgm="http://schemas.openxmlformats.org/drawingml/2006/diagram" xmlns:o="urn:schemas-microsoft-com:office:office" xmlns:v="urn:schemas-microsoft-com:vml" xmlns:pvml="urn:schemas-microsoft-com:office:powerpoint" xmlns:com="http://schemas.openxmlformats.org/drawingml/2006/compatibility" xmlns:p14="http://schemas.microsoft.com/office/powerpoint/2010/main" xmlns:p15="http://schemas.microsoft.com/office/powerpoint/2012/main" xmlns:ahyp="http://schemas.microsoft.com/office/drawing/2018/hyperlinkcolor" showMasterPhAnim="0" showMasterSp="0">
+<p:notes xmlns:a="http://schemas.openxmlformats.org/drawingml/2006/main" xmlns:r="http://schemas.openxmlformats.org/officeDocument/2006/relationships" xmlns:p="http://schemas.openxmlformats.org/presentationml/2006/main" showMasterSp="0" showMasterPhAnim="0">
   <p:cSld>
     <p:spTree>
       <p:nvGrpSpPr>
-        <p:cNvPr id="122" name="Shape 122"/>
+        <p:cNvPr id="1" name="Shape 122"/>
         <p:cNvGrpSpPr/>
         <p:nvPr/>
       </p:nvGrpSpPr>
@@ -853,9 +899,11 @@
       <p:sp>
         <p:nvSpPr>
           <p:cNvPr id="123" name="Google Shape;123;gb5266dcf4a_0_57:notes"/>
-          <p:cNvSpPr/>
+          <p:cNvSpPr>
+            <a:spLocks noGrp="1" noRot="1" noChangeAspect="1"/>
+          </p:cNvSpPr>
           <p:nvPr>
-            <p:ph idx="2" type="sldImg"/>
+            <p:ph type="sldImg" idx="2"/>
           </p:nvPr>
         </p:nvSpPr>
         <p:spPr>
@@ -864,9 +912,13 @@
             <a:ext cx="6096000" cy="3429000"/>
           </a:xfrm>
           <a:custGeom>
-            <a:rect b="b" l="l" r="r" t="t"/>
+            <a:avLst/>
+            <a:gdLst/>
+            <a:ahLst/>
+            <a:cxnLst/>
+            <a:rect l="l" t="t" r="r" b="b"/>
             <a:pathLst>
-              <a:path extrusionOk="0" h="120000" w="120000">
+              <a:path w="120000" h="120000" extrusionOk="0">
                 <a:moveTo>
                   <a:pt x="0" y="0"/>
                 </a:moveTo>
@@ -888,9 +940,11 @@
       <p:sp>
         <p:nvSpPr>
           <p:cNvPr id="124" name="Google Shape;124;gb5266dcf4a_0_57:notes"/>
-          <p:cNvSpPr txBox="1"/>
+          <p:cNvSpPr txBox="1">
+            <a:spLocks noGrp="1"/>
+          </p:cNvSpPr>
           <p:nvPr>
-            <p:ph idx="1" type="body"/>
+            <p:ph type="body" idx="1"/>
           </p:nvPr>
         </p:nvSpPr>
         <p:spPr>
@@ -903,12 +957,12 @@
           </a:prstGeom>
         </p:spPr>
         <p:txBody>
-          <a:bodyPr anchorCtr="0" anchor="t" bIns="91425" lIns="91425" spcFirstLastPara="1" rIns="91425" wrap="square" tIns="91425">
+          <a:bodyPr spcFirstLastPara="1" wrap="square" lIns="91425" tIns="91425" rIns="91425" bIns="91425" anchor="t" anchorCtr="0">
             <a:noAutofit/>
           </a:bodyPr>
           <a:lstStyle/>
           <a:p>
-            <a:pPr indent="0" lvl="0" marL="0" rtl="0" algn="l">
+            <a:pPr marL="0" lvl="0" indent="0" algn="l" rtl="0">
               <a:spcBef>
                 <a:spcPts val="0"/>
               </a:spcBef>
@@ -917,9 +971,6 @@
               </a:spcAft>
               <a:buNone/>
             </a:pPr>
-            <a:r>
-              <a:t/>
-            </a:r>
             <a:endParaRPr/>
           </a:p>
         </p:txBody>
@@ -933,11 +984,11 @@
 </file>
 
 <file path=ppt/notesSlides/notesSlide11.xml><?xml version="1.0" encoding="utf-8"?>
-<p:notes xmlns:a="http://schemas.openxmlformats.org/drawingml/2006/main" xmlns:r="http://schemas.openxmlformats.org/officeDocument/2006/relationships" xmlns:mc="http://schemas.openxmlformats.org/markup-compatibility/2006" xmlns:mv="urn:schemas-microsoft-com:mac:vml" xmlns:p="http://schemas.openxmlformats.org/presentationml/2006/main" xmlns:c="http://schemas.openxmlformats.org/drawingml/2006/chart" xmlns:dgm="http://schemas.openxmlformats.org/drawingml/2006/diagram" xmlns:o="urn:schemas-microsoft-com:office:office" xmlns:v="urn:schemas-microsoft-com:vml" xmlns:pvml="urn:schemas-microsoft-com:office:powerpoint" xmlns:com="http://schemas.openxmlformats.org/drawingml/2006/compatibility" xmlns:p14="http://schemas.microsoft.com/office/powerpoint/2010/main" xmlns:p15="http://schemas.microsoft.com/office/powerpoint/2012/main" xmlns:ahyp="http://schemas.microsoft.com/office/drawing/2018/hyperlinkcolor" showMasterPhAnim="0" showMasterSp="0">
+<p:notes xmlns:a="http://schemas.openxmlformats.org/drawingml/2006/main" xmlns:r="http://schemas.openxmlformats.org/officeDocument/2006/relationships" xmlns:p="http://schemas.openxmlformats.org/presentationml/2006/main" showMasterSp="0" showMasterPhAnim="0">
   <p:cSld>
     <p:spTree>
       <p:nvGrpSpPr>
-        <p:cNvPr id="128" name="Shape 128"/>
+        <p:cNvPr id="1" name="Shape 128"/>
         <p:cNvGrpSpPr/>
         <p:nvPr/>
       </p:nvGrpSpPr>
@@ -952,9 +1003,11 @@
       <p:sp>
         <p:nvSpPr>
           <p:cNvPr id="129" name="Google Shape;129;gb5266dcf4a_0_62:notes"/>
-          <p:cNvSpPr/>
+          <p:cNvSpPr>
+            <a:spLocks noGrp="1" noRot="1" noChangeAspect="1"/>
+          </p:cNvSpPr>
           <p:nvPr>
-            <p:ph idx="2" type="sldImg"/>
+            <p:ph type="sldImg" idx="2"/>
           </p:nvPr>
         </p:nvSpPr>
         <p:spPr>
@@ -963,9 +1016,13 @@
             <a:ext cx="6096000" cy="3429000"/>
           </a:xfrm>
           <a:custGeom>
-            <a:rect b="b" l="l" r="r" t="t"/>
+            <a:avLst/>
+            <a:gdLst/>
+            <a:ahLst/>
+            <a:cxnLst/>
+            <a:rect l="l" t="t" r="r" b="b"/>
             <a:pathLst>
-              <a:path extrusionOk="0" h="120000" w="120000">
+              <a:path w="120000" h="120000" extrusionOk="0">
                 <a:moveTo>
                   <a:pt x="0" y="0"/>
                 </a:moveTo>
@@ -987,9 +1044,11 @@
       <p:sp>
         <p:nvSpPr>
           <p:cNvPr id="130" name="Google Shape;130;gb5266dcf4a_0_62:notes"/>
-          <p:cNvSpPr txBox="1"/>
+          <p:cNvSpPr txBox="1">
+            <a:spLocks noGrp="1"/>
+          </p:cNvSpPr>
           <p:nvPr>
-            <p:ph idx="1" type="body"/>
+            <p:ph type="body" idx="1"/>
           </p:nvPr>
         </p:nvSpPr>
         <p:spPr>
@@ -1002,12 +1061,12 @@
           </a:prstGeom>
         </p:spPr>
         <p:txBody>
-          <a:bodyPr anchorCtr="0" anchor="t" bIns="91425" lIns="91425" spcFirstLastPara="1" rIns="91425" wrap="square" tIns="91425">
+          <a:bodyPr spcFirstLastPara="1" wrap="square" lIns="91425" tIns="91425" rIns="91425" bIns="91425" anchor="t" anchorCtr="0">
             <a:noAutofit/>
           </a:bodyPr>
           <a:lstStyle/>
           <a:p>
-            <a:pPr indent="0" lvl="0" marL="0" rtl="0" algn="l">
+            <a:pPr marL="0" lvl="0" indent="0" algn="l" rtl="0">
               <a:spcBef>
                 <a:spcPts val="0"/>
               </a:spcBef>
@@ -1016,9 +1075,6 @@
               </a:spcAft>
               <a:buNone/>
             </a:pPr>
-            <a:r>
-              <a:t/>
-            </a:r>
             <a:endParaRPr/>
           </a:p>
         </p:txBody>
@@ -1032,11 +1088,11 @@
 </file>
 
 <file path=ppt/notesSlides/notesSlide12.xml><?xml version="1.0" encoding="utf-8"?>
-<p:notes xmlns:a="http://schemas.openxmlformats.org/drawingml/2006/main" xmlns:r="http://schemas.openxmlformats.org/officeDocument/2006/relationships" xmlns:mc="http://schemas.openxmlformats.org/markup-compatibility/2006" xmlns:mv="urn:schemas-microsoft-com:mac:vml" xmlns:p="http://schemas.openxmlformats.org/presentationml/2006/main" xmlns:c="http://schemas.openxmlformats.org/drawingml/2006/chart" xmlns:dgm="http://schemas.openxmlformats.org/drawingml/2006/diagram" xmlns:o="urn:schemas-microsoft-com:office:office" xmlns:v="urn:schemas-microsoft-com:vml" xmlns:pvml="urn:schemas-microsoft-com:office:powerpoint" xmlns:com="http://schemas.openxmlformats.org/drawingml/2006/compatibility" xmlns:p14="http://schemas.microsoft.com/office/powerpoint/2010/main" xmlns:p15="http://schemas.microsoft.com/office/powerpoint/2012/main" xmlns:ahyp="http://schemas.microsoft.com/office/drawing/2018/hyperlinkcolor" showMasterPhAnim="0" showMasterSp="0">
+<p:notes xmlns:a="http://schemas.openxmlformats.org/drawingml/2006/main" xmlns:r="http://schemas.openxmlformats.org/officeDocument/2006/relationships" xmlns:p="http://schemas.openxmlformats.org/presentationml/2006/main" showMasterSp="0" showMasterPhAnim="0">
   <p:cSld>
     <p:spTree>
       <p:nvGrpSpPr>
-        <p:cNvPr id="136" name="Shape 136"/>
+        <p:cNvPr id="1" name="Shape 136"/>
         <p:cNvGrpSpPr/>
         <p:nvPr/>
       </p:nvGrpSpPr>
@@ -1051,9 +1107,11 @@
       <p:sp>
         <p:nvSpPr>
           <p:cNvPr id="137" name="Google Shape;137;gabd86fbbed_0_62:notes"/>
-          <p:cNvSpPr/>
+          <p:cNvSpPr>
+            <a:spLocks noGrp="1" noRot="1" noChangeAspect="1"/>
+          </p:cNvSpPr>
           <p:nvPr>
-            <p:ph idx="2" type="sldImg"/>
+            <p:ph type="sldImg" idx="2"/>
           </p:nvPr>
         </p:nvSpPr>
         <p:spPr>
@@ -1062,9 +1120,13 @@
             <a:ext cx="6096000" cy="3429000"/>
           </a:xfrm>
           <a:custGeom>
-            <a:rect b="b" l="l" r="r" t="t"/>
+            <a:avLst/>
+            <a:gdLst/>
+            <a:ahLst/>
+            <a:cxnLst/>
+            <a:rect l="l" t="t" r="r" b="b"/>
             <a:pathLst>
-              <a:path extrusionOk="0" h="120000" w="120000">
+              <a:path w="120000" h="120000" extrusionOk="0">
                 <a:moveTo>
                   <a:pt x="0" y="0"/>
                 </a:moveTo>
@@ -1086,9 +1148,11 @@
       <p:sp>
         <p:nvSpPr>
           <p:cNvPr id="138" name="Google Shape;138;gabd86fbbed_0_62:notes"/>
-          <p:cNvSpPr txBox="1"/>
+          <p:cNvSpPr txBox="1">
+            <a:spLocks noGrp="1"/>
+          </p:cNvSpPr>
           <p:nvPr>
-            <p:ph idx="1" type="body"/>
+            <p:ph type="body" idx="1"/>
           </p:nvPr>
         </p:nvSpPr>
         <p:spPr>
@@ -1101,12 +1165,12 @@
           </a:prstGeom>
         </p:spPr>
         <p:txBody>
-          <a:bodyPr anchorCtr="0" anchor="t" bIns="91425" lIns="91425" spcFirstLastPara="1" rIns="91425" wrap="square" tIns="91425">
+          <a:bodyPr spcFirstLastPara="1" wrap="square" lIns="91425" tIns="91425" rIns="91425" bIns="91425" anchor="t" anchorCtr="0">
             <a:noAutofit/>
           </a:bodyPr>
           <a:lstStyle/>
           <a:p>
-            <a:pPr indent="0" lvl="0" marL="0" rtl="0" algn="l">
+            <a:pPr marL="0" lvl="0" indent="0" algn="l" rtl="0">
               <a:spcBef>
                 <a:spcPts val="0"/>
               </a:spcBef>
@@ -1115,9 +1179,6 @@
               </a:spcAft>
               <a:buNone/>
             </a:pPr>
-            <a:r>
-              <a:t/>
-            </a:r>
             <a:endParaRPr/>
           </a:p>
         </p:txBody>
@@ -1131,11 +1192,11 @@
 </file>
 
 <file path=ppt/notesSlides/notesSlide13.xml><?xml version="1.0" encoding="utf-8"?>
-<p:notes xmlns:a="http://schemas.openxmlformats.org/drawingml/2006/main" xmlns:r="http://schemas.openxmlformats.org/officeDocument/2006/relationships" xmlns:mc="http://schemas.openxmlformats.org/markup-compatibility/2006" xmlns:mv="urn:schemas-microsoft-com:mac:vml" xmlns:p="http://schemas.openxmlformats.org/presentationml/2006/main" xmlns:c="http://schemas.openxmlformats.org/drawingml/2006/chart" xmlns:dgm="http://schemas.openxmlformats.org/drawingml/2006/diagram" xmlns:o="urn:schemas-microsoft-com:office:office" xmlns:v="urn:schemas-microsoft-com:vml" xmlns:pvml="urn:schemas-microsoft-com:office:powerpoint" xmlns:com="http://schemas.openxmlformats.org/drawingml/2006/compatibility" xmlns:p14="http://schemas.microsoft.com/office/powerpoint/2010/main" xmlns:p15="http://schemas.microsoft.com/office/powerpoint/2012/main" xmlns:ahyp="http://schemas.microsoft.com/office/drawing/2018/hyperlinkcolor" showMasterPhAnim="0" showMasterSp="0">
+<p:notes xmlns:a="http://schemas.openxmlformats.org/drawingml/2006/main" xmlns:r="http://schemas.openxmlformats.org/officeDocument/2006/relationships" xmlns:p="http://schemas.openxmlformats.org/presentationml/2006/main" showMasterSp="0" showMasterPhAnim="0">
   <p:cSld>
     <p:spTree>
       <p:nvGrpSpPr>
-        <p:cNvPr id="143" name="Shape 143"/>
+        <p:cNvPr id="1" name="Shape 143"/>
         <p:cNvGrpSpPr/>
         <p:nvPr/>
       </p:nvGrpSpPr>
@@ -1150,9 +1211,11 @@
       <p:sp>
         <p:nvSpPr>
           <p:cNvPr id="144" name="Google Shape;144;gb5266dcf4a_0_72:notes"/>
-          <p:cNvSpPr/>
+          <p:cNvSpPr>
+            <a:spLocks noGrp="1" noRot="1" noChangeAspect="1"/>
+          </p:cNvSpPr>
           <p:nvPr>
-            <p:ph idx="2" type="sldImg"/>
+            <p:ph type="sldImg" idx="2"/>
           </p:nvPr>
         </p:nvSpPr>
         <p:spPr>
@@ -1161,9 +1224,13 @@
             <a:ext cx="6096000" cy="3429000"/>
           </a:xfrm>
           <a:custGeom>
-            <a:rect b="b" l="l" r="r" t="t"/>
+            <a:avLst/>
+            <a:gdLst/>
+            <a:ahLst/>
+            <a:cxnLst/>
+            <a:rect l="l" t="t" r="r" b="b"/>
             <a:pathLst>
-              <a:path extrusionOk="0" h="120000" w="120000">
+              <a:path w="120000" h="120000" extrusionOk="0">
                 <a:moveTo>
                   <a:pt x="0" y="0"/>
                 </a:moveTo>
@@ -1185,9 +1252,11 @@
       <p:sp>
         <p:nvSpPr>
           <p:cNvPr id="145" name="Google Shape;145;gb5266dcf4a_0_72:notes"/>
-          <p:cNvSpPr txBox="1"/>
+          <p:cNvSpPr txBox="1">
+            <a:spLocks noGrp="1"/>
+          </p:cNvSpPr>
           <p:nvPr>
-            <p:ph idx="1" type="body"/>
+            <p:ph type="body" idx="1"/>
           </p:nvPr>
         </p:nvSpPr>
         <p:spPr>
@@ -1200,12 +1269,12 @@
           </a:prstGeom>
         </p:spPr>
         <p:txBody>
-          <a:bodyPr anchorCtr="0" anchor="t" bIns="91425" lIns="91425" spcFirstLastPara="1" rIns="91425" wrap="square" tIns="91425">
+          <a:bodyPr spcFirstLastPara="1" wrap="square" lIns="91425" tIns="91425" rIns="91425" bIns="91425" anchor="t" anchorCtr="0">
             <a:noAutofit/>
           </a:bodyPr>
           <a:lstStyle/>
           <a:p>
-            <a:pPr indent="0" lvl="0" marL="0" rtl="0" algn="l">
+            <a:pPr marL="0" lvl="0" indent="0" algn="l" rtl="0">
               <a:spcBef>
                 <a:spcPts val="0"/>
               </a:spcBef>
@@ -1214,9 +1283,6 @@
               </a:spcAft>
               <a:buNone/>
             </a:pPr>
-            <a:r>
-              <a:t/>
-            </a:r>
             <a:endParaRPr/>
           </a:p>
         </p:txBody>
@@ -1230,11 +1296,11 @@
 </file>
 
 <file path=ppt/notesSlides/notesSlide14.xml><?xml version="1.0" encoding="utf-8"?>
-<p:notes xmlns:a="http://schemas.openxmlformats.org/drawingml/2006/main" xmlns:r="http://schemas.openxmlformats.org/officeDocument/2006/relationships" xmlns:mc="http://schemas.openxmlformats.org/markup-compatibility/2006" xmlns:mv="urn:schemas-microsoft-com:mac:vml" xmlns:p="http://schemas.openxmlformats.org/presentationml/2006/main" xmlns:c="http://schemas.openxmlformats.org/drawingml/2006/chart" xmlns:dgm="http://schemas.openxmlformats.org/drawingml/2006/diagram" xmlns:o="urn:schemas-microsoft-com:office:office" xmlns:v="urn:schemas-microsoft-com:vml" xmlns:pvml="urn:schemas-microsoft-com:office:powerpoint" xmlns:com="http://schemas.openxmlformats.org/drawingml/2006/compatibility" xmlns:p14="http://schemas.microsoft.com/office/powerpoint/2010/main" xmlns:p15="http://schemas.microsoft.com/office/powerpoint/2012/main" xmlns:ahyp="http://schemas.microsoft.com/office/drawing/2018/hyperlinkcolor" showMasterPhAnim="0" showMasterSp="0">
+<p:notes xmlns:a="http://schemas.openxmlformats.org/drawingml/2006/main" xmlns:r="http://schemas.openxmlformats.org/officeDocument/2006/relationships" xmlns:p="http://schemas.openxmlformats.org/presentationml/2006/main" showMasterSp="0" showMasterPhAnim="0">
   <p:cSld>
     <p:spTree>
       <p:nvGrpSpPr>
-        <p:cNvPr id="149" name="Shape 149"/>
+        <p:cNvPr id="1" name="Shape 149"/>
         <p:cNvGrpSpPr/>
         <p:nvPr/>
       </p:nvGrpSpPr>
@@ -1249,9 +1315,11 @@
       <p:sp>
         <p:nvSpPr>
           <p:cNvPr id="150" name="Google Shape;150;gb600cdb076_0_5:notes"/>
-          <p:cNvSpPr/>
+          <p:cNvSpPr>
+            <a:spLocks noGrp="1" noRot="1" noChangeAspect="1"/>
+          </p:cNvSpPr>
           <p:nvPr>
-            <p:ph idx="2" type="sldImg"/>
+            <p:ph type="sldImg" idx="2"/>
           </p:nvPr>
         </p:nvSpPr>
         <p:spPr>
@@ -1260,9 +1328,13 @@
             <a:ext cx="6096000" cy="3429000"/>
           </a:xfrm>
           <a:custGeom>
-            <a:rect b="b" l="l" r="r" t="t"/>
+            <a:avLst/>
+            <a:gdLst/>
+            <a:ahLst/>
+            <a:cxnLst/>
+            <a:rect l="l" t="t" r="r" b="b"/>
             <a:pathLst>
-              <a:path extrusionOk="0" h="120000" w="120000">
+              <a:path w="120000" h="120000" extrusionOk="0">
                 <a:moveTo>
                   <a:pt x="0" y="0"/>
                 </a:moveTo>
@@ -1284,9 +1356,11 @@
       <p:sp>
         <p:nvSpPr>
           <p:cNvPr id="151" name="Google Shape;151;gb600cdb076_0_5:notes"/>
-          <p:cNvSpPr txBox="1"/>
+          <p:cNvSpPr txBox="1">
+            <a:spLocks noGrp="1"/>
+          </p:cNvSpPr>
           <p:nvPr>
-            <p:ph idx="1" type="body"/>
+            <p:ph type="body" idx="1"/>
           </p:nvPr>
         </p:nvSpPr>
         <p:spPr>
@@ -1299,12 +1373,12 @@
           </a:prstGeom>
         </p:spPr>
         <p:txBody>
-          <a:bodyPr anchorCtr="0" anchor="t" bIns="91425" lIns="91425" spcFirstLastPara="1" rIns="91425" wrap="square" tIns="91425">
+          <a:bodyPr spcFirstLastPara="1" wrap="square" lIns="91425" tIns="91425" rIns="91425" bIns="91425" anchor="t" anchorCtr="0">
             <a:noAutofit/>
           </a:bodyPr>
           <a:lstStyle/>
           <a:p>
-            <a:pPr indent="0" lvl="0" marL="0" rtl="0" algn="l">
+            <a:pPr marL="0" lvl="0" indent="0" algn="l" rtl="0">
               <a:spcBef>
                 <a:spcPts val="0"/>
               </a:spcBef>
@@ -1313,9 +1387,6 @@
               </a:spcAft>
               <a:buNone/>
             </a:pPr>
-            <a:r>
-              <a:t/>
-            </a:r>
             <a:endParaRPr/>
           </a:p>
         </p:txBody>
@@ -1329,11 +1400,11 @@
 </file>
 
 <file path=ppt/notesSlides/notesSlide15.xml><?xml version="1.0" encoding="utf-8"?>
-<p:notes xmlns:a="http://schemas.openxmlformats.org/drawingml/2006/main" xmlns:r="http://schemas.openxmlformats.org/officeDocument/2006/relationships" xmlns:mc="http://schemas.openxmlformats.org/markup-compatibility/2006" xmlns:mv="urn:schemas-microsoft-com:mac:vml" xmlns:p="http://schemas.openxmlformats.org/presentationml/2006/main" xmlns:c="http://schemas.openxmlformats.org/drawingml/2006/chart" xmlns:dgm="http://schemas.openxmlformats.org/drawingml/2006/diagram" xmlns:o="urn:schemas-microsoft-com:office:office" xmlns:v="urn:schemas-microsoft-com:vml" xmlns:pvml="urn:schemas-microsoft-com:office:powerpoint" xmlns:com="http://schemas.openxmlformats.org/drawingml/2006/compatibility" xmlns:p14="http://schemas.microsoft.com/office/powerpoint/2010/main" xmlns:p15="http://schemas.microsoft.com/office/powerpoint/2012/main" xmlns:ahyp="http://schemas.microsoft.com/office/drawing/2018/hyperlinkcolor" showMasterPhAnim="0" showMasterSp="0">
+<p:notes xmlns:a="http://schemas.openxmlformats.org/drawingml/2006/main" xmlns:r="http://schemas.openxmlformats.org/officeDocument/2006/relationships" xmlns:p="http://schemas.openxmlformats.org/presentationml/2006/main" showMasterSp="0" showMasterPhAnim="0">
   <p:cSld>
     <p:spTree>
       <p:nvGrpSpPr>
-        <p:cNvPr id="156" name="Shape 156"/>
+        <p:cNvPr id="1" name="Shape 156"/>
         <p:cNvGrpSpPr/>
         <p:nvPr/>
       </p:nvGrpSpPr>
@@ -1348,9 +1419,11 @@
       <p:sp>
         <p:nvSpPr>
           <p:cNvPr id="157" name="Google Shape;157;gb600cdb076_0_11:notes"/>
-          <p:cNvSpPr/>
+          <p:cNvSpPr>
+            <a:spLocks noGrp="1" noRot="1" noChangeAspect="1"/>
+          </p:cNvSpPr>
           <p:nvPr>
-            <p:ph idx="2" type="sldImg"/>
+            <p:ph type="sldImg" idx="2"/>
           </p:nvPr>
         </p:nvSpPr>
         <p:spPr>
@@ -1359,9 +1432,13 @@
             <a:ext cx="6096000" cy="3429000"/>
           </a:xfrm>
           <a:custGeom>
-            <a:rect b="b" l="l" r="r" t="t"/>
+            <a:avLst/>
+            <a:gdLst/>
+            <a:ahLst/>
+            <a:cxnLst/>
+            <a:rect l="l" t="t" r="r" b="b"/>
             <a:pathLst>
-              <a:path extrusionOk="0" h="120000" w="120000">
+              <a:path w="120000" h="120000" extrusionOk="0">
                 <a:moveTo>
                   <a:pt x="0" y="0"/>
                 </a:moveTo>
@@ -1383,9 +1460,11 @@
       <p:sp>
         <p:nvSpPr>
           <p:cNvPr id="158" name="Google Shape;158;gb600cdb076_0_11:notes"/>
-          <p:cNvSpPr txBox="1"/>
+          <p:cNvSpPr txBox="1">
+            <a:spLocks noGrp="1"/>
+          </p:cNvSpPr>
           <p:nvPr>
-            <p:ph idx="1" type="body"/>
+            <p:ph type="body" idx="1"/>
           </p:nvPr>
         </p:nvSpPr>
         <p:spPr>
@@ -1398,12 +1477,12 @@
           </a:prstGeom>
         </p:spPr>
         <p:txBody>
-          <a:bodyPr anchorCtr="0" anchor="t" bIns="91425" lIns="91425" spcFirstLastPara="1" rIns="91425" wrap="square" tIns="91425">
+          <a:bodyPr spcFirstLastPara="1" wrap="square" lIns="91425" tIns="91425" rIns="91425" bIns="91425" anchor="t" anchorCtr="0">
             <a:noAutofit/>
           </a:bodyPr>
           <a:lstStyle/>
           <a:p>
-            <a:pPr indent="0" lvl="0" marL="0" rtl="0" algn="l">
+            <a:pPr marL="0" lvl="0" indent="0" algn="l" rtl="0">
               <a:spcBef>
                 <a:spcPts val="0"/>
               </a:spcBef>
@@ -1412,9 +1491,6 @@
               </a:spcAft>
               <a:buNone/>
             </a:pPr>
-            <a:r>
-              <a:t/>
-            </a:r>
             <a:endParaRPr/>
           </a:p>
         </p:txBody>
@@ -1428,11 +1504,11 @@
 </file>
 
 <file path=ppt/notesSlides/notesSlide16.xml><?xml version="1.0" encoding="utf-8"?>
-<p:notes xmlns:a="http://schemas.openxmlformats.org/drawingml/2006/main" xmlns:r="http://schemas.openxmlformats.org/officeDocument/2006/relationships" xmlns:mc="http://schemas.openxmlformats.org/markup-compatibility/2006" xmlns:mv="urn:schemas-microsoft-com:mac:vml" xmlns:p="http://schemas.openxmlformats.org/presentationml/2006/main" xmlns:c="http://schemas.openxmlformats.org/drawingml/2006/chart" xmlns:dgm="http://schemas.openxmlformats.org/drawingml/2006/diagram" xmlns:o="urn:schemas-microsoft-com:office:office" xmlns:v="urn:schemas-microsoft-com:vml" xmlns:pvml="urn:schemas-microsoft-com:office:powerpoint" xmlns:com="http://schemas.openxmlformats.org/drawingml/2006/compatibility" xmlns:p14="http://schemas.microsoft.com/office/powerpoint/2010/main" xmlns:p15="http://schemas.microsoft.com/office/powerpoint/2012/main" xmlns:ahyp="http://schemas.microsoft.com/office/drawing/2018/hyperlinkcolor" showMasterPhAnim="0" showMasterSp="0">
+<p:notes xmlns:a="http://schemas.openxmlformats.org/drawingml/2006/main" xmlns:r="http://schemas.openxmlformats.org/officeDocument/2006/relationships" xmlns:p="http://schemas.openxmlformats.org/presentationml/2006/main" showMasterSp="0" showMasterPhAnim="0">
   <p:cSld>
     <p:spTree>
       <p:nvGrpSpPr>
-        <p:cNvPr id="163" name="Shape 163"/>
+        <p:cNvPr id="1" name="Shape 163"/>
         <p:cNvGrpSpPr/>
         <p:nvPr/>
       </p:nvGrpSpPr>
@@ -1447,9 +1523,11 @@
       <p:sp>
         <p:nvSpPr>
           <p:cNvPr id="164" name="Google Shape;164;gb600cdb076_0_17:notes"/>
-          <p:cNvSpPr/>
+          <p:cNvSpPr>
+            <a:spLocks noGrp="1" noRot="1" noChangeAspect="1"/>
+          </p:cNvSpPr>
           <p:nvPr>
-            <p:ph idx="2" type="sldImg"/>
+            <p:ph type="sldImg" idx="2"/>
           </p:nvPr>
         </p:nvSpPr>
         <p:spPr>
@@ -1458,9 +1536,13 @@
             <a:ext cx="6096000" cy="3429000"/>
           </a:xfrm>
           <a:custGeom>
-            <a:rect b="b" l="l" r="r" t="t"/>
+            <a:avLst/>
+            <a:gdLst/>
+            <a:ahLst/>
+            <a:cxnLst/>
+            <a:rect l="l" t="t" r="r" b="b"/>
             <a:pathLst>
-              <a:path extrusionOk="0" h="120000" w="120000">
+              <a:path w="120000" h="120000" extrusionOk="0">
                 <a:moveTo>
                   <a:pt x="0" y="0"/>
                 </a:moveTo>
@@ -1482,9 +1564,11 @@
       <p:sp>
         <p:nvSpPr>
           <p:cNvPr id="165" name="Google Shape;165;gb600cdb076_0_17:notes"/>
-          <p:cNvSpPr txBox="1"/>
+          <p:cNvSpPr txBox="1">
+            <a:spLocks noGrp="1"/>
+          </p:cNvSpPr>
           <p:nvPr>
-            <p:ph idx="1" type="body"/>
+            <p:ph type="body" idx="1"/>
           </p:nvPr>
         </p:nvSpPr>
         <p:spPr>
@@ -1497,12 +1581,12 @@
           </a:prstGeom>
         </p:spPr>
         <p:txBody>
-          <a:bodyPr anchorCtr="0" anchor="t" bIns="91425" lIns="91425" spcFirstLastPara="1" rIns="91425" wrap="square" tIns="91425">
+          <a:bodyPr spcFirstLastPara="1" wrap="square" lIns="91425" tIns="91425" rIns="91425" bIns="91425" anchor="t" anchorCtr="0">
             <a:noAutofit/>
           </a:bodyPr>
           <a:lstStyle/>
           <a:p>
-            <a:pPr indent="0" lvl="0" marL="0" rtl="0" algn="l">
+            <a:pPr marL="0" lvl="0" indent="0" algn="l" rtl="0">
               <a:spcBef>
                 <a:spcPts val="0"/>
               </a:spcBef>
@@ -1511,9 +1595,6 @@
               </a:spcAft>
               <a:buNone/>
             </a:pPr>
-            <a:r>
-              <a:t/>
-            </a:r>
             <a:endParaRPr/>
           </a:p>
         </p:txBody>
@@ -1527,11 +1608,11 @@
 </file>
 
 <file path=ppt/notesSlides/notesSlide17.xml><?xml version="1.0" encoding="utf-8"?>
-<p:notes xmlns:a="http://schemas.openxmlformats.org/drawingml/2006/main" xmlns:r="http://schemas.openxmlformats.org/officeDocument/2006/relationships" xmlns:mc="http://schemas.openxmlformats.org/markup-compatibility/2006" xmlns:mv="urn:schemas-microsoft-com:mac:vml" xmlns:p="http://schemas.openxmlformats.org/presentationml/2006/main" xmlns:c="http://schemas.openxmlformats.org/drawingml/2006/chart" xmlns:dgm="http://schemas.openxmlformats.org/drawingml/2006/diagram" xmlns:o="urn:schemas-microsoft-com:office:office" xmlns:v="urn:schemas-microsoft-com:vml" xmlns:pvml="urn:schemas-microsoft-com:office:powerpoint" xmlns:com="http://schemas.openxmlformats.org/drawingml/2006/compatibility" xmlns:p14="http://schemas.microsoft.com/office/powerpoint/2010/main" xmlns:p15="http://schemas.microsoft.com/office/powerpoint/2012/main" xmlns:ahyp="http://schemas.microsoft.com/office/drawing/2018/hyperlinkcolor" showMasterPhAnim="0" showMasterSp="0">
+<p:notes xmlns:a="http://schemas.openxmlformats.org/drawingml/2006/main" xmlns:r="http://schemas.openxmlformats.org/officeDocument/2006/relationships" xmlns:p="http://schemas.openxmlformats.org/presentationml/2006/main" showMasterSp="0" showMasterPhAnim="0">
   <p:cSld>
     <p:spTree>
       <p:nvGrpSpPr>
-        <p:cNvPr id="170" name="Shape 170"/>
+        <p:cNvPr id="1" name="Shape 170"/>
         <p:cNvGrpSpPr/>
         <p:nvPr/>
       </p:nvGrpSpPr>
@@ -1546,9 +1627,11 @@
       <p:sp>
         <p:nvSpPr>
           <p:cNvPr id="171" name="Google Shape;171;gb600cdb076_0_23:notes"/>
-          <p:cNvSpPr/>
+          <p:cNvSpPr>
+            <a:spLocks noGrp="1" noRot="1" noChangeAspect="1"/>
+          </p:cNvSpPr>
           <p:nvPr>
-            <p:ph idx="2" type="sldImg"/>
+            <p:ph type="sldImg" idx="2"/>
           </p:nvPr>
         </p:nvSpPr>
         <p:spPr>
@@ -1557,9 +1640,13 @@
             <a:ext cx="6096000" cy="3429000"/>
           </a:xfrm>
           <a:custGeom>
-            <a:rect b="b" l="l" r="r" t="t"/>
+            <a:avLst/>
+            <a:gdLst/>
+            <a:ahLst/>
+            <a:cxnLst/>
+            <a:rect l="l" t="t" r="r" b="b"/>
             <a:pathLst>
-              <a:path extrusionOk="0" h="120000" w="120000">
+              <a:path w="120000" h="120000" extrusionOk="0">
                 <a:moveTo>
                   <a:pt x="0" y="0"/>
                 </a:moveTo>
@@ -1581,9 +1668,11 @@
       <p:sp>
         <p:nvSpPr>
           <p:cNvPr id="172" name="Google Shape;172;gb600cdb076_0_23:notes"/>
-          <p:cNvSpPr txBox="1"/>
+          <p:cNvSpPr txBox="1">
+            <a:spLocks noGrp="1"/>
+          </p:cNvSpPr>
           <p:nvPr>
-            <p:ph idx="1" type="body"/>
+            <p:ph type="body" idx="1"/>
           </p:nvPr>
         </p:nvSpPr>
         <p:spPr>
@@ -1596,12 +1685,12 @@
           </a:prstGeom>
         </p:spPr>
         <p:txBody>
-          <a:bodyPr anchorCtr="0" anchor="t" bIns="91425" lIns="91425" spcFirstLastPara="1" rIns="91425" wrap="square" tIns="91425">
+          <a:bodyPr spcFirstLastPara="1" wrap="square" lIns="91425" tIns="91425" rIns="91425" bIns="91425" anchor="t" anchorCtr="0">
             <a:noAutofit/>
           </a:bodyPr>
           <a:lstStyle/>
           <a:p>
-            <a:pPr indent="0" lvl="0" marL="0" rtl="0" algn="l">
+            <a:pPr marL="0" lvl="0" indent="0" algn="l" rtl="0">
               <a:spcBef>
                 <a:spcPts val="0"/>
               </a:spcBef>
@@ -1610,9 +1699,6 @@
               </a:spcAft>
               <a:buNone/>
             </a:pPr>
-            <a:r>
-              <a:t/>
-            </a:r>
             <a:endParaRPr/>
           </a:p>
         </p:txBody>
@@ -1626,11 +1712,11 @@
 </file>
 
 <file path=ppt/notesSlides/notesSlide18.xml><?xml version="1.0" encoding="utf-8"?>
-<p:notes xmlns:a="http://schemas.openxmlformats.org/drawingml/2006/main" xmlns:r="http://schemas.openxmlformats.org/officeDocument/2006/relationships" xmlns:mc="http://schemas.openxmlformats.org/markup-compatibility/2006" xmlns:mv="urn:schemas-microsoft-com:mac:vml" xmlns:p="http://schemas.openxmlformats.org/presentationml/2006/main" xmlns:c="http://schemas.openxmlformats.org/drawingml/2006/chart" xmlns:dgm="http://schemas.openxmlformats.org/drawingml/2006/diagram" xmlns:o="urn:schemas-microsoft-com:office:office" xmlns:v="urn:schemas-microsoft-com:vml" xmlns:pvml="urn:schemas-microsoft-com:office:powerpoint" xmlns:com="http://schemas.openxmlformats.org/drawingml/2006/compatibility" xmlns:p14="http://schemas.microsoft.com/office/powerpoint/2010/main" xmlns:p15="http://schemas.microsoft.com/office/powerpoint/2012/main" xmlns:ahyp="http://schemas.microsoft.com/office/drawing/2018/hyperlinkcolor" showMasterPhAnim="0" showMasterSp="0">
+<p:notes xmlns:a="http://schemas.openxmlformats.org/drawingml/2006/main" xmlns:r="http://schemas.openxmlformats.org/officeDocument/2006/relationships" xmlns:p="http://schemas.openxmlformats.org/presentationml/2006/main" showMasterSp="0" showMasterPhAnim="0">
   <p:cSld>
     <p:spTree>
       <p:nvGrpSpPr>
-        <p:cNvPr id="176" name="Shape 176"/>
+        <p:cNvPr id="1" name="Shape 176"/>
         <p:cNvGrpSpPr/>
         <p:nvPr/>
       </p:nvGrpSpPr>
@@ -1645,9 +1731,11 @@
       <p:sp>
         <p:nvSpPr>
           <p:cNvPr id="177" name="Google Shape;177;gb600cdb076_0_28:notes"/>
-          <p:cNvSpPr/>
+          <p:cNvSpPr>
+            <a:spLocks noGrp="1" noRot="1" noChangeAspect="1"/>
+          </p:cNvSpPr>
           <p:nvPr>
-            <p:ph idx="2" type="sldImg"/>
+            <p:ph type="sldImg" idx="2"/>
           </p:nvPr>
         </p:nvSpPr>
         <p:spPr>
@@ -1656,9 +1744,13 @@
             <a:ext cx="6096000" cy="3429000"/>
           </a:xfrm>
           <a:custGeom>
-            <a:rect b="b" l="l" r="r" t="t"/>
+            <a:avLst/>
+            <a:gdLst/>
+            <a:ahLst/>
+            <a:cxnLst/>
+            <a:rect l="l" t="t" r="r" b="b"/>
             <a:pathLst>
-              <a:path extrusionOk="0" h="120000" w="120000">
+              <a:path w="120000" h="120000" extrusionOk="0">
                 <a:moveTo>
                   <a:pt x="0" y="0"/>
                 </a:moveTo>
@@ -1680,9 +1772,11 @@
       <p:sp>
         <p:nvSpPr>
           <p:cNvPr id="178" name="Google Shape;178;gb600cdb076_0_28:notes"/>
-          <p:cNvSpPr txBox="1"/>
+          <p:cNvSpPr txBox="1">
+            <a:spLocks noGrp="1"/>
+          </p:cNvSpPr>
           <p:nvPr>
-            <p:ph idx="1" type="body"/>
+            <p:ph type="body" idx="1"/>
           </p:nvPr>
         </p:nvSpPr>
         <p:spPr>
@@ -1695,12 +1789,12 @@
           </a:prstGeom>
         </p:spPr>
         <p:txBody>
-          <a:bodyPr anchorCtr="0" anchor="t" bIns="91425" lIns="91425" spcFirstLastPara="1" rIns="91425" wrap="square" tIns="91425">
+          <a:bodyPr spcFirstLastPara="1" wrap="square" lIns="91425" tIns="91425" rIns="91425" bIns="91425" anchor="t" anchorCtr="0">
             <a:noAutofit/>
           </a:bodyPr>
           <a:lstStyle/>
           <a:p>
-            <a:pPr indent="0" lvl="0" marL="0" rtl="0" algn="l">
+            <a:pPr marL="0" lvl="0" indent="0" algn="l" rtl="0">
               <a:spcBef>
                 <a:spcPts val="0"/>
               </a:spcBef>
@@ -1709,9 +1803,6 @@
               </a:spcAft>
               <a:buNone/>
             </a:pPr>
-            <a:r>
-              <a:t/>
-            </a:r>
             <a:endParaRPr/>
           </a:p>
         </p:txBody>
@@ -1725,11 +1816,11 @@
 </file>
 
 <file path=ppt/notesSlides/notesSlide19.xml><?xml version="1.0" encoding="utf-8"?>
-<p:notes xmlns:a="http://schemas.openxmlformats.org/drawingml/2006/main" xmlns:r="http://schemas.openxmlformats.org/officeDocument/2006/relationships" xmlns:mc="http://schemas.openxmlformats.org/markup-compatibility/2006" xmlns:mv="urn:schemas-microsoft-com:mac:vml" xmlns:p="http://schemas.openxmlformats.org/presentationml/2006/main" xmlns:c="http://schemas.openxmlformats.org/drawingml/2006/chart" xmlns:dgm="http://schemas.openxmlformats.org/drawingml/2006/diagram" xmlns:o="urn:schemas-microsoft-com:office:office" xmlns:v="urn:schemas-microsoft-com:vml" xmlns:pvml="urn:schemas-microsoft-com:office:powerpoint" xmlns:com="http://schemas.openxmlformats.org/drawingml/2006/compatibility" xmlns:p14="http://schemas.microsoft.com/office/powerpoint/2010/main" xmlns:p15="http://schemas.microsoft.com/office/powerpoint/2012/main" xmlns:ahyp="http://schemas.microsoft.com/office/drawing/2018/hyperlinkcolor" showMasterPhAnim="0" showMasterSp="0">
+<p:notes xmlns:a="http://schemas.openxmlformats.org/drawingml/2006/main" xmlns:r="http://schemas.openxmlformats.org/officeDocument/2006/relationships" xmlns:p="http://schemas.openxmlformats.org/presentationml/2006/main" showMasterSp="0" showMasterPhAnim="0">
   <p:cSld>
     <p:spTree>
       <p:nvGrpSpPr>
-        <p:cNvPr id="183" name="Shape 183"/>
+        <p:cNvPr id="1" name="Shape 183"/>
         <p:cNvGrpSpPr/>
         <p:nvPr/>
       </p:nvGrpSpPr>
@@ -1744,9 +1835,11 @@
       <p:sp>
         <p:nvSpPr>
           <p:cNvPr id="184" name="Google Shape;184;gb600cdb076_0_34:notes"/>
-          <p:cNvSpPr/>
+          <p:cNvSpPr>
+            <a:spLocks noGrp="1" noRot="1" noChangeAspect="1"/>
+          </p:cNvSpPr>
           <p:nvPr>
-            <p:ph idx="2" type="sldImg"/>
+            <p:ph type="sldImg" idx="2"/>
           </p:nvPr>
         </p:nvSpPr>
         <p:spPr>
@@ -1755,9 +1848,13 @@
             <a:ext cx="6096000" cy="3429000"/>
           </a:xfrm>
           <a:custGeom>
-            <a:rect b="b" l="l" r="r" t="t"/>
+            <a:avLst/>
+            <a:gdLst/>
+            <a:ahLst/>
+            <a:cxnLst/>
+            <a:rect l="l" t="t" r="r" b="b"/>
             <a:pathLst>
-              <a:path extrusionOk="0" h="120000" w="120000">
+              <a:path w="120000" h="120000" extrusionOk="0">
                 <a:moveTo>
                   <a:pt x="0" y="0"/>
                 </a:moveTo>
@@ -1779,9 +1876,11 @@
       <p:sp>
         <p:nvSpPr>
           <p:cNvPr id="185" name="Google Shape;185;gb600cdb076_0_34:notes"/>
-          <p:cNvSpPr txBox="1"/>
+          <p:cNvSpPr txBox="1">
+            <a:spLocks noGrp="1"/>
+          </p:cNvSpPr>
           <p:nvPr>
-            <p:ph idx="1" type="body"/>
+            <p:ph type="body" idx="1"/>
           </p:nvPr>
         </p:nvSpPr>
         <p:spPr>
@@ -1794,12 +1893,12 @@
           </a:prstGeom>
         </p:spPr>
         <p:txBody>
-          <a:bodyPr anchorCtr="0" anchor="t" bIns="91425" lIns="91425" spcFirstLastPara="1" rIns="91425" wrap="square" tIns="91425">
+          <a:bodyPr spcFirstLastPara="1" wrap="square" lIns="91425" tIns="91425" rIns="91425" bIns="91425" anchor="t" anchorCtr="0">
             <a:noAutofit/>
           </a:bodyPr>
           <a:lstStyle/>
           <a:p>
-            <a:pPr indent="0" lvl="0" marL="0" rtl="0" algn="l">
+            <a:pPr marL="0" lvl="0" indent="0" algn="l" rtl="0">
               <a:spcBef>
                 <a:spcPts val="0"/>
               </a:spcBef>
@@ -1808,9 +1907,6 @@
               </a:spcAft>
               <a:buNone/>
             </a:pPr>
-            <a:r>
-              <a:t/>
-            </a:r>
             <a:endParaRPr/>
           </a:p>
         </p:txBody>
@@ -1824,11 +1920,11 @@
 </file>
 
 <file path=ppt/notesSlides/notesSlide2.xml><?xml version="1.0" encoding="utf-8"?>
-<p:notes xmlns:a="http://schemas.openxmlformats.org/drawingml/2006/main" xmlns:r="http://schemas.openxmlformats.org/officeDocument/2006/relationships" xmlns:mc="http://schemas.openxmlformats.org/markup-compatibility/2006" xmlns:mv="urn:schemas-microsoft-com:mac:vml" xmlns:p="http://schemas.openxmlformats.org/presentationml/2006/main" xmlns:c="http://schemas.openxmlformats.org/drawingml/2006/chart" xmlns:dgm="http://schemas.openxmlformats.org/drawingml/2006/diagram" xmlns:o="urn:schemas-microsoft-com:office:office" xmlns:v="urn:schemas-microsoft-com:vml" xmlns:pvml="urn:schemas-microsoft-com:office:powerpoint" xmlns:com="http://schemas.openxmlformats.org/drawingml/2006/compatibility" xmlns:p14="http://schemas.microsoft.com/office/powerpoint/2010/main" xmlns:p15="http://schemas.microsoft.com/office/powerpoint/2012/main" xmlns:ahyp="http://schemas.microsoft.com/office/drawing/2018/hyperlinkcolor" showMasterPhAnim="0" showMasterSp="0">
+<p:notes xmlns:a="http://schemas.openxmlformats.org/drawingml/2006/main" xmlns:r="http://schemas.openxmlformats.org/officeDocument/2006/relationships" xmlns:p="http://schemas.openxmlformats.org/presentationml/2006/main" showMasterSp="0" showMasterPhAnim="0">
   <p:cSld>
     <p:spTree>
       <p:nvGrpSpPr>
-        <p:cNvPr id="68" name="Shape 68"/>
+        <p:cNvPr id="1" name="Shape 68"/>
         <p:cNvGrpSpPr/>
         <p:nvPr/>
       </p:nvGrpSpPr>
@@ -1843,9 +1939,11 @@
       <p:sp>
         <p:nvSpPr>
           <p:cNvPr id="69" name="Google Shape;69;gb5266dcf4a_0_5:notes"/>
-          <p:cNvSpPr/>
+          <p:cNvSpPr>
+            <a:spLocks noGrp="1" noRot="1" noChangeAspect="1"/>
+          </p:cNvSpPr>
           <p:nvPr>
-            <p:ph idx="2" type="sldImg"/>
+            <p:ph type="sldImg" idx="2"/>
           </p:nvPr>
         </p:nvSpPr>
         <p:spPr>
@@ -1854,9 +1952,13 @@
             <a:ext cx="6096000" cy="3429000"/>
           </a:xfrm>
           <a:custGeom>
-            <a:rect b="b" l="l" r="r" t="t"/>
+            <a:avLst/>
+            <a:gdLst/>
+            <a:ahLst/>
+            <a:cxnLst/>
+            <a:rect l="l" t="t" r="r" b="b"/>
             <a:pathLst>
-              <a:path extrusionOk="0" h="120000" w="120000">
+              <a:path w="120000" h="120000" extrusionOk="0">
                 <a:moveTo>
                   <a:pt x="0" y="0"/>
                 </a:moveTo>
@@ -1878,9 +1980,11 @@
       <p:sp>
         <p:nvSpPr>
           <p:cNvPr id="70" name="Google Shape;70;gb5266dcf4a_0_5:notes"/>
-          <p:cNvSpPr txBox="1"/>
+          <p:cNvSpPr txBox="1">
+            <a:spLocks noGrp="1"/>
+          </p:cNvSpPr>
           <p:nvPr>
-            <p:ph idx="1" type="body"/>
+            <p:ph type="body" idx="1"/>
           </p:nvPr>
         </p:nvSpPr>
         <p:spPr>
@@ -1893,12 +1997,12 @@
           </a:prstGeom>
         </p:spPr>
         <p:txBody>
-          <a:bodyPr anchorCtr="0" anchor="t" bIns="91425" lIns="91425" spcFirstLastPara="1" rIns="91425" wrap="square" tIns="91425">
+          <a:bodyPr spcFirstLastPara="1" wrap="square" lIns="91425" tIns="91425" rIns="91425" bIns="91425" anchor="t" anchorCtr="0">
             <a:noAutofit/>
           </a:bodyPr>
           <a:lstStyle/>
           <a:p>
-            <a:pPr indent="0" lvl="0" marL="0" rtl="0" algn="l">
+            <a:pPr marL="0" lvl="0" indent="0" algn="l" rtl="0">
               <a:spcBef>
                 <a:spcPts val="0"/>
               </a:spcBef>
@@ -1907,9 +2011,6 @@
               </a:spcAft>
               <a:buNone/>
             </a:pPr>
-            <a:r>
-              <a:t/>
-            </a:r>
             <a:endParaRPr/>
           </a:p>
         </p:txBody>
@@ -1923,11 +2024,11 @@
 </file>
 
 <file path=ppt/notesSlides/notesSlide20.xml><?xml version="1.0" encoding="utf-8"?>
-<p:notes xmlns:a="http://schemas.openxmlformats.org/drawingml/2006/main" xmlns:r="http://schemas.openxmlformats.org/officeDocument/2006/relationships" xmlns:mc="http://schemas.openxmlformats.org/markup-compatibility/2006" xmlns:mv="urn:schemas-microsoft-com:mac:vml" xmlns:p="http://schemas.openxmlformats.org/presentationml/2006/main" xmlns:c="http://schemas.openxmlformats.org/drawingml/2006/chart" xmlns:dgm="http://schemas.openxmlformats.org/drawingml/2006/diagram" xmlns:o="urn:schemas-microsoft-com:office:office" xmlns:v="urn:schemas-microsoft-com:vml" xmlns:pvml="urn:schemas-microsoft-com:office:powerpoint" xmlns:com="http://schemas.openxmlformats.org/drawingml/2006/compatibility" xmlns:p14="http://schemas.microsoft.com/office/powerpoint/2010/main" xmlns:p15="http://schemas.microsoft.com/office/powerpoint/2012/main" xmlns:ahyp="http://schemas.microsoft.com/office/drawing/2018/hyperlinkcolor" showMasterPhAnim="0" showMasterSp="0">
+<p:notes xmlns:a="http://schemas.openxmlformats.org/drawingml/2006/main" xmlns:r="http://schemas.openxmlformats.org/officeDocument/2006/relationships" xmlns:p="http://schemas.openxmlformats.org/presentationml/2006/main" showMasterSp="0" showMasterPhAnim="0">
   <p:cSld>
     <p:spTree>
       <p:nvGrpSpPr>
-        <p:cNvPr id="190" name="Shape 190"/>
+        <p:cNvPr id="1" name="Shape 190"/>
         <p:cNvGrpSpPr/>
         <p:nvPr/>
       </p:nvGrpSpPr>
@@ -1942,9 +2043,11 @@
       <p:sp>
         <p:nvSpPr>
           <p:cNvPr id="191" name="Google Shape;191;gb600cdb076_0_40:notes"/>
-          <p:cNvSpPr/>
+          <p:cNvSpPr>
+            <a:spLocks noGrp="1" noRot="1" noChangeAspect="1"/>
+          </p:cNvSpPr>
           <p:nvPr>
-            <p:ph idx="2" type="sldImg"/>
+            <p:ph type="sldImg" idx="2"/>
           </p:nvPr>
         </p:nvSpPr>
         <p:spPr>
@@ -1953,9 +2056,13 @@
             <a:ext cx="6096000" cy="3429000"/>
           </a:xfrm>
           <a:custGeom>
-            <a:rect b="b" l="l" r="r" t="t"/>
+            <a:avLst/>
+            <a:gdLst/>
+            <a:ahLst/>
+            <a:cxnLst/>
+            <a:rect l="l" t="t" r="r" b="b"/>
             <a:pathLst>
-              <a:path extrusionOk="0" h="120000" w="120000">
+              <a:path w="120000" h="120000" extrusionOk="0">
                 <a:moveTo>
                   <a:pt x="0" y="0"/>
                 </a:moveTo>
@@ -1977,9 +2084,11 @@
       <p:sp>
         <p:nvSpPr>
           <p:cNvPr id="192" name="Google Shape;192;gb600cdb076_0_40:notes"/>
-          <p:cNvSpPr txBox="1"/>
+          <p:cNvSpPr txBox="1">
+            <a:spLocks noGrp="1"/>
+          </p:cNvSpPr>
           <p:nvPr>
-            <p:ph idx="1" type="body"/>
+            <p:ph type="body" idx="1"/>
           </p:nvPr>
         </p:nvSpPr>
         <p:spPr>
@@ -1992,12 +2101,12 @@
           </a:prstGeom>
         </p:spPr>
         <p:txBody>
-          <a:bodyPr anchorCtr="0" anchor="t" bIns="91425" lIns="91425" spcFirstLastPara="1" rIns="91425" wrap="square" tIns="91425">
+          <a:bodyPr spcFirstLastPara="1" wrap="square" lIns="91425" tIns="91425" rIns="91425" bIns="91425" anchor="t" anchorCtr="0">
             <a:noAutofit/>
           </a:bodyPr>
           <a:lstStyle/>
           <a:p>
-            <a:pPr indent="0" lvl="0" marL="0" rtl="0" algn="l">
+            <a:pPr marL="0" lvl="0" indent="0" algn="l" rtl="0">
               <a:spcBef>
                 <a:spcPts val="0"/>
               </a:spcBef>
@@ -2006,9 +2115,6 @@
               </a:spcAft>
               <a:buNone/>
             </a:pPr>
-            <a:r>
-              <a:t/>
-            </a:r>
             <a:endParaRPr/>
           </a:p>
         </p:txBody>
@@ -2022,11 +2128,11 @@
 </file>
 
 <file path=ppt/notesSlides/notesSlide21.xml><?xml version="1.0" encoding="utf-8"?>
-<p:notes xmlns:a="http://schemas.openxmlformats.org/drawingml/2006/main" xmlns:r="http://schemas.openxmlformats.org/officeDocument/2006/relationships" xmlns:mc="http://schemas.openxmlformats.org/markup-compatibility/2006" xmlns:mv="urn:schemas-microsoft-com:mac:vml" xmlns:p="http://schemas.openxmlformats.org/presentationml/2006/main" xmlns:c="http://schemas.openxmlformats.org/drawingml/2006/chart" xmlns:dgm="http://schemas.openxmlformats.org/drawingml/2006/diagram" xmlns:o="urn:schemas-microsoft-com:office:office" xmlns:v="urn:schemas-microsoft-com:vml" xmlns:pvml="urn:schemas-microsoft-com:office:powerpoint" xmlns:com="http://schemas.openxmlformats.org/drawingml/2006/compatibility" xmlns:p14="http://schemas.microsoft.com/office/powerpoint/2010/main" xmlns:p15="http://schemas.microsoft.com/office/powerpoint/2012/main" xmlns:ahyp="http://schemas.microsoft.com/office/drawing/2018/hyperlinkcolor" showMasterPhAnim="0" showMasterSp="0">
+<p:notes xmlns:a="http://schemas.openxmlformats.org/drawingml/2006/main" xmlns:r="http://schemas.openxmlformats.org/officeDocument/2006/relationships" xmlns:p="http://schemas.openxmlformats.org/presentationml/2006/main" showMasterSp="0" showMasterPhAnim="0">
   <p:cSld>
     <p:spTree>
       <p:nvGrpSpPr>
-        <p:cNvPr id="196" name="Shape 196"/>
+        <p:cNvPr id="1" name="Shape 196"/>
         <p:cNvGrpSpPr/>
         <p:nvPr/>
       </p:nvGrpSpPr>
@@ -2041,9 +2147,11 @@
       <p:sp>
         <p:nvSpPr>
           <p:cNvPr id="197" name="Google Shape;197;gb600cdb076_0_45:notes"/>
-          <p:cNvSpPr/>
+          <p:cNvSpPr>
+            <a:spLocks noGrp="1" noRot="1" noChangeAspect="1"/>
+          </p:cNvSpPr>
           <p:nvPr>
-            <p:ph idx="2" type="sldImg"/>
+            <p:ph type="sldImg" idx="2"/>
           </p:nvPr>
         </p:nvSpPr>
         <p:spPr>
@@ -2052,9 +2160,13 @@
             <a:ext cx="6096000" cy="3429000"/>
           </a:xfrm>
           <a:custGeom>
-            <a:rect b="b" l="l" r="r" t="t"/>
+            <a:avLst/>
+            <a:gdLst/>
+            <a:ahLst/>
+            <a:cxnLst/>
+            <a:rect l="l" t="t" r="r" b="b"/>
             <a:pathLst>
-              <a:path extrusionOk="0" h="120000" w="120000">
+              <a:path w="120000" h="120000" extrusionOk="0">
                 <a:moveTo>
                   <a:pt x="0" y="0"/>
                 </a:moveTo>
@@ -2076,9 +2188,11 @@
       <p:sp>
         <p:nvSpPr>
           <p:cNvPr id="198" name="Google Shape;198;gb600cdb076_0_45:notes"/>
-          <p:cNvSpPr txBox="1"/>
+          <p:cNvSpPr txBox="1">
+            <a:spLocks noGrp="1"/>
+          </p:cNvSpPr>
           <p:nvPr>
-            <p:ph idx="1" type="body"/>
+            <p:ph type="body" idx="1"/>
           </p:nvPr>
         </p:nvSpPr>
         <p:spPr>
@@ -2091,12 +2205,12 @@
           </a:prstGeom>
         </p:spPr>
         <p:txBody>
-          <a:bodyPr anchorCtr="0" anchor="t" bIns="91425" lIns="91425" spcFirstLastPara="1" rIns="91425" wrap="square" tIns="91425">
+          <a:bodyPr spcFirstLastPara="1" wrap="square" lIns="91425" tIns="91425" rIns="91425" bIns="91425" anchor="t" anchorCtr="0">
             <a:noAutofit/>
           </a:bodyPr>
           <a:lstStyle/>
           <a:p>
-            <a:pPr indent="0" lvl="0" marL="0" rtl="0" algn="l">
+            <a:pPr marL="0" lvl="0" indent="0" algn="l" rtl="0">
               <a:spcBef>
                 <a:spcPts val="0"/>
               </a:spcBef>
@@ -2105,9 +2219,6 @@
               </a:spcAft>
               <a:buNone/>
             </a:pPr>
-            <a:r>
-              <a:t/>
-            </a:r>
             <a:endParaRPr/>
           </a:p>
         </p:txBody>
@@ -2121,11 +2232,11 @@
 </file>
 
 <file path=ppt/notesSlides/notesSlide3.xml><?xml version="1.0" encoding="utf-8"?>
-<p:notes xmlns:a="http://schemas.openxmlformats.org/drawingml/2006/main" xmlns:r="http://schemas.openxmlformats.org/officeDocument/2006/relationships" xmlns:mc="http://schemas.openxmlformats.org/markup-compatibility/2006" xmlns:mv="urn:schemas-microsoft-com:mac:vml" xmlns:p="http://schemas.openxmlformats.org/presentationml/2006/main" xmlns:c="http://schemas.openxmlformats.org/drawingml/2006/chart" xmlns:dgm="http://schemas.openxmlformats.org/drawingml/2006/diagram" xmlns:o="urn:schemas-microsoft-com:office:office" xmlns:v="urn:schemas-microsoft-com:vml" xmlns:pvml="urn:schemas-microsoft-com:office:powerpoint" xmlns:com="http://schemas.openxmlformats.org/drawingml/2006/compatibility" xmlns:p14="http://schemas.microsoft.com/office/powerpoint/2010/main" xmlns:p15="http://schemas.microsoft.com/office/powerpoint/2012/main" xmlns:ahyp="http://schemas.microsoft.com/office/drawing/2018/hyperlinkcolor" showMasterPhAnim="0" showMasterSp="0">
+<p:notes xmlns:a="http://schemas.openxmlformats.org/drawingml/2006/main" xmlns:r="http://schemas.openxmlformats.org/officeDocument/2006/relationships" xmlns:p="http://schemas.openxmlformats.org/presentationml/2006/main" showMasterSp="0" showMasterPhAnim="0">
   <p:cSld>
     <p:spTree>
       <p:nvGrpSpPr>
-        <p:cNvPr id="74" name="Shape 74"/>
+        <p:cNvPr id="1" name="Shape 74"/>
         <p:cNvGrpSpPr/>
         <p:nvPr/>
       </p:nvGrpSpPr>
@@ -2140,9 +2251,11 @@
       <p:sp>
         <p:nvSpPr>
           <p:cNvPr id="75" name="Google Shape;75;gae0070baee_1_0:notes"/>
-          <p:cNvSpPr/>
+          <p:cNvSpPr>
+            <a:spLocks noGrp="1" noRot="1" noChangeAspect="1"/>
+          </p:cNvSpPr>
           <p:nvPr>
-            <p:ph idx="2" type="sldImg"/>
+            <p:ph type="sldImg" idx="2"/>
           </p:nvPr>
         </p:nvSpPr>
         <p:spPr>
@@ -2151,9 +2264,13 @@
             <a:ext cx="6096000" cy="3429000"/>
           </a:xfrm>
           <a:custGeom>
-            <a:rect b="b" l="l" r="r" t="t"/>
+            <a:avLst/>
+            <a:gdLst/>
+            <a:ahLst/>
+            <a:cxnLst/>
+            <a:rect l="l" t="t" r="r" b="b"/>
             <a:pathLst>
-              <a:path extrusionOk="0" h="120000" w="120000">
+              <a:path w="120000" h="120000" extrusionOk="0">
                 <a:moveTo>
                   <a:pt x="0" y="0"/>
                 </a:moveTo>
@@ -2175,9 +2292,11 @@
       <p:sp>
         <p:nvSpPr>
           <p:cNvPr id="76" name="Google Shape;76;gae0070baee_1_0:notes"/>
-          <p:cNvSpPr txBox="1"/>
+          <p:cNvSpPr txBox="1">
+            <a:spLocks noGrp="1"/>
+          </p:cNvSpPr>
           <p:nvPr>
-            <p:ph idx="1" type="body"/>
+            <p:ph type="body" idx="1"/>
           </p:nvPr>
         </p:nvSpPr>
         <p:spPr>
@@ -2190,12 +2309,12 @@
           </a:prstGeom>
         </p:spPr>
         <p:txBody>
-          <a:bodyPr anchorCtr="0" anchor="t" bIns="91425" lIns="91425" spcFirstLastPara="1" rIns="91425" wrap="square" tIns="91425">
+          <a:bodyPr spcFirstLastPara="1" wrap="square" lIns="91425" tIns="91425" rIns="91425" bIns="91425" anchor="t" anchorCtr="0">
             <a:noAutofit/>
           </a:bodyPr>
           <a:lstStyle/>
           <a:p>
-            <a:pPr indent="0" lvl="0" marL="0" rtl="0" algn="l">
+            <a:pPr marL="0" lvl="0" indent="0" algn="l" rtl="0">
               <a:spcBef>
                 <a:spcPts val="0"/>
               </a:spcBef>
@@ -2204,9 +2323,6 @@
               </a:spcAft>
               <a:buNone/>
             </a:pPr>
-            <a:r>
-              <a:t/>
-            </a:r>
             <a:endParaRPr/>
           </a:p>
         </p:txBody>
@@ -2220,11 +2336,11 @@
 </file>
 
 <file path=ppt/notesSlides/notesSlide4.xml><?xml version="1.0" encoding="utf-8"?>
-<p:notes xmlns:a="http://schemas.openxmlformats.org/drawingml/2006/main" xmlns:r="http://schemas.openxmlformats.org/officeDocument/2006/relationships" xmlns:mc="http://schemas.openxmlformats.org/markup-compatibility/2006" xmlns:mv="urn:schemas-microsoft-com:mac:vml" xmlns:p="http://schemas.openxmlformats.org/presentationml/2006/main" xmlns:c="http://schemas.openxmlformats.org/drawingml/2006/chart" xmlns:dgm="http://schemas.openxmlformats.org/drawingml/2006/diagram" xmlns:o="urn:schemas-microsoft-com:office:office" xmlns:v="urn:schemas-microsoft-com:vml" xmlns:pvml="urn:schemas-microsoft-com:office:powerpoint" xmlns:com="http://schemas.openxmlformats.org/drawingml/2006/compatibility" xmlns:p14="http://schemas.microsoft.com/office/powerpoint/2010/main" xmlns:p15="http://schemas.microsoft.com/office/powerpoint/2012/main" xmlns:ahyp="http://schemas.microsoft.com/office/drawing/2018/hyperlinkcolor" showMasterPhAnim="0" showMasterSp="0">
+<p:notes xmlns:a="http://schemas.openxmlformats.org/drawingml/2006/main" xmlns:r="http://schemas.openxmlformats.org/officeDocument/2006/relationships" xmlns:p="http://schemas.openxmlformats.org/presentationml/2006/main" showMasterSp="0" showMasterPhAnim="0">
   <p:cSld>
     <p:spTree>
       <p:nvGrpSpPr>
-        <p:cNvPr id="80" name="Shape 80"/>
+        <p:cNvPr id="1" name="Shape 80"/>
         <p:cNvGrpSpPr/>
         <p:nvPr/>
       </p:nvGrpSpPr>
@@ -2239,9 +2355,11 @@
       <p:sp>
         <p:nvSpPr>
           <p:cNvPr id="81" name="Google Shape;81;gabd86fbbed_0_57:notes"/>
-          <p:cNvSpPr/>
+          <p:cNvSpPr>
+            <a:spLocks noGrp="1" noRot="1" noChangeAspect="1"/>
+          </p:cNvSpPr>
           <p:nvPr>
-            <p:ph idx="2" type="sldImg"/>
+            <p:ph type="sldImg" idx="2"/>
           </p:nvPr>
         </p:nvSpPr>
         <p:spPr>
@@ -2250,9 +2368,13 @@
             <a:ext cx="6096000" cy="3429000"/>
           </a:xfrm>
           <a:custGeom>
-            <a:rect b="b" l="l" r="r" t="t"/>
+            <a:avLst/>
+            <a:gdLst/>
+            <a:ahLst/>
+            <a:cxnLst/>
+            <a:rect l="l" t="t" r="r" b="b"/>
             <a:pathLst>
-              <a:path extrusionOk="0" h="120000" w="120000">
+              <a:path w="120000" h="120000" extrusionOk="0">
                 <a:moveTo>
                   <a:pt x="0" y="0"/>
                 </a:moveTo>
@@ -2274,9 +2396,11 @@
       <p:sp>
         <p:nvSpPr>
           <p:cNvPr id="82" name="Google Shape;82;gabd86fbbed_0_57:notes"/>
-          <p:cNvSpPr txBox="1"/>
+          <p:cNvSpPr txBox="1">
+            <a:spLocks noGrp="1"/>
+          </p:cNvSpPr>
           <p:nvPr>
-            <p:ph idx="1" type="body"/>
+            <p:ph type="body" idx="1"/>
           </p:nvPr>
         </p:nvSpPr>
         <p:spPr>
@@ -2289,12 +2413,12 @@
           </a:prstGeom>
         </p:spPr>
         <p:txBody>
-          <a:bodyPr anchorCtr="0" anchor="t" bIns="91425" lIns="91425" spcFirstLastPara="1" rIns="91425" wrap="square" tIns="91425">
+          <a:bodyPr spcFirstLastPara="1" wrap="square" lIns="91425" tIns="91425" rIns="91425" bIns="91425" anchor="t" anchorCtr="0">
             <a:noAutofit/>
           </a:bodyPr>
           <a:lstStyle/>
           <a:p>
-            <a:pPr indent="0" lvl="0" marL="0" rtl="0" algn="l">
+            <a:pPr marL="0" lvl="0" indent="0" algn="l" rtl="0">
               <a:spcBef>
                 <a:spcPts val="0"/>
               </a:spcBef>
@@ -2303,9 +2427,6 @@
               </a:spcAft>
               <a:buNone/>
             </a:pPr>
-            <a:r>
-              <a:t/>
-            </a:r>
             <a:endParaRPr/>
           </a:p>
         </p:txBody>
@@ -2319,11 +2440,11 @@
 </file>
 
 <file path=ppt/notesSlides/notesSlide5.xml><?xml version="1.0" encoding="utf-8"?>
-<p:notes xmlns:a="http://schemas.openxmlformats.org/drawingml/2006/main" xmlns:r="http://schemas.openxmlformats.org/officeDocument/2006/relationships" xmlns:mc="http://schemas.openxmlformats.org/markup-compatibility/2006" xmlns:mv="urn:schemas-microsoft-com:mac:vml" xmlns:p="http://schemas.openxmlformats.org/presentationml/2006/main" xmlns:c="http://schemas.openxmlformats.org/drawingml/2006/chart" xmlns:dgm="http://schemas.openxmlformats.org/drawingml/2006/diagram" xmlns:o="urn:schemas-microsoft-com:office:office" xmlns:v="urn:schemas-microsoft-com:vml" xmlns:pvml="urn:schemas-microsoft-com:office:powerpoint" xmlns:com="http://schemas.openxmlformats.org/drawingml/2006/compatibility" xmlns:p14="http://schemas.microsoft.com/office/powerpoint/2010/main" xmlns:p15="http://schemas.microsoft.com/office/powerpoint/2012/main" xmlns:ahyp="http://schemas.microsoft.com/office/drawing/2018/hyperlinkcolor" showMasterPhAnim="0" showMasterSp="0">
+<p:notes xmlns:a="http://schemas.openxmlformats.org/drawingml/2006/main" xmlns:r="http://schemas.openxmlformats.org/officeDocument/2006/relationships" xmlns:p="http://schemas.openxmlformats.org/presentationml/2006/main" showMasterSp="0" showMasterPhAnim="0">
   <p:cSld>
     <p:spTree>
       <p:nvGrpSpPr>
-        <p:cNvPr id="88" name="Shape 88"/>
+        <p:cNvPr id="1" name="Shape 88"/>
         <p:cNvGrpSpPr/>
         <p:nvPr/>
       </p:nvGrpSpPr>
@@ -2338,9 +2459,11 @@
       <p:sp>
         <p:nvSpPr>
           <p:cNvPr id="89" name="Google Shape;89;gb5266dcf4a_0_15:notes"/>
-          <p:cNvSpPr/>
+          <p:cNvSpPr>
+            <a:spLocks noGrp="1" noRot="1" noChangeAspect="1"/>
+          </p:cNvSpPr>
           <p:nvPr>
-            <p:ph idx="2" type="sldImg"/>
+            <p:ph type="sldImg" idx="2"/>
           </p:nvPr>
         </p:nvSpPr>
         <p:spPr>
@@ -2349,9 +2472,13 @@
             <a:ext cx="6096000" cy="3429000"/>
           </a:xfrm>
           <a:custGeom>
-            <a:rect b="b" l="l" r="r" t="t"/>
+            <a:avLst/>
+            <a:gdLst/>
+            <a:ahLst/>
+            <a:cxnLst/>
+            <a:rect l="l" t="t" r="r" b="b"/>
             <a:pathLst>
-              <a:path extrusionOk="0" h="120000" w="120000">
+              <a:path w="120000" h="120000" extrusionOk="0">
                 <a:moveTo>
                   <a:pt x="0" y="0"/>
                 </a:moveTo>
@@ -2373,9 +2500,11 @@
       <p:sp>
         <p:nvSpPr>
           <p:cNvPr id="90" name="Google Shape;90;gb5266dcf4a_0_15:notes"/>
-          <p:cNvSpPr txBox="1"/>
+          <p:cNvSpPr txBox="1">
+            <a:spLocks noGrp="1"/>
+          </p:cNvSpPr>
           <p:nvPr>
-            <p:ph idx="1" type="body"/>
+            <p:ph type="body" idx="1"/>
           </p:nvPr>
         </p:nvSpPr>
         <p:spPr>
@@ -2388,12 +2517,12 @@
           </a:prstGeom>
         </p:spPr>
         <p:txBody>
-          <a:bodyPr anchorCtr="0" anchor="t" bIns="91425" lIns="91425" spcFirstLastPara="1" rIns="91425" wrap="square" tIns="91425">
+          <a:bodyPr spcFirstLastPara="1" wrap="square" lIns="91425" tIns="91425" rIns="91425" bIns="91425" anchor="t" anchorCtr="0">
             <a:noAutofit/>
           </a:bodyPr>
           <a:lstStyle/>
           <a:p>
-            <a:pPr indent="0" lvl="0" marL="0" rtl="0" algn="l">
+            <a:pPr marL="0" lvl="0" indent="0" algn="l" rtl="0">
               <a:spcBef>
                 <a:spcPts val="0"/>
               </a:spcBef>
@@ -2402,9 +2531,6 @@
               </a:spcAft>
               <a:buNone/>
             </a:pPr>
-            <a:r>
-              <a:t/>
-            </a:r>
             <a:endParaRPr/>
           </a:p>
         </p:txBody>
@@ -2418,11 +2544,11 @@
 </file>
 
 <file path=ppt/notesSlides/notesSlide6.xml><?xml version="1.0" encoding="utf-8"?>
-<p:notes xmlns:a="http://schemas.openxmlformats.org/drawingml/2006/main" xmlns:r="http://schemas.openxmlformats.org/officeDocument/2006/relationships" xmlns:mc="http://schemas.openxmlformats.org/markup-compatibility/2006" xmlns:mv="urn:schemas-microsoft-com:mac:vml" xmlns:p="http://schemas.openxmlformats.org/presentationml/2006/main" xmlns:c="http://schemas.openxmlformats.org/drawingml/2006/chart" xmlns:dgm="http://schemas.openxmlformats.org/drawingml/2006/diagram" xmlns:o="urn:schemas-microsoft-com:office:office" xmlns:v="urn:schemas-microsoft-com:vml" xmlns:pvml="urn:schemas-microsoft-com:office:powerpoint" xmlns:com="http://schemas.openxmlformats.org/drawingml/2006/compatibility" xmlns:p14="http://schemas.microsoft.com/office/powerpoint/2010/main" xmlns:p15="http://schemas.microsoft.com/office/powerpoint/2012/main" xmlns:ahyp="http://schemas.microsoft.com/office/drawing/2018/hyperlinkcolor" showMasterPhAnim="0" showMasterSp="0">
+<p:notes xmlns:a="http://schemas.openxmlformats.org/drawingml/2006/main" xmlns:r="http://schemas.openxmlformats.org/officeDocument/2006/relationships" xmlns:p="http://schemas.openxmlformats.org/presentationml/2006/main" showMasterSp="0" showMasterPhAnim="0">
   <p:cSld>
     <p:spTree>
       <p:nvGrpSpPr>
-        <p:cNvPr id="96" name="Shape 96"/>
+        <p:cNvPr id="1" name="Shape 96"/>
         <p:cNvGrpSpPr/>
         <p:nvPr/>
       </p:nvGrpSpPr>
@@ -2437,9 +2563,11 @@
       <p:sp>
         <p:nvSpPr>
           <p:cNvPr id="97" name="Google Shape;97;gb5266dcf4a_0_25:notes"/>
-          <p:cNvSpPr/>
+          <p:cNvSpPr>
+            <a:spLocks noGrp="1" noRot="1" noChangeAspect="1"/>
+          </p:cNvSpPr>
           <p:nvPr>
-            <p:ph idx="2" type="sldImg"/>
+            <p:ph type="sldImg" idx="2"/>
           </p:nvPr>
         </p:nvSpPr>
         <p:spPr>
@@ -2448,9 +2576,13 @@
             <a:ext cx="6096000" cy="3429000"/>
           </a:xfrm>
           <a:custGeom>
-            <a:rect b="b" l="l" r="r" t="t"/>
+            <a:avLst/>
+            <a:gdLst/>
+            <a:ahLst/>
+            <a:cxnLst/>
+            <a:rect l="l" t="t" r="r" b="b"/>
             <a:pathLst>
-              <a:path extrusionOk="0" h="120000" w="120000">
+              <a:path w="120000" h="120000" extrusionOk="0">
                 <a:moveTo>
                   <a:pt x="0" y="0"/>
                 </a:moveTo>
@@ -2472,9 +2604,11 @@
       <p:sp>
         <p:nvSpPr>
           <p:cNvPr id="98" name="Google Shape;98;gb5266dcf4a_0_25:notes"/>
-          <p:cNvSpPr txBox="1"/>
+          <p:cNvSpPr txBox="1">
+            <a:spLocks noGrp="1"/>
+          </p:cNvSpPr>
           <p:nvPr>
-            <p:ph idx="1" type="body"/>
+            <p:ph type="body" idx="1"/>
           </p:nvPr>
         </p:nvSpPr>
         <p:spPr>
@@ -2487,12 +2621,12 @@
           </a:prstGeom>
         </p:spPr>
         <p:txBody>
-          <a:bodyPr anchorCtr="0" anchor="t" bIns="91425" lIns="91425" spcFirstLastPara="1" rIns="91425" wrap="square" tIns="91425">
+          <a:bodyPr spcFirstLastPara="1" wrap="square" lIns="91425" tIns="91425" rIns="91425" bIns="91425" anchor="t" anchorCtr="0">
             <a:noAutofit/>
           </a:bodyPr>
           <a:lstStyle/>
           <a:p>
-            <a:pPr indent="0" lvl="0" marL="0" rtl="0" algn="l">
+            <a:pPr marL="0" lvl="0" indent="0" algn="l" rtl="0">
               <a:spcBef>
                 <a:spcPts val="0"/>
               </a:spcBef>
@@ -2501,9 +2635,6 @@
               </a:spcAft>
               <a:buNone/>
             </a:pPr>
-            <a:r>
-              <a:t/>
-            </a:r>
             <a:endParaRPr/>
           </a:p>
         </p:txBody>
@@ -2517,11 +2648,11 @@
 </file>
 
 <file path=ppt/notesSlides/notesSlide7.xml><?xml version="1.0" encoding="utf-8"?>
-<p:notes xmlns:a="http://schemas.openxmlformats.org/drawingml/2006/main" xmlns:r="http://schemas.openxmlformats.org/officeDocument/2006/relationships" xmlns:mc="http://schemas.openxmlformats.org/markup-compatibility/2006" xmlns:mv="urn:schemas-microsoft-com:mac:vml" xmlns:p="http://schemas.openxmlformats.org/presentationml/2006/main" xmlns:c="http://schemas.openxmlformats.org/drawingml/2006/chart" xmlns:dgm="http://schemas.openxmlformats.org/drawingml/2006/diagram" xmlns:o="urn:schemas-microsoft-com:office:office" xmlns:v="urn:schemas-microsoft-com:vml" xmlns:pvml="urn:schemas-microsoft-com:office:powerpoint" xmlns:com="http://schemas.openxmlformats.org/drawingml/2006/compatibility" xmlns:p14="http://schemas.microsoft.com/office/powerpoint/2010/main" xmlns:p15="http://schemas.microsoft.com/office/powerpoint/2012/main" xmlns:ahyp="http://schemas.microsoft.com/office/drawing/2018/hyperlinkcolor" showMasterPhAnim="0" showMasterSp="0">
+<p:notes xmlns:a="http://schemas.openxmlformats.org/drawingml/2006/main" xmlns:r="http://schemas.openxmlformats.org/officeDocument/2006/relationships" xmlns:p="http://schemas.openxmlformats.org/presentationml/2006/main" showMasterSp="0" showMasterPhAnim="0">
   <p:cSld>
     <p:spTree>
       <p:nvGrpSpPr>
-        <p:cNvPr id="102" name="Shape 102"/>
+        <p:cNvPr id="1" name="Shape 102"/>
         <p:cNvGrpSpPr/>
         <p:nvPr/>
       </p:nvGrpSpPr>
@@ -2536,9 +2667,11 @@
       <p:sp>
         <p:nvSpPr>
           <p:cNvPr id="103" name="Google Shape;103;gb5266dcf4a_0_32:notes"/>
-          <p:cNvSpPr/>
+          <p:cNvSpPr>
+            <a:spLocks noGrp="1" noRot="1" noChangeAspect="1"/>
+          </p:cNvSpPr>
           <p:nvPr>
-            <p:ph idx="2" type="sldImg"/>
+            <p:ph type="sldImg" idx="2"/>
           </p:nvPr>
         </p:nvSpPr>
         <p:spPr>
@@ -2547,9 +2680,13 @@
             <a:ext cx="6096000" cy="3429000"/>
           </a:xfrm>
           <a:custGeom>
-            <a:rect b="b" l="l" r="r" t="t"/>
+            <a:avLst/>
+            <a:gdLst/>
+            <a:ahLst/>
+            <a:cxnLst/>
+            <a:rect l="l" t="t" r="r" b="b"/>
             <a:pathLst>
-              <a:path extrusionOk="0" h="120000" w="120000">
+              <a:path w="120000" h="120000" extrusionOk="0">
                 <a:moveTo>
                   <a:pt x="0" y="0"/>
                 </a:moveTo>
@@ -2571,9 +2708,11 @@
       <p:sp>
         <p:nvSpPr>
           <p:cNvPr id="104" name="Google Shape;104;gb5266dcf4a_0_32:notes"/>
-          <p:cNvSpPr txBox="1"/>
+          <p:cNvSpPr txBox="1">
+            <a:spLocks noGrp="1"/>
+          </p:cNvSpPr>
           <p:nvPr>
-            <p:ph idx="1" type="body"/>
+            <p:ph type="body" idx="1"/>
           </p:nvPr>
         </p:nvSpPr>
         <p:spPr>
@@ -2586,12 +2725,12 @@
           </a:prstGeom>
         </p:spPr>
         <p:txBody>
-          <a:bodyPr anchorCtr="0" anchor="t" bIns="91425" lIns="91425" spcFirstLastPara="1" rIns="91425" wrap="square" tIns="91425">
+          <a:bodyPr spcFirstLastPara="1" wrap="square" lIns="91425" tIns="91425" rIns="91425" bIns="91425" anchor="t" anchorCtr="0">
             <a:noAutofit/>
           </a:bodyPr>
           <a:lstStyle/>
           <a:p>
-            <a:pPr indent="0" lvl="0" marL="0" rtl="0" algn="l">
+            <a:pPr marL="0" lvl="0" indent="0" algn="l" rtl="0">
               <a:spcBef>
                 <a:spcPts val="0"/>
               </a:spcBef>
@@ -2600,9 +2739,6 @@
               </a:spcAft>
               <a:buNone/>
             </a:pPr>
-            <a:r>
-              <a:t/>
-            </a:r>
             <a:endParaRPr/>
           </a:p>
         </p:txBody>
@@ -2616,11 +2752,11 @@
 </file>
 
 <file path=ppt/notesSlides/notesSlide8.xml><?xml version="1.0" encoding="utf-8"?>
-<p:notes xmlns:a="http://schemas.openxmlformats.org/drawingml/2006/main" xmlns:r="http://schemas.openxmlformats.org/officeDocument/2006/relationships" xmlns:mc="http://schemas.openxmlformats.org/markup-compatibility/2006" xmlns:mv="urn:schemas-microsoft-com:mac:vml" xmlns:p="http://schemas.openxmlformats.org/presentationml/2006/main" xmlns:c="http://schemas.openxmlformats.org/drawingml/2006/chart" xmlns:dgm="http://schemas.openxmlformats.org/drawingml/2006/diagram" xmlns:o="urn:schemas-microsoft-com:office:office" xmlns:v="urn:schemas-microsoft-com:vml" xmlns:pvml="urn:schemas-microsoft-com:office:powerpoint" xmlns:com="http://schemas.openxmlformats.org/drawingml/2006/compatibility" xmlns:p14="http://schemas.microsoft.com/office/powerpoint/2010/main" xmlns:p15="http://schemas.microsoft.com/office/powerpoint/2012/main" xmlns:ahyp="http://schemas.microsoft.com/office/drawing/2018/hyperlinkcolor" showMasterPhAnim="0" showMasterSp="0">
+<p:notes xmlns:a="http://schemas.openxmlformats.org/drawingml/2006/main" xmlns:r="http://schemas.openxmlformats.org/officeDocument/2006/relationships" xmlns:p="http://schemas.openxmlformats.org/presentationml/2006/main" showMasterSp="0" showMasterPhAnim="0">
   <p:cSld>
     <p:spTree>
       <p:nvGrpSpPr>
-        <p:cNvPr id="108" name="Shape 108"/>
+        <p:cNvPr id="1" name="Shape 108"/>
         <p:cNvGrpSpPr/>
         <p:nvPr/>
       </p:nvGrpSpPr>
@@ -2635,9 +2771,11 @@
       <p:sp>
         <p:nvSpPr>
           <p:cNvPr id="109" name="Google Shape;109;gb5266dcf4a_0_41:notes"/>
-          <p:cNvSpPr/>
+          <p:cNvSpPr>
+            <a:spLocks noGrp="1" noRot="1" noChangeAspect="1"/>
+          </p:cNvSpPr>
           <p:nvPr>
-            <p:ph idx="2" type="sldImg"/>
+            <p:ph type="sldImg" idx="2"/>
           </p:nvPr>
         </p:nvSpPr>
         <p:spPr>
@@ -2646,9 +2784,13 @@
             <a:ext cx="6096000" cy="3429000"/>
           </a:xfrm>
           <a:custGeom>
-            <a:rect b="b" l="l" r="r" t="t"/>
+            <a:avLst/>
+            <a:gdLst/>
+            <a:ahLst/>
+            <a:cxnLst/>
+            <a:rect l="l" t="t" r="r" b="b"/>
             <a:pathLst>
-              <a:path extrusionOk="0" h="120000" w="120000">
+              <a:path w="120000" h="120000" extrusionOk="0">
                 <a:moveTo>
                   <a:pt x="0" y="0"/>
                 </a:moveTo>
@@ -2670,9 +2812,11 @@
       <p:sp>
         <p:nvSpPr>
           <p:cNvPr id="110" name="Google Shape;110;gb5266dcf4a_0_41:notes"/>
-          <p:cNvSpPr txBox="1"/>
+          <p:cNvSpPr txBox="1">
+            <a:spLocks noGrp="1"/>
+          </p:cNvSpPr>
           <p:nvPr>
-            <p:ph idx="1" type="body"/>
+            <p:ph type="body" idx="1"/>
           </p:nvPr>
         </p:nvSpPr>
         <p:spPr>
@@ -2685,12 +2829,12 @@
           </a:prstGeom>
         </p:spPr>
         <p:txBody>
-          <a:bodyPr anchorCtr="0" anchor="t" bIns="91425" lIns="91425" spcFirstLastPara="1" rIns="91425" wrap="square" tIns="91425">
+          <a:bodyPr spcFirstLastPara="1" wrap="square" lIns="91425" tIns="91425" rIns="91425" bIns="91425" anchor="t" anchorCtr="0">
             <a:noAutofit/>
           </a:bodyPr>
           <a:lstStyle/>
           <a:p>
-            <a:pPr indent="0" lvl="0" marL="0" rtl="0" algn="l">
+            <a:pPr marL="0" lvl="0" indent="0" algn="l" rtl="0">
               <a:spcBef>
                 <a:spcPts val="0"/>
               </a:spcBef>
@@ -2699,9 +2843,6 @@
               </a:spcAft>
               <a:buNone/>
             </a:pPr>
-            <a:r>
-              <a:t/>
-            </a:r>
             <a:endParaRPr/>
           </a:p>
         </p:txBody>
@@ -2715,11 +2856,11 @@
 </file>
 
 <file path=ppt/notesSlides/notesSlide9.xml><?xml version="1.0" encoding="utf-8"?>
-<p:notes xmlns:a="http://schemas.openxmlformats.org/drawingml/2006/main" xmlns:r="http://schemas.openxmlformats.org/officeDocument/2006/relationships" xmlns:mc="http://schemas.openxmlformats.org/markup-compatibility/2006" xmlns:mv="urn:schemas-microsoft-com:mac:vml" xmlns:p="http://schemas.openxmlformats.org/presentationml/2006/main" xmlns:c="http://schemas.openxmlformats.org/drawingml/2006/chart" xmlns:dgm="http://schemas.openxmlformats.org/drawingml/2006/diagram" xmlns:o="urn:schemas-microsoft-com:office:office" xmlns:v="urn:schemas-microsoft-com:vml" xmlns:pvml="urn:schemas-microsoft-com:office:powerpoint" xmlns:com="http://schemas.openxmlformats.org/drawingml/2006/compatibility" xmlns:p14="http://schemas.microsoft.com/office/powerpoint/2010/main" xmlns:p15="http://schemas.microsoft.com/office/powerpoint/2012/main" xmlns:ahyp="http://schemas.microsoft.com/office/drawing/2018/hyperlinkcolor" showMasterPhAnim="0" showMasterSp="0">
+<p:notes xmlns:a="http://schemas.openxmlformats.org/drawingml/2006/main" xmlns:r="http://schemas.openxmlformats.org/officeDocument/2006/relationships" xmlns:p="http://schemas.openxmlformats.org/presentationml/2006/main" showMasterSp="0" showMasterPhAnim="0">
   <p:cSld>
     <p:spTree>
       <p:nvGrpSpPr>
-        <p:cNvPr id="114" name="Shape 114"/>
+        <p:cNvPr id="1" name="Shape 114"/>
         <p:cNvGrpSpPr/>
         <p:nvPr/>
       </p:nvGrpSpPr>
@@ -2734,9 +2875,11 @@
       <p:sp>
         <p:nvSpPr>
           <p:cNvPr id="115" name="Google Shape;115;gb5266dcf4a_0_48:notes"/>
-          <p:cNvSpPr/>
+          <p:cNvSpPr>
+            <a:spLocks noGrp="1" noRot="1" noChangeAspect="1"/>
+          </p:cNvSpPr>
           <p:nvPr>
-            <p:ph idx="2" type="sldImg"/>
+            <p:ph type="sldImg" idx="2"/>
           </p:nvPr>
         </p:nvSpPr>
         <p:spPr>
@@ -2745,9 +2888,13 @@
             <a:ext cx="6096000" cy="3429000"/>
           </a:xfrm>
           <a:custGeom>
-            <a:rect b="b" l="l" r="r" t="t"/>
+            <a:avLst/>
+            <a:gdLst/>
+            <a:ahLst/>
+            <a:cxnLst/>
+            <a:rect l="l" t="t" r="r" b="b"/>
             <a:pathLst>
-              <a:path extrusionOk="0" h="120000" w="120000">
+              <a:path w="120000" h="120000" extrusionOk="0">
                 <a:moveTo>
                   <a:pt x="0" y="0"/>
                 </a:moveTo>
@@ -2769,9 +2916,11 @@
       <p:sp>
         <p:nvSpPr>
           <p:cNvPr id="116" name="Google Shape;116;gb5266dcf4a_0_48:notes"/>
-          <p:cNvSpPr txBox="1"/>
+          <p:cNvSpPr txBox="1">
+            <a:spLocks noGrp="1"/>
+          </p:cNvSpPr>
           <p:nvPr>
-            <p:ph idx="1" type="body"/>
+            <p:ph type="body" idx="1"/>
           </p:nvPr>
         </p:nvSpPr>
         <p:spPr>
@@ -2784,12 +2933,12 @@
           </a:prstGeom>
         </p:spPr>
         <p:txBody>
-          <a:bodyPr anchorCtr="0" anchor="t" bIns="91425" lIns="91425" spcFirstLastPara="1" rIns="91425" wrap="square" tIns="91425">
+          <a:bodyPr spcFirstLastPara="1" wrap="square" lIns="91425" tIns="91425" rIns="91425" bIns="91425" anchor="t" anchorCtr="0">
             <a:noAutofit/>
           </a:bodyPr>
           <a:lstStyle/>
           <a:p>
-            <a:pPr indent="0" lvl="0" marL="0" rtl="0" algn="l">
+            <a:pPr marL="0" lvl="0" indent="0" algn="l" rtl="0">
               <a:spcBef>
                 <a:spcPts val="0"/>
               </a:spcBef>
@@ -2798,9 +2947,6 @@
               </a:spcAft>
               <a:buNone/>
             </a:pPr>
-            <a:r>
-              <a:t/>
-            </a:r>
             <a:endParaRPr/>
           </a:p>
         </p:txBody>
@@ -2814,11 +2960,11 @@
 </file>
 
 <file path=ppt/slideLayouts/slideLayout1.xml><?xml version="1.0" encoding="utf-8"?>
-<p:sldLayout xmlns:a="http://schemas.openxmlformats.org/drawingml/2006/main" xmlns:r="http://schemas.openxmlformats.org/officeDocument/2006/relationships" xmlns:mc="http://schemas.openxmlformats.org/markup-compatibility/2006" xmlns:mv="urn:schemas-microsoft-com:mac:vml" xmlns:p="http://schemas.openxmlformats.org/presentationml/2006/main" xmlns:c="http://schemas.openxmlformats.org/drawingml/2006/chart" xmlns:dgm="http://schemas.openxmlformats.org/drawingml/2006/diagram" xmlns:o="urn:schemas-microsoft-com:office:office" xmlns:v="urn:schemas-microsoft-com:vml" xmlns:pvml="urn:schemas-microsoft-com:office:powerpoint" xmlns:com="http://schemas.openxmlformats.org/drawingml/2006/compatibility" xmlns:p14="http://schemas.microsoft.com/office/powerpoint/2010/main" xmlns:p15="http://schemas.microsoft.com/office/powerpoint/2012/main" xmlns:ahyp="http://schemas.microsoft.com/office/drawing/2018/hyperlinkcolor" matchingName="Title slide" type="title">
+<p:sldLayout xmlns:a="http://schemas.openxmlformats.org/drawingml/2006/main" xmlns:r="http://schemas.openxmlformats.org/officeDocument/2006/relationships" xmlns:p="http://schemas.openxmlformats.org/presentationml/2006/main" matchingName="Title slide" type="title">
   <p:cSld name="TITLE">
     <p:spTree>
       <p:nvGrpSpPr>
-        <p:cNvPr id="9" name="Shape 9"/>
+        <p:cNvPr id="1" name="Shape 9"/>
         <p:cNvGrpSpPr/>
         <p:nvPr/>
       </p:nvGrpSpPr>
@@ -2845,14 +2991,14 @@
             <a:avLst/>
           </a:prstGeom>
           <a:noFill/>
-          <a:ln cap="flat" cmpd="sng" w="76200">
+          <a:ln w="76200" cap="flat" cmpd="sng">
             <a:solidFill>
               <a:schemeClr val="lt2"/>
             </a:solidFill>
             <a:prstDash val="solid"/>
             <a:round/>
-            <a:headEnd len="sm" w="sm" type="none"/>
-            <a:tailEnd len="sm" w="sm" type="none"/>
+            <a:headEnd type="none" w="sm" len="sm"/>
+            <a:tailEnd type="none" w="sm" len="sm"/>
           </a:ln>
         </p:spPr>
       </p:cxnSp>
@@ -2871,14 +3017,14 @@
             <a:avLst/>
           </a:prstGeom>
           <a:noFill/>
-          <a:ln cap="flat" cmpd="sng" w="76200">
+          <a:ln w="76200" cap="flat" cmpd="sng">
             <a:solidFill>
               <a:schemeClr val="lt2"/>
             </a:solidFill>
             <a:prstDash val="solid"/>
             <a:round/>
-            <a:headEnd len="sm" w="sm" type="none"/>
-            <a:tailEnd len="sm" w="sm" type="none"/>
+            <a:headEnd type="none" w="sm" len="sm"/>
+            <a:tailEnd type="none" w="sm" len="sm"/>
           </a:ln>
         </p:spPr>
       </p:cxnSp>
@@ -2911,14 +3057,14 @@
               <a:avLst/>
             </a:prstGeom>
             <a:noFill/>
-            <a:ln cap="flat" cmpd="sng" w="76200">
+            <a:ln w="76200" cap="flat" cmpd="sng">
               <a:solidFill>
                 <a:schemeClr val="accent3"/>
               </a:solidFill>
               <a:prstDash val="solid"/>
               <a:round/>
-              <a:headEnd len="sm" w="sm" type="none"/>
-              <a:tailEnd len="sm" w="sm" type="none"/>
+              <a:headEnd type="none" w="sm" len="sm"/>
+              <a:tailEnd type="none" w="sm" len="sm"/>
             </a:ln>
           </p:spPr>
         </p:cxnSp>
@@ -2937,14 +3083,14 @@
               <a:avLst/>
             </a:prstGeom>
             <a:noFill/>
-            <a:ln cap="flat" cmpd="sng" w="9525">
+            <a:ln w="9525" cap="flat" cmpd="sng">
               <a:solidFill>
                 <a:schemeClr val="accent3"/>
               </a:solidFill>
               <a:prstDash val="solid"/>
               <a:round/>
-              <a:headEnd len="sm" w="sm" type="none"/>
-              <a:tailEnd len="sm" w="sm" type="none"/>
+              <a:headEnd type="none" w="sm" len="sm"/>
+              <a:tailEnd type="none" w="sm" len="sm"/>
             </a:ln>
           </p:spPr>
         </p:cxnSp>
@@ -2978,14 +3124,14 @@
               <a:avLst/>
             </a:prstGeom>
             <a:noFill/>
-            <a:ln cap="flat" cmpd="sng" w="76200">
+            <a:ln w="76200" cap="flat" cmpd="sng">
               <a:solidFill>
                 <a:schemeClr val="accent3"/>
               </a:solidFill>
               <a:prstDash val="solid"/>
               <a:round/>
-              <a:headEnd len="sm" w="sm" type="none"/>
-              <a:tailEnd len="sm" w="sm" type="none"/>
+              <a:headEnd type="none" w="sm" len="sm"/>
+              <a:tailEnd type="none" w="sm" len="sm"/>
             </a:ln>
           </p:spPr>
         </p:cxnSp>
@@ -3004,14 +3150,14 @@
               <a:avLst/>
             </a:prstGeom>
             <a:noFill/>
-            <a:ln cap="flat" cmpd="sng" w="9525">
+            <a:ln w="9525" cap="flat" cmpd="sng">
               <a:solidFill>
                 <a:schemeClr val="accent3"/>
               </a:solidFill>
               <a:prstDash val="solid"/>
               <a:round/>
-              <a:headEnd len="sm" w="sm" type="none"/>
-              <a:tailEnd len="sm" w="sm" type="none"/>
+              <a:headEnd type="none" w="sm" len="sm"/>
+              <a:tailEnd type="none" w="sm" len="sm"/>
             </a:ln>
           </p:spPr>
         </p:cxnSp>
@@ -3019,7 +3165,9 @@
       <p:sp>
         <p:nvSpPr>
           <p:cNvPr id="18" name="Google Shape;18;p2"/>
-          <p:cNvSpPr txBox="1"/>
+          <p:cNvSpPr txBox="1">
+            <a:spLocks noGrp="1"/>
+          </p:cNvSpPr>
           <p:nvPr>
             <p:ph type="ctrTitle"/>
           </p:nvPr>
@@ -3034,7 +3182,7 @@
           </a:prstGeom>
         </p:spPr>
         <p:txBody>
-          <a:bodyPr anchorCtr="0" anchor="b" bIns="91425" lIns="91425" spcFirstLastPara="1" rIns="91425" wrap="square" tIns="91425">
+          <a:bodyPr spcFirstLastPara="1" wrap="square" lIns="91425" tIns="91425" rIns="91425" bIns="91425" anchor="b" anchorCtr="0">
             <a:noAutofit/>
           </a:bodyPr>
           <a:lstStyle>
@@ -3138,15 +3286,19 @@
               <a:defRPr sz="5400"/>
             </a:lvl9pPr>
           </a:lstStyle>
-          <a:p/>
+          <a:p>
+            <a:endParaRPr/>
+          </a:p>
         </p:txBody>
       </p:sp>
       <p:sp>
         <p:nvSpPr>
           <p:cNvPr id="19" name="Google Shape;19;p2"/>
-          <p:cNvSpPr txBox="1"/>
+          <p:cNvSpPr txBox="1">
+            <a:spLocks noGrp="1"/>
+          </p:cNvSpPr>
           <p:nvPr>
-            <p:ph idx="1" type="subTitle"/>
+            <p:ph type="subTitle" idx="1"/>
           </p:nvPr>
         </p:nvSpPr>
         <p:spPr>
@@ -3159,7 +3311,7 @@
           </a:prstGeom>
         </p:spPr>
         <p:txBody>
-          <a:bodyPr anchorCtr="0" anchor="t" bIns="91425" lIns="91425" spcFirstLastPara="1" rIns="91425" wrap="square" tIns="91425">
+          <a:bodyPr spcFirstLastPara="1" wrap="square" lIns="91425" tIns="91425" rIns="91425" bIns="91425" anchor="t" anchorCtr="0">
             <a:noAutofit/>
           </a:bodyPr>
           <a:lstStyle>
@@ -3290,15 +3442,19 @@
               <a:defRPr sz="2400"/>
             </a:lvl9pPr>
           </a:lstStyle>
-          <a:p/>
+          <a:p>
+            <a:endParaRPr/>
+          </a:p>
         </p:txBody>
       </p:sp>
       <p:sp>
         <p:nvSpPr>
           <p:cNvPr id="20" name="Google Shape;20;p2"/>
-          <p:cNvSpPr txBox="1"/>
+          <p:cNvSpPr txBox="1">
+            <a:spLocks noGrp="1"/>
+          </p:cNvSpPr>
           <p:nvPr>
-            <p:ph idx="12" type="sldNum"/>
+            <p:ph type="sldNum" idx="12"/>
           </p:nvPr>
         </p:nvSpPr>
         <p:spPr>
@@ -3311,7 +3467,7 @@
           </a:prstGeom>
         </p:spPr>
         <p:txBody>
-          <a:bodyPr anchorCtr="0" anchor="ctr" bIns="91425" lIns="91425" spcFirstLastPara="1" rIns="91425" wrap="square" tIns="91425">
+          <a:bodyPr spcFirstLastPara="1" wrap="square" lIns="91425" tIns="91425" rIns="91425" bIns="91425" anchor="ctr" anchorCtr="0">
             <a:noAutofit/>
           </a:bodyPr>
           <a:lstStyle>
@@ -3353,7 +3509,7 @@
             </a:lvl9pPr>
           </a:lstStyle>
           <a:p>
-            <a:pPr indent="0" lvl="0" marL="0" rtl="0" algn="r">
+            <a:pPr marL="0" lvl="0" indent="0" algn="r" rtl="0">
               <a:spcBef>
                 <a:spcPts val="0"/>
               </a:spcBef>
@@ -3379,11 +3535,11 @@
 </file>
 
 <file path=ppt/slideLayouts/slideLayout10.xml><?xml version="1.0" encoding="utf-8"?>
-<p:sldLayout xmlns:a="http://schemas.openxmlformats.org/drawingml/2006/main" xmlns:r="http://schemas.openxmlformats.org/officeDocument/2006/relationships" xmlns:mc="http://schemas.openxmlformats.org/markup-compatibility/2006" xmlns:mv="urn:schemas-microsoft-com:mac:vml" xmlns:p="http://schemas.openxmlformats.org/presentationml/2006/main" xmlns:c="http://schemas.openxmlformats.org/drawingml/2006/chart" xmlns:dgm="http://schemas.openxmlformats.org/drawingml/2006/diagram" xmlns:o="urn:schemas-microsoft-com:office:office" xmlns:v="urn:schemas-microsoft-com:vml" xmlns:pvml="urn:schemas-microsoft-com:office:powerpoint" xmlns:com="http://schemas.openxmlformats.org/drawingml/2006/compatibility" xmlns:p14="http://schemas.microsoft.com/office/powerpoint/2010/main" xmlns:p15="http://schemas.microsoft.com/office/powerpoint/2012/main" xmlns:ahyp="http://schemas.microsoft.com/office/drawing/2018/hyperlinkcolor" matchingName="Big number">
+<p:sldLayout xmlns:a="http://schemas.openxmlformats.org/drawingml/2006/main" xmlns:r="http://schemas.openxmlformats.org/officeDocument/2006/relationships" xmlns:p="http://schemas.openxmlformats.org/presentationml/2006/main" matchingName="Big number">
   <p:cSld name="BIG_NUMBER">
     <p:spTree>
       <p:nvGrpSpPr>
-        <p:cNvPr id="55" name="Shape 55"/>
+        <p:cNvPr id="1" name="Shape 55"/>
         <p:cNvGrpSpPr/>
         <p:nvPr/>
       </p:nvGrpSpPr>
@@ -3417,12 +3573,12 @@
           </a:ln>
         </p:spPr>
         <p:txBody>
-          <a:bodyPr anchorCtr="0" anchor="ctr" bIns="91425" lIns="91425" spcFirstLastPara="1" rIns="91425" wrap="square" tIns="91425">
+          <a:bodyPr spcFirstLastPara="1" wrap="square" lIns="91425" tIns="91425" rIns="91425" bIns="91425" anchor="ctr" anchorCtr="0">
             <a:noAutofit/>
           </a:bodyPr>
           <a:lstStyle/>
           <a:p>
-            <a:pPr indent="0" lvl="0" marL="0" rtl="0" algn="l">
+            <a:pPr marL="0" lvl="0" indent="0" algn="l" rtl="0">
               <a:spcBef>
                 <a:spcPts val="0"/>
               </a:spcBef>
@@ -3431,9 +3587,6 @@
               </a:spcAft>
               <a:buNone/>
             </a:pPr>
-            <a:r>
-              <a:t/>
-            </a:r>
             <a:endParaRPr/>
           </a:p>
         </p:txBody>
@@ -3441,9 +3594,11 @@
       <p:sp>
         <p:nvSpPr>
           <p:cNvPr id="57" name="Google Shape;57;p11"/>
-          <p:cNvSpPr txBox="1"/>
+          <p:cNvSpPr txBox="1">
+            <a:spLocks noGrp="1"/>
+          </p:cNvSpPr>
           <p:nvPr>
-            <p:ph hasCustomPrompt="1" type="title"/>
+            <p:ph type="title" hasCustomPrompt="1"/>
           </p:nvPr>
         </p:nvSpPr>
         <p:spPr>
@@ -3456,7 +3611,7 @@
           </a:prstGeom>
         </p:spPr>
         <p:txBody>
-          <a:bodyPr anchorCtr="0" anchor="ctr" bIns="91425" lIns="91425" spcFirstLastPara="1" rIns="91425" wrap="square" tIns="91425">
+          <a:bodyPr spcFirstLastPara="1" wrap="square" lIns="91425" tIns="91425" rIns="91425" bIns="91425" anchor="ctr" anchorCtr="0">
             <a:noAutofit/>
           </a:bodyPr>
           <a:lstStyle>
@@ -3633,9 +3788,11 @@
       <p:sp>
         <p:nvSpPr>
           <p:cNvPr id="58" name="Google Shape;58;p11"/>
-          <p:cNvSpPr txBox="1"/>
+          <p:cNvSpPr txBox="1">
+            <a:spLocks noGrp="1"/>
+          </p:cNvSpPr>
           <p:nvPr>
-            <p:ph idx="1" type="body"/>
+            <p:ph type="body" idx="1"/>
           </p:nvPr>
         </p:nvSpPr>
         <p:spPr>
@@ -3648,11 +3805,11 @@
           </a:prstGeom>
         </p:spPr>
         <p:txBody>
-          <a:bodyPr anchorCtr="0" anchor="t" bIns="91425" lIns="91425" spcFirstLastPara="1" rIns="91425" wrap="square" tIns="91425">
+          <a:bodyPr spcFirstLastPara="1" wrap="square" lIns="91425" tIns="91425" rIns="91425" bIns="91425" anchor="t" anchorCtr="0">
             <a:noAutofit/>
           </a:bodyPr>
           <a:lstStyle>
-            <a:lvl1pPr indent="-342900" lvl="0" marL="457200" algn="ctr">
+            <a:lvl1pPr marL="457200" lvl="0" indent="-342900" algn="ctr">
               <a:spcBef>
                 <a:spcPts val="0"/>
               </a:spcBef>
@@ -3663,7 +3820,7 @@
               <a:buChar char="●"/>
               <a:defRPr/>
             </a:lvl1pPr>
-            <a:lvl2pPr indent="-317500" lvl="1" marL="914400" algn="ctr">
+            <a:lvl2pPr marL="914400" lvl="1" indent="-317500" algn="ctr">
               <a:spcBef>
                 <a:spcPts val="1600"/>
               </a:spcBef>
@@ -3674,7 +3831,7 @@
               <a:buChar char="○"/>
               <a:defRPr/>
             </a:lvl2pPr>
-            <a:lvl3pPr indent="-317500" lvl="2" marL="1371600" algn="ctr">
+            <a:lvl3pPr marL="1371600" lvl="2" indent="-317500" algn="ctr">
               <a:spcBef>
                 <a:spcPts val="1600"/>
               </a:spcBef>
@@ -3685,7 +3842,7 @@
               <a:buChar char="■"/>
               <a:defRPr/>
             </a:lvl3pPr>
-            <a:lvl4pPr indent="-317500" lvl="3" marL="1828800" algn="ctr">
+            <a:lvl4pPr marL="1828800" lvl="3" indent="-317500" algn="ctr">
               <a:spcBef>
                 <a:spcPts val="1600"/>
               </a:spcBef>
@@ -3696,7 +3853,7 @@
               <a:buChar char="●"/>
               <a:defRPr/>
             </a:lvl4pPr>
-            <a:lvl5pPr indent="-317500" lvl="4" marL="2286000" algn="ctr">
+            <a:lvl5pPr marL="2286000" lvl="4" indent="-317500" algn="ctr">
               <a:spcBef>
                 <a:spcPts val="1600"/>
               </a:spcBef>
@@ -3707,7 +3864,7 @@
               <a:buChar char="○"/>
               <a:defRPr/>
             </a:lvl5pPr>
-            <a:lvl6pPr indent="-317500" lvl="5" marL="2743200" algn="ctr">
+            <a:lvl6pPr marL="2743200" lvl="5" indent="-317500" algn="ctr">
               <a:spcBef>
                 <a:spcPts val="1600"/>
               </a:spcBef>
@@ -3718,7 +3875,7 @@
               <a:buChar char="■"/>
               <a:defRPr/>
             </a:lvl6pPr>
-            <a:lvl7pPr indent="-317500" lvl="6" marL="3200400" algn="ctr">
+            <a:lvl7pPr marL="3200400" lvl="6" indent="-317500" algn="ctr">
               <a:spcBef>
                 <a:spcPts val="1600"/>
               </a:spcBef>
@@ -3729,7 +3886,7 @@
               <a:buChar char="●"/>
               <a:defRPr/>
             </a:lvl7pPr>
-            <a:lvl8pPr indent="-317500" lvl="7" marL="3657600" algn="ctr">
+            <a:lvl8pPr marL="3657600" lvl="7" indent="-317500" algn="ctr">
               <a:spcBef>
                 <a:spcPts val="1600"/>
               </a:spcBef>
@@ -3740,7 +3897,7 @@
               <a:buChar char="○"/>
               <a:defRPr/>
             </a:lvl8pPr>
-            <a:lvl9pPr indent="-317500" lvl="8" marL="4114800" algn="ctr">
+            <a:lvl9pPr marL="4114800" lvl="8" indent="-317500" algn="ctr">
               <a:spcBef>
                 <a:spcPts val="1600"/>
               </a:spcBef>
@@ -3752,15 +3909,19 @@
               <a:defRPr/>
             </a:lvl9pPr>
           </a:lstStyle>
-          <a:p/>
+          <a:p>
+            <a:endParaRPr/>
+          </a:p>
         </p:txBody>
       </p:sp>
       <p:sp>
         <p:nvSpPr>
           <p:cNvPr id="59" name="Google Shape;59;p11"/>
-          <p:cNvSpPr txBox="1"/>
+          <p:cNvSpPr txBox="1">
+            <a:spLocks noGrp="1"/>
+          </p:cNvSpPr>
           <p:nvPr>
-            <p:ph idx="12" type="sldNum"/>
+            <p:ph type="sldNum" idx="12"/>
           </p:nvPr>
         </p:nvSpPr>
         <p:spPr>
@@ -3773,7 +3934,7 @@
           </a:prstGeom>
         </p:spPr>
         <p:txBody>
-          <a:bodyPr anchorCtr="0" anchor="ctr" bIns="91425" lIns="91425" spcFirstLastPara="1" rIns="91425" wrap="square" tIns="91425">
+          <a:bodyPr spcFirstLastPara="1" wrap="square" lIns="91425" tIns="91425" rIns="91425" bIns="91425" anchor="ctr" anchorCtr="0">
             <a:noAutofit/>
           </a:bodyPr>
           <a:lstStyle>
@@ -3815,7 +3976,7 @@
             </a:lvl9pPr>
           </a:lstStyle>
           <a:p>
-            <a:pPr indent="0" lvl="0" marL="0" rtl="0" algn="r">
+            <a:pPr marL="0" lvl="0" indent="0" algn="r" rtl="0">
               <a:spcBef>
                 <a:spcPts val="0"/>
               </a:spcBef>
@@ -3841,11 +4002,11 @@
 </file>
 
 <file path=ppt/slideLayouts/slideLayout11.xml><?xml version="1.0" encoding="utf-8"?>
-<p:sldLayout xmlns:a="http://schemas.openxmlformats.org/drawingml/2006/main" xmlns:r="http://schemas.openxmlformats.org/officeDocument/2006/relationships" xmlns:mc="http://schemas.openxmlformats.org/markup-compatibility/2006" xmlns:mv="urn:schemas-microsoft-com:mac:vml" xmlns:p="http://schemas.openxmlformats.org/presentationml/2006/main" xmlns:c="http://schemas.openxmlformats.org/drawingml/2006/chart" xmlns:dgm="http://schemas.openxmlformats.org/drawingml/2006/diagram" xmlns:o="urn:schemas-microsoft-com:office:office" xmlns:v="urn:schemas-microsoft-com:vml" xmlns:pvml="urn:schemas-microsoft-com:office:powerpoint" xmlns:com="http://schemas.openxmlformats.org/drawingml/2006/compatibility" xmlns:p14="http://schemas.microsoft.com/office/powerpoint/2010/main" xmlns:p15="http://schemas.microsoft.com/office/powerpoint/2012/main" xmlns:ahyp="http://schemas.microsoft.com/office/drawing/2018/hyperlinkcolor" matchingName="Blank" type="blank">
+<p:sldLayout xmlns:a="http://schemas.openxmlformats.org/drawingml/2006/main" xmlns:r="http://schemas.openxmlformats.org/officeDocument/2006/relationships" xmlns:p="http://schemas.openxmlformats.org/presentationml/2006/main" matchingName="Blank" type="blank">
   <p:cSld name="BLANK">
     <p:spTree>
       <p:nvGrpSpPr>
-        <p:cNvPr id="60" name="Shape 60"/>
+        <p:cNvPr id="1" name="Shape 60"/>
         <p:cNvGrpSpPr/>
         <p:nvPr/>
       </p:nvGrpSpPr>
@@ -3860,9 +4021,11 @@
       <p:sp>
         <p:nvSpPr>
           <p:cNvPr id="61" name="Google Shape;61;p12"/>
-          <p:cNvSpPr txBox="1"/>
+          <p:cNvSpPr txBox="1">
+            <a:spLocks noGrp="1"/>
+          </p:cNvSpPr>
           <p:nvPr>
-            <p:ph idx="12" type="sldNum"/>
+            <p:ph type="sldNum" idx="12"/>
           </p:nvPr>
         </p:nvSpPr>
         <p:spPr>
@@ -3875,7 +4038,7 @@
           </a:prstGeom>
         </p:spPr>
         <p:txBody>
-          <a:bodyPr anchorCtr="0" anchor="ctr" bIns="91425" lIns="91425" spcFirstLastPara="1" rIns="91425" wrap="square" tIns="91425">
+          <a:bodyPr spcFirstLastPara="1" wrap="square" lIns="91425" tIns="91425" rIns="91425" bIns="91425" anchor="ctr" anchorCtr="0">
             <a:noAutofit/>
           </a:bodyPr>
           <a:lstStyle>
@@ -3917,7 +4080,7 @@
             </a:lvl9pPr>
           </a:lstStyle>
           <a:p>
-            <a:pPr indent="0" lvl="0" marL="0" rtl="0" algn="r">
+            <a:pPr marL="0" lvl="0" indent="0" algn="r" rtl="0">
               <a:spcBef>
                 <a:spcPts val="0"/>
               </a:spcBef>
@@ -3943,11 +4106,11 @@
 </file>
 
 <file path=ppt/slideLayouts/slideLayout2.xml><?xml version="1.0" encoding="utf-8"?>
-<p:sldLayout xmlns:a="http://schemas.openxmlformats.org/drawingml/2006/main" xmlns:r="http://schemas.openxmlformats.org/officeDocument/2006/relationships" xmlns:mc="http://schemas.openxmlformats.org/markup-compatibility/2006" xmlns:mv="urn:schemas-microsoft-com:mac:vml" xmlns:p="http://schemas.openxmlformats.org/presentationml/2006/main" xmlns:c="http://schemas.openxmlformats.org/drawingml/2006/chart" xmlns:dgm="http://schemas.openxmlformats.org/drawingml/2006/diagram" xmlns:o="urn:schemas-microsoft-com:office:office" xmlns:v="urn:schemas-microsoft-com:vml" xmlns:pvml="urn:schemas-microsoft-com:office:powerpoint" xmlns:com="http://schemas.openxmlformats.org/drawingml/2006/compatibility" xmlns:p14="http://schemas.microsoft.com/office/powerpoint/2010/main" xmlns:p15="http://schemas.microsoft.com/office/powerpoint/2012/main" xmlns:ahyp="http://schemas.microsoft.com/office/drawing/2018/hyperlinkcolor" matchingName="Section header" type="secHead">
+<p:sldLayout xmlns:a="http://schemas.openxmlformats.org/drawingml/2006/main" xmlns:r="http://schemas.openxmlformats.org/officeDocument/2006/relationships" xmlns:p="http://schemas.openxmlformats.org/presentationml/2006/main" matchingName="Section header" type="secHead">
   <p:cSld name="SECTION_HEADER">
     <p:spTree>
       <p:nvGrpSpPr>
-        <p:cNvPr id="21" name="Shape 21"/>
+        <p:cNvPr id="1" name="Shape 21"/>
         <p:cNvGrpSpPr/>
         <p:nvPr/>
       </p:nvGrpSpPr>
@@ -3981,12 +4144,12 @@
           </a:ln>
         </p:spPr>
         <p:txBody>
-          <a:bodyPr anchorCtr="0" anchor="ctr" bIns="91425" lIns="91425" spcFirstLastPara="1" rIns="91425" wrap="square" tIns="91425">
+          <a:bodyPr spcFirstLastPara="1" wrap="square" lIns="91425" tIns="91425" rIns="91425" bIns="91425" anchor="ctr" anchorCtr="0">
             <a:noAutofit/>
           </a:bodyPr>
           <a:lstStyle/>
           <a:p>
-            <a:pPr indent="0" lvl="0" marL="0" rtl="0" algn="l">
+            <a:pPr marL="0" lvl="0" indent="0" algn="l" rtl="0">
               <a:spcBef>
                 <a:spcPts val="0"/>
               </a:spcBef>
@@ -3995,9 +4158,6 @@
               </a:spcAft>
               <a:buNone/>
             </a:pPr>
-            <a:r>
-              <a:t/>
-            </a:r>
             <a:endParaRPr/>
           </a:p>
         </p:txBody>
@@ -4005,7 +4165,9 @@
       <p:sp>
         <p:nvSpPr>
           <p:cNvPr id="23" name="Google Shape;23;p3"/>
-          <p:cNvSpPr txBox="1"/>
+          <p:cNvSpPr txBox="1">
+            <a:spLocks noGrp="1"/>
+          </p:cNvSpPr>
           <p:nvPr>
             <p:ph type="title"/>
           </p:nvPr>
@@ -4020,7 +4182,7 @@
           </a:prstGeom>
         </p:spPr>
         <p:txBody>
-          <a:bodyPr anchorCtr="0" anchor="ctr" bIns="91425" lIns="91425" spcFirstLastPara="1" rIns="91425" wrap="square" tIns="91425">
+          <a:bodyPr spcFirstLastPara="1" wrap="square" lIns="91425" tIns="91425" rIns="91425" bIns="91425" anchor="ctr" anchorCtr="0">
             <a:noAutofit/>
           </a:bodyPr>
           <a:lstStyle>
@@ -4124,15 +4286,19 @@
               <a:defRPr/>
             </a:lvl9pPr>
           </a:lstStyle>
-          <a:p/>
+          <a:p>
+            <a:endParaRPr/>
+          </a:p>
         </p:txBody>
       </p:sp>
       <p:sp>
         <p:nvSpPr>
           <p:cNvPr id="24" name="Google Shape;24;p3"/>
-          <p:cNvSpPr txBox="1"/>
+          <p:cNvSpPr txBox="1">
+            <a:spLocks noGrp="1"/>
+          </p:cNvSpPr>
           <p:nvPr>
-            <p:ph idx="12" type="sldNum"/>
+            <p:ph type="sldNum" idx="12"/>
           </p:nvPr>
         </p:nvSpPr>
         <p:spPr>
@@ -4145,7 +4311,7 @@
           </a:prstGeom>
         </p:spPr>
         <p:txBody>
-          <a:bodyPr anchorCtr="0" anchor="ctr" bIns="91425" lIns="91425" spcFirstLastPara="1" rIns="91425" wrap="square" tIns="91425">
+          <a:bodyPr spcFirstLastPara="1" wrap="square" lIns="91425" tIns="91425" rIns="91425" bIns="91425" anchor="ctr" anchorCtr="0">
             <a:noAutofit/>
           </a:bodyPr>
           <a:lstStyle>
@@ -4223,7 +4389,7 @@
             </a:lvl9pPr>
           </a:lstStyle>
           <a:p>
-            <a:pPr indent="0" lvl="0" marL="0" rtl="0" algn="r">
+            <a:pPr marL="0" lvl="0" indent="0" algn="r" rtl="0">
               <a:spcBef>
                 <a:spcPts val="0"/>
               </a:spcBef>
@@ -4249,11 +4415,11 @@
 </file>
 
 <file path=ppt/slideLayouts/slideLayout3.xml><?xml version="1.0" encoding="utf-8"?>
-<p:sldLayout xmlns:a="http://schemas.openxmlformats.org/drawingml/2006/main" xmlns:r="http://schemas.openxmlformats.org/officeDocument/2006/relationships" xmlns:mc="http://schemas.openxmlformats.org/markup-compatibility/2006" xmlns:mv="urn:schemas-microsoft-com:mac:vml" xmlns:p="http://schemas.openxmlformats.org/presentationml/2006/main" xmlns:c="http://schemas.openxmlformats.org/drawingml/2006/chart" xmlns:dgm="http://schemas.openxmlformats.org/drawingml/2006/diagram" xmlns:o="urn:schemas-microsoft-com:office:office" xmlns:v="urn:schemas-microsoft-com:vml" xmlns:pvml="urn:schemas-microsoft-com:office:powerpoint" xmlns:com="http://schemas.openxmlformats.org/drawingml/2006/compatibility" xmlns:p14="http://schemas.microsoft.com/office/powerpoint/2010/main" xmlns:p15="http://schemas.microsoft.com/office/powerpoint/2012/main" xmlns:ahyp="http://schemas.microsoft.com/office/drawing/2018/hyperlinkcolor" matchingName="Title and body" type="tx">
+<p:sldLayout xmlns:a="http://schemas.openxmlformats.org/drawingml/2006/main" xmlns:r="http://schemas.openxmlformats.org/officeDocument/2006/relationships" xmlns:p="http://schemas.openxmlformats.org/presentationml/2006/main" matchingName="Title and body" type="tx">
   <p:cSld name="TITLE_AND_BODY">
     <p:spTree>
       <p:nvGrpSpPr>
-        <p:cNvPr id="25" name="Shape 25"/>
+        <p:cNvPr id="1" name="Shape 25"/>
         <p:cNvGrpSpPr/>
         <p:nvPr/>
       </p:nvGrpSpPr>
@@ -4287,12 +4453,12 @@
           </a:ln>
         </p:spPr>
         <p:txBody>
-          <a:bodyPr anchorCtr="0" anchor="ctr" bIns="91425" lIns="91425" spcFirstLastPara="1" rIns="91425" wrap="square" tIns="91425">
+          <a:bodyPr spcFirstLastPara="1" wrap="square" lIns="91425" tIns="91425" rIns="91425" bIns="91425" anchor="ctr" anchorCtr="0">
             <a:noAutofit/>
           </a:bodyPr>
           <a:lstStyle/>
           <a:p>
-            <a:pPr indent="0" lvl="0" marL="0" rtl="0" algn="l">
+            <a:pPr marL="0" lvl="0" indent="0" algn="l" rtl="0">
               <a:spcBef>
                 <a:spcPts val="0"/>
               </a:spcBef>
@@ -4301,9 +4467,6 @@
               </a:spcAft>
               <a:buNone/>
             </a:pPr>
-            <a:r>
-              <a:t/>
-            </a:r>
             <a:endParaRPr/>
           </a:p>
         </p:txBody>
@@ -4311,7 +4474,9 @@
       <p:sp>
         <p:nvSpPr>
           <p:cNvPr id="27" name="Google Shape;27;p4"/>
-          <p:cNvSpPr txBox="1"/>
+          <p:cNvSpPr txBox="1">
+            <a:spLocks noGrp="1"/>
+          </p:cNvSpPr>
           <p:nvPr>
             <p:ph type="title"/>
           </p:nvPr>
@@ -4326,7 +4491,7 @@
           </a:prstGeom>
         </p:spPr>
         <p:txBody>
-          <a:bodyPr anchorCtr="0" anchor="t" bIns="91425" lIns="91425" spcFirstLastPara="1" rIns="91425" wrap="square" tIns="91425">
+          <a:bodyPr spcFirstLastPara="1" wrap="square" lIns="91425" tIns="91425" rIns="91425" bIns="91425" anchor="t" anchorCtr="0">
             <a:noAutofit/>
           </a:bodyPr>
           <a:lstStyle>
@@ -4430,15 +4595,19 @@
               <a:defRPr/>
             </a:lvl9pPr>
           </a:lstStyle>
-          <a:p/>
+          <a:p>
+            <a:endParaRPr/>
+          </a:p>
         </p:txBody>
       </p:sp>
       <p:sp>
         <p:nvSpPr>
           <p:cNvPr id="28" name="Google Shape;28;p4"/>
-          <p:cNvSpPr txBox="1"/>
+          <p:cNvSpPr txBox="1">
+            <a:spLocks noGrp="1"/>
+          </p:cNvSpPr>
           <p:nvPr>
-            <p:ph idx="1" type="body"/>
+            <p:ph type="body" idx="1"/>
           </p:nvPr>
         </p:nvSpPr>
         <p:spPr>
@@ -4451,11 +4620,11 @@
           </a:prstGeom>
         </p:spPr>
         <p:txBody>
-          <a:bodyPr anchorCtr="0" anchor="t" bIns="91425" lIns="91425" spcFirstLastPara="1" rIns="91425" wrap="square" tIns="91425">
+          <a:bodyPr spcFirstLastPara="1" wrap="square" lIns="91425" tIns="91425" rIns="91425" bIns="91425" anchor="t" anchorCtr="0">
             <a:noAutofit/>
           </a:bodyPr>
           <a:lstStyle>
-            <a:lvl1pPr indent="-342900" lvl="0" marL="457200">
+            <a:lvl1pPr marL="457200" lvl="0" indent="-342900">
               <a:spcBef>
                 <a:spcPts val="0"/>
               </a:spcBef>
@@ -4466,7 +4635,7 @@
               <a:buChar char="●"/>
               <a:defRPr/>
             </a:lvl1pPr>
-            <a:lvl2pPr indent="-317500" lvl="1" marL="914400">
+            <a:lvl2pPr marL="914400" lvl="1" indent="-317500">
               <a:spcBef>
                 <a:spcPts val="1600"/>
               </a:spcBef>
@@ -4477,7 +4646,7 @@
               <a:buChar char="○"/>
               <a:defRPr/>
             </a:lvl2pPr>
-            <a:lvl3pPr indent="-317500" lvl="2" marL="1371600">
+            <a:lvl3pPr marL="1371600" lvl="2" indent="-317500">
               <a:spcBef>
                 <a:spcPts val="1600"/>
               </a:spcBef>
@@ -4488,7 +4657,7 @@
               <a:buChar char="■"/>
               <a:defRPr/>
             </a:lvl3pPr>
-            <a:lvl4pPr indent="-317500" lvl="3" marL="1828800">
+            <a:lvl4pPr marL="1828800" lvl="3" indent="-317500">
               <a:spcBef>
                 <a:spcPts val="1600"/>
               </a:spcBef>
@@ -4499,7 +4668,7 @@
               <a:buChar char="●"/>
               <a:defRPr/>
             </a:lvl4pPr>
-            <a:lvl5pPr indent="-317500" lvl="4" marL="2286000">
+            <a:lvl5pPr marL="2286000" lvl="4" indent="-317500">
               <a:spcBef>
                 <a:spcPts val="1600"/>
               </a:spcBef>
@@ -4510,7 +4679,7 @@
               <a:buChar char="○"/>
               <a:defRPr/>
             </a:lvl5pPr>
-            <a:lvl6pPr indent="-317500" lvl="5" marL="2743200">
+            <a:lvl6pPr marL="2743200" lvl="5" indent="-317500">
               <a:spcBef>
                 <a:spcPts val="1600"/>
               </a:spcBef>
@@ -4521,7 +4690,7 @@
               <a:buChar char="■"/>
               <a:defRPr/>
             </a:lvl6pPr>
-            <a:lvl7pPr indent="-317500" lvl="6" marL="3200400">
+            <a:lvl7pPr marL="3200400" lvl="6" indent="-317500">
               <a:spcBef>
                 <a:spcPts val="1600"/>
               </a:spcBef>
@@ -4532,7 +4701,7 @@
               <a:buChar char="●"/>
               <a:defRPr/>
             </a:lvl7pPr>
-            <a:lvl8pPr indent="-317500" lvl="7" marL="3657600">
+            <a:lvl8pPr marL="3657600" lvl="7" indent="-317500">
               <a:spcBef>
                 <a:spcPts val="1600"/>
               </a:spcBef>
@@ -4543,7 +4712,7 @@
               <a:buChar char="○"/>
               <a:defRPr/>
             </a:lvl8pPr>
-            <a:lvl9pPr indent="-317500" lvl="8" marL="4114800">
+            <a:lvl9pPr marL="4114800" lvl="8" indent="-317500">
               <a:spcBef>
                 <a:spcPts val="1600"/>
               </a:spcBef>
@@ -4555,15 +4724,19 @@
               <a:defRPr/>
             </a:lvl9pPr>
           </a:lstStyle>
-          <a:p/>
+          <a:p>
+            <a:endParaRPr/>
+          </a:p>
         </p:txBody>
       </p:sp>
       <p:sp>
         <p:nvSpPr>
           <p:cNvPr id="29" name="Google Shape;29;p4"/>
-          <p:cNvSpPr txBox="1"/>
+          <p:cNvSpPr txBox="1">
+            <a:spLocks noGrp="1"/>
+          </p:cNvSpPr>
           <p:nvPr>
-            <p:ph idx="12" type="sldNum"/>
+            <p:ph type="sldNum" idx="12"/>
           </p:nvPr>
         </p:nvSpPr>
         <p:spPr>
@@ -4576,7 +4749,7 @@
           </a:prstGeom>
         </p:spPr>
         <p:txBody>
-          <a:bodyPr anchorCtr="0" anchor="ctr" bIns="91425" lIns="91425" spcFirstLastPara="1" rIns="91425" wrap="square" tIns="91425">
+          <a:bodyPr spcFirstLastPara="1" wrap="square" lIns="91425" tIns="91425" rIns="91425" bIns="91425" anchor="ctr" anchorCtr="0">
             <a:noAutofit/>
           </a:bodyPr>
           <a:lstStyle>
@@ -4618,7 +4791,7 @@
             </a:lvl9pPr>
           </a:lstStyle>
           <a:p>
-            <a:pPr indent="0" lvl="0" marL="0" rtl="0" algn="r">
+            <a:pPr marL="0" lvl="0" indent="0" algn="r" rtl="0">
               <a:spcBef>
                 <a:spcPts val="0"/>
               </a:spcBef>
@@ -4644,11 +4817,11 @@
 </file>
 
 <file path=ppt/slideLayouts/slideLayout4.xml><?xml version="1.0" encoding="utf-8"?>
-<p:sldLayout xmlns:a="http://schemas.openxmlformats.org/drawingml/2006/main" xmlns:r="http://schemas.openxmlformats.org/officeDocument/2006/relationships" xmlns:mc="http://schemas.openxmlformats.org/markup-compatibility/2006" xmlns:mv="urn:schemas-microsoft-com:mac:vml" xmlns:p="http://schemas.openxmlformats.org/presentationml/2006/main" xmlns:c="http://schemas.openxmlformats.org/drawingml/2006/chart" xmlns:dgm="http://schemas.openxmlformats.org/drawingml/2006/diagram" xmlns:o="urn:schemas-microsoft-com:office:office" xmlns:v="urn:schemas-microsoft-com:vml" xmlns:pvml="urn:schemas-microsoft-com:office:powerpoint" xmlns:com="http://schemas.openxmlformats.org/drawingml/2006/compatibility" xmlns:p14="http://schemas.microsoft.com/office/powerpoint/2010/main" xmlns:p15="http://schemas.microsoft.com/office/powerpoint/2012/main" xmlns:ahyp="http://schemas.microsoft.com/office/drawing/2018/hyperlinkcolor" matchingName="Title and two columns" type="twoColTx">
+<p:sldLayout xmlns:a="http://schemas.openxmlformats.org/drawingml/2006/main" xmlns:r="http://schemas.openxmlformats.org/officeDocument/2006/relationships" xmlns:p="http://schemas.openxmlformats.org/presentationml/2006/main" matchingName="Title and two columns" type="twoColTx">
   <p:cSld name="TITLE_AND_TWO_COLUMNS">
     <p:spTree>
       <p:nvGrpSpPr>
-        <p:cNvPr id="30" name="Shape 30"/>
+        <p:cNvPr id="1" name="Shape 30"/>
         <p:cNvGrpSpPr/>
         <p:nvPr/>
       </p:nvGrpSpPr>
@@ -4663,7 +4836,9 @@
       <p:sp>
         <p:nvSpPr>
           <p:cNvPr id="31" name="Google Shape;31;p5"/>
-          <p:cNvSpPr txBox="1"/>
+          <p:cNvSpPr txBox="1">
+            <a:spLocks noGrp="1"/>
+          </p:cNvSpPr>
           <p:nvPr>
             <p:ph type="title"/>
           </p:nvPr>
@@ -4678,7 +4853,7 @@
           </a:prstGeom>
         </p:spPr>
         <p:txBody>
-          <a:bodyPr anchorCtr="0" anchor="t" bIns="91425" lIns="91425" spcFirstLastPara="1" rIns="91425" wrap="square" tIns="91425">
+          <a:bodyPr spcFirstLastPara="1" wrap="square" lIns="91425" tIns="91425" rIns="91425" bIns="91425" anchor="t" anchorCtr="0">
             <a:noAutofit/>
           </a:bodyPr>
           <a:lstStyle>
@@ -4782,15 +4957,19 @@
               <a:defRPr/>
             </a:lvl9pPr>
           </a:lstStyle>
-          <a:p/>
+          <a:p>
+            <a:endParaRPr/>
+          </a:p>
         </p:txBody>
       </p:sp>
       <p:sp>
         <p:nvSpPr>
           <p:cNvPr id="32" name="Google Shape;32;p5"/>
-          <p:cNvSpPr txBox="1"/>
+          <p:cNvSpPr txBox="1">
+            <a:spLocks noGrp="1"/>
+          </p:cNvSpPr>
           <p:nvPr>
-            <p:ph idx="1" type="body"/>
+            <p:ph type="body" idx="1"/>
           </p:nvPr>
         </p:nvSpPr>
         <p:spPr>
@@ -4803,11 +4982,11 @@
           </a:prstGeom>
         </p:spPr>
         <p:txBody>
-          <a:bodyPr anchorCtr="0" anchor="t" bIns="91425" lIns="91425" spcFirstLastPara="1" rIns="91425" wrap="square" tIns="91425">
+          <a:bodyPr spcFirstLastPara="1" wrap="square" lIns="91425" tIns="91425" rIns="91425" bIns="91425" anchor="t" anchorCtr="0">
             <a:noAutofit/>
           </a:bodyPr>
           <a:lstStyle>
-            <a:lvl1pPr indent="-317500" lvl="0" marL="457200">
+            <a:lvl1pPr marL="457200" lvl="0" indent="-317500">
               <a:spcBef>
                 <a:spcPts val="0"/>
               </a:spcBef>
@@ -4818,7 +4997,7 @@
               <a:buChar char="●"/>
               <a:defRPr sz="1400"/>
             </a:lvl1pPr>
-            <a:lvl2pPr indent="-304800" lvl="1" marL="914400">
+            <a:lvl2pPr marL="914400" lvl="1" indent="-304800">
               <a:spcBef>
                 <a:spcPts val="1600"/>
               </a:spcBef>
@@ -4829,7 +5008,7 @@
               <a:buChar char="○"/>
               <a:defRPr sz="1200"/>
             </a:lvl2pPr>
-            <a:lvl3pPr indent="-304800" lvl="2" marL="1371600">
+            <a:lvl3pPr marL="1371600" lvl="2" indent="-304800">
               <a:spcBef>
                 <a:spcPts val="1600"/>
               </a:spcBef>
@@ -4840,7 +5019,7 @@
               <a:buChar char="■"/>
               <a:defRPr sz="1200"/>
             </a:lvl3pPr>
-            <a:lvl4pPr indent="-304800" lvl="3" marL="1828800">
+            <a:lvl4pPr marL="1828800" lvl="3" indent="-304800">
               <a:spcBef>
                 <a:spcPts val="1600"/>
               </a:spcBef>
@@ -4851,7 +5030,7 @@
               <a:buChar char="●"/>
               <a:defRPr sz="1200"/>
             </a:lvl4pPr>
-            <a:lvl5pPr indent="-304800" lvl="4" marL="2286000">
+            <a:lvl5pPr marL="2286000" lvl="4" indent="-304800">
               <a:spcBef>
                 <a:spcPts val="1600"/>
               </a:spcBef>
@@ -4862,7 +5041,7 @@
               <a:buChar char="○"/>
               <a:defRPr sz="1200"/>
             </a:lvl5pPr>
-            <a:lvl6pPr indent="-304800" lvl="5" marL="2743200">
+            <a:lvl6pPr marL="2743200" lvl="5" indent="-304800">
               <a:spcBef>
                 <a:spcPts val="1600"/>
               </a:spcBef>
@@ -4873,7 +5052,7 @@
               <a:buChar char="■"/>
               <a:defRPr sz="1200"/>
             </a:lvl6pPr>
-            <a:lvl7pPr indent="-304800" lvl="6" marL="3200400">
+            <a:lvl7pPr marL="3200400" lvl="6" indent="-304800">
               <a:spcBef>
                 <a:spcPts val="1600"/>
               </a:spcBef>
@@ -4884,7 +5063,7 @@
               <a:buChar char="●"/>
               <a:defRPr sz="1200"/>
             </a:lvl7pPr>
-            <a:lvl8pPr indent="-304800" lvl="7" marL="3657600">
+            <a:lvl8pPr marL="3657600" lvl="7" indent="-304800">
               <a:spcBef>
                 <a:spcPts val="1600"/>
               </a:spcBef>
@@ -4895,7 +5074,7 @@
               <a:buChar char="○"/>
               <a:defRPr sz="1200"/>
             </a:lvl8pPr>
-            <a:lvl9pPr indent="-304800" lvl="8" marL="4114800">
+            <a:lvl9pPr marL="4114800" lvl="8" indent="-304800">
               <a:spcBef>
                 <a:spcPts val="1600"/>
               </a:spcBef>
@@ -4907,15 +5086,19 @@
               <a:defRPr sz="1200"/>
             </a:lvl9pPr>
           </a:lstStyle>
-          <a:p/>
+          <a:p>
+            <a:endParaRPr/>
+          </a:p>
         </p:txBody>
       </p:sp>
       <p:sp>
         <p:nvSpPr>
           <p:cNvPr id="33" name="Google Shape;33;p5"/>
-          <p:cNvSpPr txBox="1"/>
+          <p:cNvSpPr txBox="1">
+            <a:spLocks noGrp="1"/>
+          </p:cNvSpPr>
           <p:nvPr>
-            <p:ph idx="2" type="body"/>
+            <p:ph type="body" idx="2"/>
           </p:nvPr>
         </p:nvSpPr>
         <p:spPr>
@@ -4928,11 +5111,11 @@
           </a:prstGeom>
         </p:spPr>
         <p:txBody>
-          <a:bodyPr anchorCtr="0" anchor="t" bIns="91425" lIns="91425" spcFirstLastPara="1" rIns="91425" wrap="square" tIns="91425">
+          <a:bodyPr spcFirstLastPara="1" wrap="square" lIns="91425" tIns="91425" rIns="91425" bIns="91425" anchor="t" anchorCtr="0">
             <a:noAutofit/>
           </a:bodyPr>
           <a:lstStyle>
-            <a:lvl1pPr indent="-317500" lvl="0" marL="457200">
+            <a:lvl1pPr marL="457200" lvl="0" indent="-317500">
               <a:spcBef>
                 <a:spcPts val="0"/>
               </a:spcBef>
@@ -4943,7 +5126,7 @@
               <a:buChar char="●"/>
               <a:defRPr sz="1400"/>
             </a:lvl1pPr>
-            <a:lvl2pPr indent="-304800" lvl="1" marL="914400">
+            <a:lvl2pPr marL="914400" lvl="1" indent="-304800">
               <a:spcBef>
                 <a:spcPts val="1600"/>
               </a:spcBef>
@@ -4954,7 +5137,7 @@
               <a:buChar char="○"/>
               <a:defRPr sz="1200"/>
             </a:lvl2pPr>
-            <a:lvl3pPr indent="-304800" lvl="2" marL="1371600">
+            <a:lvl3pPr marL="1371600" lvl="2" indent="-304800">
               <a:spcBef>
                 <a:spcPts val="1600"/>
               </a:spcBef>
@@ -4965,7 +5148,7 @@
               <a:buChar char="■"/>
               <a:defRPr sz="1200"/>
             </a:lvl3pPr>
-            <a:lvl4pPr indent="-304800" lvl="3" marL="1828800">
+            <a:lvl4pPr marL="1828800" lvl="3" indent="-304800">
               <a:spcBef>
                 <a:spcPts val="1600"/>
               </a:spcBef>
@@ -4976,7 +5159,7 @@
               <a:buChar char="●"/>
               <a:defRPr sz="1200"/>
             </a:lvl4pPr>
-            <a:lvl5pPr indent="-304800" lvl="4" marL="2286000">
+            <a:lvl5pPr marL="2286000" lvl="4" indent="-304800">
               <a:spcBef>
                 <a:spcPts val="1600"/>
               </a:spcBef>
@@ -4987,7 +5170,7 @@
               <a:buChar char="○"/>
               <a:defRPr sz="1200"/>
             </a:lvl5pPr>
-            <a:lvl6pPr indent="-304800" lvl="5" marL="2743200">
+            <a:lvl6pPr marL="2743200" lvl="5" indent="-304800">
               <a:spcBef>
                 <a:spcPts val="1600"/>
               </a:spcBef>
@@ -4998,7 +5181,7 @@
               <a:buChar char="■"/>
               <a:defRPr sz="1200"/>
             </a:lvl6pPr>
-            <a:lvl7pPr indent="-304800" lvl="6" marL="3200400">
+            <a:lvl7pPr marL="3200400" lvl="6" indent="-304800">
               <a:spcBef>
                 <a:spcPts val="1600"/>
               </a:spcBef>
@@ -5009,7 +5192,7 @@
               <a:buChar char="●"/>
               <a:defRPr sz="1200"/>
             </a:lvl7pPr>
-            <a:lvl8pPr indent="-304800" lvl="7" marL="3657600">
+            <a:lvl8pPr marL="3657600" lvl="7" indent="-304800">
               <a:spcBef>
                 <a:spcPts val="1600"/>
               </a:spcBef>
@@ -5020,7 +5203,7 @@
               <a:buChar char="○"/>
               <a:defRPr sz="1200"/>
             </a:lvl8pPr>
-            <a:lvl9pPr indent="-304800" lvl="8" marL="4114800">
+            <a:lvl9pPr marL="4114800" lvl="8" indent="-304800">
               <a:spcBef>
                 <a:spcPts val="1600"/>
               </a:spcBef>
@@ -5032,15 +5215,19 @@
               <a:defRPr sz="1200"/>
             </a:lvl9pPr>
           </a:lstStyle>
-          <a:p/>
+          <a:p>
+            <a:endParaRPr/>
+          </a:p>
         </p:txBody>
       </p:sp>
       <p:sp>
         <p:nvSpPr>
           <p:cNvPr id="34" name="Google Shape;34;p5"/>
-          <p:cNvSpPr txBox="1"/>
+          <p:cNvSpPr txBox="1">
+            <a:spLocks noGrp="1"/>
+          </p:cNvSpPr>
           <p:nvPr>
-            <p:ph idx="12" type="sldNum"/>
+            <p:ph type="sldNum" idx="12"/>
           </p:nvPr>
         </p:nvSpPr>
         <p:spPr>
@@ -5053,7 +5240,7 @@
           </a:prstGeom>
         </p:spPr>
         <p:txBody>
-          <a:bodyPr anchorCtr="0" anchor="ctr" bIns="91425" lIns="91425" spcFirstLastPara="1" rIns="91425" wrap="square" tIns="91425">
+          <a:bodyPr spcFirstLastPara="1" wrap="square" lIns="91425" tIns="91425" rIns="91425" bIns="91425" anchor="ctr" anchorCtr="0">
             <a:noAutofit/>
           </a:bodyPr>
           <a:lstStyle>
@@ -5095,7 +5282,7 @@
             </a:lvl9pPr>
           </a:lstStyle>
           <a:p>
-            <a:pPr indent="0" lvl="0" marL="0" rtl="0" algn="r">
+            <a:pPr marL="0" lvl="0" indent="0" algn="r" rtl="0">
               <a:spcBef>
                 <a:spcPts val="0"/>
               </a:spcBef>
@@ -5121,11 +5308,11 @@
 </file>
 
 <file path=ppt/slideLayouts/slideLayout5.xml><?xml version="1.0" encoding="utf-8"?>
-<p:sldLayout xmlns:a="http://schemas.openxmlformats.org/drawingml/2006/main" xmlns:r="http://schemas.openxmlformats.org/officeDocument/2006/relationships" xmlns:mc="http://schemas.openxmlformats.org/markup-compatibility/2006" xmlns:mv="urn:schemas-microsoft-com:mac:vml" xmlns:p="http://schemas.openxmlformats.org/presentationml/2006/main" xmlns:c="http://schemas.openxmlformats.org/drawingml/2006/chart" xmlns:dgm="http://schemas.openxmlformats.org/drawingml/2006/diagram" xmlns:o="urn:schemas-microsoft-com:office:office" xmlns:v="urn:schemas-microsoft-com:vml" xmlns:pvml="urn:schemas-microsoft-com:office:powerpoint" xmlns:com="http://schemas.openxmlformats.org/drawingml/2006/compatibility" xmlns:p14="http://schemas.microsoft.com/office/powerpoint/2010/main" xmlns:p15="http://schemas.microsoft.com/office/powerpoint/2012/main" xmlns:ahyp="http://schemas.microsoft.com/office/drawing/2018/hyperlinkcolor" matchingName="Title only" type="titleOnly">
+<p:sldLayout xmlns:a="http://schemas.openxmlformats.org/drawingml/2006/main" xmlns:r="http://schemas.openxmlformats.org/officeDocument/2006/relationships" xmlns:p="http://schemas.openxmlformats.org/presentationml/2006/main" matchingName="Title only" type="titleOnly">
   <p:cSld name="TITLE_ONLY">
     <p:spTree>
       <p:nvGrpSpPr>
-        <p:cNvPr id="35" name="Shape 35"/>
+        <p:cNvPr id="1" name="Shape 35"/>
         <p:cNvGrpSpPr/>
         <p:nvPr/>
       </p:nvGrpSpPr>
@@ -5140,7 +5327,9 @@
       <p:sp>
         <p:nvSpPr>
           <p:cNvPr id="36" name="Google Shape;36;p6"/>
-          <p:cNvSpPr txBox="1"/>
+          <p:cNvSpPr txBox="1">
+            <a:spLocks noGrp="1"/>
+          </p:cNvSpPr>
           <p:nvPr>
             <p:ph type="title"/>
           </p:nvPr>
@@ -5155,7 +5344,7 @@
           </a:prstGeom>
         </p:spPr>
         <p:txBody>
-          <a:bodyPr anchorCtr="0" anchor="t" bIns="91425" lIns="91425" spcFirstLastPara="1" rIns="91425" wrap="square" tIns="91425">
+          <a:bodyPr spcFirstLastPara="1" wrap="square" lIns="91425" tIns="91425" rIns="91425" bIns="91425" anchor="t" anchorCtr="0">
             <a:noAutofit/>
           </a:bodyPr>
           <a:lstStyle>
@@ -5259,15 +5448,19 @@
               <a:defRPr/>
             </a:lvl9pPr>
           </a:lstStyle>
-          <a:p/>
+          <a:p>
+            <a:endParaRPr/>
+          </a:p>
         </p:txBody>
       </p:sp>
       <p:sp>
         <p:nvSpPr>
           <p:cNvPr id="37" name="Google Shape;37;p6"/>
-          <p:cNvSpPr txBox="1"/>
+          <p:cNvSpPr txBox="1">
+            <a:spLocks noGrp="1"/>
+          </p:cNvSpPr>
           <p:nvPr>
-            <p:ph idx="12" type="sldNum"/>
+            <p:ph type="sldNum" idx="12"/>
           </p:nvPr>
         </p:nvSpPr>
         <p:spPr>
@@ -5280,7 +5473,7 @@
           </a:prstGeom>
         </p:spPr>
         <p:txBody>
-          <a:bodyPr anchorCtr="0" anchor="ctr" bIns="91425" lIns="91425" spcFirstLastPara="1" rIns="91425" wrap="square" tIns="91425">
+          <a:bodyPr spcFirstLastPara="1" wrap="square" lIns="91425" tIns="91425" rIns="91425" bIns="91425" anchor="ctr" anchorCtr="0">
             <a:noAutofit/>
           </a:bodyPr>
           <a:lstStyle>
@@ -5322,7 +5515,7 @@
             </a:lvl9pPr>
           </a:lstStyle>
           <a:p>
-            <a:pPr indent="0" lvl="0" marL="0" rtl="0" algn="r">
+            <a:pPr marL="0" lvl="0" indent="0" algn="r" rtl="0">
               <a:spcBef>
                 <a:spcPts val="0"/>
               </a:spcBef>
@@ -5348,11 +5541,11 @@
 </file>
 
 <file path=ppt/slideLayouts/slideLayout6.xml><?xml version="1.0" encoding="utf-8"?>
-<p:sldLayout xmlns:a="http://schemas.openxmlformats.org/drawingml/2006/main" xmlns:r="http://schemas.openxmlformats.org/officeDocument/2006/relationships" xmlns:mc="http://schemas.openxmlformats.org/markup-compatibility/2006" xmlns:mv="urn:schemas-microsoft-com:mac:vml" xmlns:p="http://schemas.openxmlformats.org/presentationml/2006/main" xmlns:c="http://schemas.openxmlformats.org/drawingml/2006/chart" xmlns:dgm="http://schemas.openxmlformats.org/drawingml/2006/diagram" xmlns:o="urn:schemas-microsoft-com:office:office" xmlns:v="urn:schemas-microsoft-com:vml" xmlns:pvml="urn:schemas-microsoft-com:office:powerpoint" xmlns:com="http://schemas.openxmlformats.org/drawingml/2006/compatibility" xmlns:p14="http://schemas.microsoft.com/office/powerpoint/2010/main" xmlns:p15="http://schemas.microsoft.com/office/powerpoint/2012/main" xmlns:ahyp="http://schemas.microsoft.com/office/drawing/2018/hyperlinkcolor" matchingName="One column text">
+<p:sldLayout xmlns:a="http://schemas.openxmlformats.org/drawingml/2006/main" xmlns:r="http://schemas.openxmlformats.org/officeDocument/2006/relationships" xmlns:p="http://schemas.openxmlformats.org/presentationml/2006/main" matchingName="One column text">
   <p:cSld name="ONE_COLUMN_TEXT">
     <p:spTree>
       <p:nvGrpSpPr>
-        <p:cNvPr id="38" name="Shape 38"/>
+        <p:cNvPr id="1" name="Shape 38"/>
         <p:cNvGrpSpPr/>
         <p:nvPr/>
       </p:nvGrpSpPr>
@@ -5367,7 +5560,9 @@
       <p:sp>
         <p:nvSpPr>
           <p:cNvPr id="39" name="Google Shape;39;p7"/>
-          <p:cNvSpPr txBox="1"/>
+          <p:cNvSpPr txBox="1">
+            <a:spLocks noGrp="1"/>
+          </p:cNvSpPr>
           <p:nvPr>
             <p:ph type="title"/>
           </p:nvPr>
@@ -5382,7 +5577,7 @@
           </a:prstGeom>
         </p:spPr>
         <p:txBody>
-          <a:bodyPr anchorCtr="0" anchor="b" bIns="91425" lIns="91425" spcFirstLastPara="1" rIns="91425" wrap="square" tIns="91425">
+          <a:bodyPr spcFirstLastPara="1" wrap="square" lIns="91425" tIns="91425" rIns="91425" bIns="91425" anchor="b" anchorCtr="0">
             <a:noAutofit/>
           </a:bodyPr>
           <a:lstStyle>
@@ -5486,15 +5681,19 @@
               <a:defRPr sz="2400"/>
             </a:lvl9pPr>
           </a:lstStyle>
-          <a:p/>
+          <a:p>
+            <a:endParaRPr/>
+          </a:p>
         </p:txBody>
       </p:sp>
       <p:sp>
         <p:nvSpPr>
           <p:cNvPr id="40" name="Google Shape;40;p7"/>
-          <p:cNvSpPr txBox="1"/>
+          <p:cNvSpPr txBox="1">
+            <a:spLocks noGrp="1"/>
+          </p:cNvSpPr>
           <p:nvPr>
-            <p:ph idx="1" type="body"/>
+            <p:ph type="body" idx="1"/>
           </p:nvPr>
         </p:nvSpPr>
         <p:spPr>
@@ -5507,11 +5706,11 @@
           </a:prstGeom>
         </p:spPr>
         <p:txBody>
-          <a:bodyPr anchorCtr="0" anchor="t" bIns="91425" lIns="91425" spcFirstLastPara="1" rIns="91425" wrap="square" tIns="91425">
+          <a:bodyPr spcFirstLastPara="1" wrap="square" lIns="91425" tIns="91425" rIns="91425" bIns="91425" anchor="t" anchorCtr="0">
             <a:noAutofit/>
           </a:bodyPr>
           <a:lstStyle>
-            <a:lvl1pPr indent="-304800" lvl="0" marL="457200">
+            <a:lvl1pPr marL="457200" lvl="0" indent="-304800">
               <a:spcBef>
                 <a:spcPts val="0"/>
               </a:spcBef>
@@ -5522,7 +5721,7 @@
               <a:buChar char="●"/>
               <a:defRPr sz="1200"/>
             </a:lvl1pPr>
-            <a:lvl2pPr indent="-304800" lvl="1" marL="914400">
+            <a:lvl2pPr marL="914400" lvl="1" indent="-304800">
               <a:spcBef>
                 <a:spcPts val="1600"/>
               </a:spcBef>
@@ -5533,7 +5732,7 @@
               <a:buChar char="○"/>
               <a:defRPr sz="1200"/>
             </a:lvl2pPr>
-            <a:lvl3pPr indent="-304800" lvl="2" marL="1371600">
+            <a:lvl3pPr marL="1371600" lvl="2" indent="-304800">
               <a:spcBef>
                 <a:spcPts val="1600"/>
               </a:spcBef>
@@ -5544,7 +5743,7 @@
               <a:buChar char="■"/>
               <a:defRPr sz="1200"/>
             </a:lvl3pPr>
-            <a:lvl4pPr indent="-304800" lvl="3" marL="1828800">
+            <a:lvl4pPr marL="1828800" lvl="3" indent="-304800">
               <a:spcBef>
                 <a:spcPts val="1600"/>
               </a:spcBef>
@@ -5555,7 +5754,7 @@
               <a:buChar char="●"/>
               <a:defRPr sz="1200"/>
             </a:lvl4pPr>
-            <a:lvl5pPr indent="-304800" lvl="4" marL="2286000">
+            <a:lvl5pPr marL="2286000" lvl="4" indent="-304800">
               <a:spcBef>
                 <a:spcPts val="1600"/>
               </a:spcBef>
@@ -5566,7 +5765,7 @@
               <a:buChar char="○"/>
               <a:defRPr sz="1200"/>
             </a:lvl5pPr>
-            <a:lvl6pPr indent="-304800" lvl="5" marL="2743200">
+            <a:lvl6pPr marL="2743200" lvl="5" indent="-304800">
               <a:spcBef>
                 <a:spcPts val="1600"/>
               </a:spcBef>
@@ -5577,7 +5776,7 @@
               <a:buChar char="■"/>
               <a:defRPr sz="1200"/>
             </a:lvl6pPr>
-            <a:lvl7pPr indent="-304800" lvl="6" marL="3200400">
+            <a:lvl7pPr marL="3200400" lvl="6" indent="-304800">
               <a:spcBef>
                 <a:spcPts val="1600"/>
               </a:spcBef>
@@ -5588,7 +5787,7 @@
               <a:buChar char="●"/>
               <a:defRPr sz="1200"/>
             </a:lvl7pPr>
-            <a:lvl8pPr indent="-304800" lvl="7" marL="3657600">
+            <a:lvl8pPr marL="3657600" lvl="7" indent="-304800">
               <a:spcBef>
                 <a:spcPts val="1600"/>
               </a:spcBef>
@@ -5599,7 +5798,7 @@
               <a:buChar char="○"/>
               <a:defRPr sz="1200"/>
             </a:lvl8pPr>
-            <a:lvl9pPr indent="-304800" lvl="8" marL="4114800">
+            <a:lvl9pPr marL="4114800" lvl="8" indent="-304800">
               <a:spcBef>
                 <a:spcPts val="1600"/>
               </a:spcBef>
@@ -5611,15 +5810,19 @@
               <a:defRPr sz="1200"/>
             </a:lvl9pPr>
           </a:lstStyle>
-          <a:p/>
+          <a:p>
+            <a:endParaRPr/>
+          </a:p>
         </p:txBody>
       </p:sp>
       <p:sp>
         <p:nvSpPr>
           <p:cNvPr id="41" name="Google Shape;41;p7"/>
-          <p:cNvSpPr txBox="1"/>
+          <p:cNvSpPr txBox="1">
+            <a:spLocks noGrp="1"/>
+          </p:cNvSpPr>
           <p:nvPr>
-            <p:ph idx="12" type="sldNum"/>
+            <p:ph type="sldNum" idx="12"/>
           </p:nvPr>
         </p:nvSpPr>
         <p:spPr>
@@ -5632,7 +5835,7 @@
           </a:prstGeom>
         </p:spPr>
         <p:txBody>
-          <a:bodyPr anchorCtr="0" anchor="ctr" bIns="91425" lIns="91425" spcFirstLastPara="1" rIns="91425" wrap="square" tIns="91425">
+          <a:bodyPr spcFirstLastPara="1" wrap="square" lIns="91425" tIns="91425" rIns="91425" bIns="91425" anchor="ctr" anchorCtr="0">
             <a:noAutofit/>
           </a:bodyPr>
           <a:lstStyle>
@@ -5674,7 +5877,7 @@
             </a:lvl9pPr>
           </a:lstStyle>
           <a:p>
-            <a:pPr indent="0" lvl="0" marL="0" rtl="0" algn="r">
+            <a:pPr marL="0" lvl="0" indent="0" algn="r" rtl="0">
               <a:spcBef>
                 <a:spcPts val="0"/>
               </a:spcBef>
@@ -5700,18 +5903,19 @@
 </file>
 
 <file path=ppt/slideLayouts/slideLayout7.xml><?xml version="1.0" encoding="utf-8"?>
-<p:sldLayout xmlns:a="http://schemas.openxmlformats.org/drawingml/2006/main" xmlns:r="http://schemas.openxmlformats.org/officeDocument/2006/relationships" xmlns:mc="http://schemas.openxmlformats.org/markup-compatibility/2006" xmlns:mv="urn:schemas-microsoft-com:mac:vml" xmlns:p="http://schemas.openxmlformats.org/presentationml/2006/main" xmlns:c="http://schemas.openxmlformats.org/drawingml/2006/chart" xmlns:dgm="http://schemas.openxmlformats.org/drawingml/2006/diagram" xmlns:o="urn:schemas-microsoft-com:office:office" xmlns:v="urn:schemas-microsoft-com:vml" xmlns:pvml="urn:schemas-microsoft-com:office:powerpoint" xmlns:com="http://schemas.openxmlformats.org/drawingml/2006/compatibility" xmlns:p14="http://schemas.microsoft.com/office/powerpoint/2010/main" xmlns:p15="http://schemas.microsoft.com/office/powerpoint/2012/main" xmlns:ahyp="http://schemas.microsoft.com/office/drawing/2018/hyperlinkcolor" matchingName="Main point">
+<p:sldLayout xmlns:a="http://schemas.openxmlformats.org/drawingml/2006/main" xmlns:r="http://schemas.openxmlformats.org/officeDocument/2006/relationships" xmlns:p="http://schemas.openxmlformats.org/presentationml/2006/main" matchingName="Main point">
   <p:cSld name="MAIN_POINT">
     <p:bg>
       <p:bgPr>
         <a:solidFill>
           <a:schemeClr val="accent6"/>
         </a:solidFill>
+        <a:effectLst/>
       </p:bgPr>
     </p:bg>
     <p:spTree>
       <p:nvGrpSpPr>
-        <p:cNvPr id="42" name="Shape 42"/>
+        <p:cNvPr id="1" name="Shape 42"/>
         <p:cNvGrpSpPr/>
         <p:nvPr/>
       </p:nvGrpSpPr>
@@ -5726,7 +5930,9 @@
       <p:sp>
         <p:nvSpPr>
           <p:cNvPr id="43" name="Google Shape;43;p8"/>
-          <p:cNvSpPr txBox="1"/>
+          <p:cNvSpPr txBox="1">
+            <a:spLocks noGrp="1"/>
+          </p:cNvSpPr>
           <p:nvPr>
             <p:ph type="title"/>
           </p:nvPr>
@@ -5741,7 +5947,7 @@
           </a:prstGeom>
         </p:spPr>
         <p:txBody>
-          <a:bodyPr anchorCtr="0" anchor="ctr" bIns="91425" lIns="91425" spcFirstLastPara="1" rIns="91425" wrap="square" tIns="91425">
+          <a:bodyPr spcFirstLastPara="1" wrap="square" lIns="91425" tIns="91425" rIns="91425" bIns="91425" anchor="ctr" anchorCtr="0">
             <a:noAutofit/>
           </a:bodyPr>
           <a:lstStyle>
@@ -5757,7 +5963,7 @@
               </a:buClr>
               <a:buSzPts val="5400"/>
               <a:buNone/>
-              <a:defRPr b="0" sz="5400">
+              <a:defRPr sz="5400" b="0">
                 <a:solidFill>
                   <a:schemeClr val="dk2"/>
                 </a:solidFill>
@@ -5775,7 +5981,7 @@
               </a:buClr>
               <a:buSzPts val="5400"/>
               <a:buNone/>
-              <a:defRPr b="0" sz="5400">
+              <a:defRPr sz="5400" b="0">
                 <a:solidFill>
                   <a:schemeClr val="dk2"/>
                 </a:solidFill>
@@ -5793,7 +5999,7 @@
               </a:buClr>
               <a:buSzPts val="5400"/>
               <a:buNone/>
-              <a:defRPr b="0" sz="5400">
+              <a:defRPr sz="5400" b="0">
                 <a:solidFill>
                   <a:schemeClr val="dk2"/>
                 </a:solidFill>
@@ -5811,7 +6017,7 @@
               </a:buClr>
               <a:buSzPts val="5400"/>
               <a:buNone/>
-              <a:defRPr b="0" sz="5400">
+              <a:defRPr sz="5400" b="0">
                 <a:solidFill>
                   <a:schemeClr val="dk2"/>
                 </a:solidFill>
@@ -5829,7 +6035,7 @@
               </a:buClr>
               <a:buSzPts val="5400"/>
               <a:buNone/>
-              <a:defRPr b="0" sz="5400">
+              <a:defRPr sz="5400" b="0">
                 <a:solidFill>
                   <a:schemeClr val="dk2"/>
                 </a:solidFill>
@@ -5847,7 +6053,7 @@
               </a:buClr>
               <a:buSzPts val="5400"/>
               <a:buNone/>
-              <a:defRPr b="0" sz="5400">
+              <a:defRPr sz="5400" b="0">
                 <a:solidFill>
                   <a:schemeClr val="dk2"/>
                 </a:solidFill>
@@ -5865,7 +6071,7 @@
               </a:buClr>
               <a:buSzPts val="5400"/>
               <a:buNone/>
-              <a:defRPr b="0" sz="5400">
+              <a:defRPr sz="5400" b="0">
                 <a:solidFill>
                   <a:schemeClr val="dk2"/>
                 </a:solidFill>
@@ -5883,7 +6089,7 @@
               </a:buClr>
               <a:buSzPts val="5400"/>
               <a:buNone/>
-              <a:defRPr b="0" sz="5400">
+              <a:defRPr sz="5400" b="0">
                 <a:solidFill>
                   <a:schemeClr val="dk2"/>
                 </a:solidFill>
@@ -5901,22 +6107,26 @@
               </a:buClr>
               <a:buSzPts val="5400"/>
               <a:buNone/>
-              <a:defRPr b="0" sz="5400">
+              <a:defRPr sz="5400" b="0">
                 <a:solidFill>
                   <a:schemeClr val="dk2"/>
                 </a:solidFill>
               </a:defRPr>
             </a:lvl9pPr>
           </a:lstStyle>
-          <a:p/>
+          <a:p>
+            <a:endParaRPr/>
+          </a:p>
         </p:txBody>
       </p:sp>
       <p:sp>
         <p:nvSpPr>
           <p:cNvPr id="44" name="Google Shape;44;p8"/>
-          <p:cNvSpPr txBox="1"/>
+          <p:cNvSpPr txBox="1">
+            <a:spLocks noGrp="1"/>
+          </p:cNvSpPr>
           <p:nvPr>
-            <p:ph idx="12" type="sldNum"/>
+            <p:ph type="sldNum" idx="12"/>
           </p:nvPr>
         </p:nvSpPr>
         <p:spPr>
@@ -5929,7 +6139,7 @@
           </a:prstGeom>
         </p:spPr>
         <p:txBody>
-          <a:bodyPr anchorCtr="0" anchor="ctr" bIns="91425" lIns="91425" spcFirstLastPara="1" rIns="91425" wrap="square" tIns="91425">
+          <a:bodyPr spcFirstLastPara="1" wrap="square" lIns="91425" tIns="91425" rIns="91425" bIns="91425" anchor="ctr" anchorCtr="0">
             <a:noAutofit/>
           </a:bodyPr>
           <a:lstStyle>
@@ -5971,7 +6181,7 @@
             </a:lvl9pPr>
           </a:lstStyle>
           <a:p>
-            <a:pPr indent="0" lvl="0" marL="0" rtl="0" algn="r">
+            <a:pPr marL="0" lvl="0" indent="0" algn="r" rtl="0">
               <a:spcBef>
                 <a:spcPts val="0"/>
               </a:spcBef>
@@ -5997,11 +6207,11 @@
 </file>
 
 <file path=ppt/slideLayouts/slideLayout8.xml><?xml version="1.0" encoding="utf-8"?>
-<p:sldLayout xmlns:a="http://schemas.openxmlformats.org/drawingml/2006/main" xmlns:r="http://schemas.openxmlformats.org/officeDocument/2006/relationships" xmlns:mc="http://schemas.openxmlformats.org/markup-compatibility/2006" xmlns:mv="urn:schemas-microsoft-com:mac:vml" xmlns:p="http://schemas.openxmlformats.org/presentationml/2006/main" xmlns:c="http://schemas.openxmlformats.org/drawingml/2006/chart" xmlns:dgm="http://schemas.openxmlformats.org/drawingml/2006/diagram" xmlns:o="urn:schemas-microsoft-com:office:office" xmlns:v="urn:schemas-microsoft-com:vml" xmlns:pvml="urn:schemas-microsoft-com:office:powerpoint" xmlns:com="http://schemas.openxmlformats.org/drawingml/2006/compatibility" xmlns:p14="http://schemas.microsoft.com/office/powerpoint/2010/main" xmlns:p15="http://schemas.microsoft.com/office/powerpoint/2012/main" xmlns:ahyp="http://schemas.microsoft.com/office/drawing/2018/hyperlinkcolor" matchingName="Section title and description">
+<p:sldLayout xmlns:a="http://schemas.openxmlformats.org/drawingml/2006/main" xmlns:r="http://schemas.openxmlformats.org/officeDocument/2006/relationships" xmlns:p="http://schemas.openxmlformats.org/presentationml/2006/main" matchingName="Section title and description">
   <p:cSld name="SECTION_TITLE_AND_DESCRIPTION">
     <p:spTree>
       <p:nvGrpSpPr>
-        <p:cNvPr id="45" name="Shape 45"/>
+        <p:cNvPr id="1" name="Shape 45"/>
         <p:cNvGrpSpPr/>
         <p:nvPr/>
       </p:nvGrpSpPr>
@@ -6035,12 +6245,12 @@
           </a:ln>
         </p:spPr>
         <p:txBody>
-          <a:bodyPr anchorCtr="0" anchor="ctr" bIns="91425" lIns="91425" spcFirstLastPara="1" rIns="91425" wrap="square" tIns="91425">
+          <a:bodyPr spcFirstLastPara="1" wrap="square" lIns="91425" tIns="91425" rIns="91425" bIns="91425" anchor="ctr" anchorCtr="0">
             <a:noAutofit/>
           </a:bodyPr>
           <a:lstStyle/>
           <a:p>
-            <a:pPr indent="0" lvl="0" marL="0" rtl="0" algn="l">
+            <a:pPr marL="0" lvl="0" indent="0" algn="l" rtl="0">
               <a:spcBef>
                 <a:spcPts val="0"/>
               </a:spcBef>
@@ -6049,9 +6259,6 @@
               </a:spcAft>
               <a:buNone/>
             </a:pPr>
-            <a:r>
-              <a:t/>
-            </a:r>
             <a:endParaRPr/>
           </a:p>
         </p:txBody>
@@ -6071,21 +6278,23 @@
             <a:avLst/>
           </a:prstGeom>
           <a:noFill/>
-          <a:ln cap="flat" cmpd="sng" w="19050">
+          <a:ln w="19050" cap="flat" cmpd="sng">
             <a:solidFill>
               <a:schemeClr val="lt1"/>
             </a:solidFill>
             <a:prstDash val="solid"/>
             <a:round/>
-            <a:headEnd len="sm" w="sm" type="none"/>
-            <a:tailEnd len="sm" w="sm" type="none"/>
+            <a:headEnd type="none" w="sm" len="sm"/>
+            <a:tailEnd type="none" w="sm" len="sm"/>
           </a:ln>
         </p:spPr>
       </p:cxnSp>
       <p:sp>
         <p:nvSpPr>
           <p:cNvPr id="48" name="Google Shape;48;p9"/>
-          <p:cNvSpPr txBox="1"/>
+          <p:cNvSpPr txBox="1">
+            <a:spLocks noGrp="1"/>
+          </p:cNvSpPr>
           <p:nvPr>
             <p:ph type="title"/>
           </p:nvPr>
@@ -6100,7 +6309,7 @@
           </a:prstGeom>
         </p:spPr>
         <p:txBody>
-          <a:bodyPr anchorCtr="0" anchor="b" bIns="91425" lIns="91425" spcFirstLastPara="1" rIns="91425" wrap="square" tIns="91425">
+          <a:bodyPr spcFirstLastPara="1" wrap="square" lIns="91425" tIns="91425" rIns="91425" bIns="91425" anchor="b" anchorCtr="0">
             <a:noAutofit/>
           </a:bodyPr>
           <a:lstStyle>
@@ -6204,15 +6413,19 @@
               <a:defRPr sz="4200"/>
             </a:lvl9pPr>
           </a:lstStyle>
-          <a:p/>
+          <a:p>
+            <a:endParaRPr/>
+          </a:p>
         </p:txBody>
       </p:sp>
       <p:sp>
         <p:nvSpPr>
           <p:cNvPr id="49" name="Google Shape;49;p9"/>
-          <p:cNvSpPr txBox="1"/>
+          <p:cNvSpPr txBox="1">
+            <a:spLocks noGrp="1"/>
+          </p:cNvSpPr>
           <p:nvPr>
-            <p:ph idx="1" type="subTitle"/>
+            <p:ph type="subTitle" idx="1"/>
           </p:nvPr>
         </p:nvSpPr>
         <p:spPr>
@@ -6225,7 +6438,7 @@
           </a:prstGeom>
         </p:spPr>
         <p:txBody>
-          <a:bodyPr anchorCtr="0" anchor="t" bIns="91425" lIns="91425" spcFirstLastPara="1" rIns="91425" wrap="square" tIns="91425">
+          <a:bodyPr spcFirstLastPara="1" wrap="square" lIns="91425" tIns="91425" rIns="91425" bIns="91425" anchor="t" anchorCtr="0">
             <a:noAutofit/>
           </a:bodyPr>
           <a:lstStyle>
@@ -6356,15 +6569,19 @@
               <a:defRPr sz="2100"/>
             </a:lvl9pPr>
           </a:lstStyle>
-          <a:p/>
+          <a:p>
+            <a:endParaRPr/>
+          </a:p>
         </p:txBody>
       </p:sp>
       <p:sp>
         <p:nvSpPr>
           <p:cNvPr id="50" name="Google Shape;50;p9"/>
-          <p:cNvSpPr txBox="1"/>
+          <p:cNvSpPr txBox="1">
+            <a:spLocks noGrp="1"/>
+          </p:cNvSpPr>
           <p:nvPr>
-            <p:ph idx="2" type="body"/>
+            <p:ph type="body" idx="2"/>
           </p:nvPr>
         </p:nvSpPr>
         <p:spPr>
@@ -6377,11 +6594,11 @@
           </a:prstGeom>
         </p:spPr>
         <p:txBody>
-          <a:bodyPr anchorCtr="0" anchor="ctr" bIns="91425" lIns="91425" spcFirstLastPara="1" rIns="91425" wrap="square" tIns="91425">
+          <a:bodyPr spcFirstLastPara="1" wrap="square" lIns="91425" tIns="91425" rIns="91425" bIns="91425" anchor="ctr" anchorCtr="0">
             <a:noAutofit/>
           </a:bodyPr>
           <a:lstStyle>
-            <a:lvl1pPr indent="-342900" lvl="0" marL="457200">
+            <a:lvl1pPr marL="457200" lvl="0" indent="-342900">
               <a:spcBef>
                 <a:spcPts val="0"/>
               </a:spcBef>
@@ -6399,7 +6616,7 @@
                 </a:solidFill>
               </a:defRPr>
             </a:lvl1pPr>
-            <a:lvl2pPr indent="-317500" lvl="1" marL="914400">
+            <a:lvl2pPr marL="914400" lvl="1" indent="-317500">
               <a:spcBef>
                 <a:spcPts val="1600"/>
               </a:spcBef>
@@ -6417,7 +6634,7 @@
                 </a:solidFill>
               </a:defRPr>
             </a:lvl2pPr>
-            <a:lvl3pPr indent="-317500" lvl="2" marL="1371600">
+            <a:lvl3pPr marL="1371600" lvl="2" indent="-317500">
               <a:spcBef>
                 <a:spcPts val="1600"/>
               </a:spcBef>
@@ -6435,7 +6652,7 @@
                 </a:solidFill>
               </a:defRPr>
             </a:lvl3pPr>
-            <a:lvl4pPr indent="-317500" lvl="3" marL="1828800">
+            <a:lvl4pPr marL="1828800" lvl="3" indent="-317500">
               <a:spcBef>
                 <a:spcPts val="1600"/>
               </a:spcBef>
@@ -6453,7 +6670,7 @@
                 </a:solidFill>
               </a:defRPr>
             </a:lvl4pPr>
-            <a:lvl5pPr indent="-317500" lvl="4" marL="2286000">
+            <a:lvl5pPr marL="2286000" lvl="4" indent="-317500">
               <a:spcBef>
                 <a:spcPts val="1600"/>
               </a:spcBef>
@@ -6471,7 +6688,7 @@
                 </a:solidFill>
               </a:defRPr>
             </a:lvl5pPr>
-            <a:lvl6pPr indent="-317500" lvl="5" marL="2743200">
+            <a:lvl6pPr marL="2743200" lvl="5" indent="-317500">
               <a:spcBef>
                 <a:spcPts val="1600"/>
               </a:spcBef>
@@ -6489,7 +6706,7 @@
                 </a:solidFill>
               </a:defRPr>
             </a:lvl6pPr>
-            <a:lvl7pPr indent="-317500" lvl="6" marL="3200400">
+            <a:lvl7pPr marL="3200400" lvl="6" indent="-317500">
               <a:spcBef>
                 <a:spcPts val="1600"/>
               </a:spcBef>
@@ -6507,7 +6724,7 @@
                 </a:solidFill>
               </a:defRPr>
             </a:lvl7pPr>
-            <a:lvl8pPr indent="-317500" lvl="7" marL="3657600">
+            <a:lvl8pPr marL="3657600" lvl="7" indent="-317500">
               <a:spcBef>
                 <a:spcPts val="1600"/>
               </a:spcBef>
@@ -6525,7 +6742,7 @@
                 </a:solidFill>
               </a:defRPr>
             </a:lvl8pPr>
-            <a:lvl9pPr indent="-317500" lvl="8" marL="4114800">
+            <a:lvl9pPr marL="4114800" lvl="8" indent="-317500">
               <a:spcBef>
                 <a:spcPts val="1600"/>
               </a:spcBef>
@@ -6544,15 +6761,19 @@
               </a:defRPr>
             </a:lvl9pPr>
           </a:lstStyle>
-          <a:p/>
+          <a:p>
+            <a:endParaRPr/>
+          </a:p>
         </p:txBody>
       </p:sp>
       <p:sp>
         <p:nvSpPr>
           <p:cNvPr id="51" name="Google Shape;51;p9"/>
-          <p:cNvSpPr txBox="1"/>
+          <p:cNvSpPr txBox="1">
+            <a:spLocks noGrp="1"/>
+          </p:cNvSpPr>
           <p:nvPr>
-            <p:ph idx="12" type="sldNum"/>
+            <p:ph type="sldNum" idx="12"/>
           </p:nvPr>
         </p:nvSpPr>
         <p:spPr>
@@ -6565,7 +6786,7 @@
           </a:prstGeom>
         </p:spPr>
         <p:txBody>
-          <a:bodyPr anchorCtr="0" anchor="ctr" bIns="91425" lIns="91425" spcFirstLastPara="1" rIns="91425" wrap="square" tIns="91425">
+          <a:bodyPr spcFirstLastPara="1" wrap="square" lIns="91425" tIns="91425" rIns="91425" bIns="91425" anchor="ctr" anchorCtr="0">
             <a:noAutofit/>
           </a:bodyPr>
           <a:lstStyle>
@@ -6643,7 +6864,7 @@
             </a:lvl9pPr>
           </a:lstStyle>
           <a:p>
-            <a:pPr indent="0" lvl="0" marL="0" rtl="0" algn="r">
+            <a:pPr marL="0" lvl="0" indent="0" algn="r" rtl="0">
               <a:spcBef>
                 <a:spcPts val="0"/>
               </a:spcBef>
@@ -6669,11 +6890,11 @@
 </file>
 
 <file path=ppt/slideLayouts/slideLayout9.xml><?xml version="1.0" encoding="utf-8"?>
-<p:sldLayout xmlns:a="http://schemas.openxmlformats.org/drawingml/2006/main" xmlns:r="http://schemas.openxmlformats.org/officeDocument/2006/relationships" xmlns:mc="http://schemas.openxmlformats.org/markup-compatibility/2006" xmlns:mv="urn:schemas-microsoft-com:mac:vml" xmlns:p="http://schemas.openxmlformats.org/presentationml/2006/main" xmlns:c="http://schemas.openxmlformats.org/drawingml/2006/chart" xmlns:dgm="http://schemas.openxmlformats.org/drawingml/2006/diagram" xmlns:o="urn:schemas-microsoft-com:office:office" xmlns:v="urn:schemas-microsoft-com:vml" xmlns:pvml="urn:schemas-microsoft-com:office:powerpoint" xmlns:com="http://schemas.openxmlformats.org/drawingml/2006/compatibility" xmlns:p14="http://schemas.microsoft.com/office/powerpoint/2010/main" xmlns:p15="http://schemas.microsoft.com/office/powerpoint/2012/main" xmlns:ahyp="http://schemas.microsoft.com/office/drawing/2018/hyperlinkcolor" matchingName="Caption">
+<p:sldLayout xmlns:a="http://schemas.openxmlformats.org/drawingml/2006/main" xmlns:r="http://schemas.openxmlformats.org/officeDocument/2006/relationships" xmlns:p="http://schemas.openxmlformats.org/presentationml/2006/main" matchingName="Caption">
   <p:cSld name="CAPTION_ONLY">
     <p:spTree>
       <p:nvGrpSpPr>
-        <p:cNvPr id="52" name="Shape 52"/>
+        <p:cNvPr id="1" name="Shape 52"/>
         <p:cNvGrpSpPr/>
         <p:nvPr/>
       </p:nvGrpSpPr>
@@ -6688,9 +6909,11 @@
       <p:sp>
         <p:nvSpPr>
           <p:cNvPr id="53" name="Google Shape;53;p10"/>
-          <p:cNvSpPr txBox="1"/>
+          <p:cNvSpPr txBox="1">
+            <a:spLocks noGrp="1"/>
+          </p:cNvSpPr>
           <p:nvPr>
-            <p:ph idx="1" type="body"/>
+            <p:ph type="body" idx="1"/>
           </p:nvPr>
         </p:nvSpPr>
         <p:spPr>
@@ -6703,11 +6926,11 @@
           </a:prstGeom>
         </p:spPr>
         <p:txBody>
-          <a:bodyPr anchorCtr="0" anchor="ctr" bIns="91425" lIns="91425" spcFirstLastPara="1" rIns="91425" wrap="square" tIns="91425">
+          <a:bodyPr spcFirstLastPara="1" wrap="square" lIns="91425" tIns="91425" rIns="91425" bIns="91425" anchor="ctr" anchorCtr="0">
             <a:noAutofit/>
           </a:bodyPr>
           <a:lstStyle>
-            <a:lvl1pPr indent="-228600" lvl="0" marL="457200">
+            <a:lvl1pPr marL="457200" lvl="0" indent="-228600">
               <a:lnSpc>
                 <a:spcPct val="100000"/>
               </a:lnSpc>
@@ -6728,15 +6951,19 @@
               </a:defRPr>
             </a:lvl1pPr>
           </a:lstStyle>
-          <a:p/>
+          <a:p>
+            <a:endParaRPr/>
+          </a:p>
         </p:txBody>
       </p:sp>
       <p:sp>
         <p:nvSpPr>
           <p:cNvPr id="54" name="Google Shape;54;p10"/>
-          <p:cNvSpPr txBox="1"/>
+          <p:cNvSpPr txBox="1">
+            <a:spLocks noGrp="1"/>
+          </p:cNvSpPr>
           <p:nvPr>
-            <p:ph idx="12" type="sldNum"/>
+            <p:ph type="sldNum" idx="12"/>
           </p:nvPr>
         </p:nvSpPr>
         <p:spPr>
@@ -6749,7 +6976,7 @@
           </a:prstGeom>
         </p:spPr>
         <p:txBody>
-          <a:bodyPr anchorCtr="0" anchor="ctr" bIns="91425" lIns="91425" spcFirstLastPara="1" rIns="91425" wrap="square" tIns="91425">
+          <a:bodyPr spcFirstLastPara="1" wrap="square" lIns="91425" tIns="91425" rIns="91425" bIns="91425" anchor="ctr" anchorCtr="0">
             <a:noAutofit/>
           </a:bodyPr>
           <a:lstStyle>
@@ -6791,7 +7018,7 @@
             </a:lvl9pPr>
           </a:lstStyle>
           <a:p>
-            <a:pPr indent="0" lvl="0" marL="0" rtl="0" algn="r">
+            <a:pPr marL="0" lvl="0" indent="0" algn="r" rtl="0">
               <a:spcBef>
                 <a:spcPts val="0"/>
               </a:spcBef>
@@ -6817,18 +7044,19 @@
 </file>
 
 <file path=ppt/slideMasters/slideMaster1.xml><?xml version="1.0" encoding="utf-8"?>
-<p:sldMaster xmlns:a="http://schemas.openxmlformats.org/drawingml/2006/main" xmlns:r="http://schemas.openxmlformats.org/officeDocument/2006/relationships" xmlns:mc="http://schemas.openxmlformats.org/markup-compatibility/2006" xmlns:mv="urn:schemas-microsoft-com:mac:vml" xmlns:p="http://schemas.openxmlformats.org/presentationml/2006/main" xmlns:c="http://schemas.openxmlformats.org/drawingml/2006/chart" xmlns:dgm="http://schemas.openxmlformats.org/drawingml/2006/diagram" xmlns:o="urn:schemas-microsoft-com:office:office" xmlns:v="urn:schemas-microsoft-com:vml" xmlns:pvml="urn:schemas-microsoft-com:office:powerpoint" xmlns:com="http://schemas.openxmlformats.org/drawingml/2006/compatibility" xmlns:p14="http://schemas.microsoft.com/office/powerpoint/2010/main" xmlns:p15="http://schemas.microsoft.com/office/powerpoint/2012/main" xmlns:ahyp="http://schemas.microsoft.com/office/drawing/2018/hyperlinkcolor">
+<p:sldMaster xmlns:a="http://schemas.openxmlformats.org/drawingml/2006/main" xmlns:r="http://schemas.openxmlformats.org/officeDocument/2006/relationships" xmlns:p="http://schemas.openxmlformats.org/presentationml/2006/main">
   <p:cSld name="tropic">
     <p:bg>
       <p:bgPr>
         <a:solidFill>
           <a:schemeClr val="lt1"/>
         </a:solidFill>
+        <a:effectLst/>
       </p:bgPr>
     </p:bg>
     <p:spTree>
       <p:nvGrpSpPr>
-        <p:cNvPr id="5" name="Shape 5"/>
+        <p:cNvPr id="1" name="Shape 5"/>
         <p:cNvGrpSpPr/>
         <p:nvPr/>
       </p:nvGrpSpPr>
@@ -6843,7 +7071,9 @@
       <p:sp>
         <p:nvSpPr>
           <p:cNvPr id="6" name="Google Shape;6;p1"/>
-          <p:cNvSpPr txBox="1"/>
+          <p:cNvSpPr txBox="1">
+            <a:spLocks noGrp="1"/>
+          </p:cNvSpPr>
           <p:nvPr>
             <p:ph type="title"/>
           </p:nvPr>
@@ -6862,7 +7092,7 @@
           </a:ln>
         </p:spPr>
         <p:txBody>
-          <a:bodyPr anchorCtr="0" anchor="t" bIns="91425" lIns="91425" spcFirstLastPara="1" rIns="91425" wrap="square" tIns="91425">
+          <a:bodyPr spcFirstLastPara="1" wrap="square" lIns="91425" tIns="91425" rIns="91425" bIns="91425" anchor="t" anchorCtr="0">
             <a:noAutofit/>
           </a:bodyPr>
           <a:lstStyle>
@@ -6879,7 +7109,7 @@
               <a:buSzPts val="3600"/>
               <a:buFont typeface="PT Sans Narrow"/>
               <a:buNone/>
-              <a:defRPr b="1" sz="3600">
+              <a:defRPr sz="3600" b="1">
                 <a:solidFill>
                   <a:schemeClr val="accent1"/>
                 </a:solidFill>
@@ -6902,7 +7132,7 @@
               <a:buSzPts val="3600"/>
               <a:buFont typeface="PT Sans Narrow"/>
               <a:buNone/>
-              <a:defRPr b="1" sz="3600">
+              <a:defRPr sz="3600" b="1">
                 <a:solidFill>
                   <a:schemeClr val="accent1"/>
                 </a:solidFill>
@@ -6925,7 +7155,7 @@
               <a:buSzPts val="3600"/>
               <a:buFont typeface="PT Sans Narrow"/>
               <a:buNone/>
-              <a:defRPr b="1" sz="3600">
+              <a:defRPr sz="3600" b="1">
                 <a:solidFill>
                   <a:schemeClr val="accent1"/>
                 </a:solidFill>
@@ -6948,7 +7178,7 @@
               <a:buSzPts val="3600"/>
               <a:buFont typeface="PT Sans Narrow"/>
               <a:buNone/>
-              <a:defRPr b="1" sz="3600">
+              <a:defRPr sz="3600" b="1">
                 <a:solidFill>
                   <a:schemeClr val="accent1"/>
                 </a:solidFill>
@@ -6971,7 +7201,7 @@
               <a:buSzPts val="3600"/>
               <a:buFont typeface="PT Sans Narrow"/>
               <a:buNone/>
-              <a:defRPr b="1" sz="3600">
+              <a:defRPr sz="3600" b="1">
                 <a:solidFill>
                   <a:schemeClr val="accent1"/>
                 </a:solidFill>
@@ -6994,7 +7224,7 @@
               <a:buSzPts val="3600"/>
               <a:buFont typeface="PT Sans Narrow"/>
               <a:buNone/>
-              <a:defRPr b="1" sz="3600">
+              <a:defRPr sz="3600" b="1">
                 <a:solidFill>
                   <a:schemeClr val="accent1"/>
                 </a:solidFill>
@@ -7017,7 +7247,7 @@
               <a:buSzPts val="3600"/>
               <a:buFont typeface="PT Sans Narrow"/>
               <a:buNone/>
-              <a:defRPr b="1" sz="3600">
+              <a:defRPr sz="3600" b="1">
                 <a:solidFill>
                   <a:schemeClr val="accent1"/>
                 </a:solidFill>
@@ -7040,7 +7270,7 @@
               <a:buSzPts val="3600"/>
               <a:buFont typeface="PT Sans Narrow"/>
               <a:buNone/>
-              <a:defRPr b="1" sz="3600">
+              <a:defRPr sz="3600" b="1">
                 <a:solidFill>
                   <a:schemeClr val="accent1"/>
                 </a:solidFill>
@@ -7063,7 +7293,7 @@
               <a:buSzPts val="3600"/>
               <a:buFont typeface="PT Sans Narrow"/>
               <a:buNone/>
-              <a:defRPr b="1" sz="3600">
+              <a:defRPr sz="3600" b="1">
                 <a:solidFill>
                   <a:schemeClr val="accent1"/>
                 </a:solidFill>
@@ -7074,15 +7304,19 @@
               </a:defRPr>
             </a:lvl9pPr>
           </a:lstStyle>
-          <a:p/>
+          <a:p>
+            <a:endParaRPr/>
+          </a:p>
         </p:txBody>
       </p:sp>
       <p:sp>
         <p:nvSpPr>
           <p:cNvPr id="7" name="Google Shape;7;p1"/>
-          <p:cNvSpPr txBox="1"/>
+          <p:cNvSpPr txBox="1">
+            <a:spLocks noGrp="1"/>
+          </p:cNvSpPr>
           <p:nvPr>
-            <p:ph idx="1" type="body"/>
+            <p:ph type="body" idx="1"/>
           </p:nvPr>
         </p:nvSpPr>
         <p:spPr>
@@ -7099,11 +7333,11 @@
           </a:ln>
         </p:spPr>
         <p:txBody>
-          <a:bodyPr anchorCtr="0" anchor="t" bIns="91425" lIns="91425" spcFirstLastPara="1" rIns="91425" wrap="square" tIns="91425">
+          <a:bodyPr spcFirstLastPara="1" wrap="square" lIns="91425" tIns="91425" rIns="91425" bIns="91425" anchor="t" anchorCtr="0">
             <a:noAutofit/>
           </a:bodyPr>
           <a:lstStyle>
-            <a:lvl1pPr indent="-342900" lvl="0" marL="457200">
+            <a:lvl1pPr marL="457200" lvl="0" indent="-342900">
               <a:lnSpc>
                 <a:spcPct val="115000"/>
               </a:lnSpc>
@@ -7129,7 +7363,7 @@
                 <a:sym typeface="Open Sans"/>
               </a:defRPr>
             </a:lvl1pPr>
-            <a:lvl2pPr indent="-317500" lvl="1" marL="914400">
+            <a:lvl2pPr marL="914400" lvl="1" indent="-317500">
               <a:lnSpc>
                 <a:spcPct val="115000"/>
               </a:lnSpc>
@@ -7155,7 +7389,7 @@
                 <a:sym typeface="Open Sans"/>
               </a:defRPr>
             </a:lvl2pPr>
-            <a:lvl3pPr indent="-317500" lvl="2" marL="1371600">
+            <a:lvl3pPr marL="1371600" lvl="2" indent="-317500">
               <a:lnSpc>
                 <a:spcPct val="115000"/>
               </a:lnSpc>
@@ -7181,7 +7415,7 @@
                 <a:sym typeface="Open Sans"/>
               </a:defRPr>
             </a:lvl3pPr>
-            <a:lvl4pPr indent="-317500" lvl="3" marL="1828800">
+            <a:lvl4pPr marL="1828800" lvl="3" indent="-317500">
               <a:lnSpc>
                 <a:spcPct val="115000"/>
               </a:lnSpc>
@@ -7207,7 +7441,7 @@
                 <a:sym typeface="Open Sans"/>
               </a:defRPr>
             </a:lvl4pPr>
-            <a:lvl5pPr indent="-317500" lvl="4" marL="2286000">
+            <a:lvl5pPr marL="2286000" lvl="4" indent="-317500">
               <a:lnSpc>
                 <a:spcPct val="115000"/>
               </a:lnSpc>
@@ -7233,7 +7467,7 @@
                 <a:sym typeface="Open Sans"/>
               </a:defRPr>
             </a:lvl5pPr>
-            <a:lvl6pPr indent="-317500" lvl="5" marL="2743200">
+            <a:lvl6pPr marL="2743200" lvl="5" indent="-317500">
               <a:lnSpc>
                 <a:spcPct val="115000"/>
               </a:lnSpc>
@@ -7259,7 +7493,7 @@
                 <a:sym typeface="Open Sans"/>
               </a:defRPr>
             </a:lvl6pPr>
-            <a:lvl7pPr indent="-317500" lvl="6" marL="3200400">
+            <a:lvl7pPr marL="3200400" lvl="6" indent="-317500">
               <a:lnSpc>
                 <a:spcPct val="115000"/>
               </a:lnSpc>
@@ -7285,7 +7519,7 @@
                 <a:sym typeface="Open Sans"/>
               </a:defRPr>
             </a:lvl7pPr>
-            <a:lvl8pPr indent="-317500" lvl="7" marL="3657600">
+            <a:lvl8pPr marL="3657600" lvl="7" indent="-317500">
               <a:lnSpc>
                 <a:spcPct val="115000"/>
               </a:lnSpc>
@@ -7311,7 +7545,7 @@
                 <a:sym typeface="Open Sans"/>
               </a:defRPr>
             </a:lvl8pPr>
-            <a:lvl9pPr indent="-317500" lvl="8" marL="4114800">
+            <a:lvl9pPr marL="4114800" lvl="8" indent="-317500">
               <a:lnSpc>
                 <a:spcPct val="115000"/>
               </a:lnSpc>
@@ -7338,15 +7572,19 @@
               </a:defRPr>
             </a:lvl9pPr>
           </a:lstStyle>
-          <a:p/>
+          <a:p>
+            <a:endParaRPr/>
+          </a:p>
         </p:txBody>
       </p:sp>
       <p:sp>
         <p:nvSpPr>
           <p:cNvPr id="8" name="Google Shape;8;p1"/>
-          <p:cNvSpPr txBox="1"/>
+          <p:cNvSpPr txBox="1">
+            <a:spLocks noGrp="1"/>
+          </p:cNvSpPr>
           <p:nvPr>
-            <p:ph idx="12" type="sldNum"/>
+            <p:ph type="sldNum" idx="12"/>
           </p:nvPr>
         </p:nvSpPr>
         <p:spPr>
@@ -7363,7 +7601,7 @@
           </a:ln>
         </p:spPr>
         <p:txBody>
-          <a:bodyPr anchorCtr="0" anchor="ctr" bIns="91425" lIns="91425" spcFirstLastPara="1" rIns="91425" wrap="square" tIns="91425">
+          <a:bodyPr spcFirstLastPara="1" wrap="square" lIns="91425" tIns="91425" rIns="91425" bIns="91425" anchor="ctr" anchorCtr="0">
             <a:noAutofit/>
           </a:bodyPr>
           <a:lstStyle>
@@ -7477,7 +7715,7 @@
             </a:lvl9pPr>
           </a:lstStyle>
           <a:p>
-            <a:pPr indent="0" lvl="0" marL="0" rtl="0" algn="r">
+            <a:pPr marL="0" lvl="0" indent="0" algn="r" rtl="0">
               <a:spcBef>
                 <a:spcPts val="0"/>
               </a:spcBef>
@@ -7496,7 +7734,7 @@
       </p:sp>
     </p:spTree>
   </p:cSld>
-  <p:clrMap accent1="accent1" accent2="accent2" accent3="accent3" accent4="accent4" accent5="accent5" accent6="accent6" bg1="lt1" bg2="dk2" tx1="dk1" tx2="lt2" folHlink="folHlink" hlink="hlink"/>
+  <p:clrMap bg1="lt1" tx1="dk1" bg2="dk2" tx2="lt2" accent1="accent1" accent2="accent2" accent3="accent3" accent4="accent4" accent5="accent5" accent6="accent6" hlink="hlink" folHlink="folHlink"/>
   <p:sldLayoutIdLst>
     <p:sldLayoutId id="2147483648" r:id="rId1"/>
     <p:sldLayoutId id="2147483649" r:id="rId2"/>
@@ -7510,10 +7748,10 @@
     <p:sldLayoutId id="2147483657" r:id="rId10"/>
     <p:sldLayoutId id="2147483658" r:id="rId11"/>
   </p:sldLayoutIdLst>
-  <p:hf dt="0" ftr="0" hdr="0" sldNum="0"/>
+  <p:hf sldNum="0" hdr="0" ftr="0" dt="0"/>
   <p:txStyles>
     <p:titleStyle>
-      <a:defPPr lvl="0" marR="0" rtl="0" algn="l">
+      <a:defPPr marR="0" lvl="0" algn="l" rtl="0">
         <a:lnSpc>
           <a:spcPct val="100000"/>
         </a:lnSpc>
@@ -7524,7 +7762,7 @@
           <a:spcPts val="0"/>
         </a:spcAft>
       </a:defPPr>
-      <a:lvl1pPr lvl="0" marR="0" rtl="0" algn="l">
+      <a:lvl1pPr marR="0" lvl="0" algn="l" rtl="0">
         <a:lnSpc>
           <a:spcPct val="100000"/>
         </a:lnSpc>
@@ -7538,7 +7776,7 @@
           <a:srgbClr val="000000"/>
         </a:buClr>
         <a:buFont typeface="Arial"/>
-        <a:defRPr b="0" i="0" sz="1400" u="none" cap="none" strike="noStrike">
+        <a:defRPr sz="1400" b="0" i="0" u="none" strike="noStrike" cap="none">
           <a:solidFill>
             <a:srgbClr val="000000"/>
           </a:solidFill>
@@ -7548,7 +7786,7 @@
           <a:sym typeface="Arial"/>
         </a:defRPr>
       </a:lvl1pPr>
-      <a:lvl2pPr lvl="1" marR="0" rtl="0" algn="l">
+      <a:lvl2pPr marR="0" lvl="1" algn="l" rtl="0">
         <a:lnSpc>
           <a:spcPct val="100000"/>
         </a:lnSpc>
@@ -7562,7 +7800,7 @@
           <a:srgbClr val="000000"/>
         </a:buClr>
         <a:buFont typeface="Arial"/>
-        <a:defRPr b="0" i="0" sz="1400" u="none" cap="none" strike="noStrike">
+        <a:defRPr sz="1400" b="0" i="0" u="none" strike="noStrike" cap="none">
           <a:solidFill>
             <a:srgbClr val="000000"/>
           </a:solidFill>
@@ -7572,7 +7810,7 @@
           <a:sym typeface="Arial"/>
         </a:defRPr>
       </a:lvl2pPr>
-      <a:lvl3pPr lvl="2" marR="0" rtl="0" algn="l">
+      <a:lvl3pPr marR="0" lvl="2" algn="l" rtl="0">
         <a:lnSpc>
           <a:spcPct val="100000"/>
         </a:lnSpc>
@@ -7586,7 +7824,7 @@
           <a:srgbClr val="000000"/>
         </a:buClr>
         <a:buFont typeface="Arial"/>
-        <a:defRPr b="0" i="0" sz="1400" u="none" cap="none" strike="noStrike">
+        <a:defRPr sz="1400" b="0" i="0" u="none" strike="noStrike" cap="none">
           <a:solidFill>
             <a:srgbClr val="000000"/>
           </a:solidFill>
@@ -7596,7 +7834,7 @@
           <a:sym typeface="Arial"/>
         </a:defRPr>
       </a:lvl3pPr>
-      <a:lvl4pPr lvl="3" marR="0" rtl="0" algn="l">
+      <a:lvl4pPr marR="0" lvl="3" algn="l" rtl="0">
         <a:lnSpc>
           <a:spcPct val="100000"/>
         </a:lnSpc>
@@ -7610,7 +7848,7 @@
           <a:srgbClr val="000000"/>
         </a:buClr>
         <a:buFont typeface="Arial"/>
-        <a:defRPr b="0" i="0" sz="1400" u="none" cap="none" strike="noStrike">
+        <a:defRPr sz="1400" b="0" i="0" u="none" strike="noStrike" cap="none">
           <a:solidFill>
             <a:srgbClr val="000000"/>
           </a:solidFill>
@@ -7620,7 +7858,7 @@
           <a:sym typeface="Arial"/>
         </a:defRPr>
       </a:lvl4pPr>
-      <a:lvl5pPr lvl="4" marR="0" rtl="0" algn="l">
+      <a:lvl5pPr marR="0" lvl="4" algn="l" rtl="0">
         <a:lnSpc>
           <a:spcPct val="100000"/>
         </a:lnSpc>
@@ -7634,7 +7872,7 @@
           <a:srgbClr val="000000"/>
         </a:buClr>
         <a:buFont typeface="Arial"/>
-        <a:defRPr b="0" i="0" sz="1400" u="none" cap="none" strike="noStrike">
+        <a:defRPr sz="1400" b="0" i="0" u="none" strike="noStrike" cap="none">
           <a:solidFill>
             <a:srgbClr val="000000"/>
           </a:solidFill>
@@ -7644,7 +7882,7 @@
           <a:sym typeface="Arial"/>
         </a:defRPr>
       </a:lvl5pPr>
-      <a:lvl6pPr lvl="5" marR="0" rtl="0" algn="l">
+      <a:lvl6pPr marR="0" lvl="5" algn="l" rtl="0">
         <a:lnSpc>
           <a:spcPct val="100000"/>
         </a:lnSpc>
@@ -7658,7 +7896,7 @@
           <a:srgbClr val="000000"/>
         </a:buClr>
         <a:buFont typeface="Arial"/>
-        <a:defRPr b="0" i="0" sz="1400" u="none" cap="none" strike="noStrike">
+        <a:defRPr sz="1400" b="0" i="0" u="none" strike="noStrike" cap="none">
           <a:solidFill>
             <a:srgbClr val="000000"/>
           </a:solidFill>
@@ -7668,7 +7906,7 @@
           <a:sym typeface="Arial"/>
         </a:defRPr>
       </a:lvl6pPr>
-      <a:lvl7pPr lvl="6" marR="0" rtl="0" algn="l">
+      <a:lvl7pPr marR="0" lvl="6" algn="l" rtl="0">
         <a:lnSpc>
           <a:spcPct val="100000"/>
         </a:lnSpc>
@@ -7682,7 +7920,7 @@
           <a:srgbClr val="000000"/>
         </a:buClr>
         <a:buFont typeface="Arial"/>
-        <a:defRPr b="0" i="0" sz="1400" u="none" cap="none" strike="noStrike">
+        <a:defRPr sz="1400" b="0" i="0" u="none" strike="noStrike" cap="none">
           <a:solidFill>
             <a:srgbClr val="000000"/>
           </a:solidFill>
@@ -7692,7 +7930,7 @@
           <a:sym typeface="Arial"/>
         </a:defRPr>
       </a:lvl7pPr>
-      <a:lvl8pPr lvl="7" marR="0" rtl="0" algn="l">
+      <a:lvl8pPr marR="0" lvl="7" algn="l" rtl="0">
         <a:lnSpc>
           <a:spcPct val="100000"/>
         </a:lnSpc>
@@ -7706,7 +7944,7 @@
           <a:srgbClr val="000000"/>
         </a:buClr>
         <a:buFont typeface="Arial"/>
-        <a:defRPr b="0" i="0" sz="1400" u="none" cap="none" strike="noStrike">
+        <a:defRPr sz="1400" b="0" i="0" u="none" strike="noStrike" cap="none">
           <a:solidFill>
             <a:srgbClr val="000000"/>
           </a:solidFill>
@@ -7716,7 +7954,7 @@
           <a:sym typeface="Arial"/>
         </a:defRPr>
       </a:lvl8pPr>
-      <a:lvl9pPr lvl="8" marR="0" rtl="0" algn="l">
+      <a:lvl9pPr marR="0" lvl="8" algn="l" rtl="0">
         <a:lnSpc>
           <a:spcPct val="100000"/>
         </a:lnSpc>
@@ -7730,7 +7968,7 @@
           <a:srgbClr val="000000"/>
         </a:buClr>
         <a:buFont typeface="Arial"/>
-        <a:defRPr b="0" i="0" sz="1400" u="none" cap="none" strike="noStrike">
+        <a:defRPr sz="1400" b="0" i="0" u="none" strike="noStrike" cap="none">
           <a:solidFill>
             <a:srgbClr val="000000"/>
           </a:solidFill>
@@ -7742,7 +7980,7 @@
       </a:lvl9pPr>
     </p:titleStyle>
     <p:bodyStyle>
-      <a:defPPr lvl="0" marR="0" rtl="0" algn="l">
+      <a:defPPr marR="0" lvl="0" algn="l" rtl="0">
         <a:lnSpc>
           <a:spcPct val="100000"/>
         </a:lnSpc>
@@ -7753,7 +7991,7 @@
           <a:spcPts val="0"/>
         </a:spcAft>
       </a:defPPr>
-      <a:lvl1pPr lvl="0" marR="0" rtl="0" algn="l">
+      <a:lvl1pPr marR="0" lvl="0" algn="l" rtl="0">
         <a:lnSpc>
           <a:spcPct val="100000"/>
         </a:lnSpc>
@@ -7767,7 +8005,7 @@
           <a:srgbClr val="000000"/>
         </a:buClr>
         <a:buFont typeface="Arial"/>
-        <a:defRPr b="0" i="0" sz="1400" u="none" cap="none" strike="noStrike">
+        <a:defRPr sz="1400" b="0" i="0" u="none" strike="noStrike" cap="none">
           <a:solidFill>
             <a:srgbClr val="000000"/>
           </a:solidFill>
@@ -7777,7 +8015,7 @@
           <a:sym typeface="Arial"/>
         </a:defRPr>
       </a:lvl1pPr>
-      <a:lvl2pPr lvl="1" marR="0" rtl="0" algn="l">
+      <a:lvl2pPr marR="0" lvl="1" algn="l" rtl="0">
         <a:lnSpc>
           <a:spcPct val="100000"/>
         </a:lnSpc>
@@ -7791,7 +8029,7 @@
           <a:srgbClr val="000000"/>
         </a:buClr>
         <a:buFont typeface="Arial"/>
-        <a:defRPr b="0" i="0" sz="1400" u="none" cap="none" strike="noStrike">
+        <a:defRPr sz="1400" b="0" i="0" u="none" strike="noStrike" cap="none">
           <a:solidFill>
             <a:srgbClr val="000000"/>
           </a:solidFill>
@@ -7801,7 +8039,7 @@
           <a:sym typeface="Arial"/>
         </a:defRPr>
       </a:lvl2pPr>
-      <a:lvl3pPr lvl="2" marR="0" rtl="0" algn="l">
+      <a:lvl3pPr marR="0" lvl="2" algn="l" rtl="0">
         <a:lnSpc>
           <a:spcPct val="100000"/>
         </a:lnSpc>
@@ -7815,7 +8053,7 @@
           <a:srgbClr val="000000"/>
         </a:buClr>
         <a:buFont typeface="Arial"/>
-        <a:defRPr b="0" i="0" sz="1400" u="none" cap="none" strike="noStrike">
+        <a:defRPr sz="1400" b="0" i="0" u="none" strike="noStrike" cap="none">
           <a:solidFill>
             <a:srgbClr val="000000"/>
           </a:solidFill>
@@ -7825,7 +8063,7 @@
           <a:sym typeface="Arial"/>
         </a:defRPr>
       </a:lvl3pPr>
-      <a:lvl4pPr lvl="3" marR="0" rtl="0" algn="l">
+      <a:lvl4pPr marR="0" lvl="3" algn="l" rtl="0">
         <a:lnSpc>
           <a:spcPct val="100000"/>
         </a:lnSpc>
@@ -7839,7 +8077,7 @@
           <a:srgbClr val="000000"/>
         </a:buClr>
         <a:buFont typeface="Arial"/>
-        <a:defRPr b="0" i="0" sz="1400" u="none" cap="none" strike="noStrike">
+        <a:defRPr sz="1400" b="0" i="0" u="none" strike="noStrike" cap="none">
           <a:solidFill>
             <a:srgbClr val="000000"/>
           </a:solidFill>
@@ -7849,7 +8087,7 @@
           <a:sym typeface="Arial"/>
         </a:defRPr>
       </a:lvl4pPr>
-      <a:lvl5pPr lvl="4" marR="0" rtl="0" algn="l">
+      <a:lvl5pPr marR="0" lvl="4" algn="l" rtl="0">
         <a:lnSpc>
           <a:spcPct val="100000"/>
         </a:lnSpc>
@@ -7863,7 +8101,7 @@
           <a:srgbClr val="000000"/>
         </a:buClr>
         <a:buFont typeface="Arial"/>
-        <a:defRPr b="0" i="0" sz="1400" u="none" cap="none" strike="noStrike">
+        <a:defRPr sz="1400" b="0" i="0" u="none" strike="noStrike" cap="none">
           <a:solidFill>
             <a:srgbClr val="000000"/>
           </a:solidFill>
@@ -7873,7 +8111,7 @@
           <a:sym typeface="Arial"/>
         </a:defRPr>
       </a:lvl5pPr>
-      <a:lvl6pPr lvl="5" marR="0" rtl="0" algn="l">
+      <a:lvl6pPr marR="0" lvl="5" algn="l" rtl="0">
         <a:lnSpc>
           <a:spcPct val="100000"/>
         </a:lnSpc>
@@ -7887,7 +8125,7 @@
           <a:srgbClr val="000000"/>
         </a:buClr>
         <a:buFont typeface="Arial"/>
-        <a:defRPr b="0" i="0" sz="1400" u="none" cap="none" strike="noStrike">
+        <a:defRPr sz="1400" b="0" i="0" u="none" strike="noStrike" cap="none">
           <a:solidFill>
             <a:srgbClr val="000000"/>
           </a:solidFill>
@@ -7897,7 +8135,7 @@
           <a:sym typeface="Arial"/>
         </a:defRPr>
       </a:lvl6pPr>
-      <a:lvl7pPr lvl="6" marR="0" rtl="0" algn="l">
+      <a:lvl7pPr marR="0" lvl="6" algn="l" rtl="0">
         <a:lnSpc>
           <a:spcPct val="100000"/>
         </a:lnSpc>
@@ -7911,7 +8149,7 @@
           <a:srgbClr val="000000"/>
         </a:buClr>
         <a:buFont typeface="Arial"/>
-        <a:defRPr b="0" i="0" sz="1400" u="none" cap="none" strike="noStrike">
+        <a:defRPr sz="1400" b="0" i="0" u="none" strike="noStrike" cap="none">
           <a:solidFill>
             <a:srgbClr val="000000"/>
           </a:solidFill>
@@ -7921,7 +8159,7 @@
           <a:sym typeface="Arial"/>
         </a:defRPr>
       </a:lvl7pPr>
-      <a:lvl8pPr lvl="7" marR="0" rtl="0" algn="l">
+      <a:lvl8pPr marR="0" lvl="7" algn="l" rtl="0">
         <a:lnSpc>
           <a:spcPct val="100000"/>
         </a:lnSpc>
@@ -7935,7 +8173,7 @@
           <a:srgbClr val="000000"/>
         </a:buClr>
         <a:buFont typeface="Arial"/>
-        <a:defRPr b="0" i="0" sz="1400" u="none" cap="none" strike="noStrike">
+        <a:defRPr sz="1400" b="0" i="0" u="none" strike="noStrike" cap="none">
           <a:solidFill>
             <a:srgbClr val="000000"/>
           </a:solidFill>
@@ -7945,7 +8183,7 @@
           <a:sym typeface="Arial"/>
         </a:defRPr>
       </a:lvl8pPr>
-      <a:lvl9pPr lvl="8" marR="0" rtl="0" algn="l">
+      <a:lvl9pPr marR="0" lvl="8" algn="l" rtl="0">
         <a:lnSpc>
           <a:spcPct val="100000"/>
         </a:lnSpc>
@@ -7959,7 +8197,7 @@
           <a:srgbClr val="000000"/>
         </a:buClr>
         <a:buFont typeface="Arial"/>
-        <a:defRPr b="0" i="0" sz="1400" u="none" cap="none" strike="noStrike">
+        <a:defRPr sz="1400" b="0" i="0" u="none" strike="noStrike" cap="none">
           <a:solidFill>
             <a:srgbClr val="000000"/>
           </a:solidFill>
@@ -7971,7 +8209,7 @@
       </a:lvl9pPr>
     </p:bodyStyle>
     <p:otherStyle>
-      <a:defPPr lvl="0" marR="0" rtl="0" algn="l">
+      <a:defPPr marR="0" lvl="0" algn="l" rtl="0">
         <a:lnSpc>
           <a:spcPct val="100000"/>
         </a:lnSpc>
@@ -7982,7 +8220,7 @@
           <a:spcPts val="0"/>
         </a:spcAft>
       </a:defPPr>
-      <a:lvl1pPr lvl="0" marR="0" rtl="0" algn="l">
+      <a:lvl1pPr marR="0" lvl="0" algn="l" rtl="0">
         <a:lnSpc>
           <a:spcPct val="100000"/>
         </a:lnSpc>
@@ -7996,7 +8234,7 @@
           <a:srgbClr val="000000"/>
         </a:buClr>
         <a:buFont typeface="Arial"/>
-        <a:defRPr b="0" i="0" sz="1400" u="none" cap="none" strike="noStrike">
+        <a:defRPr sz="1400" b="0" i="0" u="none" strike="noStrike" cap="none">
           <a:solidFill>
             <a:srgbClr val="000000"/>
           </a:solidFill>
@@ -8006,7 +8244,7 @@
           <a:sym typeface="Arial"/>
         </a:defRPr>
       </a:lvl1pPr>
-      <a:lvl2pPr lvl="1" marR="0" rtl="0" algn="l">
+      <a:lvl2pPr marR="0" lvl="1" algn="l" rtl="0">
         <a:lnSpc>
           <a:spcPct val="100000"/>
         </a:lnSpc>
@@ -8020,7 +8258,7 @@
           <a:srgbClr val="000000"/>
         </a:buClr>
         <a:buFont typeface="Arial"/>
-        <a:defRPr b="0" i="0" sz="1400" u="none" cap="none" strike="noStrike">
+        <a:defRPr sz="1400" b="0" i="0" u="none" strike="noStrike" cap="none">
           <a:solidFill>
             <a:srgbClr val="000000"/>
           </a:solidFill>
@@ -8030,7 +8268,7 @@
           <a:sym typeface="Arial"/>
         </a:defRPr>
       </a:lvl2pPr>
-      <a:lvl3pPr lvl="2" marR="0" rtl="0" algn="l">
+      <a:lvl3pPr marR="0" lvl="2" algn="l" rtl="0">
         <a:lnSpc>
           <a:spcPct val="100000"/>
         </a:lnSpc>
@@ -8044,7 +8282,7 @@
           <a:srgbClr val="000000"/>
         </a:buClr>
         <a:buFont typeface="Arial"/>
-        <a:defRPr b="0" i="0" sz="1400" u="none" cap="none" strike="noStrike">
+        <a:defRPr sz="1400" b="0" i="0" u="none" strike="noStrike" cap="none">
           <a:solidFill>
             <a:srgbClr val="000000"/>
           </a:solidFill>
@@ -8054,7 +8292,7 @@
           <a:sym typeface="Arial"/>
         </a:defRPr>
       </a:lvl3pPr>
-      <a:lvl4pPr lvl="3" marR="0" rtl="0" algn="l">
+      <a:lvl4pPr marR="0" lvl="3" algn="l" rtl="0">
         <a:lnSpc>
           <a:spcPct val="100000"/>
         </a:lnSpc>
@@ -8068,7 +8306,7 @@
           <a:srgbClr val="000000"/>
         </a:buClr>
         <a:buFont typeface="Arial"/>
-        <a:defRPr b="0" i="0" sz="1400" u="none" cap="none" strike="noStrike">
+        <a:defRPr sz="1400" b="0" i="0" u="none" strike="noStrike" cap="none">
           <a:solidFill>
             <a:srgbClr val="000000"/>
           </a:solidFill>
@@ -8078,7 +8316,7 @@
           <a:sym typeface="Arial"/>
         </a:defRPr>
       </a:lvl4pPr>
-      <a:lvl5pPr lvl="4" marR="0" rtl="0" algn="l">
+      <a:lvl5pPr marR="0" lvl="4" algn="l" rtl="0">
         <a:lnSpc>
           <a:spcPct val="100000"/>
         </a:lnSpc>
@@ -8092,7 +8330,7 @@
           <a:srgbClr val="000000"/>
         </a:buClr>
         <a:buFont typeface="Arial"/>
-        <a:defRPr b="0" i="0" sz="1400" u="none" cap="none" strike="noStrike">
+        <a:defRPr sz="1400" b="0" i="0" u="none" strike="noStrike" cap="none">
           <a:solidFill>
             <a:srgbClr val="000000"/>
           </a:solidFill>
@@ -8102,7 +8340,7 @@
           <a:sym typeface="Arial"/>
         </a:defRPr>
       </a:lvl5pPr>
-      <a:lvl6pPr lvl="5" marR="0" rtl="0" algn="l">
+      <a:lvl6pPr marR="0" lvl="5" algn="l" rtl="0">
         <a:lnSpc>
           <a:spcPct val="100000"/>
         </a:lnSpc>
@@ -8116,7 +8354,7 @@
           <a:srgbClr val="000000"/>
         </a:buClr>
         <a:buFont typeface="Arial"/>
-        <a:defRPr b="0" i="0" sz="1400" u="none" cap="none" strike="noStrike">
+        <a:defRPr sz="1400" b="0" i="0" u="none" strike="noStrike" cap="none">
           <a:solidFill>
             <a:srgbClr val="000000"/>
           </a:solidFill>
@@ -8126,7 +8364,7 @@
           <a:sym typeface="Arial"/>
         </a:defRPr>
       </a:lvl6pPr>
-      <a:lvl7pPr lvl="6" marR="0" rtl="0" algn="l">
+      <a:lvl7pPr marR="0" lvl="6" algn="l" rtl="0">
         <a:lnSpc>
           <a:spcPct val="100000"/>
         </a:lnSpc>
@@ -8140,7 +8378,7 @@
           <a:srgbClr val="000000"/>
         </a:buClr>
         <a:buFont typeface="Arial"/>
-        <a:defRPr b="0" i="0" sz="1400" u="none" cap="none" strike="noStrike">
+        <a:defRPr sz="1400" b="0" i="0" u="none" strike="noStrike" cap="none">
           <a:solidFill>
             <a:srgbClr val="000000"/>
           </a:solidFill>
@@ -8150,7 +8388,7 @@
           <a:sym typeface="Arial"/>
         </a:defRPr>
       </a:lvl7pPr>
-      <a:lvl8pPr lvl="7" marR="0" rtl="0" algn="l">
+      <a:lvl8pPr marR="0" lvl="7" algn="l" rtl="0">
         <a:lnSpc>
           <a:spcPct val="100000"/>
         </a:lnSpc>
@@ -8164,7 +8402,7 @@
           <a:srgbClr val="000000"/>
         </a:buClr>
         <a:buFont typeface="Arial"/>
-        <a:defRPr b="0" i="0" sz="1400" u="none" cap="none" strike="noStrike">
+        <a:defRPr sz="1400" b="0" i="0" u="none" strike="noStrike" cap="none">
           <a:solidFill>
             <a:srgbClr val="000000"/>
           </a:solidFill>
@@ -8174,7 +8412,7 @@
           <a:sym typeface="Arial"/>
         </a:defRPr>
       </a:lvl8pPr>
-      <a:lvl9pPr lvl="8" marR="0" rtl="0" algn="l">
+      <a:lvl9pPr marR="0" lvl="8" algn="l" rtl="0">
         <a:lnSpc>
           <a:spcPct val="100000"/>
         </a:lnSpc>
@@ -8188,7 +8426,7 @@
           <a:srgbClr val="000000"/>
         </a:buClr>
         <a:buFont typeface="Arial"/>
-        <a:defRPr b="0" i="0" sz="1400" u="none" cap="none" strike="noStrike">
+        <a:defRPr sz="1400" b="0" i="0" u="none" strike="noStrike" cap="none">
           <a:solidFill>
             <a:srgbClr val="000000"/>
           </a:solidFill>
@@ -8204,11 +8442,11 @@
 </file>
 
 <file path=ppt/slides/slide1.xml><?xml version="1.0" encoding="utf-8"?>
-<p:sld xmlns:a="http://schemas.openxmlformats.org/drawingml/2006/main" xmlns:r="http://schemas.openxmlformats.org/officeDocument/2006/relationships" xmlns:mc="http://schemas.openxmlformats.org/markup-compatibility/2006" xmlns:mv="urn:schemas-microsoft-com:mac:vml" xmlns:p="http://schemas.openxmlformats.org/presentationml/2006/main" xmlns:c="http://schemas.openxmlformats.org/drawingml/2006/chart" xmlns:dgm="http://schemas.openxmlformats.org/drawingml/2006/diagram" xmlns:o="urn:schemas-microsoft-com:office:office" xmlns:v="urn:schemas-microsoft-com:vml" xmlns:pvml="urn:schemas-microsoft-com:office:powerpoint" xmlns:com="http://schemas.openxmlformats.org/drawingml/2006/compatibility" xmlns:p14="http://schemas.microsoft.com/office/powerpoint/2010/main" xmlns:p15="http://schemas.microsoft.com/office/powerpoint/2012/main" xmlns:ahyp="http://schemas.microsoft.com/office/drawing/2018/hyperlinkcolor">
+<p:sld xmlns:a="http://schemas.openxmlformats.org/drawingml/2006/main" xmlns:r="http://schemas.openxmlformats.org/officeDocument/2006/relationships" xmlns:p="http://schemas.openxmlformats.org/presentationml/2006/main">
   <p:cSld>
     <p:spTree>
       <p:nvGrpSpPr>
-        <p:cNvPr id="65" name="Shape 65"/>
+        <p:cNvPr id="1" name="Shape 65"/>
         <p:cNvGrpSpPr/>
         <p:nvPr/>
       </p:nvGrpSpPr>
@@ -8223,7 +8461,9 @@
       <p:sp>
         <p:nvSpPr>
           <p:cNvPr id="66" name="Google Shape;66;p13"/>
-          <p:cNvSpPr txBox="1"/>
+          <p:cNvSpPr txBox="1">
+            <a:spLocks noGrp="1"/>
+          </p:cNvSpPr>
           <p:nvPr>
             <p:ph type="ctrTitle"/>
           </p:nvPr>
@@ -8238,12 +8478,12 @@
           </a:prstGeom>
         </p:spPr>
         <p:txBody>
-          <a:bodyPr anchorCtr="0" anchor="b" bIns="91425" lIns="91425" spcFirstLastPara="1" rIns="91425" wrap="square" tIns="91425">
+          <a:bodyPr spcFirstLastPara="1" wrap="square" lIns="91425" tIns="91425" rIns="91425" bIns="91425" anchor="b" anchorCtr="0">
             <a:noAutofit/>
           </a:bodyPr>
           <a:lstStyle/>
           <a:p>
-            <a:pPr indent="0" lvl="0" marL="0" rtl="0" algn="ctr">
+            <a:pPr marL="0" lvl="0" indent="0" algn="ctr" rtl="0">
               <a:spcBef>
                 <a:spcPts val="0"/>
               </a:spcBef>
@@ -8263,9 +8503,11 @@
       <p:sp>
         <p:nvSpPr>
           <p:cNvPr id="67" name="Google Shape;67;p13"/>
-          <p:cNvSpPr txBox="1"/>
+          <p:cNvSpPr txBox="1">
+            <a:spLocks noGrp="1"/>
+          </p:cNvSpPr>
           <p:nvPr>
-            <p:ph idx="1" type="subTitle"/>
+            <p:ph type="subTitle" idx="1"/>
           </p:nvPr>
         </p:nvSpPr>
         <p:spPr>
@@ -8278,12 +8520,12 @@
           </a:prstGeom>
         </p:spPr>
         <p:txBody>
-          <a:bodyPr anchorCtr="0" anchor="t" bIns="91425" lIns="91425" spcFirstLastPara="1" rIns="91425" wrap="square" tIns="91425">
+          <a:bodyPr spcFirstLastPara="1" wrap="square" lIns="91425" tIns="91425" rIns="91425" bIns="91425" anchor="t" anchorCtr="0">
             <a:noAutofit/>
           </a:bodyPr>
           <a:lstStyle/>
           <a:p>
-            <a:pPr indent="0" lvl="0" marL="0" rtl="0" algn="ctr">
+            <a:pPr marL="0" lvl="0" indent="0" algn="ctr" rtl="0">
               <a:spcBef>
                 <a:spcPts val="0"/>
               </a:spcBef>
@@ -8309,11 +8551,11 @@
 </file>
 
 <file path=ppt/slides/slide10.xml><?xml version="1.0" encoding="utf-8"?>
-<p:sld xmlns:a="http://schemas.openxmlformats.org/drawingml/2006/main" xmlns:r="http://schemas.openxmlformats.org/officeDocument/2006/relationships" xmlns:mc="http://schemas.openxmlformats.org/markup-compatibility/2006" xmlns:mv="urn:schemas-microsoft-com:mac:vml" xmlns:p="http://schemas.openxmlformats.org/presentationml/2006/main" xmlns:c="http://schemas.openxmlformats.org/drawingml/2006/chart" xmlns:dgm="http://schemas.openxmlformats.org/drawingml/2006/diagram" xmlns:o="urn:schemas-microsoft-com:office:office" xmlns:v="urn:schemas-microsoft-com:vml" xmlns:pvml="urn:schemas-microsoft-com:office:powerpoint" xmlns:com="http://schemas.openxmlformats.org/drawingml/2006/compatibility" xmlns:p14="http://schemas.microsoft.com/office/powerpoint/2010/main" xmlns:p15="http://schemas.microsoft.com/office/powerpoint/2012/main" xmlns:ahyp="http://schemas.microsoft.com/office/drawing/2018/hyperlinkcolor">
+<p:sld xmlns:a="http://schemas.openxmlformats.org/drawingml/2006/main" xmlns:r="http://schemas.openxmlformats.org/officeDocument/2006/relationships" xmlns:p="http://schemas.openxmlformats.org/presentationml/2006/main">
   <p:cSld>
     <p:spTree>
       <p:nvGrpSpPr>
-        <p:cNvPr id="125" name="Shape 125"/>
+        <p:cNvPr id="1" name="Shape 125"/>
         <p:cNvGrpSpPr/>
         <p:nvPr/>
       </p:nvGrpSpPr>
@@ -8328,7 +8570,9 @@
       <p:sp>
         <p:nvSpPr>
           <p:cNvPr id="126" name="Google Shape;126;p22"/>
-          <p:cNvSpPr txBox="1"/>
+          <p:cNvSpPr txBox="1">
+            <a:spLocks noGrp="1"/>
+          </p:cNvSpPr>
           <p:nvPr>
             <p:ph type="title"/>
           </p:nvPr>
@@ -8343,12 +8587,12 @@
           </a:prstGeom>
         </p:spPr>
         <p:txBody>
-          <a:bodyPr anchorCtr="0" anchor="t" bIns="91425" lIns="91425" spcFirstLastPara="1" rIns="91425" wrap="square" tIns="91425">
+          <a:bodyPr spcFirstLastPara="1" wrap="square" lIns="91425" tIns="91425" rIns="91425" bIns="91425" anchor="t" anchorCtr="0">
             <a:noAutofit/>
           </a:bodyPr>
           <a:lstStyle/>
           <a:p>
-            <a:pPr indent="0" lvl="0" marL="0" rtl="0" algn="l">
+            <a:pPr marL="0" lvl="0" indent="0" algn="l" rtl="0">
               <a:spcBef>
                 <a:spcPts val="0"/>
               </a:spcBef>
@@ -8368,9 +8612,11 @@
       <p:sp>
         <p:nvSpPr>
           <p:cNvPr id="127" name="Google Shape;127;p22"/>
-          <p:cNvSpPr txBox="1"/>
+          <p:cNvSpPr txBox="1">
+            <a:spLocks noGrp="1"/>
+          </p:cNvSpPr>
           <p:nvPr>
-            <p:ph idx="1" type="body"/>
+            <p:ph type="body" idx="1"/>
           </p:nvPr>
         </p:nvSpPr>
         <p:spPr>
@@ -8383,12 +8629,12 @@
           </a:prstGeom>
         </p:spPr>
         <p:txBody>
-          <a:bodyPr anchorCtr="0" anchor="t" bIns="91425" lIns="91425" spcFirstLastPara="1" rIns="91425" wrap="square" tIns="91425">
+          <a:bodyPr spcFirstLastPara="1" wrap="square" lIns="91425" tIns="91425" rIns="91425" bIns="91425" anchor="t" anchorCtr="0">
             <a:noAutofit/>
           </a:bodyPr>
           <a:lstStyle/>
           <a:p>
-            <a:pPr indent="-342900" lvl="0" marL="457200" rtl="0" algn="l">
+            <a:pPr marL="457200" lvl="0" indent="-342900" algn="l" rtl="0">
               <a:spcBef>
                 <a:spcPts val="0"/>
               </a:spcBef>
@@ -8399,13 +8645,13 @@
               <a:buChar char="●"/>
             </a:pPr>
             <a:r>
-              <a:rPr lang="en"/>
+              <a:rPr lang="en" dirty="0"/>
               <a:t>Read the following strategy:</a:t>
             </a:r>
-            <a:endParaRPr/>
-          </a:p>
-          <a:p>
-            <a:pPr indent="-317500" lvl="1" marL="914400" rtl="0" algn="l">
+            <a:endParaRPr dirty="0"/>
+          </a:p>
+          <a:p>
+            <a:pPr marL="914400" lvl="1" indent="-317500" algn="l" rtl="0">
               <a:spcBef>
                 <a:spcPts val="0"/>
               </a:spcBef>
@@ -8416,13 +8662,13 @@
               <a:buChar char="○"/>
             </a:pPr>
             <a:r>
-              <a:rPr lang="en"/>
+              <a:rPr lang="en" dirty="0"/>
               <a:t>K-folds</a:t>
             </a:r>
-            <a:endParaRPr/>
-          </a:p>
-          <a:p>
-            <a:pPr indent="-317500" lvl="1" marL="914400" rtl="0" algn="l">
+            <a:endParaRPr dirty="0"/>
+          </a:p>
+          <a:p>
+            <a:pPr marL="914400" lvl="1" indent="-317500" algn="l" rtl="0">
               <a:spcBef>
                 <a:spcPts val="0"/>
               </a:spcBef>
@@ -8433,13 +8679,13 @@
               <a:buChar char="○"/>
             </a:pPr>
             <a:r>
-              <a:rPr lang="en"/>
+              <a:rPr lang="en" dirty="0"/>
               <a:t>Stratified k-fold</a:t>
             </a:r>
-            <a:endParaRPr/>
-          </a:p>
-          <a:p>
-            <a:pPr indent="-317500" lvl="1" marL="914400" rtl="0" algn="l">
+            <a:endParaRPr dirty="0"/>
+          </a:p>
+          <a:p>
+            <a:pPr marL="914400" lvl="1" indent="-317500" algn="l" rtl="0">
               <a:spcBef>
                 <a:spcPts val="0"/>
               </a:spcBef>
@@ -8450,13 +8696,13 @@
               <a:buChar char="○"/>
             </a:pPr>
             <a:r>
-              <a:rPr lang="en"/>
+              <a:rPr lang="en" dirty="0"/>
               <a:t>Leave one-out</a:t>
             </a:r>
-            <a:endParaRPr/>
-          </a:p>
-          <a:p>
-            <a:pPr indent="-317500" lvl="1" marL="914400" rtl="0" algn="l">
+            <a:endParaRPr dirty="0"/>
+          </a:p>
+          <a:p>
+            <a:pPr marL="914400" lvl="1" indent="-317500" algn="l" rtl="0">
               <a:spcBef>
                 <a:spcPts val="0"/>
               </a:spcBef>
@@ -8467,13 +8713,13 @@
               <a:buChar char="○"/>
             </a:pPr>
             <a:r>
-              <a:rPr lang="en"/>
+              <a:rPr lang="en" dirty="0"/>
               <a:t>Leave P-out</a:t>
             </a:r>
-            <a:endParaRPr/>
-          </a:p>
-          <a:p>
-            <a:pPr indent="-342900" lvl="0" marL="457200" rtl="0" algn="l">
+            <a:endParaRPr dirty="0"/>
+          </a:p>
+          <a:p>
+            <a:pPr marL="457200" lvl="0" indent="-342900" algn="l" rtl="0">
               <a:spcBef>
                 <a:spcPts val="0"/>
               </a:spcBef>
@@ -8484,10 +8730,10 @@
               <a:buChar char="●"/>
             </a:pPr>
             <a:r>
-              <a:rPr lang="en"/>
+              <a:rPr lang="en" dirty="0"/>
               <a:t>Applied above strategies with “advertising.csv”. And choose the best strategy</a:t>
             </a:r>
-            <a:endParaRPr/>
+            <a:endParaRPr dirty="0"/>
           </a:p>
         </p:txBody>
       </p:sp>
@@ -8500,11 +8746,11 @@
 </file>
 
 <file path=ppt/slides/slide11.xml><?xml version="1.0" encoding="utf-8"?>
-<p:sld xmlns:a="http://schemas.openxmlformats.org/drawingml/2006/main" xmlns:r="http://schemas.openxmlformats.org/officeDocument/2006/relationships" xmlns:mc="http://schemas.openxmlformats.org/markup-compatibility/2006" xmlns:mv="urn:schemas-microsoft-com:mac:vml" xmlns:p="http://schemas.openxmlformats.org/presentationml/2006/main" xmlns:c="http://schemas.openxmlformats.org/drawingml/2006/chart" xmlns:dgm="http://schemas.openxmlformats.org/drawingml/2006/diagram" xmlns:o="urn:schemas-microsoft-com:office:office" xmlns:v="urn:schemas-microsoft-com:vml" xmlns:pvml="urn:schemas-microsoft-com:office:powerpoint" xmlns:com="http://schemas.openxmlformats.org/drawingml/2006/compatibility" xmlns:p14="http://schemas.microsoft.com/office/powerpoint/2010/main" xmlns:p15="http://schemas.microsoft.com/office/powerpoint/2012/main" xmlns:ahyp="http://schemas.microsoft.com/office/drawing/2018/hyperlinkcolor">
+<p:sld xmlns:a="http://schemas.openxmlformats.org/drawingml/2006/main" xmlns:r="http://schemas.openxmlformats.org/officeDocument/2006/relationships" xmlns:p="http://schemas.openxmlformats.org/presentationml/2006/main">
   <p:cSld>
     <p:spTree>
       <p:nvGrpSpPr>
-        <p:cNvPr id="131" name="Shape 131"/>
+        <p:cNvPr id="1" name="Shape 131"/>
         <p:cNvGrpSpPr/>
         <p:nvPr/>
       </p:nvGrpSpPr>
@@ -8519,7 +8765,9 @@
       <p:sp>
         <p:nvSpPr>
           <p:cNvPr id="132" name="Google Shape;132;p23"/>
-          <p:cNvSpPr txBox="1"/>
+          <p:cNvSpPr txBox="1">
+            <a:spLocks noGrp="1"/>
+          </p:cNvSpPr>
           <p:nvPr>
             <p:ph type="title"/>
           </p:nvPr>
@@ -8534,12 +8782,12 @@
           </a:prstGeom>
         </p:spPr>
         <p:txBody>
-          <a:bodyPr anchorCtr="0" anchor="t" bIns="91425" lIns="91425" spcFirstLastPara="1" rIns="91425" wrap="square" tIns="91425">
+          <a:bodyPr spcFirstLastPara="1" wrap="square" lIns="91425" tIns="91425" rIns="91425" bIns="91425" anchor="t" anchorCtr="0">
             <a:noAutofit/>
           </a:bodyPr>
           <a:lstStyle/>
           <a:p>
-            <a:pPr indent="0" lvl="0" marL="0" rtl="0" algn="l">
+            <a:pPr marL="0" lvl="0" indent="0" algn="l" rtl="0">
               <a:spcBef>
                 <a:spcPts val="0"/>
               </a:spcBef>
@@ -8559,9 +8807,11 @@
       <p:sp>
         <p:nvSpPr>
           <p:cNvPr id="133" name="Google Shape;133;p23"/>
-          <p:cNvSpPr txBox="1"/>
+          <p:cNvSpPr txBox="1">
+            <a:spLocks noGrp="1"/>
+          </p:cNvSpPr>
           <p:nvPr>
-            <p:ph idx="1" type="body"/>
+            <p:ph type="body" idx="1"/>
           </p:nvPr>
         </p:nvSpPr>
         <p:spPr>
@@ -8574,12 +8824,12 @@
           </a:prstGeom>
         </p:spPr>
         <p:txBody>
-          <a:bodyPr anchorCtr="0" anchor="t" bIns="91425" lIns="91425" spcFirstLastPara="1" rIns="91425" wrap="square" tIns="91425">
+          <a:bodyPr spcFirstLastPara="1" wrap="square" lIns="91425" tIns="91425" rIns="91425" bIns="91425" anchor="t" anchorCtr="0">
             <a:noAutofit/>
           </a:bodyPr>
           <a:lstStyle/>
           <a:p>
-            <a:pPr indent="-342900" lvl="0" marL="457200" rtl="0" algn="l">
+            <a:pPr marL="457200" lvl="0" indent="-342900" algn="l" rtl="0">
               <a:spcBef>
                 <a:spcPts val="0"/>
               </a:spcBef>
@@ -8618,7 +8868,7 @@
             </a:endParaRPr>
           </a:p>
           <a:p>
-            <a:pPr indent="-301625" lvl="1" marL="914400" marR="25400" rtl="0" algn="l">
+            <a:pPr marL="914400" marR="25400" lvl="1" indent="-301625" algn="l" rtl="0">
               <a:lnSpc>
                 <a:spcPct val="163043"/>
               </a:lnSpc>
@@ -8664,7 +8914,7 @@
             </a:endParaRPr>
           </a:p>
           <a:p>
-            <a:pPr indent="-301625" lvl="0" marL="457200" marR="25400" rtl="0" algn="l">
+            <a:pPr marL="457200" marR="25400" lvl="0" indent="-301625" algn="l" rtl="0">
               <a:lnSpc>
                 <a:spcPct val="163043"/>
               </a:lnSpc>
@@ -8710,7 +8960,7 @@
             </a:endParaRPr>
           </a:p>
           <a:p>
-            <a:pPr indent="-301625" lvl="0" marL="457200" marR="25400" rtl="0" algn="l">
+            <a:pPr marL="457200" marR="25400" lvl="0" indent="-301625" algn="l" rtl="0">
               <a:lnSpc>
                 <a:spcPct val="163043"/>
               </a:lnSpc>
@@ -8743,7 +8993,7 @@
               <a:t>Logistic regression uses </a:t>
             </a:r>
             <a:r>
-              <a:rPr b="1" lang="en" sz="1150">
+              <a:rPr lang="en" sz="1150" b="1">
                 <a:solidFill>
                   <a:srgbClr val="000000"/>
                 </a:solidFill>
@@ -8852,11 +9102,11 @@
 </file>
 
 <file path=ppt/slides/slide12.xml><?xml version="1.0" encoding="utf-8"?>
-<p:sld xmlns:a="http://schemas.openxmlformats.org/drawingml/2006/main" xmlns:r="http://schemas.openxmlformats.org/officeDocument/2006/relationships" xmlns:mc="http://schemas.openxmlformats.org/markup-compatibility/2006" xmlns:mv="urn:schemas-microsoft-com:mac:vml" xmlns:p="http://schemas.openxmlformats.org/presentationml/2006/main" xmlns:c="http://schemas.openxmlformats.org/drawingml/2006/chart" xmlns:dgm="http://schemas.openxmlformats.org/drawingml/2006/diagram" xmlns:o="urn:schemas-microsoft-com:office:office" xmlns:v="urn:schemas-microsoft-com:vml" xmlns:pvml="urn:schemas-microsoft-com:office:powerpoint" xmlns:com="http://schemas.openxmlformats.org/drawingml/2006/compatibility" xmlns:p14="http://schemas.microsoft.com/office/powerpoint/2010/main" xmlns:p15="http://schemas.microsoft.com/office/powerpoint/2012/main" xmlns:ahyp="http://schemas.microsoft.com/office/drawing/2018/hyperlinkcolor">
+<p:sld xmlns:a="http://schemas.openxmlformats.org/drawingml/2006/main" xmlns:r="http://schemas.openxmlformats.org/officeDocument/2006/relationships" xmlns:p="http://schemas.openxmlformats.org/presentationml/2006/main">
   <p:cSld>
     <p:spTree>
       <p:nvGrpSpPr>
-        <p:cNvPr id="139" name="Shape 139"/>
+        <p:cNvPr id="1" name="Shape 139"/>
         <p:cNvGrpSpPr/>
         <p:nvPr/>
       </p:nvGrpSpPr>
@@ -8871,7 +9121,9 @@
       <p:sp>
         <p:nvSpPr>
           <p:cNvPr id="140" name="Google Shape;140;p24"/>
-          <p:cNvSpPr txBox="1"/>
+          <p:cNvSpPr txBox="1">
+            <a:spLocks noGrp="1"/>
+          </p:cNvSpPr>
           <p:nvPr>
             <p:ph type="title"/>
           </p:nvPr>
@@ -8886,12 +9138,12 @@
           </a:prstGeom>
         </p:spPr>
         <p:txBody>
-          <a:bodyPr anchorCtr="0" anchor="t" bIns="91425" lIns="91425" spcFirstLastPara="1" rIns="91425" wrap="square" tIns="91425">
+          <a:bodyPr spcFirstLastPara="1" wrap="square" lIns="91425" tIns="91425" rIns="91425" bIns="91425" anchor="t" anchorCtr="0">
             <a:noAutofit/>
           </a:bodyPr>
           <a:lstStyle/>
           <a:p>
-            <a:pPr indent="0" lvl="0" marL="0" rtl="0" algn="l">
+            <a:pPr marL="0" lvl="0" indent="0" algn="l" rtl="0">
               <a:spcBef>
                 <a:spcPts val="0"/>
               </a:spcBef>
@@ -8911,9 +9163,11 @@
       <p:sp>
         <p:nvSpPr>
           <p:cNvPr id="141" name="Google Shape;141;p24"/>
-          <p:cNvSpPr txBox="1"/>
+          <p:cNvSpPr txBox="1">
+            <a:spLocks noGrp="1"/>
+          </p:cNvSpPr>
           <p:nvPr>
-            <p:ph idx="1" type="body"/>
+            <p:ph type="body" idx="1"/>
           </p:nvPr>
         </p:nvSpPr>
         <p:spPr>
@@ -8926,12 +9180,12 @@
           </a:prstGeom>
         </p:spPr>
         <p:txBody>
-          <a:bodyPr anchorCtr="0" anchor="t" bIns="91425" lIns="91425" spcFirstLastPara="1" rIns="91425" wrap="square" tIns="91425">
+          <a:bodyPr spcFirstLastPara="1" wrap="square" lIns="91425" tIns="91425" rIns="91425" bIns="91425" anchor="t" anchorCtr="0">
             <a:noAutofit/>
           </a:bodyPr>
           <a:lstStyle/>
           <a:p>
-            <a:pPr indent="-342900" lvl="0" marL="457200" rtl="0" algn="l">
+            <a:pPr marL="457200" lvl="0" indent="-342900" algn="l" rtl="0">
               <a:spcBef>
                 <a:spcPts val="0"/>
               </a:spcBef>
@@ -8986,11 +9240,11 @@
 </file>
 
 <file path=ppt/slides/slide13.xml><?xml version="1.0" encoding="utf-8"?>
-<p:sld xmlns:a="http://schemas.openxmlformats.org/drawingml/2006/main" xmlns:r="http://schemas.openxmlformats.org/officeDocument/2006/relationships" xmlns:mc="http://schemas.openxmlformats.org/markup-compatibility/2006" xmlns:mv="urn:schemas-microsoft-com:mac:vml" xmlns:p="http://schemas.openxmlformats.org/presentationml/2006/main" xmlns:c="http://schemas.openxmlformats.org/drawingml/2006/chart" xmlns:dgm="http://schemas.openxmlformats.org/drawingml/2006/diagram" xmlns:o="urn:schemas-microsoft-com:office:office" xmlns:v="urn:schemas-microsoft-com:vml" xmlns:pvml="urn:schemas-microsoft-com:office:powerpoint" xmlns:com="http://schemas.openxmlformats.org/drawingml/2006/compatibility" xmlns:p14="http://schemas.microsoft.com/office/powerpoint/2010/main" xmlns:p15="http://schemas.microsoft.com/office/powerpoint/2012/main" xmlns:ahyp="http://schemas.microsoft.com/office/drawing/2018/hyperlinkcolor">
+<p:sld xmlns:a="http://schemas.openxmlformats.org/drawingml/2006/main" xmlns:r="http://schemas.openxmlformats.org/officeDocument/2006/relationships" xmlns:p="http://schemas.openxmlformats.org/presentationml/2006/main">
   <p:cSld>
     <p:spTree>
       <p:nvGrpSpPr>
-        <p:cNvPr id="146" name="Shape 146"/>
+        <p:cNvPr id="1" name="Shape 146"/>
         <p:cNvGrpSpPr/>
         <p:nvPr/>
       </p:nvGrpSpPr>
@@ -9005,7 +9259,9 @@
       <p:sp>
         <p:nvSpPr>
           <p:cNvPr id="147" name="Google Shape;147;p25"/>
-          <p:cNvSpPr txBox="1"/>
+          <p:cNvSpPr txBox="1">
+            <a:spLocks noGrp="1"/>
+          </p:cNvSpPr>
           <p:nvPr>
             <p:ph type="title"/>
           </p:nvPr>
@@ -9020,12 +9276,12 @@
           </a:prstGeom>
         </p:spPr>
         <p:txBody>
-          <a:bodyPr anchorCtr="0" anchor="t" bIns="91425" lIns="91425" spcFirstLastPara="1" rIns="91425" wrap="square" tIns="91425">
+          <a:bodyPr spcFirstLastPara="1" wrap="square" lIns="91425" tIns="91425" rIns="91425" bIns="91425" anchor="t" anchorCtr="0">
             <a:noAutofit/>
           </a:bodyPr>
           <a:lstStyle/>
           <a:p>
-            <a:pPr indent="0" lvl="0" marL="0" rtl="0" algn="l">
+            <a:pPr marL="0" lvl="0" indent="0" algn="l" rtl="0">
               <a:spcBef>
                 <a:spcPts val="0"/>
               </a:spcBef>
@@ -9045,9 +9301,11 @@
       <p:sp>
         <p:nvSpPr>
           <p:cNvPr id="148" name="Google Shape;148;p25"/>
-          <p:cNvSpPr txBox="1"/>
+          <p:cNvSpPr txBox="1">
+            <a:spLocks noGrp="1"/>
+          </p:cNvSpPr>
           <p:nvPr>
-            <p:ph idx="1" type="body"/>
+            <p:ph type="body" idx="1"/>
           </p:nvPr>
         </p:nvSpPr>
         <p:spPr>
@@ -9060,12 +9318,12 @@
           </a:prstGeom>
         </p:spPr>
         <p:txBody>
-          <a:bodyPr anchorCtr="0" anchor="t" bIns="91425" lIns="91425" spcFirstLastPara="1" rIns="91425" wrap="square" tIns="91425">
+          <a:bodyPr spcFirstLastPara="1" wrap="square" lIns="91425" tIns="91425" rIns="91425" bIns="91425" anchor="t" anchorCtr="0">
             <a:noAutofit/>
           </a:bodyPr>
           <a:lstStyle/>
           <a:p>
-            <a:pPr indent="0" lvl="0" marL="0" rtl="0" algn="l">
+            <a:pPr marL="0" lvl="0" indent="0" algn="l" rtl="0">
               <a:spcBef>
                 <a:spcPts val="0"/>
               </a:spcBef>
@@ -9091,11 +9349,11 @@
 </file>
 
 <file path=ppt/slides/slide14.xml><?xml version="1.0" encoding="utf-8"?>
-<p:sld xmlns:a="http://schemas.openxmlformats.org/drawingml/2006/main" xmlns:r="http://schemas.openxmlformats.org/officeDocument/2006/relationships" xmlns:mc="http://schemas.openxmlformats.org/markup-compatibility/2006" xmlns:mv="urn:schemas-microsoft-com:mac:vml" xmlns:p="http://schemas.openxmlformats.org/presentationml/2006/main" xmlns:c="http://schemas.openxmlformats.org/drawingml/2006/chart" xmlns:dgm="http://schemas.openxmlformats.org/drawingml/2006/diagram" xmlns:o="urn:schemas-microsoft-com:office:office" xmlns:v="urn:schemas-microsoft-com:vml" xmlns:pvml="urn:schemas-microsoft-com:office:powerpoint" xmlns:com="http://schemas.openxmlformats.org/drawingml/2006/compatibility" xmlns:p14="http://schemas.microsoft.com/office/powerpoint/2010/main" xmlns:p15="http://schemas.microsoft.com/office/powerpoint/2012/main" xmlns:ahyp="http://schemas.microsoft.com/office/drawing/2018/hyperlinkcolor">
+<p:sld xmlns:a="http://schemas.openxmlformats.org/drawingml/2006/main" xmlns:r="http://schemas.openxmlformats.org/officeDocument/2006/relationships" xmlns:p="http://schemas.openxmlformats.org/presentationml/2006/main">
   <p:cSld>
     <p:spTree>
       <p:nvGrpSpPr>
-        <p:cNvPr id="152" name="Shape 152"/>
+        <p:cNvPr id="1" name="Shape 152"/>
         <p:cNvGrpSpPr/>
         <p:nvPr/>
       </p:nvGrpSpPr>
@@ -9110,7 +9368,9 @@
       <p:sp>
         <p:nvSpPr>
           <p:cNvPr id="153" name="Google Shape;153;p26"/>
-          <p:cNvSpPr txBox="1"/>
+          <p:cNvSpPr txBox="1">
+            <a:spLocks noGrp="1"/>
+          </p:cNvSpPr>
           <p:nvPr>
             <p:ph type="title"/>
           </p:nvPr>
@@ -9125,12 +9385,12 @@
           </a:prstGeom>
         </p:spPr>
         <p:txBody>
-          <a:bodyPr anchorCtr="0" anchor="t" bIns="91425" lIns="91425" spcFirstLastPara="1" rIns="91425" wrap="square" tIns="91425">
+          <a:bodyPr spcFirstLastPara="1" wrap="square" lIns="91425" tIns="91425" rIns="91425" bIns="91425" anchor="t" anchorCtr="0">
             <a:noAutofit/>
           </a:bodyPr>
           <a:lstStyle/>
           <a:p>
-            <a:pPr indent="0" lvl="0" marL="0" rtl="0" algn="l">
+            <a:pPr marL="0" lvl="0" indent="0" algn="l" rtl="0">
               <a:spcBef>
                 <a:spcPts val="0"/>
               </a:spcBef>
@@ -9159,9 +9419,11 @@
       <p:sp>
         <p:nvSpPr>
           <p:cNvPr id="154" name="Google Shape;154;p26"/>
-          <p:cNvSpPr txBox="1"/>
+          <p:cNvSpPr txBox="1">
+            <a:spLocks noGrp="1"/>
+          </p:cNvSpPr>
           <p:nvPr>
-            <p:ph idx="1" type="body"/>
+            <p:ph type="body" idx="1"/>
           </p:nvPr>
         </p:nvSpPr>
         <p:spPr>
@@ -9174,12 +9436,12 @@
           </a:prstGeom>
         </p:spPr>
         <p:txBody>
-          <a:bodyPr anchorCtr="0" anchor="t" bIns="91425" lIns="91425" spcFirstLastPara="1" rIns="91425" wrap="square" tIns="91425">
+          <a:bodyPr spcFirstLastPara="1" wrap="square" lIns="91425" tIns="91425" rIns="91425" bIns="91425" anchor="t" anchorCtr="0">
             <a:noAutofit/>
           </a:bodyPr>
           <a:lstStyle/>
           <a:p>
-            <a:pPr indent="0" lvl="0" marL="0" rtl="0" algn="l">
+            <a:pPr marL="0" lvl="0" indent="0" algn="l" rtl="0">
               <a:spcBef>
                 <a:spcPts val="0"/>
               </a:spcBef>
@@ -9249,11 +9511,11 @@
 </file>
 
 <file path=ppt/slides/slide15.xml><?xml version="1.0" encoding="utf-8"?>
-<p:sld xmlns:a="http://schemas.openxmlformats.org/drawingml/2006/main" xmlns:r="http://schemas.openxmlformats.org/officeDocument/2006/relationships" xmlns:mc="http://schemas.openxmlformats.org/markup-compatibility/2006" xmlns:mv="urn:schemas-microsoft-com:mac:vml" xmlns:p="http://schemas.openxmlformats.org/presentationml/2006/main" xmlns:c="http://schemas.openxmlformats.org/drawingml/2006/chart" xmlns:dgm="http://schemas.openxmlformats.org/drawingml/2006/diagram" xmlns:o="urn:schemas-microsoft-com:office:office" xmlns:v="urn:schemas-microsoft-com:vml" xmlns:pvml="urn:schemas-microsoft-com:office:powerpoint" xmlns:com="http://schemas.openxmlformats.org/drawingml/2006/compatibility" xmlns:p14="http://schemas.microsoft.com/office/powerpoint/2010/main" xmlns:p15="http://schemas.microsoft.com/office/powerpoint/2012/main" xmlns:ahyp="http://schemas.microsoft.com/office/drawing/2018/hyperlinkcolor">
+<p:sld xmlns:a="http://schemas.openxmlformats.org/drawingml/2006/main" xmlns:r="http://schemas.openxmlformats.org/officeDocument/2006/relationships" xmlns:p="http://schemas.openxmlformats.org/presentationml/2006/main">
   <p:cSld>
     <p:spTree>
       <p:nvGrpSpPr>
-        <p:cNvPr id="159" name="Shape 159"/>
+        <p:cNvPr id="1" name="Shape 159"/>
         <p:cNvGrpSpPr/>
         <p:nvPr/>
       </p:nvGrpSpPr>
@@ -9268,7 +9530,9 @@
       <p:sp>
         <p:nvSpPr>
           <p:cNvPr id="160" name="Google Shape;160;p27"/>
-          <p:cNvSpPr txBox="1"/>
+          <p:cNvSpPr txBox="1">
+            <a:spLocks noGrp="1"/>
+          </p:cNvSpPr>
           <p:nvPr>
             <p:ph type="title"/>
           </p:nvPr>
@@ -9283,12 +9547,12 @@
           </a:prstGeom>
         </p:spPr>
         <p:txBody>
-          <a:bodyPr anchorCtr="0" anchor="t" bIns="91425" lIns="91425" spcFirstLastPara="1" rIns="91425" wrap="square" tIns="91425">
+          <a:bodyPr spcFirstLastPara="1" wrap="square" lIns="91425" tIns="91425" rIns="91425" bIns="91425" anchor="t" anchorCtr="0">
             <a:noAutofit/>
           </a:bodyPr>
           <a:lstStyle/>
           <a:p>
-            <a:pPr indent="0" lvl="0" marL="0" rtl="0" algn="l">
+            <a:pPr marL="0" lvl="0" indent="0" algn="l" rtl="0">
               <a:spcBef>
                 <a:spcPts val="0"/>
               </a:spcBef>
@@ -9308,9 +9572,11 @@
       <p:sp>
         <p:nvSpPr>
           <p:cNvPr id="161" name="Google Shape;161;p27"/>
-          <p:cNvSpPr txBox="1"/>
+          <p:cNvSpPr txBox="1">
+            <a:spLocks noGrp="1"/>
+          </p:cNvSpPr>
           <p:nvPr>
-            <p:ph idx="1" type="body"/>
+            <p:ph type="body" idx="1"/>
           </p:nvPr>
         </p:nvSpPr>
         <p:spPr>
@@ -9323,12 +9589,12 @@
           </a:prstGeom>
         </p:spPr>
         <p:txBody>
-          <a:bodyPr anchorCtr="0" anchor="t" bIns="91425" lIns="91425" spcFirstLastPara="1" rIns="91425" wrap="square" tIns="91425">
+          <a:bodyPr spcFirstLastPara="1" wrap="square" lIns="91425" tIns="91425" rIns="91425" bIns="91425" anchor="t" anchorCtr="0">
             <a:noAutofit/>
           </a:bodyPr>
           <a:lstStyle/>
           <a:p>
-            <a:pPr indent="0" lvl="0" marL="0" rtl="0" algn="l">
+            <a:pPr marL="0" lvl="0" indent="0" algn="l" rtl="0">
               <a:spcBef>
                 <a:spcPts val="0"/>
               </a:spcBef>
@@ -9337,9 +9603,6 @@
               </a:spcAft>
               <a:buNone/>
             </a:pPr>
-            <a:r>
-              <a:t/>
-            </a:r>
             <a:endParaRPr/>
           </a:p>
         </p:txBody>
@@ -9381,11 +9644,11 @@
 </file>
 
 <file path=ppt/slides/slide16.xml><?xml version="1.0" encoding="utf-8"?>
-<p:sld xmlns:a="http://schemas.openxmlformats.org/drawingml/2006/main" xmlns:r="http://schemas.openxmlformats.org/officeDocument/2006/relationships" xmlns:mc="http://schemas.openxmlformats.org/markup-compatibility/2006" xmlns:mv="urn:schemas-microsoft-com:mac:vml" xmlns:p="http://schemas.openxmlformats.org/presentationml/2006/main" xmlns:c="http://schemas.openxmlformats.org/drawingml/2006/chart" xmlns:dgm="http://schemas.openxmlformats.org/drawingml/2006/diagram" xmlns:o="urn:schemas-microsoft-com:office:office" xmlns:v="urn:schemas-microsoft-com:vml" xmlns:pvml="urn:schemas-microsoft-com:office:powerpoint" xmlns:com="http://schemas.openxmlformats.org/drawingml/2006/compatibility" xmlns:p14="http://schemas.microsoft.com/office/powerpoint/2010/main" xmlns:p15="http://schemas.microsoft.com/office/powerpoint/2012/main" xmlns:ahyp="http://schemas.microsoft.com/office/drawing/2018/hyperlinkcolor">
+<p:sld xmlns:a="http://schemas.openxmlformats.org/drawingml/2006/main" xmlns:r="http://schemas.openxmlformats.org/officeDocument/2006/relationships" xmlns:p="http://schemas.openxmlformats.org/presentationml/2006/main">
   <p:cSld>
     <p:spTree>
       <p:nvGrpSpPr>
-        <p:cNvPr id="166" name="Shape 166"/>
+        <p:cNvPr id="1" name="Shape 166"/>
         <p:cNvGrpSpPr/>
         <p:nvPr/>
       </p:nvGrpSpPr>
@@ -9400,7 +9663,9 @@
       <p:sp>
         <p:nvSpPr>
           <p:cNvPr id="167" name="Google Shape;167;p28"/>
-          <p:cNvSpPr txBox="1"/>
+          <p:cNvSpPr txBox="1">
+            <a:spLocks noGrp="1"/>
+          </p:cNvSpPr>
           <p:nvPr>
             <p:ph type="title"/>
           </p:nvPr>
@@ -9415,12 +9680,12 @@
           </a:prstGeom>
         </p:spPr>
         <p:txBody>
-          <a:bodyPr anchorCtr="0" anchor="t" bIns="91425" lIns="91425" spcFirstLastPara="1" rIns="91425" wrap="square" tIns="91425">
+          <a:bodyPr spcFirstLastPara="1" wrap="square" lIns="91425" tIns="91425" rIns="91425" bIns="91425" anchor="t" anchorCtr="0">
             <a:noAutofit/>
           </a:bodyPr>
           <a:lstStyle/>
           <a:p>
-            <a:pPr indent="0" lvl="0" marL="0" rtl="0" algn="l">
+            <a:pPr marL="0" lvl="0" indent="0" algn="l" rtl="0">
               <a:spcBef>
                 <a:spcPts val="0"/>
               </a:spcBef>
@@ -9440,9 +9705,11 @@
       <p:sp>
         <p:nvSpPr>
           <p:cNvPr id="168" name="Google Shape;168;p28"/>
-          <p:cNvSpPr txBox="1"/>
+          <p:cNvSpPr txBox="1">
+            <a:spLocks noGrp="1"/>
+          </p:cNvSpPr>
           <p:nvPr>
-            <p:ph idx="1" type="body"/>
+            <p:ph type="body" idx="1"/>
           </p:nvPr>
         </p:nvSpPr>
         <p:spPr>
@@ -9455,12 +9722,12 @@
           </a:prstGeom>
         </p:spPr>
         <p:txBody>
-          <a:bodyPr anchorCtr="0" anchor="t" bIns="91425" lIns="91425" spcFirstLastPara="1" rIns="91425" wrap="square" tIns="91425">
+          <a:bodyPr spcFirstLastPara="1" wrap="square" lIns="91425" tIns="91425" rIns="91425" bIns="91425" anchor="t" anchorCtr="0">
             <a:noAutofit/>
           </a:bodyPr>
           <a:lstStyle/>
           <a:p>
-            <a:pPr indent="-336550" lvl="0" marL="457200" rtl="0" algn="l">
+            <a:pPr marL="457200" lvl="0" indent="-336550" algn="l" rtl="0">
               <a:spcBef>
                 <a:spcPts val="600"/>
               </a:spcBef>
@@ -9497,7 +9764,7 @@
             </a:endParaRPr>
           </a:p>
           <a:p>
-            <a:pPr indent="0" lvl="0" marL="457200" rtl="0" algn="l">
+            <a:pPr marL="457200" lvl="0" indent="0" algn="l" rtl="0">
               <a:spcBef>
                 <a:spcPts val="600"/>
               </a:spcBef>
@@ -9506,9 +9773,6 @@
               </a:spcAft>
               <a:buNone/>
             </a:pPr>
-            <a:r>
-              <a:t/>
-            </a:r>
             <a:endParaRPr sz="1700">
               <a:solidFill>
                 <a:srgbClr val="000000"/>
@@ -9520,7 +9784,7 @@
             </a:endParaRPr>
           </a:p>
           <a:p>
-            <a:pPr indent="0" lvl="0" marL="457200" rtl="0" algn="l">
+            <a:pPr marL="457200" lvl="0" indent="0" algn="l" rtl="0">
               <a:spcBef>
                 <a:spcPts val="600"/>
               </a:spcBef>
@@ -9529,9 +9793,6 @@
               </a:spcAft>
               <a:buNone/>
             </a:pPr>
-            <a:r>
-              <a:t/>
-            </a:r>
             <a:endParaRPr sz="1700">
               <a:solidFill>
                 <a:srgbClr val="000000"/>
@@ -9543,7 +9804,7 @@
             </a:endParaRPr>
           </a:p>
           <a:p>
-            <a:pPr indent="0" lvl="0" marL="457200" rtl="0" algn="l">
+            <a:pPr marL="457200" lvl="0" indent="0" algn="l" rtl="0">
               <a:spcBef>
                 <a:spcPts val="600"/>
               </a:spcBef>
@@ -9552,9 +9813,6 @@
               </a:spcAft>
               <a:buNone/>
             </a:pPr>
-            <a:r>
-              <a:t/>
-            </a:r>
             <a:endParaRPr sz="1700">
               <a:solidFill>
                 <a:srgbClr val="000000"/>
@@ -9566,7 +9824,7 @@
             </a:endParaRPr>
           </a:p>
           <a:p>
-            <a:pPr indent="-336550" lvl="0" marL="457200" rtl="0" algn="l">
+            <a:pPr marL="457200" lvl="0" indent="-336550" algn="l" rtl="0">
               <a:spcBef>
                 <a:spcPts val="600"/>
               </a:spcBef>
@@ -9603,7 +9861,7 @@
             </a:endParaRPr>
           </a:p>
           <a:p>
-            <a:pPr indent="-336550" lvl="1" marL="914400" rtl="0" algn="l">
+            <a:pPr marL="914400" lvl="1" indent="-336550" algn="l" rtl="0">
               <a:spcBef>
                 <a:spcPts val="0"/>
               </a:spcBef>
@@ -9640,7 +9898,7 @@
             </a:endParaRPr>
           </a:p>
           <a:p>
-            <a:pPr indent="-336550" lvl="1" marL="914400" rtl="0" algn="l">
+            <a:pPr marL="914400" lvl="1" indent="-336550" algn="l" rtl="0">
               <a:spcBef>
                 <a:spcPts val="0"/>
               </a:spcBef>
@@ -9677,7 +9935,7 @@
             </a:endParaRPr>
           </a:p>
           <a:p>
-            <a:pPr indent="0" lvl="0" marL="0" rtl="0" algn="l">
+            <a:pPr marL="0" lvl="0" indent="0" algn="l" rtl="0">
               <a:spcBef>
                 <a:spcPts val="500"/>
               </a:spcBef>
@@ -9709,7 +9967,7 @@
             </a:endParaRPr>
           </a:p>
           <a:p>
-            <a:pPr indent="0" lvl="0" marL="0" rtl="0" algn="l">
+            <a:pPr marL="0" lvl="0" indent="0" algn="l" rtl="0">
               <a:spcBef>
                 <a:spcPts val="0"/>
               </a:spcBef>
@@ -9718,9 +9976,6 @@
               </a:spcAft>
               <a:buNone/>
             </a:pPr>
-            <a:r>
-              <a:t/>
-            </a:r>
             <a:endParaRPr sz="1100">
               <a:solidFill>
                 <a:srgbClr val="000000"/>
@@ -9766,11 +10021,11 @@
 </file>
 
 <file path=ppt/slides/slide17.xml><?xml version="1.0" encoding="utf-8"?>
-<p:sld xmlns:a="http://schemas.openxmlformats.org/drawingml/2006/main" xmlns:r="http://schemas.openxmlformats.org/officeDocument/2006/relationships" xmlns:mc="http://schemas.openxmlformats.org/markup-compatibility/2006" xmlns:mv="urn:schemas-microsoft-com:mac:vml" xmlns:p="http://schemas.openxmlformats.org/presentationml/2006/main" xmlns:c="http://schemas.openxmlformats.org/drawingml/2006/chart" xmlns:dgm="http://schemas.openxmlformats.org/drawingml/2006/diagram" xmlns:o="urn:schemas-microsoft-com:office:office" xmlns:v="urn:schemas-microsoft-com:vml" xmlns:pvml="urn:schemas-microsoft-com:office:powerpoint" xmlns:com="http://schemas.openxmlformats.org/drawingml/2006/compatibility" xmlns:p14="http://schemas.microsoft.com/office/powerpoint/2010/main" xmlns:p15="http://schemas.microsoft.com/office/powerpoint/2012/main" xmlns:ahyp="http://schemas.microsoft.com/office/drawing/2018/hyperlinkcolor">
+<p:sld xmlns:a="http://schemas.openxmlformats.org/drawingml/2006/main" xmlns:r="http://schemas.openxmlformats.org/officeDocument/2006/relationships" xmlns:p="http://schemas.openxmlformats.org/presentationml/2006/main">
   <p:cSld>
     <p:spTree>
       <p:nvGrpSpPr>
-        <p:cNvPr id="173" name="Shape 173"/>
+        <p:cNvPr id="1" name="Shape 173"/>
         <p:cNvGrpSpPr/>
         <p:nvPr/>
       </p:nvGrpSpPr>
@@ -9785,7 +10040,9 @@
       <p:sp>
         <p:nvSpPr>
           <p:cNvPr id="174" name="Google Shape;174;p29"/>
-          <p:cNvSpPr txBox="1"/>
+          <p:cNvSpPr txBox="1">
+            <a:spLocks noGrp="1"/>
+          </p:cNvSpPr>
           <p:nvPr>
             <p:ph type="title"/>
           </p:nvPr>
@@ -9800,12 +10057,12 @@
           </a:prstGeom>
         </p:spPr>
         <p:txBody>
-          <a:bodyPr anchorCtr="0" anchor="t" bIns="91425" lIns="91425" spcFirstLastPara="1" rIns="91425" wrap="square" tIns="91425">
+          <a:bodyPr spcFirstLastPara="1" wrap="square" lIns="91425" tIns="91425" rIns="91425" bIns="91425" anchor="t" anchorCtr="0">
             <a:noAutofit/>
           </a:bodyPr>
           <a:lstStyle/>
           <a:p>
-            <a:pPr indent="0" lvl="0" marL="0" rtl="0" algn="l">
+            <a:pPr marL="0" lvl="0" indent="0" algn="l" rtl="0">
               <a:spcBef>
                 <a:spcPts val="0"/>
               </a:spcBef>
@@ -9849,7 +10106,7 @@
                     <a:bodyPr/>
                     <a:lstStyle/>
                     <a:p>
-                      <a:pPr indent="0" lvl="0" marL="0" rtl="0" algn="l">
+                      <a:pPr marL="0" lvl="0" indent="0" algn="l" rtl="0">
                         <a:lnSpc>
                           <a:spcPct val="115000"/>
                         </a:lnSpc>
@@ -9862,7 +10119,7 @@
                         <a:buNone/>
                       </a:pPr>
                       <a:r>
-                        <a:rPr b="1" lang="en" sz="1200">
+                        <a:rPr lang="en" sz="1200" b="1">
                           <a:solidFill>
                             <a:srgbClr val="212127"/>
                           </a:solidFill>
@@ -9876,7 +10133,7 @@
                         </a:rPr>
                         <a:t>Linear SVM</a:t>
                       </a:r>
-                      <a:endParaRPr b="1" sz="1200">
+                      <a:endParaRPr sz="1200" b="1">
                         <a:solidFill>
                           <a:srgbClr val="212127"/>
                         </a:solidFill>
@@ -9890,42 +10147,42 @@
                       </a:endParaRPr>
                     </a:p>
                   </a:txBody>
-                  <a:tcPr marT="95250" marB="95250" marR="95250" marL="95250">
-                    <a:lnL cap="flat" cmpd="sng" w="9525">
+                  <a:tcPr marL="95250" marR="95250" marT="95250" marB="95250">
+                    <a:lnL w="9525" cap="flat" cmpd="sng">
                       <a:solidFill>
                         <a:srgbClr val="E2E2E2"/>
                       </a:solidFill>
                       <a:prstDash val="solid"/>
                       <a:round/>
-                      <a:headEnd len="sm" w="sm" type="none"/>
-                      <a:tailEnd len="sm" w="sm" type="none"/>
+                      <a:headEnd type="none" w="sm" len="sm"/>
+                      <a:tailEnd type="none" w="sm" len="sm"/>
                     </a:lnL>
-                    <a:lnR cap="flat" cmpd="sng" w="9525">
+                    <a:lnR w="9525" cap="flat" cmpd="sng">
                       <a:solidFill>
                         <a:srgbClr val="E2E2E2"/>
                       </a:solidFill>
                       <a:prstDash val="solid"/>
                       <a:round/>
-                      <a:headEnd len="sm" w="sm" type="none"/>
-                      <a:tailEnd len="sm" w="sm" type="none"/>
+                      <a:headEnd type="none" w="sm" len="sm"/>
+                      <a:tailEnd type="none" w="sm" len="sm"/>
                     </a:lnR>
-                    <a:lnT cap="flat" cmpd="sng" w="9525">
+                    <a:lnT w="9525" cap="flat" cmpd="sng">
                       <a:solidFill>
                         <a:srgbClr val="E2E2E2"/>
                       </a:solidFill>
                       <a:prstDash val="solid"/>
                       <a:round/>
-                      <a:headEnd len="sm" w="sm" type="none"/>
-                      <a:tailEnd len="sm" w="sm" type="none"/>
+                      <a:headEnd type="none" w="sm" len="sm"/>
+                      <a:tailEnd type="none" w="sm" len="sm"/>
                     </a:lnT>
-                    <a:lnB cap="flat" cmpd="sng" w="9525">
+                    <a:lnB w="9525" cap="flat" cmpd="sng">
                       <a:solidFill>
                         <a:srgbClr val="E2E2E2"/>
                       </a:solidFill>
                       <a:prstDash val="solid"/>
                       <a:round/>
-                      <a:headEnd len="sm" w="sm" type="none"/>
-                      <a:tailEnd len="sm" w="sm" type="none"/>
+                      <a:headEnd type="none" w="sm" len="sm"/>
+                      <a:tailEnd type="none" w="sm" len="sm"/>
                     </a:lnB>
                   </a:tcPr>
                 </a:tc>
@@ -9934,7 +10191,7 @@
                     <a:bodyPr/>
                     <a:lstStyle/>
                     <a:p>
-                      <a:pPr indent="0" lvl="0" marL="0" rtl="0" algn="l">
+                      <a:pPr marL="0" lvl="0" indent="0" algn="l" rtl="0">
                         <a:lnSpc>
                           <a:spcPct val="115000"/>
                         </a:lnSpc>
@@ -9947,7 +10204,7 @@
                         <a:buNone/>
                       </a:pPr>
                       <a:r>
-                        <a:rPr b="1" lang="en" sz="1200">
+                        <a:rPr lang="en" sz="1200" b="1">
                           <a:solidFill>
                             <a:srgbClr val="212127"/>
                           </a:solidFill>
@@ -9961,7 +10218,7 @@
                         </a:rPr>
                         <a:t>Non-Linear SVM</a:t>
                       </a:r>
-                      <a:endParaRPr b="1" sz="1200">
+                      <a:endParaRPr sz="1200" b="1">
                         <a:solidFill>
                           <a:srgbClr val="212127"/>
                         </a:solidFill>
@@ -9975,42 +10232,42 @@
                       </a:endParaRPr>
                     </a:p>
                   </a:txBody>
-                  <a:tcPr marT="95250" marB="95250" marR="95250" marL="95250">
-                    <a:lnL cap="flat" cmpd="sng" w="9525">
+                  <a:tcPr marL="95250" marR="95250" marT="95250" marB="95250">
+                    <a:lnL w="9525" cap="flat" cmpd="sng">
                       <a:solidFill>
                         <a:srgbClr val="E2E2E2"/>
                       </a:solidFill>
                       <a:prstDash val="solid"/>
                       <a:round/>
-                      <a:headEnd len="sm" w="sm" type="none"/>
-                      <a:tailEnd len="sm" w="sm" type="none"/>
+                      <a:headEnd type="none" w="sm" len="sm"/>
+                      <a:tailEnd type="none" w="sm" len="sm"/>
                     </a:lnL>
-                    <a:lnR cap="flat" cmpd="sng" w="9525">
+                    <a:lnR w="9525" cap="flat" cmpd="sng">
                       <a:solidFill>
                         <a:srgbClr val="E2E2E2"/>
                       </a:solidFill>
                       <a:prstDash val="solid"/>
                       <a:round/>
-                      <a:headEnd len="sm" w="sm" type="none"/>
-                      <a:tailEnd len="sm" w="sm" type="none"/>
+                      <a:headEnd type="none" w="sm" len="sm"/>
+                      <a:tailEnd type="none" w="sm" len="sm"/>
                     </a:lnR>
-                    <a:lnT cap="flat" cmpd="sng" w="9525">
+                    <a:lnT w="9525" cap="flat" cmpd="sng">
                       <a:solidFill>
                         <a:srgbClr val="E2E2E2"/>
                       </a:solidFill>
                       <a:prstDash val="solid"/>
                       <a:round/>
-                      <a:headEnd len="sm" w="sm" type="none"/>
-                      <a:tailEnd len="sm" w="sm" type="none"/>
+                      <a:headEnd type="none" w="sm" len="sm"/>
+                      <a:tailEnd type="none" w="sm" len="sm"/>
                     </a:lnT>
-                    <a:lnB cap="flat" cmpd="sng" w="9525">
+                    <a:lnB w="9525" cap="flat" cmpd="sng">
                       <a:solidFill>
                         <a:srgbClr val="E2E2E2"/>
                       </a:solidFill>
                       <a:prstDash val="solid"/>
                       <a:round/>
-                      <a:headEnd len="sm" w="sm" type="none"/>
-                      <a:tailEnd len="sm" w="sm" type="none"/>
+                      <a:headEnd type="none" w="sm" len="sm"/>
+                      <a:tailEnd type="none" w="sm" len="sm"/>
                     </a:lnB>
                   </a:tcPr>
                 </a:tc>
@@ -10021,7 +10278,7 @@
                     <a:bodyPr/>
                     <a:lstStyle/>
                     <a:p>
-                      <a:pPr indent="0" lvl="0" marL="0" rtl="0" algn="l">
+                      <a:pPr marL="0" lvl="0" indent="0" algn="l" rtl="0">
                         <a:lnSpc>
                           <a:spcPct val="115000"/>
                         </a:lnSpc>
@@ -10062,42 +10319,42 @@
                       </a:endParaRPr>
                     </a:p>
                   </a:txBody>
-                  <a:tcPr marT="95250" marB="95250" marR="95250" marL="95250">
-                    <a:lnL cap="flat" cmpd="sng" w="9525">
+                  <a:tcPr marL="95250" marR="95250" marT="95250" marB="95250">
+                    <a:lnL w="9525" cap="flat" cmpd="sng">
                       <a:solidFill>
                         <a:srgbClr val="E2E2E2"/>
                       </a:solidFill>
                       <a:prstDash val="solid"/>
                       <a:round/>
-                      <a:headEnd len="sm" w="sm" type="none"/>
-                      <a:tailEnd len="sm" w="sm" type="none"/>
+                      <a:headEnd type="none" w="sm" len="sm"/>
+                      <a:tailEnd type="none" w="sm" len="sm"/>
                     </a:lnL>
-                    <a:lnR cap="flat" cmpd="sng" w="9525">
+                    <a:lnR w="9525" cap="flat" cmpd="sng">
                       <a:solidFill>
                         <a:srgbClr val="E2E2E2"/>
                       </a:solidFill>
                       <a:prstDash val="solid"/>
                       <a:round/>
-                      <a:headEnd len="sm" w="sm" type="none"/>
-                      <a:tailEnd len="sm" w="sm" type="none"/>
+                      <a:headEnd type="none" w="sm" len="sm"/>
+                      <a:tailEnd type="none" w="sm" len="sm"/>
                     </a:lnR>
-                    <a:lnT cap="flat" cmpd="sng" w="9525">
+                    <a:lnT w="9525" cap="flat" cmpd="sng">
                       <a:solidFill>
                         <a:srgbClr val="E2E2E2"/>
                       </a:solidFill>
                       <a:prstDash val="solid"/>
                       <a:round/>
-                      <a:headEnd len="sm" w="sm" type="none"/>
-                      <a:tailEnd len="sm" w="sm" type="none"/>
+                      <a:headEnd type="none" w="sm" len="sm"/>
+                      <a:tailEnd type="none" w="sm" len="sm"/>
                     </a:lnT>
-                    <a:lnB cap="flat" cmpd="sng" w="9525">
+                    <a:lnB w="9525" cap="flat" cmpd="sng">
                       <a:solidFill>
                         <a:srgbClr val="E2E2E2"/>
                       </a:solidFill>
                       <a:prstDash val="solid"/>
                       <a:round/>
-                      <a:headEnd len="sm" w="sm" type="none"/>
-                      <a:tailEnd len="sm" w="sm" type="none"/>
+                      <a:headEnd type="none" w="sm" len="sm"/>
+                      <a:tailEnd type="none" w="sm" len="sm"/>
                     </a:lnB>
                   </a:tcPr>
                 </a:tc>
@@ -10106,7 +10363,7 @@
                     <a:bodyPr/>
                     <a:lstStyle/>
                     <a:p>
-                      <a:pPr indent="0" lvl="0" marL="0" rtl="0" algn="l">
+                      <a:pPr marL="0" lvl="0" indent="0" algn="l" rtl="0">
                         <a:lnSpc>
                           <a:spcPct val="115000"/>
                         </a:lnSpc>
@@ -10147,42 +10404,42 @@
                       </a:endParaRPr>
                     </a:p>
                   </a:txBody>
-                  <a:tcPr marT="95250" marB="95250" marR="95250" marL="95250">
-                    <a:lnL cap="flat" cmpd="sng" w="9525">
+                  <a:tcPr marL="95250" marR="95250" marT="95250" marB="95250">
+                    <a:lnL w="9525" cap="flat" cmpd="sng">
                       <a:solidFill>
                         <a:srgbClr val="E2E2E2"/>
                       </a:solidFill>
                       <a:prstDash val="solid"/>
                       <a:round/>
-                      <a:headEnd len="sm" w="sm" type="none"/>
-                      <a:tailEnd len="sm" w="sm" type="none"/>
+                      <a:headEnd type="none" w="sm" len="sm"/>
+                      <a:tailEnd type="none" w="sm" len="sm"/>
                     </a:lnL>
-                    <a:lnR cap="flat" cmpd="sng" w="9525">
+                    <a:lnR w="9525" cap="flat" cmpd="sng">
                       <a:solidFill>
                         <a:srgbClr val="E2E2E2"/>
                       </a:solidFill>
                       <a:prstDash val="solid"/>
                       <a:round/>
-                      <a:headEnd len="sm" w="sm" type="none"/>
-                      <a:tailEnd len="sm" w="sm" type="none"/>
+                      <a:headEnd type="none" w="sm" len="sm"/>
+                      <a:tailEnd type="none" w="sm" len="sm"/>
                     </a:lnR>
-                    <a:lnT cap="flat" cmpd="sng" w="9525">
+                    <a:lnT w="9525" cap="flat" cmpd="sng">
                       <a:solidFill>
                         <a:srgbClr val="E2E2E2"/>
                       </a:solidFill>
                       <a:prstDash val="solid"/>
                       <a:round/>
-                      <a:headEnd len="sm" w="sm" type="none"/>
-                      <a:tailEnd len="sm" w="sm" type="none"/>
+                      <a:headEnd type="none" w="sm" len="sm"/>
+                      <a:tailEnd type="none" w="sm" len="sm"/>
                     </a:lnT>
-                    <a:lnB cap="flat" cmpd="sng" w="9525">
+                    <a:lnB w="9525" cap="flat" cmpd="sng">
                       <a:solidFill>
                         <a:srgbClr val="E2E2E2"/>
                       </a:solidFill>
                       <a:prstDash val="solid"/>
                       <a:round/>
-                      <a:headEnd len="sm" w="sm" type="none"/>
-                      <a:tailEnd len="sm" w="sm" type="none"/>
+                      <a:headEnd type="none" w="sm" len="sm"/>
+                      <a:tailEnd type="none" w="sm" len="sm"/>
                     </a:lnB>
                   </a:tcPr>
                 </a:tc>
@@ -10193,7 +10450,7 @@
                     <a:bodyPr/>
                     <a:lstStyle/>
                     <a:p>
-                      <a:pPr indent="0" lvl="0" marL="0" rtl="0" algn="l">
+                      <a:pPr marL="0" lvl="0" indent="0" algn="l" rtl="0">
                         <a:lnSpc>
                           <a:spcPct val="115000"/>
                         </a:lnSpc>
@@ -10234,42 +10491,42 @@
                       </a:endParaRPr>
                     </a:p>
                   </a:txBody>
-                  <a:tcPr marT="95250" marB="95250" marR="95250" marL="95250">
-                    <a:lnL cap="flat" cmpd="sng" w="9525">
+                  <a:tcPr marL="95250" marR="95250" marT="95250" marB="95250">
+                    <a:lnL w="9525" cap="flat" cmpd="sng">
                       <a:solidFill>
                         <a:srgbClr val="E2E2E2"/>
                       </a:solidFill>
                       <a:prstDash val="solid"/>
                       <a:round/>
-                      <a:headEnd len="sm" w="sm" type="none"/>
-                      <a:tailEnd len="sm" w="sm" type="none"/>
+                      <a:headEnd type="none" w="sm" len="sm"/>
+                      <a:tailEnd type="none" w="sm" len="sm"/>
                     </a:lnL>
-                    <a:lnR cap="flat" cmpd="sng" w="9525">
+                    <a:lnR w="9525" cap="flat" cmpd="sng">
                       <a:solidFill>
                         <a:srgbClr val="E2E2E2"/>
                       </a:solidFill>
                       <a:prstDash val="solid"/>
                       <a:round/>
-                      <a:headEnd len="sm" w="sm" type="none"/>
-                      <a:tailEnd len="sm" w="sm" type="none"/>
+                      <a:headEnd type="none" w="sm" len="sm"/>
+                      <a:tailEnd type="none" w="sm" len="sm"/>
                     </a:lnR>
-                    <a:lnT cap="flat" cmpd="sng" w="9525">
+                    <a:lnT w="9525" cap="flat" cmpd="sng">
                       <a:solidFill>
                         <a:srgbClr val="E2E2E2"/>
                       </a:solidFill>
                       <a:prstDash val="solid"/>
                       <a:round/>
-                      <a:headEnd len="sm" w="sm" type="none"/>
-                      <a:tailEnd len="sm" w="sm" type="none"/>
+                      <a:headEnd type="none" w="sm" len="sm"/>
+                      <a:tailEnd type="none" w="sm" len="sm"/>
                     </a:lnT>
-                    <a:lnB cap="flat" cmpd="sng" w="9525">
+                    <a:lnB w="9525" cap="flat" cmpd="sng">
                       <a:solidFill>
                         <a:srgbClr val="E2E2E2"/>
                       </a:solidFill>
                       <a:prstDash val="solid"/>
                       <a:round/>
-                      <a:headEnd len="sm" w="sm" type="none"/>
-                      <a:tailEnd len="sm" w="sm" type="none"/>
+                      <a:headEnd type="none" w="sm" len="sm"/>
+                      <a:tailEnd type="none" w="sm" len="sm"/>
                     </a:lnB>
                   </a:tcPr>
                 </a:tc>
@@ -10278,7 +10535,7 @@
                     <a:bodyPr/>
                     <a:lstStyle/>
                     <a:p>
-                      <a:pPr indent="0" lvl="0" marL="0" rtl="0" algn="l">
+                      <a:pPr marL="0" lvl="0" indent="0" algn="l" rtl="0">
                         <a:lnSpc>
                           <a:spcPct val="115000"/>
                         </a:lnSpc>
@@ -10319,42 +10576,42 @@
                       </a:endParaRPr>
                     </a:p>
                   </a:txBody>
-                  <a:tcPr marT="95250" marB="95250" marR="95250" marL="95250">
-                    <a:lnL cap="flat" cmpd="sng" w="9525">
+                  <a:tcPr marL="95250" marR="95250" marT="95250" marB="95250">
+                    <a:lnL w="9525" cap="flat" cmpd="sng">
                       <a:solidFill>
                         <a:srgbClr val="E2E2E2"/>
                       </a:solidFill>
                       <a:prstDash val="solid"/>
                       <a:round/>
-                      <a:headEnd len="sm" w="sm" type="none"/>
-                      <a:tailEnd len="sm" w="sm" type="none"/>
+                      <a:headEnd type="none" w="sm" len="sm"/>
+                      <a:tailEnd type="none" w="sm" len="sm"/>
                     </a:lnL>
-                    <a:lnR cap="flat" cmpd="sng" w="9525">
+                    <a:lnR w="9525" cap="flat" cmpd="sng">
                       <a:solidFill>
                         <a:srgbClr val="E2E2E2"/>
                       </a:solidFill>
                       <a:prstDash val="solid"/>
                       <a:round/>
-                      <a:headEnd len="sm" w="sm" type="none"/>
-                      <a:tailEnd len="sm" w="sm" type="none"/>
+                      <a:headEnd type="none" w="sm" len="sm"/>
+                      <a:tailEnd type="none" w="sm" len="sm"/>
                     </a:lnR>
-                    <a:lnT cap="flat" cmpd="sng" w="9525">
+                    <a:lnT w="9525" cap="flat" cmpd="sng">
                       <a:solidFill>
                         <a:srgbClr val="E2E2E2"/>
                       </a:solidFill>
                       <a:prstDash val="solid"/>
                       <a:round/>
-                      <a:headEnd len="sm" w="sm" type="none"/>
-                      <a:tailEnd len="sm" w="sm" type="none"/>
+                      <a:headEnd type="none" w="sm" len="sm"/>
+                      <a:tailEnd type="none" w="sm" len="sm"/>
                     </a:lnT>
-                    <a:lnB cap="flat" cmpd="sng" w="9525">
+                    <a:lnB w="9525" cap="flat" cmpd="sng">
                       <a:solidFill>
                         <a:srgbClr val="E2E2E2"/>
                       </a:solidFill>
                       <a:prstDash val="solid"/>
                       <a:round/>
-                      <a:headEnd len="sm" w="sm" type="none"/>
-                      <a:tailEnd len="sm" w="sm" type="none"/>
+                      <a:headEnd type="none" w="sm" len="sm"/>
+                      <a:tailEnd type="none" w="sm" len="sm"/>
                     </a:lnB>
                   </a:tcPr>
                 </a:tc>
@@ -10365,7 +10622,7 @@
                     <a:bodyPr/>
                     <a:lstStyle/>
                     <a:p>
-                      <a:pPr indent="0" lvl="0" marL="0" rtl="0" algn="l">
+                      <a:pPr marL="0" lvl="0" indent="0" algn="l" rtl="0">
                         <a:lnSpc>
                           <a:spcPct val="115000"/>
                         </a:lnSpc>
@@ -10406,42 +10663,42 @@
                       </a:endParaRPr>
                     </a:p>
                   </a:txBody>
-                  <a:tcPr marT="95250" marB="95250" marR="95250" marL="95250">
-                    <a:lnL cap="flat" cmpd="sng" w="9525">
+                  <a:tcPr marL="95250" marR="95250" marT="95250" marB="95250">
+                    <a:lnL w="9525" cap="flat" cmpd="sng">
                       <a:solidFill>
                         <a:srgbClr val="E2E2E2"/>
                       </a:solidFill>
                       <a:prstDash val="solid"/>
                       <a:round/>
-                      <a:headEnd len="sm" w="sm" type="none"/>
-                      <a:tailEnd len="sm" w="sm" type="none"/>
+                      <a:headEnd type="none" w="sm" len="sm"/>
+                      <a:tailEnd type="none" w="sm" len="sm"/>
                     </a:lnL>
-                    <a:lnR cap="flat" cmpd="sng" w="9525">
+                    <a:lnR w="9525" cap="flat" cmpd="sng">
                       <a:solidFill>
                         <a:srgbClr val="E2E2E2"/>
                       </a:solidFill>
                       <a:prstDash val="solid"/>
                       <a:round/>
-                      <a:headEnd len="sm" w="sm" type="none"/>
-                      <a:tailEnd len="sm" w="sm" type="none"/>
+                      <a:headEnd type="none" w="sm" len="sm"/>
+                      <a:tailEnd type="none" w="sm" len="sm"/>
                     </a:lnR>
-                    <a:lnT cap="flat" cmpd="sng" w="9525">
+                    <a:lnT w="9525" cap="flat" cmpd="sng">
                       <a:solidFill>
                         <a:srgbClr val="E2E2E2"/>
                       </a:solidFill>
                       <a:prstDash val="solid"/>
                       <a:round/>
-                      <a:headEnd len="sm" w="sm" type="none"/>
-                      <a:tailEnd len="sm" w="sm" type="none"/>
+                      <a:headEnd type="none" w="sm" len="sm"/>
+                      <a:tailEnd type="none" w="sm" len="sm"/>
                     </a:lnT>
-                    <a:lnB cap="flat" cmpd="sng" w="9525">
+                    <a:lnB w="9525" cap="flat" cmpd="sng">
                       <a:solidFill>
                         <a:srgbClr val="E2E2E2"/>
                       </a:solidFill>
                       <a:prstDash val="solid"/>
                       <a:round/>
-                      <a:headEnd len="sm" w="sm" type="none"/>
-                      <a:tailEnd len="sm" w="sm" type="none"/>
+                      <a:headEnd type="none" w="sm" len="sm"/>
+                      <a:tailEnd type="none" w="sm" len="sm"/>
                     </a:lnB>
                   </a:tcPr>
                 </a:tc>
@@ -10450,7 +10707,7 @@
                     <a:bodyPr/>
                     <a:lstStyle/>
                     <a:p>
-                      <a:pPr indent="0" lvl="0" marL="0" rtl="0" algn="l">
+                      <a:pPr marL="0" lvl="0" indent="0" algn="l" rtl="0">
                         <a:lnSpc>
                           <a:spcPct val="115000"/>
                         </a:lnSpc>
@@ -10491,42 +10748,42 @@
                       </a:endParaRPr>
                     </a:p>
                   </a:txBody>
-                  <a:tcPr marT="95250" marB="95250" marR="95250" marL="95250">
-                    <a:lnL cap="flat" cmpd="sng" w="9525">
+                  <a:tcPr marL="95250" marR="95250" marT="95250" marB="95250">
+                    <a:lnL w="9525" cap="flat" cmpd="sng">
                       <a:solidFill>
                         <a:srgbClr val="E2E2E2"/>
                       </a:solidFill>
                       <a:prstDash val="solid"/>
                       <a:round/>
-                      <a:headEnd len="sm" w="sm" type="none"/>
-                      <a:tailEnd len="sm" w="sm" type="none"/>
+                      <a:headEnd type="none" w="sm" len="sm"/>
+                      <a:tailEnd type="none" w="sm" len="sm"/>
                     </a:lnL>
-                    <a:lnR cap="flat" cmpd="sng" w="9525">
+                    <a:lnR w="9525" cap="flat" cmpd="sng">
                       <a:solidFill>
                         <a:srgbClr val="E2E2E2"/>
                       </a:solidFill>
                       <a:prstDash val="solid"/>
                       <a:round/>
-                      <a:headEnd len="sm" w="sm" type="none"/>
-                      <a:tailEnd len="sm" w="sm" type="none"/>
+                      <a:headEnd type="none" w="sm" len="sm"/>
+                      <a:tailEnd type="none" w="sm" len="sm"/>
                     </a:lnR>
-                    <a:lnT cap="flat" cmpd="sng" w="9525">
+                    <a:lnT w="9525" cap="flat" cmpd="sng">
                       <a:solidFill>
                         <a:srgbClr val="E2E2E2"/>
                       </a:solidFill>
                       <a:prstDash val="solid"/>
                       <a:round/>
-                      <a:headEnd len="sm" w="sm" type="none"/>
-                      <a:tailEnd len="sm" w="sm" type="none"/>
+                      <a:headEnd type="none" w="sm" len="sm"/>
+                      <a:tailEnd type="none" w="sm" len="sm"/>
                     </a:lnT>
-                    <a:lnB cap="flat" cmpd="sng" w="9525">
+                    <a:lnB w="9525" cap="flat" cmpd="sng">
                       <a:solidFill>
                         <a:srgbClr val="E2E2E2"/>
                       </a:solidFill>
                       <a:prstDash val="solid"/>
                       <a:round/>
-                      <a:headEnd len="sm" w="sm" type="none"/>
-                      <a:tailEnd len="sm" w="sm" type="none"/>
+                      <a:headEnd type="none" w="sm" len="sm"/>
+                      <a:tailEnd type="none" w="sm" len="sm"/>
                     </a:lnB>
                   </a:tcPr>
                 </a:tc>
@@ -10544,11 +10801,11 @@
 </file>
 
 <file path=ppt/slides/slide18.xml><?xml version="1.0" encoding="utf-8"?>
-<p:sld xmlns:a="http://schemas.openxmlformats.org/drawingml/2006/main" xmlns:r="http://schemas.openxmlformats.org/officeDocument/2006/relationships" xmlns:mc="http://schemas.openxmlformats.org/markup-compatibility/2006" xmlns:mv="urn:schemas-microsoft-com:mac:vml" xmlns:p="http://schemas.openxmlformats.org/presentationml/2006/main" xmlns:c="http://schemas.openxmlformats.org/drawingml/2006/chart" xmlns:dgm="http://schemas.openxmlformats.org/drawingml/2006/diagram" xmlns:o="urn:schemas-microsoft-com:office:office" xmlns:v="urn:schemas-microsoft-com:vml" xmlns:pvml="urn:schemas-microsoft-com:office:powerpoint" xmlns:com="http://schemas.openxmlformats.org/drawingml/2006/compatibility" xmlns:p14="http://schemas.microsoft.com/office/powerpoint/2010/main" xmlns:p15="http://schemas.microsoft.com/office/powerpoint/2012/main" xmlns:ahyp="http://schemas.microsoft.com/office/drawing/2018/hyperlinkcolor">
+<p:sld xmlns:a="http://schemas.openxmlformats.org/drawingml/2006/main" xmlns:r="http://schemas.openxmlformats.org/officeDocument/2006/relationships" xmlns:p="http://schemas.openxmlformats.org/presentationml/2006/main">
   <p:cSld>
     <p:spTree>
       <p:nvGrpSpPr>
-        <p:cNvPr id="179" name="Shape 179"/>
+        <p:cNvPr id="1" name="Shape 179"/>
         <p:cNvGrpSpPr/>
         <p:nvPr/>
       </p:nvGrpSpPr>
@@ -10563,7 +10820,9 @@
       <p:sp>
         <p:nvSpPr>
           <p:cNvPr id="180" name="Google Shape;180;p30"/>
-          <p:cNvSpPr txBox="1"/>
+          <p:cNvSpPr txBox="1">
+            <a:spLocks noGrp="1"/>
+          </p:cNvSpPr>
           <p:nvPr>
             <p:ph type="title"/>
           </p:nvPr>
@@ -10578,12 +10837,12 @@
           </a:prstGeom>
         </p:spPr>
         <p:txBody>
-          <a:bodyPr anchorCtr="0" anchor="t" bIns="91425" lIns="91425" spcFirstLastPara="1" rIns="91425" wrap="square" tIns="91425">
+          <a:bodyPr spcFirstLastPara="1" wrap="square" lIns="91425" tIns="91425" rIns="91425" bIns="91425" anchor="t" anchorCtr="0">
             <a:noAutofit/>
           </a:bodyPr>
           <a:lstStyle/>
           <a:p>
-            <a:pPr indent="0" lvl="0" marL="0" rtl="0" algn="l">
+            <a:pPr marL="0" lvl="0" indent="0" algn="l" rtl="0">
               <a:spcBef>
                 <a:spcPts val="0"/>
               </a:spcBef>
@@ -10603,9 +10862,11 @@
       <p:sp>
         <p:nvSpPr>
           <p:cNvPr id="181" name="Google Shape;181;p30"/>
-          <p:cNvSpPr txBox="1"/>
+          <p:cNvSpPr txBox="1">
+            <a:spLocks noGrp="1"/>
+          </p:cNvSpPr>
           <p:nvPr>
-            <p:ph idx="1" type="body"/>
+            <p:ph type="body" idx="1"/>
           </p:nvPr>
         </p:nvSpPr>
         <p:spPr>
@@ -10618,12 +10879,12 @@
           </a:prstGeom>
         </p:spPr>
         <p:txBody>
-          <a:bodyPr anchorCtr="0" anchor="t" bIns="91425" lIns="91425" spcFirstLastPara="1" rIns="91425" wrap="square" tIns="91425">
+          <a:bodyPr spcFirstLastPara="1" wrap="square" lIns="91425" tIns="91425" rIns="91425" bIns="91425" anchor="t" anchorCtr="0">
             <a:noAutofit/>
           </a:bodyPr>
           <a:lstStyle/>
           <a:p>
-            <a:pPr indent="-393700" lvl="0" marL="457200" rtl="0" algn="l">
+            <a:pPr marL="457200" lvl="0" indent="-393700" algn="l" rtl="0">
               <a:lnSpc>
                 <a:spcPct val="100000"/>
               </a:lnSpc>
@@ -10653,7 +10914,7 @@
               <a:t>Can </a:t>
             </a:r>
             <a:r>
-              <a:rPr b="1" lang="en" sz="2600">
+              <a:rPr lang="en" sz="2600" b="1">
                 <a:solidFill>
                   <a:srgbClr val="000000"/>
                 </a:solidFill>
@@ -10677,7 +10938,7 @@
               <a:t> find a hyperplane that </a:t>
             </a:r>
             <a:r>
-              <a:rPr b="1" lang="en" sz="2600">
+              <a:rPr lang="en" sz="2600" b="1">
                 <a:solidFill>
                   <a:srgbClr val="000000"/>
                 </a:solidFill>
@@ -10741,11 +11002,11 @@
 </file>
 
 <file path=ppt/slides/slide19.xml><?xml version="1.0" encoding="utf-8"?>
-<p:sld xmlns:a="http://schemas.openxmlformats.org/drawingml/2006/main" xmlns:r="http://schemas.openxmlformats.org/officeDocument/2006/relationships" xmlns:mc="http://schemas.openxmlformats.org/markup-compatibility/2006" xmlns:mv="urn:schemas-microsoft-com:mac:vml" xmlns:p="http://schemas.openxmlformats.org/presentationml/2006/main" xmlns:c="http://schemas.openxmlformats.org/drawingml/2006/chart" xmlns:dgm="http://schemas.openxmlformats.org/drawingml/2006/diagram" xmlns:o="urn:schemas-microsoft-com:office:office" xmlns:v="urn:schemas-microsoft-com:vml" xmlns:pvml="urn:schemas-microsoft-com:office:powerpoint" xmlns:com="http://schemas.openxmlformats.org/drawingml/2006/compatibility" xmlns:p14="http://schemas.microsoft.com/office/powerpoint/2010/main" xmlns:p15="http://schemas.microsoft.com/office/powerpoint/2012/main" xmlns:ahyp="http://schemas.microsoft.com/office/drawing/2018/hyperlinkcolor">
+<p:sld xmlns:a="http://schemas.openxmlformats.org/drawingml/2006/main" xmlns:r="http://schemas.openxmlformats.org/officeDocument/2006/relationships" xmlns:p="http://schemas.openxmlformats.org/presentationml/2006/main">
   <p:cSld>
     <p:spTree>
       <p:nvGrpSpPr>
-        <p:cNvPr id="186" name="Shape 186"/>
+        <p:cNvPr id="1" name="Shape 186"/>
         <p:cNvGrpSpPr/>
         <p:nvPr/>
       </p:nvGrpSpPr>
@@ -10760,7 +11021,9 @@
       <p:sp>
         <p:nvSpPr>
           <p:cNvPr id="187" name="Google Shape;187;p31"/>
-          <p:cNvSpPr txBox="1"/>
+          <p:cNvSpPr txBox="1">
+            <a:spLocks noGrp="1"/>
+          </p:cNvSpPr>
           <p:nvPr>
             <p:ph type="title"/>
           </p:nvPr>
@@ -10775,12 +11038,12 @@
           </a:prstGeom>
         </p:spPr>
         <p:txBody>
-          <a:bodyPr anchorCtr="0" anchor="t" bIns="91425" lIns="91425" spcFirstLastPara="1" rIns="91425" wrap="square" tIns="91425">
+          <a:bodyPr spcFirstLastPara="1" wrap="square" lIns="91425" tIns="91425" rIns="91425" bIns="91425" anchor="t" anchorCtr="0">
             <a:noAutofit/>
           </a:bodyPr>
           <a:lstStyle/>
           <a:p>
-            <a:pPr indent="0" lvl="0" marL="0" rtl="0" algn="l">
+            <a:pPr marL="0" lvl="0" indent="0" algn="l" rtl="0">
               <a:spcBef>
                 <a:spcPts val="0"/>
               </a:spcBef>
@@ -10800,9 +11063,11 @@
       <p:sp>
         <p:nvSpPr>
           <p:cNvPr id="188" name="Google Shape;188;p31"/>
-          <p:cNvSpPr txBox="1"/>
+          <p:cNvSpPr txBox="1">
+            <a:spLocks noGrp="1"/>
+          </p:cNvSpPr>
           <p:nvPr>
-            <p:ph idx="1" type="body"/>
+            <p:ph type="body" idx="1"/>
           </p:nvPr>
         </p:nvSpPr>
         <p:spPr>
@@ -10815,12 +11080,12 @@
           </a:prstGeom>
         </p:spPr>
         <p:txBody>
-          <a:bodyPr anchorCtr="0" anchor="t" bIns="91425" lIns="91425" spcFirstLastPara="1" rIns="91425" wrap="square" tIns="91425">
+          <a:bodyPr spcFirstLastPara="1" wrap="square" lIns="91425" tIns="91425" rIns="91425" bIns="91425" anchor="t" anchorCtr="0">
             <a:noAutofit/>
           </a:bodyPr>
           <a:lstStyle/>
           <a:p>
-            <a:pPr indent="0" lvl="0" marL="0" rtl="0" algn="l">
+            <a:pPr marL="0" lvl="0" indent="0" algn="l" rtl="0">
               <a:spcBef>
                 <a:spcPts val="0"/>
               </a:spcBef>
@@ -10829,9 +11094,6 @@
               </a:spcAft>
               <a:buNone/>
             </a:pPr>
-            <a:r>
-              <a:t/>
-            </a:r>
             <a:endParaRPr/>
           </a:p>
         </p:txBody>
@@ -10873,11 +11135,11 @@
 </file>
 
 <file path=ppt/slides/slide2.xml><?xml version="1.0" encoding="utf-8"?>
-<p:sld xmlns:a="http://schemas.openxmlformats.org/drawingml/2006/main" xmlns:r="http://schemas.openxmlformats.org/officeDocument/2006/relationships" xmlns:mc="http://schemas.openxmlformats.org/markup-compatibility/2006" xmlns:mv="urn:schemas-microsoft-com:mac:vml" xmlns:p="http://schemas.openxmlformats.org/presentationml/2006/main" xmlns:c="http://schemas.openxmlformats.org/drawingml/2006/chart" xmlns:dgm="http://schemas.openxmlformats.org/drawingml/2006/diagram" xmlns:o="urn:schemas-microsoft-com:office:office" xmlns:v="urn:schemas-microsoft-com:vml" xmlns:pvml="urn:schemas-microsoft-com:office:powerpoint" xmlns:com="http://schemas.openxmlformats.org/drawingml/2006/compatibility" xmlns:p14="http://schemas.microsoft.com/office/powerpoint/2010/main" xmlns:p15="http://schemas.microsoft.com/office/powerpoint/2012/main" xmlns:ahyp="http://schemas.microsoft.com/office/drawing/2018/hyperlinkcolor">
+<p:sld xmlns:a="http://schemas.openxmlformats.org/drawingml/2006/main" xmlns:r="http://schemas.openxmlformats.org/officeDocument/2006/relationships" xmlns:p="http://schemas.openxmlformats.org/presentationml/2006/main">
   <p:cSld>
     <p:spTree>
       <p:nvGrpSpPr>
-        <p:cNvPr id="71" name="Shape 71"/>
+        <p:cNvPr id="1" name="Shape 71"/>
         <p:cNvGrpSpPr/>
         <p:nvPr/>
       </p:nvGrpSpPr>
@@ -10892,7 +11154,9 @@
       <p:sp>
         <p:nvSpPr>
           <p:cNvPr id="72" name="Google Shape;72;p14"/>
-          <p:cNvSpPr txBox="1"/>
+          <p:cNvSpPr txBox="1">
+            <a:spLocks noGrp="1"/>
+          </p:cNvSpPr>
           <p:nvPr>
             <p:ph type="title"/>
           </p:nvPr>
@@ -10907,12 +11171,12 @@
           </a:prstGeom>
         </p:spPr>
         <p:txBody>
-          <a:bodyPr anchorCtr="0" anchor="t" bIns="91425" lIns="91425" spcFirstLastPara="1" rIns="91425" wrap="square" tIns="91425">
+          <a:bodyPr spcFirstLastPara="1" wrap="square" lIns="91425" tIns="91425" rIns="91425" bIns="91425" anchor="t" anchorCtr="0">
             <a:noAutofit/>
           </a:bodyPr>
           <a:lstStyle/>
           <a:p>
-            <a:pPr indent="0" lvl="0" marL="0" rtl="0" algn="l">
+            <a:pPr marL="0" lvl="0" indent="0" algn="l" rtl="0">
               <a:spcBef>
                 <a:spcPts val="0"/>
               </a:spcBef>
@@ -10922,19 +11186,21 @@
               <a:buNone/>
             </a:pPr>
             <a:r>
-              <a:rPr lang="en"/>
+              <a:rPr lang="en" dirty="0"/>
               <a:t>How to learn efficiently</a:t>
             </a:r>
-            <a:endParaRPr/>
+            <a:endParaRPr dirty="0"/>
           </a:p>
         </p:txBody>
       </p:sp>
       <p:sp>
         <p:nvSpPr>
           <p:cNvPr id="73" name="Google Shape;73;p14"/>
-          <p:cNvSpPr txBox="1"/>
+          <p:cNvSpPr txBox="1">
+            <a:spLocks noGrp="1"/>
+          </p:cNvSpPr>
           <p:nvPr>
-            <p:ph idx="1" type="body"/>
+            <p:ph type="body" idx="1"/>
           </p:nvPr>
         </p:nvSpPr>
         <p:spPr>
@@ -10947,12 +11213,12 @@
           </a:prstGeom>
         </p:spPr>
         <p:txBody>
-          <a:bodyPr anchorCtr="0" anchor="t" bIns="91425" lIns="91425" spcFirstLastPara="1" rIns="91425" wrap="square" tIns="91425">
+          <a:bodyPr spcFirstLastPara="1" wrap="square" lIns="91425" tIns="91425" rIns="91425" bIns="91425" anchor="t" anchorCtr="0">
             <a:noAutofit/>
           </a:bodyPr>
           <a:lstStyle/>
           <a:p>
-            <a:pPr indent="-342900" lvl="0" marL="457200" rtl="0" algn="l">
+            <a:pPr marL="457200" lvl="0" indent="-342900" algn="l" rtl="0">
               <a:spcBef>
                 <a:spcPts val="0"/>
               </a:spcBef>
@@ -10963,13 +11229,13 @@
               <a:buChar char="●"/>
             </a:pPr>
             <a:r>
-              <a:rPr lang="en"/>
+              <a:rPr lang="en" dirty="0"/>
               <a:t>Practice and practice more</a:t>
             </a:r>
-            <a:endParaRPr/>
-          </a:p>
-          <a:p>
-            <a:pPr indent="-342900" lvl="0" marL="457200" rtl="0" algn="l">
+            <a:endParaRPr dirty="0"/>
+          </a:p>
+          <a:p>
+            <a:pPr marL="457200" lvl="0" indent="-342900" algn="l" rtl="0">
               <a:spcBef>
                 <a:spcPts val="0"/>
               </a:spcBef>
@@ -10980,11 +11246,11 @@
               <a:buChar char="●"/>
             </a:pPr>
             <a:r>
-              <a:rPr lang="en"/>
+              <a:rPr lang="en" dirty="0"/>
               <a:t>Go to: </a:t>
             </a:r>
             <a:r>
-              <a:rPr lang="en" u="sng">
+              <a:rPr lang="en" u="sng" dirty="0">
                 <a:solidFill>
                   <a:schemeClr val="hlink"/>
                 </a:solidFill>
@@ -10992,10 +11258,10 @@
               </a:rPr>
               <a:t>https://scikit-learn.org/stable/supervised_learning.html#supervised-learning</a:t>
             </a:r>
-            <a:endParaRPr/>
-          </a:p>
-          <a:p>
-            <a:pPr indent="-317500" lvl="1" marL="914400" rtl="0" algn="l">
+            <a:endParaRPr dirty="0"/>
+          </a:p>
+          <a:p>
+            <a:pPr marL="914400" lvl="1" indent="-317500" algn="l" rtl="0">
               <a:spcBef>
                 <a:spcPts val="0"/>
               </a:spcBef>
@@ -11006,10 +11272,10 @@
               <a:buChar char="○"/>
             </a:pPr>
             <a:r>
-              <a:rPr lang="en"/>
+              <a:rPr lang="en" dirty="0"/>
               <a:t>Practice each example one-by-one</a:t>
             </a:r>
-            <a:endParaRPr/>
+            <a:endParaRPr dirty="0"/>
           </a:p>
         </p:txBody>
       </p:sp>
@@ -11022,11 +11288,11 @@
 </file>
 
 <file path=ppt/slides/slide20.xml><?xml version="1.0" encoding="utf-8"?>
-<p:sld xmlns:a="http://schemas.openxmlformats.org/drawingml/2006/main" xmlns:r="http://schemas.openxmlformats.org/officeDocument/2006/relationships" xmlns:mc="http://schemas.openxmlformats.org/markup-compatibility/2006" xmlns:mv="urn:schemas-microsoft-com:mac:vml" xmlns:p="http://schemas.openxmlformats.org/presentationml/2006/main" xmlns:c="http://schemas.openxmlformats.org/drawingml/2006/chart" xmlns:dgm="http://schemas.openxmlformats.org/drawingml/2006/diagram" xmlns:o="urn:schemas-microsoft-com:office:office" xmlns:v="urn:schemas-microsoft-com:vml" xmlns:pvml="urn:schemas-microsoft-com:office:powerpoint" xmlns:com="http://schemas.openxmlformats.org/drawingml/2006/compatibility" xmlns:p14="http://schemas.microsoft.com/office/powerpoint/2010/main" xmlns:p15="http://schemas.microsoft.com/office/powerpoint/2012/main" xmlns:ahyp="http://schemas.microsoft.com/office/drawing/2018/hyperlinkcolor">
+<p:sld xmlns:a="http://schemas.openxmlformats.org/drawingml/2006/main" xmlns:r="http://schemas.openxmlformats.org/officeDocument/2006/relationships" xmlns:p="http://schemas.openxmlformats.org/presentationml/2006/main">
   <p:cSld>
     <p:spTree>
       <p:nvGrpSpPr>
-        <p:cNvPr id="193" name="Shape 193"/>
+        <p:cNvPr id="1" name="Shape 193"/>
         <p:cNvGrpSpPr/>
         <p:nvPr/>
       </p:nvGrpSpPr>
@@ -11041,7 +11307,9 @@
       <p:sp>
         <p:nvSpPr>
           <p:cNvPr id="194" name="Google Shape;194;p32"/>
-          <p:cNvSpPr txBox="1"/>
+          <p:cNvSpPr txBox="1">
+            <a:spLocks noGrp="1"/>
+          </p:cNvSpPr>
           <p:nvPr>
             <p:ph type="title"/>
           </p:nvPr>
@@ -11056,12 +11324,12 @@
           </a:prstGeom>
         </p:spPr>
         <p:txBody>
-          <a:bodyPr anchorCtr="0" anchor="t" bIns="91425" lIns="91425" spcFirstLastPara="1" rIns="91425" wrap="square" tIns="91425">
+          <a:bodyPr spcFirstLastPara="1" wrap="square" lIns="91425" tIns="91425" rIns="91425" bIns="91425" anchor="t" anchorCtr="0">
             <a:noAutofit/>
           </a:bodyPr>
           <a:lstStyle/>
           <a:p>
-            <a:pPr indent="0" lvl="0" marL="0" rtl="0" algn="l">
+            <a:pPr marL="0" lvl="0" indent="0" algn="l" rtl="0">
               <a:spcBef>
                 <a:spcPts val="0"/>
               </a:spcBef>
@@ -11081,9 +11349,11 @@
       <p:sp>
         <p:nvSpPr>
           <p:cNvPr id="195" name="Google Shape;195;p32"/>
-          <p:cNvSpPr txBox="1"/>
+          <p:cNvSpPr txBox="1">
+            <a:spLocks noGrp="1"/>
+          </p:cNvSpPr>
           <p:nvPr>
-            <p:ph idx="1" type="body"/>
+            <p:ph type="body" idx="1"/>
           </p:nvPr>
         </p:nvSpPr>
         <p:spPr>
@@ -11096,12 +11366,12 @@
           </a:prstGeom>
         </p:spPr>
         <p:txBody>
-          <a:bodyPr anchorCtr="0" anchor="t" bIns="91425" lIns="91425" spcFirstLastPara="1" rIns="91425" wrap="square" tIns="91425">
+          <a:bodyPr spcFirstLastPara="1" wrap="square" lIns="91425" tIns="91425" rIns="91425" bIns="91425" anchor="t" anchorCtr="0">
             <a:noAutofit/>
           </a:bodyPr>
           <a:lstStyle/>
           <a:p>
-            <a:pPr indent="0" lvl="0" marL="0" rtl="0" algn="l">
+            <a:pPr marL="0" lvl="0" indent="0" algn="l" rtl="0">
               <a:lnSpc>
                 <a:spcPct val="100000"/>
               </a:lnSpc>
@@ -11136,7 +11406,7 @@
             </a:endParaRPr>
           </a:p>
           <a:p>
-            <a:pPr indent="-393700" lvl="0" marL="457200" rtl="0" algn="l">
+            <a:pPr marL="457200" lvl="0" indent="-393700" algn="l" rtl="0">
               <a:lnSpc>
                 <a:spcPct val="100000"/>
               </a:lnSpc>
@@ -11166,7 +11436,7 @@
               <a:t>Dataset: </a:t>
             </a:r>
             <a:r>
-              <a:rPr b="1" lang="en" sz="2600">
+              <a:rPr lang="en" sz="2600" b="1">
                 <a:solidFill>
                   <a:srgbClr val="000000"/>
                 </a:solidFill>
@@ -11190,7 +11460,7 @@
               <a:t> (</a:t>
             </a:r>
             <a:r>
-              <a:rPr b="1" lang="en" sz="2600">
+              <a:rPr lang="en" sz="2600" b="1">
                 <a:solidFill>
                   <a:srgbClr val="000000"/>
                 </a:solidFill>
@@ -11224,7 +11494,7 @@
             </a:endParaRPr>
           </a:p>
           <a:p>
-            <a:pPr indent="-393700" lvl="0" marL="457200" rtl="0" algn="l">
+            <a:pPr marL="457200" lvl="0" indent="-393700" algn="l" rtl="0">
               <a:lnSpc>
                 <a:spcPct val="100000"/>
               </a:lnSpc>
@@ -11254,7 +11524,7 @@
               <a:t>Algorithm: Compare between </a:t>
             </a:r>
             <a:r>
-              <a:rPr b="1" lang="en" sz="2600">
+              <a:rPr lang="en" sz="2600" b="1">
                 <a:solidFill>
                   <a:srgbClr val="000000"/>
                 </a:solidFill>
@@ -11278,7 +11548,7 @@
               <a:t> and </a:t>
             </a:r>
             <a:r>
-              <a:rPr b="1" lang="en" sz="2600">
+              <a:rPr lang="en" sz="2600" b="1">
                 <a:solidFill>
                   <a:srgbClr val="000000"/>
                 </a:solidFill>
@@ -11312,7 +11582,7 @@
             </a:endParaRPr>
           </a:p>
           <a:p>
-            <a:pPr indent="-393700" lvl="0" marL="457200" rtl="0" algn="l">
+            <a:pPr marL="457200" lvl="0" indent="-393700" algn="l" rtl="0">
               <a:lnSpc>
                 <a:spcPct val="100000"/>
               </a:lnSpc>
@@ -11352,7 +11622,7 @@
             </a:endParaRPr>
           </a:p>
           <a:p>
-            <a:pPr indent="0" lvl="0" marL="0" rtl="0" algn="l">
+            <a:pPr marL="0" lvl="0" indent="0" algn="l" rtl="0">
               <a:spcBef>
                 <a:spcPts val="0"/>
               </a:spcBef>
@@ -11361,9 +11631,6 @@
               </a:spcAft>
               <a:buNone/>
             </a:pPr>
-            <a:r>
-              <a:t/>
-            </a:r>
             <a:endParaRPr/>
           </a:p>
         </p:txBody>
@@ -11377,11 +11644,11 @@
 </file>
 
 <file path=ppt/slides/slide21.xml><?xml version="1.0" encoding="utf-8"?>
-<p:sld xmlns:a="http://schemas.openxmlformats.org/drawingml/2006/main" xmlns:r="http://schemas.openxmlformats.org/officeDocument/2006/relationships" xmlns:mc="http://schemas.openxmlformats.org/markup-compatibility/2006" xmlns:mv="urn:schemas-microsoft-com:mac:vml" xmlns:p="http://schemas.openxmlformats.org/presentationml/2006/main" xmlns:c="http://schemas.openxmlformats.org/drawingml/2006/chart" xmlns:dgm="http://schemas.openxmlformats.org/drawingml/2006/diagram" xmlns:o="urn:schemas-microsoft-com:office:office" xmlns:v="urn:schemas-microsoft-com:vml" xmlns:pvml="urn:schemas-microsoft-com:office:powerpoint" xmlns:com="http://schemas.openxmlformats.org/drawingml/2006/compatibility" xmlns:p14="http://schemas.microsoft.com/office/powerpoint/2010/main" xmlns:p15="http://schemas.microsoft.com/office/powerpoint/2012/main" xmlns:ahyp="http://schemas.microsoft.com/office/drawing/2018/hyperlinkcolor">
+<p:sld xmlns:a="http://schemas.openxmlformats.org/drawingml/2006/main" xmlns:r="http://schemas.openxmlformats.org/officeDocument/2006/relationships" xmlns:p="http://schemas.openxmlformats.org/presentationml/2006/main">
   <p:cSld>
     <p:spTree>
       <p:nvGrpSpPr>
-        <p:cNvPr id="199" name="Shape 199"/>
+        <p:cNvPr id="1" name="Shape 199"/>
         <p:cNvGrpSpPr/>
         <p:nvPr/>
       </p:nvGrpSpPr>
@@ -11396,7 +11663,9 @@
       <p:sp>
         <p:nvSpPr>
           <p:cNvPr id="200" name="Google Shape;200;p33"/>
-          <p:cNvSpPr txBox="1"/>
+          <p:cNvSpPr txBox="1">
+            <a:spLocks noGrp="1"/>
+          </p:cNvSpPr>
           <p:nvPr>
             <p:ph type="title"/>
           </p:nvPr>
@@ -11411,12 +11680,12 @@
           </a:prstGeom>
         </p:spPr>
         <p:txBody>
-          <a:bodyPr anchorCtr="0" anchor="t" bIns="91425" lIns="91425" spcFirstLastPara="1" rIns="91425" wrap="square" tIns="91425">
+          <a:bodyPr spcFirstLastPara="1" wrap="square" lIns="91425" tIns="91425" rIns="91425" bIns="91425" anchor="t" anchorCtr="0">
             <a:noAutofit/>
           </a:bodyPr>
           <a:lstStyle/>
           <a:p>
-            <a:pPr indent="0" lvl="0" marL="0" rtl="0" algn="l">
+            <a:pPr marL="0" lvl="0" indent="0" algn="l" rtl="0">
               <a:spcBef>
                 <a:spcPts val="0"/>
               </a:spcBef>
@@ -11436,9 +11705,11 @@
       <p:sp>
         <p:nvSpPr>
           <p:cNvPr id="201" name="Google Shape;201;p33"/>
-          <p:cNvSpPr txBox="1"/>
+          <p:cNvSpPr txBox="1">
+            <a:spLocks noGrp="1"/>
+          </p:cNvSpPr>
           <p:nvPr>
-            <p:ph idx="1" type="body"/>
+            <p:ph type="body" idx="1"/>
           </p:nvPr>
         </p:nvSpPr>
         <p:spPr>
@@ -11451,12 +11722,12 @@
           </a:prstGeom>
         </p:spPr>
         <p:txBody>
-          <a:bodyPr anchorCtr="0" anchor="t" bIns="91425" lIns="91425" spcFirstLastPara="1" rIns="91425" wrap="square" tIns="91425">
+          <a:bodyPr spcFirstLastPara="1" wrap="square" lIns="91425" tIns="91425" rIns="91425" bIns="91425" anchor="t" anchorCtr="0">
             <a:noAutofit/>
           </a:bodyPr>
           <a:lstStyle/>
           <a:p>
-            <a:pPr indent="-342900" lvl="0" marL="457200" rtl="0" algn="l">
+            <a:pPr marL="457200" lvl="0" indent="-342900" algn="l" rtl="0">
               <a:spcBef>
                 <a:spcPts val="0"/>
               </a:spcBef>
@@ -11473,7 +11744,7 @@
             <a:endParaRPr/>
           </a:p>
           <a:p>
-            <a:pPr indent="-342900" lvl="0" marL="457200" rtl="0" algn="l">
+            <a:pPr marL="457200" lvl="0" indent="-342900" algn="l" rtl="0">
               <a:spcBef>
                 <a:spcPts val="0"/>
               </a:spcBef>
@@ -11500,11 +11771,11 @@
 </file>
 
 <file path=ppt/slides/slide3.xml><?xml version="1.0" encoding="utf-8"?>
-<p:sld xmlns:a="http://schemas.openxmlformats.org/drawingml/2006/main" xmlns:r="http://schemas.openxmlformats.org/officeDocument/2006/relationships" xmlns:mc="http://schemas.openxmlformats.org/markup-compatibility/2006" xmlns:mv="urn:schemas-microsoft-com:mac:vml" xmlns:p="http://schemas.openxmlformats.org/presentationml/2006/main" xmlns:c="http://schemas.openxmlformats.org/drawingml/2006/chart" xmlns:dgm="http://schemas.openxmlformats.org/drawingml/2006/diagram" xmlns:o="urn:schemas-microsoft-com:office:office" xmlns:v="urn:schemas-microsoft-com:vml" xmlns:pvml="urn:schemas-microsoft-com:office:powerpoint" xmlns:com="http://schemas.openxmlformats.org/drawingml/2006/compatibility" xmlns:p14="http://schemas.microsoft.com/office/powerpoint/2010/main" xmlns:p15="http://schemas.microsoft.com/office/powerpoint/2012/main" xmlns:ahyp="http://schemas.microsoft.com/office/drawing/2018/hyperlinkcolor">
+<p:sld xmlns:a="http://schemas.openxmlformats.org/drawingml/2006/main" xmlns:r="http://schemas.openxmlformats.org/officeDocument/2006/relationships" xmlns:p="http://schemas.openxmlformats.org/presentationml/2006/main">
   <p:cSld>
     <p:spTree>
       <p:nvGrpSpPr>
-        <p:cNvPr id="77" name="Shape 77"/>
+        <p:cNvPr id="1" name="Shape 77"/>
         <p:cNvGrpSpPr/>
         <p:nvPr/>
       </p:nvGrpSpPr>
@@ -11519,7 +11790,9 @@
       <p:sp>
         <p:nvSpPr>
           <p:cNvPr id="78" name="Google Shape;78;p15"/>
-          <p:cNvSpPr txBox="1"/>
+          <p:cNvSpPr txBox="1">
+            <a:spLocks noGrp="1"/>
+          </p:cNvSpPr>
           <p:nvPr>
             <p:ph type="title"/>
           </p:nvPr>
@@ -11534,12 +11807,12 @@
           </a:prstGeom>
         </p:spPr>
         <p:txBody>
-          <a:bodyPr anchorCtr="0" anchor="t" bIns="91425" lIns="91425" spcFirstLastPara="1" rIns="91425" wrap="square" tIns="91425">
+          <a:bodyPr spcFirstLastPara="1" wrap="square" lIns="91425" tIns="91425" rIns="91425" bIns="91425" anchor="t" anchorCtr="0">
             <a:noAutofit/>
           </a:bodyPr>
           <a:lstStyle/>
           <a:p>
-            <a:pPr indent="0" lvl="0" marL="0" rtl="0" algn="l">
+            <a:pPr marL="0" lvl="0" indent="0" algn="l" rtl="0">
               <a:spcBef>
                 <a:spcPts val="0"/>
               </a:spcBef>
@@ -11559,9 +11832,11 @@
       <p:sp>
         <p:nvSpPr>
           <p:cNvPr id="79" name="Google Shape;79;p15"/>
-          <p:cNvSpPr txBox="1"/>
+          <p:cNvSpPr txBox="1">
+            <a:spLocks noGrp="1"/>
+          </p:cNvSpPr>
           <p:nvPr>
-            <p:ph idx="1" type="body"/>
+            <p:ph type="body" idx="1"/>
           </p:nvPr>
         </p:nvSpPr>
         <p:spPr>
@@ -11574,12 +11849,12 @@
           </a:prstGeom>
         </p:spPr>
         <p:txBody>
-          <a:bodyPr anchorCtr="0" anchor="t" bIns="91425" lIns="91425" spcFirstLastPara="1" rIns="91425" wrap="square" tIns="91425">
+          <a:bodyPr spcFirstLastPara="1" wrap="square" lIns="91425" tIns="91425" rIns="91425" bIns="91425" anchor="t" anchorCtr="0">
             <a:noAutofit/>
           </a:bodyPr>
           <a:lstStyle/>
           <a:p>
-            <a:pPr indent="-342900" lvl="0" marL="457200" rtl="0" algn="l">
+            <a:pPr marL="457200" lvl="0" indent="-342900" algn="l" rtl="0">
               <a:spcBef>
                 <a:spcPts val="0"/>
               </a:spcBef>
@@ -11605,7 +11880,7 @@
             <a:endParaRPr/>
           </a:p>
           <a:p>
-            <a:pPr indent="-342900" lvl="0" marL="457200" rtl="0" algn="l">
+            <a:pPr marL="457200" lvl="0" indent="-342900" algn="l" rtl="0">
               <a:spcBef>
                 <a:spcPts val="0"/>
               </a:spcBef>
@@ -11631,7 +11906,7 @@
             <a:endParaRPr/>
           </a:p>
           <a:p>
-            <a:pPr indent="-342900" lvl="0" marL="457200" rtl="0" algn="l">
+            <a:pPr marL="457200" lvl="0" indent="-342900" algn="l" rtl="0">
               <a:spcBef>
                 <a:spcPts val="0"/>
               </a:spcBef>
@@ -11670,7 +11945,7 @@
             <a:endParaRPr/>
           </a:p>
           <a:p>
-            <a:pPr indent="-342900" lvl="0" marL="457200" rtl="0" algn="l">
+            <a:pPr marL="457200" lvl="0" indent="-342900" algn="l" rtl="0">
               <a:spcBef>
                 <a:spcPts val="0"/>
               </a:spcBef>
@@ -11696,7 +11971,7 @@
             <a:endParaRPr/>
           </a:p>
           <a:p>
-            <a:pPr indent="-342900" lvl="0" marL="457200" rtl="0" algn="l">
+            <a:pPr marL="457200" lvl="0" indent="-342900" algn="l" rtl="0">
               <a:spcBef>
                 <a:spcPts val="0"/>
               </a:spcBef>
@@ -11713,7 +11988,7 @@
             <a:endParaRPr/>
           </a:p>
           <a:p>
-            <a:pPr indent="0" lvl="0" marL="0" rtl="0" algn="l">
+            <a:pPr marL="0" lvl="0" indent="0" algn="l" rtl="0">
               <a:spcBef>
                 <a:spcPts val="1600"/>
               </a:spcBef>
@@ -11722,9 +11997,6 @@
               </a:spcAft>
               <a:buNone/>
             </a:pPr>
-            <a:r>
-              <a:t/>
-            </a:r>
             <a:endParaRPr/>
           </a:p>
         </p:txBody>
@@ -11738,11 +12010,11 @@
 </file>
 
 <file path=ppt/slides/slide4.xml><?xml version="1.0" encoding="utf-8"?>
-<p:sld xmlns:a="http://schemas.openxmlformats.org/drawingml/2006/main" xmlns:r="http://schemas.openxmlformats.org/officeDocument/2006/relationships" xmlns:mc="http://schemas.openxmlformats.org/markup-compatibility/2006" xmlns:mv="urn:schemas-microsoft-com:mac:vml" xmlns:p="http://schemas.openxmlformats.org/presentationml/2006/main" xmlns:c="http://schemas.openxmlformats.org/drawingml/2006/chart" xmlns:dgm="http://schemas.openxmlformats.org/drawingml/2006/diagram" xmlns:o="urn:schemas-microsoft-com:office:office" xmlns:v="urn:schemas-microsoft-com:vml" xmlns:pvml="urn:schemas-microsoft-com:office:powerpoint" xmlns:com="http://schemas.openxmlformats.org/drawingml/2006/compatibility" xmlns:p14="http://schemas.microsoft.com/office/powerpoint/2010/main" xmlns:p15="http://schemas.microsoft.com/office/powerpoint/2012/main" xmlns:ahyp="http://schemas.microsoft.com/office/drawing/2018/hyperlinkcolor">
+<p:sld xmlns:a="http://schemas.openxmlformats.org/drawingml/2006/main" xmlns:r="http://schemas.openxmlformats.org/officeDocument/2006/relationships" xmlns:p="http://schemas.openxmlformats.org/presentationml/2006/main">
   <p:cSld>
     <p:spTree>
       <p:nvGrpSpPr>
-        <p:cNvPr id="83" name="Shape 83"/>
+        <p:cNvPr id="1" name="Shape 83"/>
         <p:cNvGrpSpPr/>
         <p:nvPr/>
       </p:nvGrpSpPr>
@@ -11757,7 +12029,9 @@
       <p:sp>
         <p:nvSpPr>
           <p:cNvPr id="84" name="Google Shape;84;p16"/>
-          <p:cNvSpPr txBox="1"/>
+          <p:cNvSpPr txBox="1">
+            <a:spLocks noGrp="1"/>
+          </p:cNvSpPr>
           <p:nvPr>
             <p:ph type="title"/>
           </p:nvPr>
@@ -11772,12 +12046,12 @@
           </a:prstGeom>
         </p:spPr>
         <p:txBody>
-          <a:bodyPr anchorCtr="0" anchor="t" bIns="91425" lIns="91425" spcFirstLastPara="1" rIns="91425" wrap="square" tIns="91425">
+          <a:bodyPr spcFirstLastPara="1" wrap="square" lIns="91425" tIns="91425" rIns="91425" bIns="91425" anchor="t" anchorCtr="0">
             <a:noAutofit/>
           </a:bodyPr>
           <a:lstStyle/>
           <a:p>
-            <a:pPr indent="0" lvl="0" marL="0" rtl="0" algn="l">
+            <a:pPr marL="0" lvl="0" indent="0" algn="l" rtl="0">
               <a:spcBef>
                 <a:spcPts val="0"/>
               </a:spcBef>
@@ -11793,7 +12067,7 @@
             <a:endParaRPr/>
           </a:p>
           <a:p>
-            <a:pPr indent="0" lvl="0" marL="0" rtl="0" algn="l">
+            <a:pPr marL="0" lvl="0" indent="0" algn="l" rtl="0">
               <a:spcBef>
                 <a:spcPts val="0"/>
               </a:spcBef>
@@ -11802,9 +12076,6 @@
               </a:spcAft>
               <a:buNone/>
             </a:pPr>
-            <a:r>
-              <a:t/>
-            </a:r>
             <a:endParaRPr/>
           </a:p>
         </p:txBody>
@@ -11812,9 +12083,11 @@
       <p:sp>
         <p:nvSpPr>
           <p:cNvPr id="85" name="Google Shape;85;p16"/>
-          <p:cNvSpPr txBox="1"/>
+          <p:cNvSpPr txBox="1">
+            <a:spLocks noGrp="1"/>
+          </p:cNvSpPr>
           <p:nvPr>
-            <p:ph idx="1" type="body"/>
+            <p:ph type="body" idx="1"/>
           </p:nvPr>
         </p:nvSpPr>
         <p:spPr>
@@ -11827,12 +12100,12 @@
           </a:prstGeom>
         </p:spPr>
         <p:txBody>
-          <a:bodyPr anchorCtr="0" anchor="t" bIns="91425" lIns="91425" spcFirstLastPara="1" rIns="91425" wrap="square" tIns="91425">
+          <a:bodyPr spcFirstLastPara="1" wrap="square" lIns="91425" tIns="91425" rIns="91425" bIns="91425" anchor="t" anchorCtr="0">
             <a:noAutofit/>
           </a:bodyPr>
           <a:lstStyle/>
           <a:p>
-            <a:pPr indent="-301625" lvl="0" marL="457200" rtl="0" algn="l">
+            <a:pPr marL="457200" lvl="0" indent="-301625" algn="l" rtl="0">
               <a:spcBef>
                 <a:spcPts val="0"/>
               </a:spcBef>
@@ -11872,7 +12145,7 @@
             </a:endParaRPr>
           </a:p>
           <a:p>
-            <a:pPr indent="-301625" lvl="1" marL="914400" rtl="0" algn="l">
+            <a:pPr marL="914400" lvl="1" indent="-301625" algn="l" rtl="0">
               <a:spcBef>
                 <a:spcPts val="0"/>
               </a:spcBef>
@@ -11930,7 +12203,7 @@
             </a:endParaRPr>
           </a:p>
           <a:p>
-            <a:pPr indent="0" lvl="0" marL="1828800" rtl="0" algn="l">
+            <a:pPr marL="1828800" lvl="0" indent="0" algn="l" rtl="0">
               <a:spcBef>
                 <a:spcPts val="1600"/>
               </a:spcBef>
@@ -11939,9 +12212,6 @@
               </a:spcAft>
               <a:buNone/>
             </a:pPr>
-            <a:r>
-              <a:t/>
-            </a:r>
             <a:endParaRPr sz="1150">
               <a:solidFill>
                 <a:srgbClr val="000000"/>
@@ -11956,7 +12226,7 @@
             </a:endParaRPr>
           </a:p>
           <a:p>
-            <a:pPr indent="0" lvl="0" marL="0" rtl="0" algn="l">
+            <a:pPr marL="0" lvl="0" indent="0" algn="l" rtl="0">
               <a:spcBef>
                 <a:spcPts val="1600"/>
               </a:spcBef>
@@ -11965,9 +12235,6 @@
               </a:spcAft>
               <a:buNone/>
             </a:pPr>
-            <a:r>
-              <a:t/>
-            </a:r>
             <a:endParaRPr sz="1150">
               <a:solidFill>
                 <a:srgbClr val="000000"/>
@@ -12048,11 +12315,11 @@
 </file>
 
 <file path=ppt/slides/slide5.xml><?xml version="1.0" encoding="utf-8"?>
-<p:sld xmlns:a="http://schemas.openxmlformats.org/drawingml/2006/main" xmlns:r="http://schemas.openxmlformats.org/officeDocument/2006/relationships" xmlns:mc="http://schemas.openxmlformats.org/markup-compatibility/2006" xmlns:mv="urn:schemas-microsoft-com:mac:vml" xmlns:p="http://schemas.openxmlformats.org/presentationml/2006/main" xmlns:c="http://schemas.openxmlformats.org/drawingml/2006/chart" xmlns:dgm="http://schemas.openxmlformats.org/drawingml/2006/diagram" xmlns:o="urn:schemas-microsoft-com:office:office" xmlns:v="urn:schemas-microsoft-com:vml" xmlns:pvml="urn:schemas-microsoft-com:office:powerpoint" xmlns:com="http://schemas.openxmlformats.org/drawingml/2006/compatibility" xmlns:p14="http://schemas.microsoft.com/office/powerpoint/2010/main" xmlns:p15="http://schemas.microsoft.com/office/powerpoint/2012/main" xmlns:ahyp="http://schemas.microsoft.com/office/drawing/2018/hyperlinkcolor">
+<p:sld xmlns:a="http://schemas.openxmlformats.org/drawingml/2006/main" xmlns:r="http://schemas.openxmlformats.org/officeDocument/2006/relationships" xmlns:p="http://schemas.openxmlformats.org/presentationml/2006/main">
   <p:cSld>
     <p:spTree>
       <p:nvGrpSpPr>
-        <p:cNvPr id="91" name="Shape 91"/>
+        <p:cNvPr id="1" name="Shape 91"/>
         <p:cNvGrpSpPr/>
         <p:nvPr/>
       </p:nvGrpSpPr>
@@ -12067,7 +12334,9 @@
       <p:sp>
         <p:nvSpPr>
           <p:cNvPr id="92" name="Google Shape;92;p17"/>
-          <p:cNvSpPr txBox="1"/>
+          <p:cNvSpPr txBox="1">
+            <a:spLocks noGrp="1"/>
+          </p:cNvSpPr>
           <p:nvPr>
             <p:ph type="title"/>
           </p:nvPr>
@@ -12082,12 +12351,12 @@
           </a:prstGeom>
         </p:spPr>
         <p:txBody>
-          <a:bodyPr anchorCtr="0" anchor="t" bIns="91425" lIns="91425" spcFirstLastPara="1" rIns="91425" wrap="square" tIns="91425">
+          <a:bodyPr spcFirstLastPara="1" wrap="square" lIns="91425" tIns="91425" rIns="91425" bIns="91425" anchor="t" anchorCtr="0">
             <a:noAutofit/>
           </a:bodyPr>
           <a:lstStyle/>
           <a:p>
-            <a:pPr indent="0" lvl="0" marL="0" rtl="0" algn="l">
+            <a:pPr marL="0" lvl="0" indent="0" algn="l" rtl="0">
               <a:spcBef>
                 <a:spcPts val="0"/>
               </a:spcBef>
@@ -12107,9 +12376,11 @@
       <p:sp>
         <p:nvSpPr>
           <p:cNvPr id="93" name="Google Shape;93;p17"/>
-          <p:cNvSpPr txBox="1"/>
+          <p:cNvSpPr txBox="1">
+            <a:spLocks noGrp="1"/>
+          </p:cNvSpPr>
           <p:nvPr>
-            <p:ph idx="1" type="body"/>
+            <p:ph type="body" idx="1"/>
           </p:nvPr>
         </p:nvSpPr>
         <p:spPr>
@@ -12122,12 +12393,12 @@
           </a:prstGeom>
         </p:spPr>
         <p:txBody>
-          <a:bodyPr anchorCtr="0" anchor="t" bIns="91425" lIns="91425" spcFirstLastPara="1" rIns="91425" wrap="square" tIns="91425">
+          <a:bodyPr spcFirstLastPara="1" wrap="square" lIns="91425" tIns="91425" rIns="91425" bIns="91425" anchor="t" anchorCtr="0">
             <a:noAutofit/>
           </a:bodyPr>
           <a:lstStyle/>
           <a:p>
-            <a:pPr indent="0" lvl="0" marL="0" rtl="0" algn="l">
+            <a:pPr marL="0" lvl="0" indent="0" algn="l" rtl="0">
               <a:spcBef>
                 <a:spcPts val="0"/>
               </a:spcBef>
@@ -12136,13 +12407,10 @@
               </a:spcAft>
               <a:buNone/>
             </a:pPr>
-            <a:r>
-              <a:t/>
-            </a:r>
             <a:endParaRPr/>
           </a:p>
           <a:p>
-            <a:pPr indent="0" lvl="0" marL="0" rtl="0" algn="l">
+            <a:pPr marL="0" lvl="0" indent="0" algn="l" rtl="0">
               <a:spcBef>
                 <a:spcPts val="1600"/>
               </a:spcBef>
@@ -12151,13 +12419,10 @@
               </a:spcAft>
               <a:buNone/>
             </a:pPr>
-            <a:r>
-              <a:t/>
-            </a:r>
             <a:endParaRPr/>
           </a:p>
           <a:p>
-            <a:pPr indent="0" lvl="0" marL="0" rtl="0" algn="l">
+            <a:pPr marL="0" lvl="0" indent="0" algn="l" rtl="0">
               <a:spcBef>
                 <a:spcPts val="1600"/>
               </a:spcBef>
@@ -12166,13 +12431,10 @@
               </a:spcAft>
               <a:buNone/>
             </a:pPr>
-            <a:r>
-              <a:t/>
-            </a:r>
             <a:endParaRPr/>
           </a:p>
           <a:p>
-            <a:pPr indent="-301625" lvl="0" marL="457200" marR="25400" rtl="0" algn="l">
+            <a:pPr marL="457200" marR="25400" lvl="0" indent="-301625" algn="l" rtl="0">
               <a:lnSpc>
                 <a:spcPct val="163043"/>
               </a:lnSpc>
@@ -12190,7 +12452,7 @@
               <a:buChar char="●"/>
             </a:pPr>
             <a:r>
-              <a:rPr b="1" lang="en" sz="1150">
+              <a:rPr lang="en" sz="1150" b="1">
                 <a:solidFill>
                   <a:srgbClr val="000000"/>
                 </a:solidFill>
@@ -12233,7 +12495,7 @@
             </a:endParaRPr>
           </a:p>
           <a:p>
-            <a:pPr indent="-301625" lvl="0" marL="457200" marR="25400" rtl="0" algn="l">
+            <a:pPr marL="457200" marR="25400" lvl="0" indent="-301625" algn="l" rtl="0">
               <a:lnSpc>
                 <a:spcPct val="163043"/>
               </a:lnSpc>
@@ -12251,7 +12513,7 @@
               <a:buChar char="●"/>
             </a:pPr>
             <a:r>
-              <a:rPr b="1" lang="en" sz="1150">
+              <a:rPr lang="en" sz="1150" b="1">
                 <a:solidFill>
                   <a:srgbClr val="000000"/>
                 </a:solidFill>
@@ -12294,7 +12556,7 @@
             </a:endParaRPr>
           </a:p>
           <a:p>
-            <a:pPr indent="-301625" lvl="0" marL="457200" marR="25400" rtl="0" algn="l">
+            <a:pPr marL="457200" marR="25400" lvl="0" indent="-301625" algn="l" rtl="0">
               <a:lnSpc>
                 <a:spcPct val="163043"/>
               </a:lnSpc>
@@ -12312,7 +12574,7 @@
               <a:buChar char="●"/>
             </a:pPr>
             <a:r>
-              <a:rPr b="1" lang="en" sz="1150">
+              <a:rPr lang="en" sz="1150" b="1">
                 <a:solidFill>
                   <a:srgbClr val="000000"/>
                 </a:solidFill>
@@ -12342,7 +12604,7 @@
               <a:t> If our algorithm works well with the training dataset but not well with test dataset, then such problem is called </a:t>
             </a:r>
             <a:r>
-              <a:rPr b="1" lang="en" sz="1150">
+              <a:rPr lang="en" sz="1150" b="1">
                 <a:solidFill>
                   <a:srgbClr val="000000"/>
                 </a:solidFill>
@@ -12372,7 +12634,7 @@
               <a:t>. And if our algorithm does not perform well even with training dataset, then such problem is called </a:t>
             </a:r>
             <a:r>
-              <a:rPr b="1" lang="en" sz="1150">
+              <a:rPr lang="en" sz="1150" b="1">
                 <a:solidFill>
                   <a:srgbClr val="000000"/>
                 </a:solidFill>
@@ -12415,7 +12677,7 @@
             </a:endParaRPr>
           </a:p>
           <a:p>
-            <a:pPr indent="0" lvl="0" marL="0" rtl="0" algn="l">
+            <a:pPr marL="0" lvl="0" indent="0" algn="l" rtl="0">
               <a:spcBef>
                 <a:spcPts val="1100"/>
               </a:spcBef>
@@ -12424,9 +12686,6 @@
               </a:spcAft>
               <a:buNone/>
             </a:pPr>
-            <a:r>
-              <a:t/>
-            </a:r>
             <a:endParaRPr/>
           </a:p>
         </p:txBody>
@@ -12496,11 +12755,11 @@
 </file>
 
 <file path=ppt/slides/slide6.xml><?xml version="1.0" encoding="utf-8"?>
-<p:sld xmlns:a="http://schemas.openxmlformats.org/drawingml/2006/main" xmlns:r="http://schemas.openxmlformats.org/officeDocument/2006/relationships" xmlns:mc="http://schemas.openxmlformats.org/markup-compatibility/2006" xmlns:mv="urn:schemas-microsoft-com:mac:vml" xmlns:p="http://schemas.openxmlformats.org/presentationml/2006/main" xmlns:c="http://schemas.openxmlformats.org/drawingml/2006/chart" xmlns:dgm="http://schemas.openxmlformats.org/drawingml/2006/diagram" xmlns:o="urn:schemas-microsoft-com:office:office" xmlns:v="urn:schemas-microsoft-com:vml" xmlns:pvml="urn:schemas-microsoft-com:office:powerpoint" xmlns:com="http://schemas.openxmlformats.org/drawingml/2006/compatibility" xmlns:p14="http://schemas.microsoft.com/office/powerpoint/2010/main" xmlns:p15="http://schemas.microsoft.com/office/powerpoint/2012/main" xmlns:ahyp="http://schemas.microsoft.com/office/drawing/2018/hyperlinkcolor">
+<p:sld xmlns:a="http://schemas.openxmlformats.org/drawingml/2006/main" xmlns:r="http://schemas.openxmlformats.org/officeDocument/2006/relationships" xmlns:p="http://schemas.openxmlformats.org/presentationml/2006/main">
   <p:cSld>
     <p:spTree>
       <p:nvGrpSpPr>
-        <p:cNvPr id="99" name="Shape 99"/>
+        <p:cNvPr id="1" name="Shape 99"/>
         <p:cNvGrpSpPr/>
         <p:nvPr/>
       </p:nvGrpSpPr>
@@ -12515,7 +12774,9 @@
       <p:sp>
         <p:nvSpPr>
           <p:cNvPr id="100" name="Google Shape;100;p18"/>
-          <p:cNvSpPr txBox="1"/>
+          <p:cNvSpPr txBox="1">
+            <a:spLocks noGrp="1"/>
+          </p:cNvSpPr>
           <p:nvPr>
             <p:ph type="title"/>
           </p:nvPr>
@@ -12530,12 +12791,12 @@
           </a:prstGeom>
         </p:spPr>
         <p:txBody>
-          <a:bodyPr anchorCtr="0" anchor="t" bIns="91425" lIns="91425" spcFirstLastPara="1" rIns="91425" wrap="square" tIns="91425">
+          <a:bodyPr spcFirstLastPara="1" wrap="square" lIns="91425" tIns="91425" rIns="91425" bIns="91425" anchor="t" anchorCtr="0">
             <a:noAutofit/>
           </a:bodyPr>
           <a:lstStyle/>
           <a:p>
-            <a:pPr indent="0" lvl="0" marL="0" rtl="0" algn="l">
+            <a:pPr marL="0" lvl="0" indent="0" algn="l" rtl="0">
               <a:spcBef>
                 <a:spcPts val="0"/>
               </a:spcBef>
@@ -12555,9 +12816,11 @@
       <p:sp>
         <p:nvSpPr>
           <p:cNvPr id="101" name="Google Shape;101;p18"/>
-          <p:cNvSpPr txBox="1"/>
+          <p:cNvSpPr txBox="1">
+            <a:spLocks noGrp="1"/>
+          </p:cNvSpPr>
           <p:nvPr>
-            <p:ph idx="1" type="body"/>
+            <p:ph type="body" idx="1"/>
           </p:nvPr>
         </p:nvSpPr>
         <p:spPr>
@@ -12570,12 +12833,12 @@
           </a:prstGeom>
         </p:spPr>
         <p:txBody>
-          <a:bodyPr anchorCtr="0" anchor="t" bIns="91425" lIns="91425" spcFirstLastPara="1" rIns="91425" wrap="square" tIns="91425">
+          <a:bodyPr spcFirstLastPara="1" wrap="square" lIns="91425" tIns="91425" rIns="91425" bIns="91425" anchor="t" anchorCtr="0">
             <a:noAutofit/>
           </a:bodyPr>
           <a:lstStyle/>
           <a:p>
-            <a:pPr indent="-342900" lvl="0" marL="457200" rtl="0" algn="l">
+            <a:pPr marL="457200" lvl="0" indent="-342900" algn="l" rtl="0">
               <a:spcBef>
                 <a:spcPts val="0"/>
               </a:spcBef>
@@ -12603,7 +12866,7 @@
             </a:endParaRPr>
           </a:p>
           <a:p>
-            <a:pPr indent="-342900" lvl="1" marL="914400" rtl="0" algn="l">
+            <a:pPr marL="914400" lvl="1" indent="-342900" algn="l" rtl="0">
               <a:spcBef>
                 <a:spcPts val="0"/>
               </a:spcBef>
@@ -12643,7 +12906,7 @@
             </a:endParaRPr>
           </a:p>
           <a:p>
-            <a:pPr indent="-342900" lvl="2" marL="1371600" rtl="0" algn="l">
+            <a:pPr marL="1371600" lvl="2" indent="-342900" algn="l" rtl="0">
               <a:spcBef>
                 <a:spcPts val="0"/>
               </a:spcBef>
@@ -12686,7 +12949,7 @@
             </a:endParaRPr>
           </a:p>
           <a:p>
-            <a:pPr indent="-342900" lvl="0" marL="457200" marR="0" rtl="0" algn="l">
+            <a:pPr marL="457200" marR="0" lvl="0" indent="-342900" algn="l" rtl="0">
               <a:lnSpc>
                 <a:spcPct val="115000"/>
               </a:lnSpc>
@@ -12724,7 +12987,7 @@
               <a:t> coefficient estimates for Ordinary Least Squares rely on the independence of the features. When features are correlated and the columns of the design matrix have an approximate linear dependence, the design matrix becomes close to singular and as a result, the least-squares estimate becomes highly sensitive to random errors in the observed target, producing a large variance. This situation of </a:t>
             </a:r>
             <a:r>
-              <a:rPr i="1" lang="en">
+              <a:rPr lang="en" i="1">
                 <a:solidFill>
                   <a:srgbClr val="212529"/>
                 </a:solidFill>
@@ -12777,11 +13040,11 @@
 </file>
 
 <file path=ppt/slides/slide7.xml><?xml version="1.0" encoding="utf-8"?>
-<p:sld xmlns:a="http://schemas.openxmlformats.org/drawingml/2006/main" xmlns:r="http://schemas.openxmlformats.org/officeDocument/2006/relationships" xmlns:mc="http://schemas.openxmlformats.org/markup-compatibility/2006" xmlns:mv="urn:schemas-microsoft-com:mac:vml" xmlns:p="http://schemas.openxmlformats.org/presentationml/2006/main" xmlns:c="http://schemas.openxmlformats.org/drawingml/2006/chart" xmlns:dgm="http://schemas.openxmlformats.org/drawingml/2006/diagram" xmlns:o="urn:schemas-microsoft-com:office:office" xmlns:v="urn:schemas-microsoft-com:vml" xmlns:pvml="urn:schemas-microsoft-com:office:powerpoint" xmlns:com="http://schemas.openxmlformats.org/drawingml/2006/compatibility" xmlns:p14="http://schemas.microsoft.com/office/powerpoint/2010/main" xmlns:p15="http://schemas.microsoft.com/office/powerpoint/2012/main" xmlns:ahyp="http://schemas.microsoft.com/office/drawing/2018/hyperlinkcolor">
+<p:sld xmlns:a="http://schemas.openxmlformats.org/drawingml/2006/main" xmlns:r="http://schemas.openxmlformats.org/officeDocument/2006/relationships" xmlns:p="http://schemas.openxmlformats.org/presentationml/2006/main">
   <p:cSld>
     <p:spTree>
       <p:nvGrpSpPr>
-        <p:cNvPr id="105" name="Shape 105"/>
+        <p:cNvPr id="1" name="Shape 105"/>
         <p:cNvGrpSpPr/>
         <p:nvPr/>
       </p:nvGrpSpPr>
@@ -12796,7 +13059,9 @@
       <p:sp>
         <p:nvSpPr>
           <p:cNvPr id="106" name="Google Shape;106;p19"/>
-          <p:cNvSpPr txBox="1"/>
+          <p:cNvSpPr txBox="1">
+            <a:spLocks noGrp="1"/>
+          </p:cNvSpPr>
           <p:nvPr>
             <p:ph type="title"/>
           </p:nvPr>
@@ -12811,12 +13076,12 @@
           </a:prstGeom>
         </p:spPr>
         <p:txBody>
-          <a:bodyPr anchorCtr="0" anchor="t" bIns="91425" lIns="91425" spcFirstLastPara="1" rIns="91425" wrap="square" tIns="91425">
+          <a:bodyPr spcFirstLastPara="1" wrap="square" lIns="91425" tIns="91425" rIns="91425" bIns="91425" anchor="t" anchorCtr="0">
             <a:noAutofit/>
           </a:bodyPr>
           <a:lstStyle/>
           <a:p>
-            <a:pPr indent="0" lvl="0" marL="0" rtl="0" algn="l">
+            <a:pPr marL="0" lvl="0" indent="0" algn="l" rtl="0">
               <a:spcBef>
                 <a:spcPts val="0"/>
               </a:spcBef>
@@ -12836,9 +13101,11 @@
       <p:sp>
         <p:nvSpPr>
           <p:cNvPr id="107" name="Google Shape;107;p19"/>
-          <p:cNvSpPr txBox="1"/>
+          <p:cNvSpPr txBox="1">
+            <a:spLocks noGrp="1"/>
+          </p:cNvSpPr>
           <p:nvPr>
-            <p:ph idx="1" type="body"/>
+            <p:ph type="body" idx="1"/>
           </p:nvPr>
         </p:nvSpPr>
         <p:spPr>
@@ -12851,12 +13118,12 @@
           </a:prstGeom>
         </p:spPr>
         <p:txBody>
-          <a:bodyPr anchorCtr="0" anchor="t" bIns="91425" lIns="91425" spcFirstLastPara="1" rIns="91425" wrap="square" tIns="91425">
+          <a:bodyPr spcFirstLastPara="1" wrap="square" lIns="91425" tIns="91425" rIns="91425" bIns="91425" anchor="t" anchorCtr="0">
             <a:noAutofit/>
           </a:bodyPr>
           <a:lstStyle/>
           <a:p>
-            <a:pPr indent="0" lvl="0" marL="0" rtl="0" algn="l">
+            <a:pPr marL="0" lvl="0" indent="0" algn="l" rtl="0">
               <a:lnSpc>
                 <a:spcPct val="100000"/>
               </a:lnSpc>
@@ -12875,16 +13142,7 @@
                 <a:cs typeface="Georgia"/>
                 <a:sym typeface="Georgia"/>
               </a:rPr>
-              <a:t>Pros</a:t>
-            </a:r>
-            <a:r>
-              <a:rPr lang="en">
-                <a:latin typeface="Georgia"/>
-                <a:ea typeface="Georgia"/>
-                <a:cs typeface="Georgia"/>
-                <a:sym typeface="Georgia"/>
-              </a:rPr>
-              <a:t>:</a:t>
+              <a:t>Pros:</a:t>
             </a:r>
             <a:endParaRPr sz="1150">
               <a:solidFill>
@@ -12900,7 +13158,7 @@
             </a:endParaRPr>
           </a:p>
           <a:p>
-            <a:pPr indent="-301625" lvl="0" marL="457200" marR="25400" rtl="0" algn="l">
+            <a:pPr marL="457200" marR="25400" lvl="0" indent="-301625" algn="l" rtl="0">
               <a:lnSpc>
                 <a:spcPct val="100000"/>
               </a:lnSpc>
@@ -12946,7 +13204,7 @@
             </a:endParaRPr>
           </a:p>
           <a:p>
-            <a:pPr indent="-301625" lvl="0" marL="457200" marR="25400" rtl="0" algn="l">
+            <a:pPr marL="457200" marR="25400" lvl="0" indent="-301625" algn="l" rtl="0">
               <a:lnSpc>
                 <a:spcPct val="100000"/>
               </a:lnSpc>
@@ -12992,7 +13250,7 @@
             </a:endParaRPr>
           </a:p>
           <a:p>
-            <a:pPr indent="-301625" lvl="0" marL="457200" marR="25400" rtl="0" algn="l">
+            <a:pPr marL="457200" marR="25400" lvl="0" indent="-301625" algn="l" rtl="0">
               <a:lnSpc>
                 <a:spcPct val="100000"/>
               </a:lnSpc>
@@ -13038,7 +13296,7 @@
             </a:endParaRPr>
           </a:p>
           <a:p>
-            <a:pPr indent="-301625" lvl="0" marL="457200" marR="25400" rtl="0" algn="l">
+            <a:pPr marL="457200" marR="25400" lvl="0" indent="-301625" algn="l" rtl="0">
               <a:lnSpc>
                 <a:spcPct val="100000"/>
               </a:lnSpc>
@@ -13071,7 +13329,7 @@
               <a:t>By performing the regression, we can confidently determine the </a:t>
             </a:r>
             <a:r>
-              <a:rPr b="1" lang="en" sz="1150">
+              <a:rPr lang="en" sz="1150" b="1">
                 <a:solidFill>
                   <a:srgbClr val="000000"/>
                 </a:solidFill>
@@ -13114,7 +13372,7 @@
             </a:endParaRPr>
           </a:p>
           <a:p>
-            <a:pPr indent="0" lvl="0" marL="0" rtl="0" algn="l">
+            <a:pPr marL="0" lvl="0" indent="0" algn="l" rtl="0">
               <a:lnSpc>
                 <a:spcPct val="100000"/>
               </a:lnSpc>
@@ -13143,7 +13401,7 @@
             </a:endParaRPr>
           </a:p>
           <a:p>
-            <a:pPr indent="-301625" lvl="0" marL="457200" marR="25400" rtl="0" algn="l">
+            <a:pPr marL="457200" marR="25400" lvl="0" indent="-301625" algn="l" rtl="0">
               <a:lnSpc>
                 <a:spcPct val="100000"/>
               </a:lnSpc>
@@ -13189,7 +13447,7 @@
             </a:endParaRPr>
           </a:p>
           <a:p>
-            <a:pPr indent="-307975" lvl="0" marL="457200" marR="25400" rtl="0" algn="l">
+            <a:pPr marL="457200" marR="25400" lvl="0" indent="-307975" algn="l" rtl="0">
               <a:lnSpc>
                 <a:spcPct val="100000"/>
               </a:lnSpc>
@@ -13229,7 +13487,7 @@
             </a:endParaRPr>
           </a:p>
           <a:p>
-            <a:pPr indent="-307975" lvl="0" marL="457200" marR="25400" rtl="0" algn="l">
+            <a:pPr marL="457200" marR="25400" lvl="0" indent="-307975" algn="l" rtl="0">
               <a:lnSpc>
                 <a:spcPct val="100000"/>
               </a:lnSpc>
@@ -13282,11 +13540,11 @@
 </file>
 
 <file path=ppt/slides/slide8.xml><?xml version="1.0" encoding="utf-8"?>
-<p:sld xmlns:a="http://schemas.openxmlformats.org/drawingml/2006/main" xmlns:r="http://schemas.openxmlformats.org/officeDocument/2006/relationships" xmlns:mc="http://schemas.openxmlformats.org/markup-compatibility/2006" xmlns:mv="urn:schemas-microsoft-com:mac:vml" xmlns:p="http://schemas.openxmlformats.org/presentationml/2006/main" xmlns:c="http://schemas.openxmlformats.org/drawingml/2006/chart" xmlns:dgm="http://schemas.openxmlformats.org/drawingml/2006/diagram" xmlns:o="urn:schemas-microsoft-com:office:office" xmlns:v="urn:schemas-microsoft-com:vml" xmlns:pvml="urn:schemas-microsoft-com:office:powerpoint" xmlns:com="http://schemas.openxmlformats.org/drawingml/2006/compatibility" xmlns:p14="http://schemas.microsoft.com/office/powerpoint/2010/main" xmlns:p15="http://schemas.microsoft.com/office/powerpoint/2012/main" xmlns:ahyp="http://schemas.microsoft.com/office/drawing/2018/hyperlinkcolor">
+<p:sld xmlns:a="http://schemas.openxmlformats.org/drawingml/2006/main" xmlns:r="http://schemas.openxmlformats.org/officeDocument/2006/relationships" xmlns:p="http://schemas.openxmlformats.org/presentationml/2006/main">
   <p:cSld>
     <p:spTree>
       <p:nvGrpSpPr>
-        <p:cNvPr id="111" name="Shape 111"/>
+        <p:cNvPr id="1" name="Shape 111"/>
         <p:cNvGrpSpPr/>
         <p:nvPr/>
       </p:nvGrpSpPr>
@@ -13301,7 +13559,9 @@
       <p:sp>
         <p:nvSpPr>
           <p:cNvPr id="112" name="Google Shape;112;p20"/>
-          <p:cNvSpPr txBox="1"/>
+          <p:cNvSpPr txBox="1">
+            <a:spLocks noGrp="1"/>
+          </p:cNvSpPr>
           <p:nvPr>
             <p:ph type="title"/>
           </p:nvPr>
@@ -13316,12 +13576,12 @@
           </a:prstGeom>
         </p:spPr>
         <p:txBody>
-          <a:bodyPr anchorCtr="0" anchor="t" bIns="91425" lIns="91425" spcFirstLastPara="1" rIns="91425" wrap="square" tIns="91425">
+          <a:bodyPr spcFirstLastPara="1" wrap="square" lIns="91425" tIns="91425" rIns="91425" bIns="91425" anchor="t" anchorCtr="0">
             <a:noAutofit/>
           </a:bodyPr>
           <a:lstStyle/>
           <a:p>
-            <a:pPr indent="0" lvl="0" marL="0" rtl="0" algn="l">
+            <a:pPr marL="0" lvl="0" indent="0" algn="l" rtl="0">
               <a:spcBef>
                 <a:spcPts val="0"/>
               </a:spcBef>
@@ -13341,9 +13601,11 @@
       <p:sp>
         <p:nvSpPr>
           <p:cNvPr id="113" name="Google Shape;113;p20"/>
-          <p:cNvSpPr txBox="1"/>
+          <p:cNvSpPr txBox="1">
+            <a:spLocks noGrp="1"/>
+          </p:cNvSpPr>
           <p:nvPr>
-            <p:ph idx="1" type="body"/>
+            <p:ph type="body" idx="1"/>
           </p:nvPr>
         </p:nvSpPr>
         <p:spPr>
@@ -13356,12 +13618,12 @@
           </a:prstGeom>
         </p:spPr>
         <p:txBody>
-          <a:bodyPr anchorCtr="0" anchor="t" bIns="91425" lIns="91425" spcFirstLastPara="1" rIns="91425" wrap="square" tIns="91425">
+          <a:bodyPr spcFirstLastPara="1" wrap="square" lIns="91425" tIns="91425" rIns="91425" bIns="91425" anchor="t" anchorCtr="0">
             <a:noAutofit/>
           </a:bodyPr>
           <a:lstStyle/>
           <a:p>
-            <a:pPr indent="0" lvl="0" marL="0" rtl="0" algn="l">
+            <a:pPr marL="0" lvl="0" indent="0" algn="l" rtl="0">
               <a:spcBef>
                 <a:spcPts val="0"/>
               </a:spcBef>
@@ -13399,7 +13661,7 @@
             </a:endParaRPr>
           </a:p>
           <a:p>
-            <a:pPr indent="0" lvl="0" marL="0" rtl="0" algn="l">
+            <a:pPr marL="0" lvl="0" indent="0" algn="l" rtl="0">
               <a:spcBef>
                 <a:spcPts val="1200"/>
               </a:spcBef>
@@ -13437,7 +13699,7 @@
             </a:endParaRPr>
           </a:p>
           <a:p>
-            <a:pPr indent="0" lvl="0" marL="0" rtl="0" algn="l">
+            <a:pPr marL="0" lvl="0" indent="0" algn="l" rtl="0">
               <a:spcBef>
                 <a:spcPts val="1200"/>
               </a:spcBef>
@@ -13475,7 +13737,7 @@
             </a:endParaRPr>
           </a:p>
           <a:p>
-            <a:pPr indent="-304800" lvl="0" marL="457200" marR="38100" rtl="0" algn="l">
+            <a:pPr marL="457200" marR="38100" lvl="0" indent="-304800" algn="l" rtl="0">
               <a:lnSpc>
                 <a:spcPct val="100000"/>
               </a:lnSpc>
@@ -13493,7 +13755,7 @@
               <a:buChar char="●"/>
             </a:pPr>
             <a:r>
-              <a:rPr b="1" lang="en" sz="1200">
+              <a:rPr lang="en" sz="1200" b="1">
                 <a:solidFill>
                   <a:srgbClr val="24292E"/>
                 </a:solidFill>
@@ -13507,7 +13769,7 @@
               </a:rPr>
               <a:t>Is there a relationship between ads and sales?</a:t>
             </a:r>
-            <a:endParaRPr b="1" sz="1200">
+            <a:endParaRPr sz="1200" b="1">
               <a:solidFill>
                 <a:srgbClr val="24292E"/>
               </a:solidFill>
@@ -13521,7 +13783,7 @@
             </a:endParaRPr>
           </a:p>
           <a:p>
-            <a:pPr indent="-304800" lvl="0" marL="457200" marR="38100" rtl="0" algn="l">
+            <a:pPr marL="457200" marR="38100" lvl="0" indent="-304800" algn="l" rtl="0">
               <a:lnSpc>
                 <a:spcPct val="100000"/>
               </a:lnSpc>
@@ -13539,7 +13801,7 @@
               <a:buChar char="●"/>
             </a:pPr>
             <a:r>
-              <a:rPr b="1" lang="en" sz="1200">
+              <a:rPr lang="en" sz="1200" b="1">
                 <a:solidFill>
                   <a:srgbClr val="24292E"/>
                 </a:solidFill>
@@ -13553,7 +13815,7 @@
               </a:rPr>
               <a:t>How strong is that relationship?</a:t>
             </a:r>
-            <a:endParaRPr b="1" sz="1200">
+            <a:endParaRPr sz="1200" b="1">
               <a:solidFill>
                 <a:srgbClr val="24292E"/>
               </a:solidFill>
@@ -13567,7 +13829,7 @@
             </a:endParaRPr>
           </a:p>
           <a:p>
-            <a:pPr indent="-304800" lvl="0" marL="457200" marR="38100" rtl="0" algn="l">
+            <a:pPr marL="457200" marR="38100" lvl="0" indent="-304800" algn="l" rtl="0">
               <a:lnSpc>
                 <a:spcPct val="100000"/>
               </a:lnSpc>
@@ -13585,7 +13847,7 @@
               <a:buChar char="●"/>
             </a:pPr>
             <a:r>
-              <a:rPr b="1" lang="en" sz="1200">
+              <a:rPr lang="en" sz="1200" b="1">
                 <a:solidFill>
                   <a:srgbClr val="24292E"/>
                 </a:solidFill>
@@ -13599,7 +13861,7 @@
               </a:rPr>
               <a:t>Which ad types contribute to sales?</a:t>
             </a:r>
-            <a:endParaRPr b="1" sz="1200">
+            <a:endParaRPr sz="1200" b="1">
               <a:solidFill>
                 <a:srgbClr val="24292E"/>
               </a:solidFill>
@@ -13613,7 +13875,7 @@
             </a:endParaRPr>
           </a:p>
           <a:p>
-            <a:pPr indent="-304800" lvl="0" marL="457200" marR="38100" rtl="0" algn="l">
+            <a:pPr marL="457200" marR="38100" lvl="0" indent="-304800" algn="l" rtl="0">
               <a:lnSpc>
                 <a:spcPct val="100000"/>
               </a:lnSpc>
@@ -13631,7 +13893,7 @@
               <a:buChar char="●"/>
             </a:pPr>
             <a:r>
-              <a:rPr b="1" lang="en" sz="1200">
+              <a:rPr lang="en" sz="1200" b="1">
                 <a:solidFill>
                   <a:srgbClr val="24292E"/>
                 </a:solidFill>
@@ -13645,7 +13907,7 @@
               </a:rPr>
               <a:t>What is the effect of each ad type of sales?</a:t>
             </a:r>
-            <a:endParaRPr b="1" sz="1200">
+            <a:endParaRPr sz="1200" b="1">
               <a:solidFill>
                 <a:srgbClr val="24292E"/>
               </a:solidFill>
@@ -13659,7 +13921,7 @@
             </a:endParaRPr>
           </a:p>
           <a:p>
-            <a:pPr indent="-304800" lvl="0" marL="457200" marR="38100" rtl="0" algn="l">
+            <a:pPr marL="457200" marR="38100" lvl="0" indent="-304800" algn="l" rtl="0">
               <a:lnSpc>
                 <a:spcPct val="100000"/>
               </a:lnSpc>
@@ -13677,7 +13939,7 @@
               <a:buChar char="●"/>
             </a:pPr>
             <a:r>
-              <a:rPr b="1" lang="en" sz="1200">
+              <a:rPr lang="en" sz="1200" b="1">
                 <a:solidFill>
                   <a:srgbClr val="24292E"/>
                 </a:solidFill>
@@ -13691,7 +13953,7 @@
               </a:rPr>
               <a:t>Given ad spending in a particular market, can sales be predicted?</a:t>
             </a:r>
-            <a:endParaRPr b="1" sz="1200">
+            <a:endParaRPr sz="1200" b="1">
               <a:solidFill>
                 <a:srgbClr val="24292E"/>
               </a:solidFill>
@@ -13705,7 +13967,7 @@
             </a:endParaRPr>
           </a:p>
           <a:p>
-            <a:pPr indent="0" lvl="0" marL="0" rtl="0" algn="l">
+            <a:pPr marL="0" lvl="0" indent="0" algn="l" rtl="0">
               <a:spcBef>
                 <a:spcPts val="400"/>
               </a:spcBef>
@@ -13714,9 +13976,6 @@
               </a:spcAft>
               <a:buNone/>
             </a:pPr>
-            <a:r>
-              <a:t/>
-            </a:r>
             <a:endParaRPr/>
           </a:p>
         </p:txBody>
@@ -13730,11 +13989,11 @@
 </file>
 
 <file path=ppt/slides/slide9.xml><?xml version="1.0" encoding="utf-8"?>
-<p:sld xmlns:a="http://schemas.openxmlformats.org/drawingml/2006/main" xmlns:r="http://schemas.openxmlformats.org/officeDocument/2006/relationships" xmlns:mc="http://schemas.openxmlformats.org/markup-compatibility/2006" xmlns:mv="urn:schemas-microsoft-com:mac:vml" xmlns:p="http://schemas.openxmlformats.org/presentationml/2006/main" xmlns:c="http://schemas.openxmlformats.org/drawingml/2006/chart" xmlns:dgm="http://schemas.openxmlformats.org/drawingml/2006/diagram" xmlns:o="urn:schemas-microsoft-com:office:office" xmlns:v="urn:schemas-microsoft-com:vml" xmlns:pvml="urn:schemas-microsoft-com:office:powerpoint" xmlns:com="http://schemas.openxmlformats.org/drawingml/2006/compatibility" xmlns:p14="http://schemas.microsoft.com/office/powerpoint/2010/main" xmlns:p15="http://schemas.microsoft.com/office/powerpoint/2012/main" xmlns:ahyp="http://schemas.microsoft.com/office/drawing/2018/hyperlinkcolor">
+<p:sld xmlns:a="http://schemas.openxmlformats.org/drawingml/2006/main" xmlns:r="http://schemas.openxmlformats.org/officeDocument/2006/relationships" xmlns:p="http://schemas.openxmlformats.org/presentationml/2006/main">
   <p:cSld>
     <p:spTree>
       <p:nvGrpSpPr>
-        <p:cNvPr id="117" name="Shape 117"/>
+        <p:cNvPr id="1" name="Shape 117"/>
         <p:cNvGrpSpPr/>
         <p:nvPr/>
       </p:nvGrpSpPr>
@@ -13749,7 +14008,9 @@
       <p:sp>
         <p:nvSpPr>
           <p:cNvPr id="118" name="Google Shape;118;p21"/>
-          <p:cNvSpPr txBox="1"/>
+          <p:cNvSpPr txBox="1">
+            <a:spLocks noGrp="1"/>
+          </p:cNvSpPr>
           <p:nvPr>
             <p:ph type="title"/>
           </p:nvPr>
@@ -13764,12 +14025,12 @@
           </a:prstGeom>
         </p:spPr>
         <p:txBody>
-          <a:bodyPr anchorCtr="0" anchor="t" bIns="91425" lIns="91425" spcFirstLastPara="1" rIns="91425" wrap="square" tIns="91425">
+          <a:bodyPr spcFirstLastPara="1" wrap="square" lIns="91425" tIns="91425" rIns="91425" bIns="91425" anchor="t" anchorCtr="0">
             <a:noAutofit/>
           </a:bodyPr>
           <a:lstStyle/>
           <a:p>
-            <a:pPr indent="0" lvl="0" marL="0" rtl="0" algn="l">
+            <a:pPr marL="0" lvl="0" indent="0" algn="l" rtl="0">
               <a:spcBef>
                 <a:spcPts val="0"/>
               </a:spcBef>
@@ -13789,9 +14050,11 @@
       <p:sp>
         <p:nvSpPr>
           <p:cNvPr id="119" name="Google Shape;119;p21"/>
-          <p:cNvSpPr txBox="1"/>
+          <p:cNvSpPr txBox="1">
+            <a:spLocks noGrp="1"/>
+          </p:cNvSpPr>
           <p:nvPr>
-            <p:ph idx="1" type="body"/>
+            <p:ph type="body" idx="1"/>
           </p:nvPr>
         </p:nvSpPr>
         <p:spPr>
@@ -13804,12 +14067,12 @@
           </a:prstGeom>
         </p:spPr>
         <p:txBody>
-          <a:bodyPr anchorCtr="0" anchor="t" bIns="91425" lIns="91425" spcFirstLastPara="1" rIns="91425" wrap="square" tIns="91425">
+          <a:bodyPr spcFirstLastPara="1" wrap="square" lIns="91425" tIns="91425" rIns="91425" bIns="91425" anchor="t" anchorCtr="0">
             <a:noAutofit/>
           </a:bodyPr>
           <a:lstStyle/>
           <a:p>
-            <a:pPr indent="-342900" lvl="0" marL="457200" rtl="0" algn="l">
+            <a:pPr marL="457200" lvl="0" indent="-342900" algn="l" rtl="0">
               <a:spcBef>
                 <a:spcPts val="0"/>
               </a:spcBef>
@@ -13835,7 +14098,7 @@
               <a:t>Learning the parameters of a prediction function and testing it on the same data is a methodological mistake: a model that would just repeat the labels of the samples that it has just seen would have a perfect score but would fail to predict anything useful on yet-unseen data. This situation is called </a:t>
             </a:r>
             <a:r>
-              <a:rPr b="1" lang="en" sz="1200">
+              <a:rPr lang="en" sz="1200" b="1">
                 <a:solidFill>
                   <a:srgbClr val="212529"/>
                 </a:solidFill>
@@ -13918,7 +14181,288 @@
 </file>
 
 <file path=ppt/theme/theme1.xml><?xml version="1.0" encoding="utf-8"?>
-<a:theme xmlns:a="http://schemas.openxmlformats.org/drawingml/2006/main" xmlns:r="http://schemas.openxmlformats.org/officeDocument/2006/relationships">
+<a:theme xmlns:a="http://schemas.openxmlformats.org/drawingml/2006/main" name="Tropic">
+  <a:themeElements>
+    <a:clrScheme name="Tropic">
+      <a:dk1>
+        <a:srgbClr val="A1E8D9"/>
+      </a:dk1>
+      <a:lt1>
+        <a:srgbClr val="FFFFFF"/>
+      </a:lt1>
+      <a:dk2>
+        <a:srgbClr val="695D46"/>
+      </a:dk2>
+      <a:lt2>
+        <a:srgbClr val="B3A77D"/>
+      </a:lt2>
+      <a:accent1>
+        <a:srgbClr val="EF6C00"/>
+      </a:accent1>
+      <a:accent2>
+        <a:srgbClr val="009668"/>
+      </a:accent2>
+      <a:accent3>
+        <a:srgbClr val="4DB6AC"/>
+      </a:accent3>
+      <a:accent4>
+        <a:srgbClr val="FF9800"/>
+      </a:accent4>
+      <a:accent5>
+        <a:srgbClr val="CE93D8"/>
+      </a:accent5>
+      <a:accent6>
+        <a:srgbClr val="EEFF41"/>
+      </a:accent6>
+      <a:hlink>
+        <a:srgbClr val="CE93D8"/>
+      </a:hlink>
+      <a:folHlink>
+        <a:srgbClr val="CE93D8"/>
+      </a:folHlink>
+    </a:clrScheme>
+    <a:fontScheme name="Office">
+      <a:majorFont>
+        <a:latin typeface="Arial"/>
+        <a:ea typeface=""/>
+        <a:cs typeface=""/>
+        <a:font script="Jpan" typeface="ＭＳ Ｐゴシック"/>
+        <a:font script="Hang" typeface="맑은 고딕"/>
+        <a:font script="Hans" typeface="宋体"/>
+        <a:font script="Hant" typeface="新細明體"/>
+        <a:font script="Arab" typeface="Times New Roman"/>
+        <a:font script="Hebr" typeface="Times New Roman"/>
+        <a:font script="Thai" typeface="Angsana New"/>
+        <a:font script="Ethi" typeface="Nyala"/>
+        <a:font script="Beng" typeface="Vrinda"/>
+        <a:font script="Gujr" typeface="Shruti"/>
+        <a:font script="Khmr" typeface="MoolBoran"/>
+        <a:font script="Knda" typeface="Tunga"/>
+        <a:font script="Guru" typeface="Raavi"/>
+        <a:font script="Cans" typeface="Euphemia"/>
+        <a:font script="Cher" typeface="Plantagenet Cherokee"/>
+        <a:font script="Yiii" typeface="Microsoft Yi Baiti"/>
+        <a:font script="Tibt" typeface="Microsoft Himalaya"/>
+        <a:font script="Thaa" typeface="MV Boli"/>
+        <a:font script="Deva" typeface="Mangal"/>
+        <a:font script="Telu" typeface="Gautami"/>
+        <a:font script="Taml" typeface="Latha"/>
+        <a:font script="Syrc" typeface="Estrangelo Edessa"/>
+        <a:font script="Orya" typeface="Kalinga"/>
+        <a:font script="Mlym" typeface="Kartika"/>
+        <a:font script="Laoo" typeface="DokChampa"/>
+        <a:font script="Sinh" typeface="Iskoola Pota"/>
+        <a:font script="Mong" typeface="Mongolian Baiti"/>
+        <a:font script="Viet" typeface="Times New Roman"/>
+        <a:font script="Uigh" typeface="Microsoft Uighur"/>
+        <a:font script="Geor" typeface="Sylfaen"/>
+      </a:majorFont>
+      <a:minorFont>
+        <a:latin typeface="Arial"/>
+        <a:ea typeface=""/>
+        <a:cs typeface=""/>
+        <a:font script="Jpan" typeface="ＭＳ Ｐゴシック"/>
+        <a:font script="Hang" typeface="맑은 고딕"/>
+        <a:font script="Hans" typeface="宋体"/>
+        <a:font script="Hant" typeface="新細明體"/>
+        <a:font script="Arab" typeface="Arial"/>
+        <a:font script="Hebr" typeface="Arial"/>
+        <a:font script="Thai" typeface="Cordia New"/>
+        <a:font script="Ethi" typeface="Nyala"/>
+        <a:font script="Beng" typeface="Vrinda"/>
+        <a:font script="Gujr" typeface="Shruti"/>
+        <a:font script="Khmr" typeface="DaunPenh"/>
+        <a:font script="Knda" typeface="Tunga"/>
+        <a:font script="Guru" typeface="Raavi"/>
+        <a:font script="Cans" typeface="Euphemia"/>
+        <a:font script="Cher" typeface="Plantagenet Cherokee"/>
+        <a:font script="Yiii" typeface="Microsoft Yi Baiti"/>
+        <a:font script="Tibt" typeface="Microsoft Himalaya"/>
+        <a:font script="Thaa" typeface="MV Boli"/>
+        <a:font script="Deva" typeface="Mangal"/>
+        <a:font script="Telu" typeface="Gautami"/>
+        <a:font script="Taml" typeface="Latha"/>
+        <a:font script="Syrc" typeface="Estrangelo Edessa"/>
+        <a:font script="Orya" typeface="Kalinga"/>
+        <a:font script="Mlym" typeface="Kartika"/>
+        <a:font script="Laoo" typeface="DokChampa"/>
+        <a:font script="Sinh" typeface="Iskoola Pota"/>
+        <a:font script="Mong" typeface="Mongolian Baiti"/>
+        <a:font script="Viet" typeface="Arial"/>
+        <a:font script="Uigh" typeface="Microsoft Uighur"/>
+        <a:font script="Geor" typeface="Sylfaen"/>
+      </a:minorFont>
+    </a:fontScheme>
+    <a:fmtScheme name="Office">
+      <a:fillStyleLst>
+        <a:solidFill>
+          <a:schemeClr val="phClr"/>
+        </a:solidFill>
+        <a:gradFill rotWithShape="1">
+          <a:gsLst>
+            <a:gs pos="0">
+              <a:schemeClr val="phClr">
+                <a:tint val="50000"/>
+                <a:satMod val="300000"/>
+              </a:schemeClr>
+            </a:gs>
+            <a:gs pos="35000">
+              <a:schemeClr val="phClr">
+                <a:tint val="37000"/>
+                <a:satMod val="300000"/>
+              </a:schemeClr>
+            </a:gs>
+            <a:gs pos="100000">
+              <a:schemeClr val="phClr">
+                <a:tint val="15000"/>
+                <a:satMod val="350000"/>
+              </a:schemeClr>
+            </a:gs>
+          </a:gsLst>
+          <a:lin ang="16200000" scaled="1"/>
+        </a:gradFill>
+        <a:gradFill rotWithShape="1">
+          <a:gsLst>
+            <a:gs pos="0">
+              <a:schemeClr val="phClr">
+                <a:tint val="100000"/>
+                <a:shade val="100000"/>
+                <a:satMod val="130000"/>
+              </a:schemeClr>
+            </a:gs>
+            <a:gs pos="100000">
+              <a:schemeClr val="phClr">
+                <a:tint val="50000"/>
+                <a:shade val="100000"/>
+                <a:satMod val="350000"/>
+              </a:schemeClr>
+            </a:gs>
+          </a:gsLst>
+          <a:lin ang="16200000" scaled="0"/>
+        </a:gradFill>
+      </a:fillStyleLst>
+      <a:lnStyleLst>
+        <a:ln w="9525" cap="flat" cmpd="sng" algn="ctr">
+          <a:solidFill>
+            <a:schemeClr val="phClr">
+              <a:shade val="95000"/>
+              <a:satMod val="105000"/>
+            </a:schemeClr>
+          </a:solidFill>
+          <a:prstDash val="solid"/>
+        </a:ln>
+        <a:ln w="25400" cap="flat" cmpd="sng" algn="ctr">
+          <a:solidFill>
+            <a:schemeClr val="phClr"/>
+          </a:solidFill>
+          <a:prstDash val="solid"/>
+        </a:ln>
+        <a:ln w="38100" cap="flat" cmpd="sng" algn="ctr">
+          <a:solidFill>
+            <a:schemeClr val="phClr"/>
+          </a:solidFill>
+          <a:prstDash val="solid"/>
+        </a:ln>
+      </a:lnStyleLst>
+      <a:effectStyleLst>
+        <a:effectStyle>
+          <a:effectLst>
+            <a:outerShdw blurRad="40000" dist="20000" dir="5400000" rotWithShape="0">
+              <a:srgbClr val="000000">
+                <a:alpha val="38000"/>
+              </a:srgbClr>
+            </a:outerShdw>
+          </a:effectLst>
+        </a:effectStyle>
+        <a:effectStyle>
+          <a:effectLst>
+            <a:outerShdw blurRad="40000" dist="23000" dir="5400000" rotWithShape="0">
+              <a:srgbClr val="000000">
+                <a:alpha val="35000"/>
+              </a:srgbClr>
+            </a:outerShdw>
+          </a:effectLst>
+        </a:effectStyle>
+        <a:effectStyle>
+          <a:effectLst>
+            <a:outerShdw blurRad="40000" dist="23000" dir="5400000" rotWithShape="0">
+              <a:srgbClr val="000000">
+                <a:alpha val="35000"/>
+              </a:srgbClr>
+            </a:outerShdw>
+          </a:effectLst>
+          <a:scene3d>
+            <a:camera prst="orthographicFront">
+              <a:rot lat="0" lon="0" rev="0"/>
+            </a:camera>
+            <a:lightRig rig="threePt" dir="t">
+              <a:rot lat="0" lon="0" rev="1200000"/>
+            </a:lightRig>
+          </a:scene3d>
+          <a:sp3d>
+            <a:bevelT w="63500" h="25400"/>
+          </a:sp3d>
+        </a:effectStyle>
+      </a:effectStyleLst>
+      <a:bgFillStyleLst>
+        <a:solidFill>
+          <a:schemeClr val="phClr"/>
+        </a:solidFill>
+        <a:gradFill rotWithShape="1">
+          <a:gsLst>
+            <a:gs pos="0">
+              <a:schemeClr val="phClr">
+                <a:tint val="40000"/>
+                <a:satMod val="350000"/>
+              </a:schemeClr>
+            </a:gs>
+            <a:gs pos="40000">
+              <a:schemeClr val="phClr">
+                <a:tint val="45000"/>
+                <a:shade val="99000"/>
+                <a:satMod val="350000"/>
+              </a:schemeClr>
+            </a:gs>
+            <a:gs pos="100000">
+              <a:schemeClr val="phClr">
+                <a:shade val="20000"/>
+                <a:satMod val="255000"/>
+              </a:schemeClr>
+            </a:gs>
+          </a:gsLst>
+          <a:path path="circle">
+            <a:fillToRect l="50000" t="-80000" r="50000" b="180000"/>
+          </a:path>
+        </a:gradFill>
+        <a:gradFill rotWithShape="1">
+          <a:gsLst>
+            <a:gs pos="0">
+              <a:schemeClr val="phClr">
+                <a:tint val="80000"/>
+                <a:satMod val="300000"/>
+              </a:schemeClr>
+            </a:gs>
+            <a:gs pos="100000">
+              <a:schemeClr val="phClr">
+                <a:shade val="30000"/>
+                <a:satMod val="200000"/>
+              </a:schemeClr>
+            </a:gs>
+          </a:gsLst>
+          <a:path path="circle">
+            <a:fillToRect l="50000" t="50000" r="50000" b="50000"/>
+          </a:path>
+        </a:gradFill>
+      </a:bgFillStyleLst>
+    </a:fmtScheme>
+  </a:themeElements>
+  <a:objectDefaults/>
+  <a:extraClrSchemeLst/>
+</a:theme>
+</file>
+
+<file path=ppt/theme/theme2.xml><?xml version="1.0" encoding="utf-8"?>
+<a:theme xmlns:a="http://schemas.openxmlformats.org/drawingml/2006/main">
   <a:themeElements>
     <a:clrScheme name="Default">
       <a:dk1>
@@ -14193,284 +14737,7 @@
       </a:bgFillStyleLst>
     </a:fmtScheme>
   </a:themeElements>
-</a:theme>
-</file>
-
-<file path=ppt/theme/theme2.xml><?xml version="1.0" encoding="utf-8"?>
-<a:theme xmlns:a="http://schemas.openxmlformats.org/drawingml/2006/main" xmlns:r="http://schemas.openxmlformats.org/officeDocument/2006/relationships" name="Tropic">
-  <a:themeElements>
-    <a:clrScheme name="Tropic">
-      <a:dk1>
-        <a:srgbClr val="A1E8D9"/>
-      </a:dk1>
-      <a:lt1>
-        <a:srgbClr val="FFFFFF"/>
-      </a:lt1>
-      <a:dk2>
-        <a:srgbClr val="695D46"/>
-      </a:dk2>
-      <a:lt2>
-        <a:srgbClr val="B3A77D"/>
-      </a:lt2>
-      <a:accent1>
-        <a:srgbClr val="EF6C00"/>
-      </a:accent1>
-      <a:accent2>
-        <a:srgbClr val="009668"/>
-      </a:accent2>
-      <a:accent3>
-        <a:srgbClr val="4DB6AC"/>
-      </a:accent3>
-      <a:accent4>
-        <a:srgbClr val="FF9800"/>
-      </a:accent4>
-      <a:accent5>
-        <a:srgbClr val="CE93D8"/>
-      </a:accent5>
-      <a:accent6>
-        <a:srgbClr val="EEFF41"/>
-      </a:accent6>
-      <a:hlink>
-        <a:srgbClr val="CE93D8"/>
-      </a:hlink>
-      <a:folHlink>
-        <a:srgbClr val="CE93D8"/>
-      </a:folHlink>
-    </a:clrScheme>
-    <a:fontScheme name="Office">
-      <a:majorFont>
-        <a:latin typeface="Arial"/>
-        <a:ea typeface=""/>
-        <a:cs typeface=""/>
-        <a:font script="Jpan" typeface="ＭＳ Ｐゴシック"/>
-        <a:font script="Hang" typeface="맑은 고딕"/>
-        <a:font script="Hans" typeface="宋体"/>
-        <a:font script="Hant" typeface="新細明體"/>
-        <a:font script="Arab" typeface="Times New Roman"/>
-        <a:font script="Hebr" typeface="Times New Roman"/>
-        <a:font script="Thai" typeface="Angsana New"/>
-        <a:font script="Ethi" typeface="Nyala"/>
-        <a:font script="Beng" typeface="Vrinda"/>
-        <a:font script="Gujr" typeface="Shruti"/>
-        <a:font script="Khmr" typeface="MoolBoran"/>
-        <a:font script="Knda" typeface="Tunga"/>
-        <a:font script="Guru" typeface="Raavi"/>
-        <a:font script="Cans" typeface="Euphemia"/>
-        <a:font script="Cher" typeface="Plantagenet Cherokee"/>
-        <a:font script="Yiii" typeface="Microsoft Yi Baiti"/>
-        <a:font script="Tibt" typeface="Microsoft Himalaya"/>
-        <a:font script="Thaa" typeface="MV Boli"/>
-        <a:font script="Deva" typeface="Mangal"/>
-        <a:font script="Telu" typeface="Gautami"/>
-        <a:font script="Taml" typeface="Latha"/>
-        <a:font script="Syrc" typeface="Estrangelo Edessa"/>
-        <a:font script="Orya" typeface="Kalinga"/>
-        <a:font script="Mlym" typeface="Kartika"/>
-        <a:font script="Laoo" typeface="DokChampa"/>
-        <a:font script="Sinh" typeface="Iskoola Pota"/>
-        <a:font script="Mong" typeface="Mongolian Baiti"/>
-        <a:font script="Viet" typeface="Times New Roman"/>
-        <a:font script="Uigh" typeface="Microsoft Uighur"/>
-        <a:font script="Geor" typeface="Sylfaen"/>
-      </a:majorFont>
-      <a:minorFont>
-        <a:latin typeface="Arial"/>
-        <a:ea typeface=""/>
-        <a:cs typeface=""/>
-        <a:font script="Jpan" typeface="ＭＳ Ｐゴシック"/>
-        <a:font script="Hang" typeface="맑은 고딕"/>
-        <a:font script="Hans" typeface="宋体"/>
-        <a:font script="Hant" typeface="新細明體"/>
-        <a:font script="Arab" typeface="Arial"/>
-        <a:font script="Hebr" typeface="Arial"/>
-        <a:font script="Thai" typeface="Cordia New"/>
-        <a:font script="Ethi" typeface="Nyala"/>
-        <a:font script="Beng" typeface="Vrinda"/>
-        <a:font script="Gujr" typeface="Shruti"/>
-        <a:font script="Khmr" typeface="DaunPenh"/>
-        <a:font script="Knda" typeface="Tunga"/>
-        <a:font script="Guru" typeface="Raavi"/>
-        <a:font script="Cans" typeface="Euphemia"/>
-        <a:font script="Cher" typeface="Plantagenet Cherokee"/>
-        <a:font script="Yiii" typeface="Microsoft Yi Baiti"/>
-        <a:font script="Tibt" typeface="Microsoft Himalaya"/>
-        <a:font script="Thaa" typeface="MV Boli"/>
-        <a:font script="Deva" typeface="Mangal"/>
-        <a:font script="Telu" typeface="Gautami"/>
-        <a:font script="Taml" typeface="Latha"/>
-        <a:font script="Syrc" typeface="Estrangelo Edessa"/>
-        <a:font script="Orya" typeface="Kalinga"/>
-        <a:font script="Mlym" typeface="Kartika"/>
-        <a:font script="Laoo" typeface="DokChampa"/>
-        <a:font script="Sinh" typeface="Iskoola Pota"/>
-        <a:font script="Mong" typeface="Mongolian Baiti"/>
-        <a:font script="Viet" typeface="Arial"/>
-        <a:font script="Uigh" typeface="Microsoft Uighur"/>
-        <a:font script="Geor" typeface="Sylfaen"/>
-      </a:minorFont>
-    </a:fontScheme>
-    <a:fmtScheme name="Office">
-      <a:fillStyleLst>
-        <a:solidFill>
-          <a:schemeClr val="phClr"/>
-        </a:solidFill>
-        <a:gradFill rotWithShape="1">
-          <a:gsLst>
-            <a:gs pos="0">
-              <a:schemeClr val="phClr">
-                <a:tint val="50000"/>
-                <a:satMod val="300000"/>
-              </a:schemeClr>
-            </a:gs>
-            <a:gs pos="35000">
-              <a:schemeClr val="phClr">
-                <a:tint val="37000"/>
-                <a:satMod val="300000"/>
-              </a:schemeClr>
-            </a:gs>
-            <a:gs pos="100000">
-              <a:schemeClr val="phClr">
-                <a:tint val="15000"/>
-                <a:satMod val="350000"/>
-              </a:schemeClr>
-            </a:gs>
-          </a:gsLst>
-          <a:lin ang="16200000" scaled="1"/>
-        </a:gradFill>
-        <a:gradFill rotWithShape="1">
-          <a:gsLst>
-            <a:gs pos="0">
-              <a:schemeClr val="phClr">
-                <a:tint val="100000"/>
-                <a:shade val="100000"/>
-                <a:satMod val="130000"/>
-              </a:schemeClr>
-            </a:gs>
-            <a:gs pos="100000">
-              <a:schemeClr val="phClr">
-                <a:tint val="50000"/>
-                <a:shade val="100000"/>
-                <a:satMod val="350000"/>
-              </a:schemeClr>
-            </a:gs>
-          </a:gsLst>
-          <a:lin ang="16200000" scaled="0"/>
-        </a:gradFill>
-      </a:fillStyleLst>
-      <a:lnStyleLst>
-        <a:ln w="9525" cap="flat" cmpd="sng" algn="ctr">
-          <a:solidFill>
-            <a:schemeClr val="phClr">
-              <a:shade val="95000"/>
-              <a:satMod val="105000"/>
-            </a:schemeClr>
-          </a:solidFill>
-          <a:prstDash val="solid"/>
-        </a:ln>
-        <a:ln w="25400" cap="flat" cmpd="sng" algn="ctr">
-          <a:solidFill>
-            <a:schemeClr val="phClr"/>
-          </a:solidFill>
-          <a:prstDash val="solid"/>
-        </a:ln>
-        <a:ln w="38100" cap="flat" cmpd="sng" algn="ctr">
-          <a:solidFill>
-            <a:schemeClr val="phClr"/>
-          </a:solidFill>
-          <a:prstDash val="solid"/>
-        </a:ln>
-      </a:lnStyleLst>
-      <a:effectStyleLst>
-        <a:effectStyle>
-          <a:effectLst>
-            <a:outerShdw blurRad="40000" dist="20000" dir="5400000" rotWithShape="0">
-              <a:srgbClr val="000000">
-                <a:alpha val="38000"/>
-              </a:srgbClr>
-            </a:outerShdw>
-          </a:effectLst>
-        </a:effectStyle>
-        <a:effectStyle>
-          <a:effectLst>
-            <a:outerShdw blurRad="40000" dist="23000" dir="5400000" rotWithShape="0">
-              <a:srgbClr val="000000">
-                <a:alpha val="35000"/>
-              </a:srgbClr>
-            </a:outerShdw>
-          </a:effectLst>
-        </a:effectStyle>
-        <a:effectStyle>
-          <a:effectLst>
-            <a:outerShdw blurRad="40000" dist="23000" dir="5400000" rotWithShape="0">
-              <a:srgbClr val="000000">
-                <a:alpha val="35000"/>
-              </a:srgbClr>
-            </a:outerShdw>
-          </a:effectLst>
-          <a:scene3d>
-            <a:camera prst="orthographicFront">
-              <a:rot lat="0" lon="0" rev="0"/>
-            </a:camera>
-            <a:lightRig rig="threePt" dir="t">
-              <a:rot lat="0" lon="0" rev="1200000"/>
-            </a:lightRig>
-          </a:scene3d>
-          <a:sp3d>
-            <a:bevelT w="63500" h="25400"/>
-          </a:sp3d>
-        </a:effectStyle>
-      </a:effectStyleLst>
-      <a:bgFillStyleLst>
-        <a:solidFill>
-          <a:schemeClr val="phClr"/>
-        </a:solidFill>
-        <a:gradFill rotWithShape="1">
-          <a:gsLst>
-            <a:gs pos="0">
-              <a:schemeClr val="phClr">
-                <a:tint val="40000"/>
-                <a:satMod val="350000"/>
-              </a:schemeClr>
-            </a:gs>
-            <a:gs pos="40000">
-              <a:schemeClr val="phClr">
-                <a:tint val="45000"/>
-                <a:shade val="99000"/>
-                <a:satMod val="350000"/>
-              </a:schemeClr>
-            </a:gs>
-            <a:gs pos="100000">
-              <a:schemeClr val="phClr">
-                <a:shade val="20000"/>
-                <a:satMod val="255000"/>
-              </a:schemeClr>
-            </a:gs>
-          </a:gsLst>
-          <a:path path="circle">
-            <a:fillToRect l="50000" t="-80000" r="50000" b="180000"/>
-          </a:path>
-        </a:gradFill>
-        <a:gradFill rotWithShape="1">
-          <a:gsLst>
-            <a:gs pos="0">
-              <a:schemeClr val="phClr">
-                <a:tint val="80000"/>
-                <a:satMod val="300000"/>
-              </a:schemeClr>
-            </a:gs>
-            <a:gs pos="100000">
-              <a:schemeClr val="phClr">
-                <a:shade val="30000"/>
-                <a:satMod val="200000"/>
-              </a:schemeClr>
-            </a:gs>
-          </a:gsLst>
-          <a:path path="circle">
-            <a:fillToRect l="50000" t="50000" r="50000" b="50000"/>
-          </a:path>
-        </a:gradFill>
-      </a:bgFillStyleLst>
-    </a:fmtScheme>
-  </a:themeElements>
+  <a:objectDefaults/>
+  <a:extraClrSchemeLst/>
 </a:theme>
 </file>